--- a/docs/Princípios SOLID de OO usando .NET.pptx
+++ b/docs/Princípios SOLID de OO usando .NET.pptx
@@ -9521,18 +9521,35 @@
         </p:nvSpPr>
         <p:spPr>
           <a:xfrm>
-            <a:off x="1143000" y="2132856"/>
-            <a:ext cx="6858000" cy="1194650"/>
+            <a:off x="1143000" y="1556792"/>
+            <a:ext cx="6858000" cy="1872208"/>
           </a:xfrm>
         </p:spPr>
         <p:txBody>
-          <a:bodyPr/>
+          <a:bodyPr>
+            <a:normAutofit fontScale="90000"/>
+          </a:bodyPr>
           <a:lstStyle/>
           <a:p>
             <a:pPr algn="ctr"/>
             <a:r>
+              <a:rPr lang="pt-BR" dirty="0"/>
+              <a:t>Princípios SOLID de OO </a:t>
+            </a:r>
+            <a:r>
               <a:rPr lang="pt-BR" dirty="0" smtClean="0"/>
-              <a:t>Princípios SOLID</a:t>
+              <a:t/>
+            </a:r>
+            <a:br>
+              <a:rPr lang="pt-BR" dirty="0" smtClean="0"/>
+            </a:br>
+            <a:r>
+              <a:rPr lang="pt-BR" dirty="0" smtClean="0"/>
+              <a:t>usando </a:t>
+            </a:r>
+            <a:r>
+              <a:rPr lang="pt-BR" dirty="0"/>
+              <a:t>.NET</a:t>
             </a:r>
             <a:endParaRPr lang="pt-BR" dirty="0"/>
           </a:p>
@@ -9561,9 +9578,17 @@
           <a:lstStyle/>
           <a:p>
             <a:pPr algn="ctr"/>
+            <a:endParaRPr lang="pt-BR" dirty="0" smtClean="0"/>
+          </a:p>
+          <a:p>
+            <a:pPr algn="ctr"/>
             <a:r>
               <a:rPr lang="pt-BR" dirty="0" smtClean="0"/>
-              <a:t>Ivan Paulovich</a:t>
+              <a:t>Ivan </a:t>
+            </a:r>
+            <a:r>
+              <a:rPr lang="pt-BR" dirty="0" smtClean="0"/>
+              <a:t>Paulovich</a:t>
             </a:r>
             <a:br>
               <a:rPr lang="pt-BR" dirty="0" smtClean="0"/>
@@ -9661,11 +9686,7 @@
             </a:br>
             <a:r>
               <a:rPr lang="pt-BR" dirty="0" smtClean="0"/>
-              <a:t>modelagem </a:t>
-            </a:r>
-            <a:r>
-              <a:rPr lang="pt-BR" dirty="0" smtClean="0"/>
-              <a:t>de classes</a:t>
+              <a:t>modelagem de classes</a:t>
             </a:r>
             <a:endParaRPr lang="pt-BR" dirty="0"/>
           </a:p>
@@ -13037,7 +13058,7 @@
           <a:p>
             <a:r>
               <a:rPr lang="pt-BR" dirty="0" smtClean="0"/>
-              <a:t>Regras de negócio mudam mais frequentemente.</a:t>
+              <a:t>Regras de negócio mudam frequentemente.</a:t>
             </a:r>
           </a:p>
           <a:p>
@@ -13272,28 +13293,16 @@
           <a:p>
             <a:r>
               <a:rPr lang="pt-BR" dirty="0" smtClean="0"/>
-              <a:t>O princípio </a:t>
-            </a:r>
+              <a:t>O princípio mais simples e a mais difícil de aplicar corretamente.</a:t>
+            </a:r>
+          </a:p>
+          <a:p>
+            <a:endParaRPr lang="pt-BR" dirty="0" smtClean="0"/>
+          </a:p>
+          <a:p>
             <a:r>
               <a:rPr lang="pt-BR" dirty="0" smtClean="0"/>
-              <a:t>mais simples e a mais difícil de aplicar corretamente.</a:t>
-            </a:r>
-          </a:p>
-          <a:p>
-            <a:endParaRPr lang="pt-BR" dirty="0" smtClean="0"/>
-          </a:p>
-          <a:p>
-            <a:r>
-              <a:rPr lang="pt-BR" dirty="0" smtClean="0"/>
-              <a:t>Identificar e separar uma responsabilidade da outra é </a:t>
-            </a:r>
-            <a:r>
-              <a:rPr lang="pt-BR" dirty="0" smtClean="0"/>
-              <a:t>uma tarefa muito </a:t>
-            </a:r>
-            <a:r>
-              <a:rPr lang="pt-BR" dirty="0" smtClean="0"/>
-              <a:t>relevante na modelagem.</a:t>
+              <a:t>Identificar e separar uma responsabilidade da outra é uma tarefa muito relevante na modelagem.</a:t>
             </a:r>
           </a:p>
         </p:txBody>
@@ -13678,11 +13687,7 @@
             </a:pPr>
             <a:r>
               <a:rPr lang="pt-BR" dirty="0" smtClean="0"/>
-              <a:t>Módulos aderentes ao OCP</a:t>
-            </a:r>
-            <a:r>
-              <a:rPr lang="pt-BR" dirty="0" smtClean="0"/>
-              <a:t>:</a:t>
+              <a:t>Módulos aderentes ao OCP:</a:t>
             </a:r>
           </a:p>
           <a:p>
@@ -13707,11 +13712,7 @@
             </a:pPr>
             <a:r>
               <a:rPr lang="pt-BR" dirty="0" smtClean="0"/>
-              <a:t>Podemos fazer a classe ter novos e diferentes comportamentos conforme os requisitos são </a:t>
-            </a:r>
-            <a:r>
-              <a:rPr lang="pt-BR" dirty="0" smtClean="0"/>
-              <a:t>alterados</a:t>
+              <a:t>Podemos fazer a classe ter novos e diferentes comportamentos conforme os requisitos são alterados</a:t>
             </a:r>
           </a:p>
           <a:p>
@@ -13736,13 +13737,15 @@
             </a:pPr>
             <a:r>
               <a:rPr lang="pt-BR" dirty="0" smtClean="0"/>
-              <a:t>O código fonte da classe é inviolável. Ninguém é permitido a realizar </a:t>
-            </a:r>
-            <a:r>
+              <a:t>O código fonte da classe é inviolável. </a:t>
+            </a:r>
+            <a:br>
               <a:rPr lang="pt-BR" dirty="0" smtClean="0"/>
-              <a:t>modificações</a:t>
-            </a:r>
-            <a:endParaRPr lang="pt-BR" dirty="0" smtClean="0"/>
+            </a:br>
+            <a:r>
+              <a:rPr lang="pt-BR" dirty="0" smtClean="0"/>
+              <a:t>Ninguém é permitido realizar modificações.</a:t>
+            </a:r>
           </a:p>
           <a:p>
             <a:endParaRPr lang="pt-BR" dirty="0"/>
@@ -15555,23 +15558,57 @@
           </a:p>
           <a:p>
             <a:r>
+              <a:rPr lang="pt-BR" dirty="0"/>
+              <a:t>Sintomas de problemas de m</a:t>
+            </a:r>
+            <a:r>
               <a:rPr lang="pt-BR" dirty="0" smtClean="0"/>
-              <a:t>Como identificar uma modelagem ruim?</a:t>
+              <a:t>odelagem</a:t>
             </a:r>
           </a:p>
           <a:p>
             <a:r>
               <a:rPr lang="pt-BR" dirty="0" smtClean="0"/>
-              <a:t>O que é uma boa modelagem?</a:t>
-            </a:r>
-          </a:p>
-          <a:p>
+              <a:t>O </a:t>
+            </a:r>
             <a:r>
               <a:rPr lang="pt-BR" dirty="0" smtClean="0"/>
-              <a:t>Princípios SOLID</a:t>
-            </a:r>
-          </a:p>
-          <a:p>
+              <a:t>que é uma boa modelagem?</a:t>
+            </a:r>
+          </a:p>
+          <a:p>
+            <a:r>
+              <a:rPr lang="pt-BR" dirty="0"/>
+              <a:t>Princípios de OO </a:t>
+            </a:r>
+            <a:r>
+              <a:rPr lang="pt-BR" dirty="0" smtClean="0"/>
+              <a:t>na modelagem </a:t>
+            </a:r>
+            <a:r>
+              <a:rPr lang="pt-BR" dirty="0"/>
+              <a:t>de </a:t>
+            </a:r>
+            <a:r>
+              <a:rPr lang="pt-BR" dirty="0" smtClean="0"/>
+              <a:t>classes</a:t>
+            </a:r>
+          </a:p>
+          <a:p>
+            <a:r>
+              <a:rPr lang="pt-BR" dirty="0"/>
+              <a:t>Um breve resumo de modelagem em </a:t>
+            </a:r>
+            <a:r>
+              <a:rPr lang="pt-BR" dirty="0" smtClean="0"/>
+              <a:t>OO</a:t>
+            </a:r>
+          </a:p>
+          <a:p>
+            <a:r>
+              <a:rPr lang="pt-BR" dirty="0" smtClean="0"/>
+              <a:t>Perguntas</a:t>
+            </a:r>
             <a:endParaRPr lang="pt-BR" dirty="0"/>
           </a:p>
         </p:txBody>
@@ -20014,7 +20051,11 @@
             </a:r>
             <a:r>
               <a:rPr lang="pt-BR" dirty="0" smtClean="0"/>
-              <a:t> – </a:t>
+              <a:t> </a:t>
+            </a:r>
+            <a:r>
+              <a:rPr lang="pt-BR" dirty="0" smtClean="0"/>
+              <a:t>- </a:t>
             </a:r>
             <a:r>
               <a:rPr lang="pt-BR" dirty="0" err="1" smtClean="0"/>
@@ -20059,6 +20100,10 @@
             <a:r>
               <a:rPr lang="pt-BR" dirty="0" err="1" smtClean="0"/>
               <a:t>principles</a:t>
+            </a:r>
+            <a:r>
+              <a:rPr lang="pt-BR" dirty="0" smtClean="0"/>
+              <a:t>, Gary Mc Hall</a:t>
             </a:r>
             <a:endParaRPr lang="pt-BR" dirty="0" smtClean="0"/>
           </a:p>
@@ -20115,29 +20160,17 @@
               <a:rPr lang="en-US" dirty="0" smtClean="0"/>
             </a:br>
             <a:r>
+              <a:rPr lang="pt-BR" dirty="0">
+                <a:hlinkClick r:id="rId4"/>
+              </a:rPr>
+              <a:t>https://</a:t>
+            </a:r>
+            <a:r>
               <a:rPr lang="pt-BR" dirty="0" smtClean="0">
                 <a:hlinkClick r:id="rId4"/>
               </a:rPr>
-              <a:t>https</a:t>
-            </a:r>
-            <a:r>
-              <a:rPr lang="pt-BR" dirty="0">
-                <a:hlinkClick r:id="rId4"/>
-              </a:rPr>
-              <a:t>://www.slideshare.net/ardalis/refactoring-applications-using-solid-principles?qid=80865344-d0ba-44fa-98ab-2b91e060a7e8&amp;v=&amp;b=&amp;</a:t>
-            </a:r>
-            <a:r>
-              <a:rPr lang="pt-BR" dirty="0" smtClean="0">
-                <a:hlinkClick r:id="rId4"/>
-              </a:rPr>
-              <a:t>from_search=2</a:t>
-            </a:r>
-            <a:endParaRPr lang="pt-BR" dirty="0" smtClean="0"/>
-          </a:p>
-          <a:p>
-            <a:endParaRPr lang="pt-BR" dirty="0" smtClean="0"/>
-          </a:p>
-          <a:p>
+              <a:t>www.slideshare.net/ardalis/refactoring-applications-using-solid-principles</a:t>
+            </a:r>
             <a:endParaRPr lang="pt-BR" dirty="0" smtClean="0"/>
           </a:p>
         </p:txBody>
@@ -21691,11 +21724,7 @@
             </a:r>
             <a:r>
               <a:rPr lang="en-US" dirty="0" smtClean="0"/>
-              <a:t> </a:t>
-            </a:r>
-            <a:r>
-              <a:rPr lang="en-US" dirty="0" smtClean="0"/>
-              <a:t>UML </a:t>
+              <a:t> UML </a:t>
             </a:r>
             <a:r>
               <a:rPr lang="en-US" dirty="0" err="1" smtClean="0"/>
@@ -22081,7 +22110,6 @@
               <a:rPr lang="pt-BR" dirty="0"/>
               <a:t>Por que investir em modelagem?</a:t>
             </a:r>
-            <a:endParaRPr lang="pt-BR" dirty="0"/>
           </a:p>
         </p:txBody>
       </p:sp>
@@ -22262,7 +22290,11 @@
           <a:p>
             <a:r>
               <a:rPr lang="pt-BR" dirty="0" smtClean="0"/>
-              <a:t>Sintomas de problemas de Modelagem</a:t>
+              <a:t>Sintomas de problemas de </a:t>
+            </a:r>
+            <a:r>
+              <a:rPr lang="pt-BR" dirty="0" smtClean="0"/>
+              <a:t>modelagem</a:t>
             </a:r>
             <a:endParaRPr lang="en-US" dirty="0"/>
           </a:p>

--- a/docs/Princípios SOLID de OO usando .NET.pptx
+++ b/docs/Princípios SOLID de OO usando .NET.pptx
@@ -135,7 +135,7 @@
   </p:defaultTextStyle>
   <p:extLst>
     <p:ext uri="{EFAFB233-063F-42B5-8137-9DF3F51BA10A}">
-      <p15:sldGuideLst xmlns:p15="http://schemas.microsoft.com/office/powerpoint/2012/main" xmlns="">
+      <p15:sldGuideLst xmlns="" xmlns:p15="http://schemas.microsoft.com/office/powerpoint/2012/main">
         <p15:guide id="1" orient="horz" pos="2160">
           <p15:clr>
             <a:srgbClr val="A4A3A4"/>
@@ -234,7 +234,7 @@
           <a:p>
             <a:fld id="{835C4B7D-E860-4B95-8646-60DA78D972CD}" type="datetimeFigureOut">
               <a:rPr lang="pt-BR" smtClean="0"/>
-              <a:t>24/07/2017</a:t>
+              <a:t>25/07/2017</a:t>
             </a:fld>
             <a:endParaRPr lang="pt-BR"/>
           </a:p>
@@ -1099,7 +1099,7 @@
           <a:p>
             <a:fld id="{5E1F53C7-D938-4151-992E-AF84745267E3}" type="datetimeFigureOut">
               <a:rPr lang="pt-BR" smtClean="0"/>
-              <a:t>24/07/2017</a:t>
+              <a:t>25/07/2017</a:t>
             </a:fld>
             <a:endParaRPr lang="pt-BR"/>
           </a:p>
@@ -1269,7 +1269,7 @@
           <a:p>
             <a:fld id="{5E1F53C7-D938-4151-992E-AF84745267E3}" type="datetimeFigureOut">
               <a:rPr lang="pt-BR" smtClean="0"/>
-              <a:t>24/07/2017</a:t>
+              <a:t>25/07/2017</a:t>
             </a:fld>
             <a:endParaRPr lang="pt-BR"/>
           </a:p>
@@ -1449,7 +1449,7 @@
           <a:p>
             <a:fld id="{5E1F53C7-D938-4151-992E-AF84745267E3}" type="datetimeFigureOut">
               <a:rPr lang="pt-BR" smtClean="0"/>
-              <a:t>24/07/2017</a:t>
+              <a:t>25/07/2017</a:t>
             </a:fld>
             <a:endParaRPr lang="pt-BR"/>
           </a:p>
@@ -1672,7 +1672,7 @@
           <a:p>
             <a:fld id="{5E1F53C7-D938-4151-992E-AF84745267E3}" type="datetimeFigureOut">
               <a:rPr lang="pt-BR" smtClean="0"/>
-              <a:t>24/07/2017</a:t>
+              <a:t>25/07/2017</a:t>
             </a:fld>
             <a:endParaRPr lang="pt-BR"/>
           </a:p>
@@ -1842,7 +1842,7 @@
           <a:p>
             <a:fld id="{5E1F53C7-D938-4151-992E-AF84745267E3}" type="datetimeFigureOut">
               <a:rPr lang="pt-BR" smtClean="0"/>
-              <a:t>24/07/2017</a:t>
+              <a:t>25/07/2017</a:t>
             </a:fld>
             <a:endParaRPr lang="pt-BR"/>
           </a:p>
@@ -2099,7 +2099,7 @@
           <a:p>
             <a:fld id="{5E1F53C7-D938-4151-992E-AF84745267E3}" type="datetimeFigureOut">
               <a:rPr lang="pt-BR" smtClean="0"/>
-              <a:t>24/07/2017</a:t>
+              <a:t>25/07/2017</a:t>
             </a:fld>
             <a:endParaRPr lang="pt-BR"/>
           </a:p>
@@ -2331,7 +2331,7 @@
           <a:p>
             <a:fld id="{5E1F53C7-D938-4151-992E-AF84745267E3}" type="datetimeFigureOut">
               <a:rPr lang="pt-BR" smtClean="0"/>
-              <a:t>24/07/2017</a:t>
+              <a:t>25/07/2017</a:t>
             </a:fld>
             <a:endParaRPr lang="pt-BR"/>
           </a:p>
@@ -2726,7 +2726,7 @@
           <a:p>
             <a:fld id="{5E1F53C7-D938-4151-992E-AF84745267E3}" type="datetimeFigureOut">
               <a:rPr lang="pt-BR" smtClean="0"/>
-              <a:t>24/07/2017</a:t>
+              <a:t>25/07/2017</a:t>
             </a:fld>
             <a:endParaRPr lang="pt-BR"/>
           </a:p>
@@ -2844,7 +2844,7 @@
           <a:p>
             <a:fld id="{5E1F53C7-D938-4151-992E-AF84745267E3}" type="datetimeFigureOut">
               <a:rPr lang="pt-BR" smtClean="0"/>
-              <a:t>24/07/2017</a:t>
+              <a:t>25/07/2017</a:t>
             </a:fld>
             <a:endParaRPr lang="pt-BR"/>
           </a:p>
@@ -2939,7 +2939,7 @@
           <a:p>
             <a:fld id="{5E1F53C7-D938-4151-992E-AF84745267E3}" type="datetimeFigureOut">
               <a:rPr lang="pt-BR" smtClean="0"/>
-              <a:t>24/07/2017</a:t>
+              <a:t>25/07/2017</a:t>
             </a:fld>
             <a:endParaRPr lang="pt-BR"/>
           </a:p>
@@ -3214,7 +3214,7 @@
           <a:p>
             <a:fld id="{5E1F53C7-D938-4151-992E-AF84745267E3}" type="datetimeFigureOut">
               <a:rPr lang="pt-BR" smtClean="0"/>
-              <a:t>24/07/2017</a:t>
+              <a:t>25/07/2017</a:t>
             </a:fld>
             <a:endParaRPr lang="pt-BR"/>
           </a:p>
@@ -3384,7 +3384,7 @@
           <a:p>
             <a:fld id="{5E1F53C7-D938-4151-992E-AF84745267E3}" type="datetimeFigureOut">
               <a:rPr lang="pt-BR" smtClean="0"/>
-              <a:t>24/07/2017</a:t>
+              <a:t>25/07/2017</a:t>
             </a:fld>
             <a:endParaRPr lang="pt-BR"/>
           </a:p>
@@ -3667,7 +3667,7 @@
           <a:p>
             <a:fld id="{5E1F53C7-D938-4151-992E-AF84745267E3}" type="datetimeFigureOut">
               <a:rPr lang="pt-BR" smtClean="0"/>
-              <a:t>24/07/2017</a:t>
+              <a:t>25/07/2017</a:t>
             </a:fld>
             <a:endParaRPr lang="pt-BR"/>
           </a:p>
@@ -3948,7 +3948,7 @@
           <a:p>
             <a:fld id="{5E1F53C7-D938-4151-992E-AF84745267E3}" type="datetimeFigureOut">
               <a:rPr lang="pt-BR" smtClean="0"/>
-              <a:t>24/07/2017</a:t>
+              <a:t>25/07/2017</a:t>
             </a:fld>
             <a:endParaRPr lang="pt-BR"/>
           </a:p>
@@ -4140,7 +4140,7 @@
           <a:p>
             <a:fld id="{5E1F53C7-D938-4151-992E-AF84745267E3}" type="datetimeFigureOut">
               <a:rPr lang="pt-BR" smtClean="0"/>
-              <a:t>24/07/2017</a:t>
+              <a:t>25/07/2017</a:t>
             </a:fld>
             <a:endParaRPr lang="pt-BR"/>
           </a:p>
@@ -4401,7 +4401,7 @@
           <a:p>
             <a:fld id="{5E1F53C7-D938-4151-992E-AF84745267E3}" type="datetimeFigureOut">
               <a:rPr lang="pt-BR" smtClean="0"/>
-              <a:t>24/07/2017</a:t>
+              <a:t>25/07/2017</a:t>
             </a:fld>
             <a:endParaRPr lang="pt-BR"/>
           </a:p>
@@ -4827,7 +4827,7 @@
           <a:p>
             <a:fld id="{5E1F53C7-D938-4151-992E-AF84745267E3}" type="datetimeFigureOut">
               <a:rPr lang="pt-BR" smtClean="0"/>
-              <a:t>24/07/2017</a:t>
+              <a:t>25/07/2017</a:t>
             </a:fld>
             <a:endParaRPr lang="pt-BR"/>
           </a:p>
@@ -5373,7 +5373,7 @@
           <a:p>
             <a:fld id="{5E1F53C7-D938-4151-992E-AF84745267E3}" type="datetimeFigureOut">
               <a:rPr lang="pt-BR" smtClean="0"/>
-              <a:t>24/07/2017</a:t>
+              <a:t>25/07/2017</a:t>
             </a:fld>
             <a:endParaRPr lang="pt-BR"/>
           </a:p>
@@ -6204,7 +6204,7 @@
           <a:p>
             <a:fld id="{5E1F53C7-D938-4151-992E-AF84745267E3}" type="datetimeFigureOut">
               <a:rPr lang="pt-BR" smtClean="0"/>
-              <a:t>24/07/2017</a:t>
+              <a:t>25/07/2017</a:t>
             </a:fld>
             <a:endParaRPr lang="pt-BR"/>
           </a:p>
@@ -6374,7 +6374,7 @@
           <a:p>
             <a:fld id="{5E1F53C7-D938-4151-992E-AF84745267E3}" type="datetimeFigureOut">
               <a:rPr lang="pt-BR" smtClean="0"/>
-              <a:t>24/07/2017</a:t>
+              <a:t>25/07/2017</a:t>
             </a:fld>
             <a:endParaRPr lang="pt-BR"/>
           </a:p>
@@ -6554,7 +6554,7 @@
           <a:p>
             <a:fld id="{5E1F53C7-D938-4151-992E-AF84745267E3}" type="datetimeFigureOut">
               <a:rPr lang="pt-BR" smtClean="0"/>
-              <a:t>24/07/2017</a:t>
+              <a:t>25/07/2017</a:t>
             </a:fld>
             <a:endParaRPr lang="pt-BR"/>
           </a:p>
@@ -6805,7 +6805,7 @@
           <a:p>
             <a:fld id="{5E1F53C7-D938-4151-992E-AF84745267E3}" type="datetimeFigureOut">
               <a:rPr lang="pt-BR" smtClean="0"/>
-              <a:t>24/07/2017</a:t>
+              <a:t>25/07/2017</a:t>
             </a:fld>
             <a:endParaRPr lang="pt-BR"/>
           </a:p>
@@ -7037,7 +7037,7 @@
           <a:p>
             <a:fld id="{5E1F53C7-D938-4151-992E-AF84745267E3}" type="datetimeFigureOut">
               <a:rPr lang="pt-BR" smtClean="0"/>
-              <a:t>24/07/2017</a:t>
+              <a:t>25/07/2017</a:t>
             </a:fld>
             <a:endParaRPr lang="pt-BR"/>
           </a:p>
@@ -7384,7 +7384,7 @@
           <a:p>
             <a:fld id="{5E1F53C7-D938-4151-992E-AF84745267E3}" type="datetimeFigureOut">
               <a:rPr lang="pt-BR" smtClean="0"/>
-              <a:t>24/07/2017</a:t>
+              <a:t>25/07/2017</a:t>
             </a:fld>
             <a:endParaRPr lang="pt-BR"/>
           </a:p>
@@ -7502,7 +7502,7 @@
           <a:p>
             <a:fld id="{5E1F53C7-D938-4151-992E-AF84745267E3}" type="datetimeFigureOut">
               <a:rPr lang="pt-BR" smtClean="0"/>
-              <a:t>24/07/2017</a:t>
+              <a:t>25/07/2017</a:t>
             </a:fld>
             <a:endParaRPr lang="pt-BR"/>
           </a:p>
@@ -7620,7 +7620,7 @@
           <a:p>
             <a:fld id="{5E1F53C7-D938-4151-992E-AF84745267E3}" type="datetimeFigureOut">
               <a:rPr lang="pt-BR" smtClean="0"/>
-              <a:t>24/07/2017</a:t>
+              <a:t>25/07/2017</a:t>
             </a:fld>
             <a:endParaRPr lang="pt-BR"/>
           </a:p>
@@ -7904,7 +7904,7 @@
           <a:p>
             <a:fld id="{5E1F53C7-D938-4151-992E-AF84745267E3}" type="datetimeFigureOut">
               <a:rPr lang="pt-BR" smtClean="0"/>
-              <a:t>24/07/2017</a:t>
+              <a:t>25/07/2017</a:t>
             </a:fld>
             <a:endParaRPr lang="pt-BR"/>
           </a:p>
@@ -8168,7 +8168,7 @@
           <a:p>
             <a:fld id="{5E1F53C7-D938-4151-992E-AF84745267E3}" type="datetimeFigureOut">
               <a:rPr lang="pt-BR" smtClean="0"/>
-              <a:t>24/07/2017</a:t>
+              <a:t>25/07/2017</a:t>
             </a:fld>
             <a:endParaRPr lang="pt-BR"/>
           </a:p>
@@ -8391,7 +8391,7 @@
           <a:p>
             <a:fld id="{5E1F53C7-D938-4151-992E-AF84745267E3}" type="datetimeFigureOut">
               <a:rPr lang="pt-BR" smtClean="0"/>
-              <a:t>24/07/2017</a:t>
+              <a:t>25/07/2017</a:t>
             </a:fld>
             <a:endParaRPr lang="pt-BR"/>
           </a:p>
@@ -8947,7 +8947,7 @@
           <a:p>
             <a:fld id="{5E1F53C7-D938-4151-992E-AF84745267E3}" type="datetimeFigureOut">
               <a:rPr lang="pt-BR" smtClean="0"/>
-              <a:t>24/07/2017</a:t>
+              <a:t>25/07/2017</a:t>
             </a:fld>
             <a:endParaRPr lang="pt-BR"/>
           </a:p>
@@ -9551,7 +9551,6 @@
               <a:rPr lang="pt-BR" dirty="0"/>
               <a:t>.NET</a:t>
             </a:r>
-            <a:endParaRPr lang="pt-BR" dirty="0"/>
           </a:p>
         </p:txBody>
       </p:sp>
@@ -9584,11 +9583,7 @@
             <a:pPr algn="ctr"/>
             <a:r>
               <a:rPr lang="pt-BR" dirty="0" smtClean="0"/>
-              <a:t>Ivan </a:t>
-            </a:r>
-            <a:r>
-              <a:rPr lang="pt-BR" dirty="0" smtClean="0"/>
-              <a:t>Paulovich</a:t>
+              <a:t>Ivan Paulovich</a:t>
             </a:r>
             <a:br>
               <a:rPr lang="pt-BR" dirty="0" smtClean="0"/>
@@ -9692,1894 +9687,447 @@
           </a:p>
         </p:txBody>
       </p:sp>
-      <p:grpSp>
-        <p:nvGrpSpPr>
-          <p:cNvPr id="3" name="Grupo 2"/>
-          <p:cNvGrpSpPr/>
+      <p:sp>
+        <p:nvSpPr>
+          <p:cNvPr id="15" name="Retângulo de cantos arredondados 14"/>
+          <p:cNvSpPr/>
           <p:nvPr/>
-        </p:nvGrpSpPr>
-        <p:grpSpPr>
+        </p:nvSpPr>
+        <p:spPr>
           <a:xfrm>
-            <a:off x="2086039" y="1846609"/>
-            <a:ext cx="4875233" cy="4060428"/>
-            <a:chOff x="2086039" y="1846609"/>
-            <a:chExt cx="4875233" cy="4060428"/>
+            <a:off x="2699792" y="1665287"/>
+            <a:ext cx="3816424" cy="914400"/>
           </a:xfrm>
-        </p:grpSpPr>
-        <p:sp>
-          <p:nvSpPr>
-            <p:cNvPr id="5" name="Forma livre 4"/>
-            <p:cNvSpPr/>
-            <p:nvPr/>
-          </p:nvSpPr>
-          <p:spPr>
-            <a:xfrm>
-              <a:off x="3059831" y="1924695"/>
-              <a:ext cx="3901441" cy="624682"/>
-            </a:xfrm>
-            <a:custGeom>
-              <a:avLst/>
-              <a:gdLst>
-                <a:gd name="connsiteX0" fmla="*/ 104116 w 624681"/>
-                <a:gd name="connsiteY0" fmla="*/ 0 h 3901440"/>
-                <a:gd name="connsiteX1" fmla="*/ 520565 w 624681"/>
-                <a:gd name="connsiteY1" fmla="*/ 0 h 3901440"/>
-                <a:gd name="connsiteX2" fmla="*/ 624681 w 624681"/>
-                <a:gd name="connsiteY2" fmla="*/ 104116 h 3901440"/>
-                <a:gd name="connsiteX3" fmla="*/ 624681 w 624681"/>
-                <a:gd name="connsiteY3" fmla="*/ 3901440 h 3901440"/>
-                <a:gd name="connsiteX4" fmla="*/ 624681 w 624681"/>
-                <a:gd name="connsiteY4" fmla="*/ 3901440 h 3901440"/>
-                <a:gd name="connsiteX5" fmla="*/ 0 w 624681"/>
-                <a:gd name="connsiteY5" fmla="*/ 3901440 h 3901440"/>
-                <a:gd name="connsiteX6" fmla="*/ 0 w 624681"/>
-                <a:gd name="connsiteY6" fmla="*/ 3901440 h 3901440"/>
-                <a:gd name="connsiteX7" fmla="*/ 0 w 624681"/>
-                <a:gd name="connsiteY7" fmla="*/ 104116 h 3901440"/>
-                <a:gd name="connsiteX8" fmla="*/ 104116 w 624681"/>
-                <a:gd name="connsiteY8" fmla="*/ 0 h 3901440"/>
-              </a:gdLst>
-              <a:ahLst/>
-              <a:cxnLst>
-                <a:cxn ang="0">
-                  <a:pos x="connsiteX0" y="connsiteY0"/>
-                </a:cxn>
-                <a:cxn ang="0">
-                  <a:pos x="connsiteX1" y="connsiteY1"/>
-                </a:cxn>
-                <a:cxn ang="0">
-                  <a:pos x="connsiteX2" y="connsiteY2"/>
-                </a:cxn>
-                <a:cxn ang="0">
-                  <a:pos x="connsiteX3" y="connsiteY3"/>
-                </a:cxn>
-                <a:cxn ang="0">
-                  <a:pos x="connsiteX4" y="connsiteY4"/>
-                </a:cxn>
-                <a:cxn ang="0">
-                  <a:pos x="connsiteX5" y="connsiteY5"/>
-                </a:cxn>
-                <a:cxn ang="0">
-                  <a:pos x="connsiteX6" y="connsiteY6"/>
-                </a:cxn>
-                <a:cxn ang="0">
-                  <a:pos x="connsiteX7" y="connsiteY7"/>
-                </a:cxn>
-                <a:cxn ang="0">
-                  <a:pos x="connsiteX8" y="connsiteY8"/>
-                </a:cxn>
-              </a:cxnLst>
-              <a:rect l="l" t="t" r="r" b="b"/>
-              <a:pathLst>
-                <a:path w="624681" h="3901440">
-                  <a:moveTo>
-                    <a:pt x="624681" y="650258"/>
-                  </a:moveTo>
-                  <a:lnTo>
-                    <a:pt x="624681" y="3251182"/>
-                  </a:lnTo>
-                  <a:cubicBezTo>
-                    <a:pt x="624681" y="3610310"/>
-                    <a:pt x="617217" y="3901437"/>
-                    <a:pt x="608010" y="3901437"/>
-                  </a:cubicBezTo>
-                  <a:lnTo>
-                    <a:pt x="0" y="3901437"/>
-                  </a:lnTo>
-                  <a:lnTo>
-                    <a:pt x="0" y="3901437"/>
-                  </a:lnTo>
-                  <a:lnTo>
-                    <a:pt x="0" y="3"/>
-                  </a:lnTo>
-                  <a:lnTo>
-                    <a:pt x="0" y="3"/>
-                  </a:lnTo>
-                  <a:lnTo>
-                    <a:pt x="608010" y="3"/>
-                  </a:lnTo>
-                  <a:cubicBezTo>
-                    <a:pt x="617217" y="3"/>
-                    <a:pt x="624681" y="291130"/>
-                    <a:pt x="624681" y="650258"/>
-                  </a:cubicBezTo>
-                  <a:close/>
-                </a:path>
-              </a:pathLst>
-            </a:custGeom>
-          </p:spPr>
-          <p:style>
-            <a:lnRef idx="2">
-              <a:schemeClr val="accent1">
-                <a:alpha val="90000"/>
-                <a:tint val="40000"/>
-                <a:hueOff val="0"/>
-                <a:satOff val="0"/>
-                <a:lumOff val="0"/>
-                <a:alphaOff val="0"/>
-              </a:schemeClr>
-            </a:lnRef>
-            <a:fillRef idx="1">
-              <a:schemeClr val="accent1">
-                <a:alpha val="90000"/>
-                <a:tint val="40000"/>
-                <a:hueOff val="0"/>
-                <a:satOff val="0"/>
-                <a:lumOff val="0"/>
-                <a:alphaOff val="0"/>
-              </a:schemeClr>
-            </a:fillRef>
-            <a:effectRef idx="0">
-              <a:schemeClr val="accent1">
-                <a:alpha val="90000"/>
-                <a:tint val="40000"/>
-                <a:hueOff val="0"/>
-                <a:satOff val="0"/>
-                <a:lumOff val="0"/>
-                <a:alphaOff val="0"/>
-              </a:schemeClr>
-            </a:effectRef>
-            <a:fontRef idx="minor">
-              <a:schemeClr val="dk1">
-                <a:hueOff val="0"/>
-                <a:satOff val="0"/>
-                <a:lumOff val="0"/>
-                <a:alphaOff val="0"/>
-              </a:schemeClr>
-            </a:fontRef>
-          </p:style>
-          <p:txBody>
-            <a:bodyPr spcFirstLastPara="0" vert="horz" wrap="square" lIns="80011" tIns="70499" rIns="110504" bIns="70500" numCol="1" spcCol="1270" anchor="ctr" anchorCtr="0">
-              <a:noAutofit/>
-            </a:bodyPr>
-            <a:lstStyle/>
-            <a:p>
-              <a:pPr marL="0" lvl="1" algn="l" defTabSz="933450">
-                <a:lnSpc>
-                  <a:spcPct val="90000"/>
-                </a:lnSpc>
-                <a:spcBef>
-                  <a:spcPct val="0"/>
-                </a:spcBef>
-                <a:spcAft>
-                  <a:spcPct val="15000"/>
-                </a:spcAft>
-              </a:pPr>
-              <a:r>
-                <a:rPr lang="pt-BR" sz="2100" b="1" kern="1200" dirty="0" smtClean="0">
-                  <a:solidFill>
-                    <a:schemeClr val="bg1"/>
-                  </a:solidFill>
-                  <a:effectLst/>
-                </a:rPr>
-                <a:t>Single </a:t>
-              </a:r>
-              <a:r>
-                <a:rPr lang="pt-BR" sz="2100" b="1" kern="1200" dirty="0" err="1" smtClean="0">
-                  <a:solidFill>
-                    <a:schemeClr val="bg1"/>
-                  </a:solidFill>
-                  <a:effectLst/>
-                </a:rPr>
-                <a:t>Responsibility</a:t>
-              </a:r>
-              <a:r>
-                <a:rPr lang="pt-BR" sz="2100" b="1" kern="1200" dirty="0" smtClean="0">
-                  <a:solidFill>
-                    <a:schemeClr val="bg1"/>
-                  </a:solidFill>
-                  <a:effectLst/>
-                </a:rPr>
-                <a:t> </a:t>
-              </a:r>
-              <a:r>
-                <a:rPr lang="pt-BR" sz="2100" b="1" kern="1200" dirty="0" err="1" smtClean="0">
-                  <a:solidFill>
-                    <a:schemeClr val="bg1"/>
-                  </a:solidFill>
-                  <a:effectLst/>
-                </a:rPr>
-                <a:t>Principle</a:t>
-              </a:r>
-              <a:endParaRPr lang="pt-BR" sz="2100" b="1" kern="1200" dirty="0">
+          <a:prstGeom prst="roundRect">
+            <a:avLst/>
+          </a:prstGeom>
+        </p:spPr>
+        <p:style>
+          <a:lnRef idx="2">
+            <a:schemeClr val="accent1">
+              <a:shade val="50000"/>
+            </a:schemeClr>
+          </a:lnRef>
+          <a:fillRef idx="1">
+            <a:schemeClr val="accent1"/>
+          </a:fillRef>
+          <a:effectRef idx="0">
+            <a:schemeClr val="accent1"/>
+          </a:effectRef>
+          <a:fontRef idx="minor">
+            <a:schemeClr val="lt1"/>
+          </a:fontRef>
+        </p:style>
+        <p:txBody>
+          <a:bodyPr rtlCol="0" anchor="ctr"/>
+          <a:lstStyle/>
+          <a:p>
+            <a:r>
+              <a:rPr lang="pt-BR" sz="2000" b="1" dirty="0" smtClean="0">
                 <a:solidFill>
                   <a:schemeClr val="bg1"/>
                 </a:solidFill>
-              </a:endParaRPr>
-            </a:p>
-          </p:txBody>
-        </p:sp>
-        <p:sp>
-          <p:nvSpPr>
-            <p:cNvPr id="6" name="Forma livre 5"/>
-            <p:cNvSpPr/>
-            <p:nvPr/>
-          </p:nvSpPr>
-          <p:spPr>
-            <a:xfrm>
-              <a:off x="2086039" y="1846609"/>
-              <a:ext cx="973792" cy="780851"/>
-            </a:xfrm>
-            <a:custGeom>
-              <a:avLst/>
-              <a:gdLst>
-                <a:gd name="connsiteX0" fmla="*/ 0 w 973792"/>
-                <a:gd name="connsiteY0" fmla="*/ 130144 h 780851"/>
-                <a:gd name="connsiteX1" fmla="*/ 130144 w 973792"/>
-                <a:gd name="connsiteY1" fmla="*/ 0 h 780851"/>
-                <a:gd name="connsiteX2" fmla="*/ 843648 w 973792"/>
-                <a:gd name="connsiteY2" fmla="*/ 0 h 780851"/>
-                <a:gd name="connsiteX3" fmla="*/ 973792 w 973792"/>
-                <a:gd name="connsiteY3" fmla="*/ 130144 h 780851"/>
-                <a:gd name="connsiteX4" fmla="*/ 973792 w 973792"/>
-                <a:gd name="connsiteY4" fmla="*/ 650707 h 780851"/>
-                <a:gd name="connsiteX5" fmla="*/ 843648 w 973792"/>
-                <a:gd name="connsiteY5" fmla="*/ 780851 h 780851"/>
-                <a:gd name="connsiteX6" fmla="*/ 130144 w 973792"/>
-                <a:gd name="connsiteY6" fmla="*/ 780851 h 780851"/>
-                <a:gd name="connsiteX7" fmla="*/ 0 w 973792"/>
-                <a:gd name="connsiteY7" fmla="*/ 650707 h 780851"/>
-                <a:gd name="connsiteX8" fmla="*/ 0 w 973792"/>
-                <a:gd name="connsiteY8" fmla="*/ 130144 h 780851"/>
-              </a:gdLst>
-              <a:ahLst/>
-              <a:cxnLst>
-                <a:cxn ang="0">
-                  <a:pos x="connsiteX0" y="connsiteY0"/>
-                </a:cxn>
-                <a:cxn ang="0">
-                  <a:pos x="connsiteX1" y="connsiteY1"/>
-                </a:cxn>
-                <a:cxn ang="0">
-                  <a:pos x="connsiteX2" y="connsiteY2"/>
-                </a:cxn>
-                <a:cxn ang="0">
-                  <a:pos x="connsiteX3" y="connsiteY3"/>
-                </a:cxn>
-                <a:cxn ang="0">
-                  <a:pos x="connsiteX4" y="connsiteY4"/>
-                </a:cxn>
-                <a:cxn ang="0">
-                  <a:pos x="connsiteX5" y="connsiteY5"/>
-                </a:cxn>
-                <a:cxn ang="0">
-                  <a:pos x="connsiteX6" y="connsiteY6"/>
-                </a:cxn>
-                <a:cxn ang="0">
-                  <a:pos x="connsiteX7" y="connsiteY7"/>
-                </a:cxn>
-                <a:cxn ang="0">
-                  <a:pos x="connsiteX8" y="connsiteY8"/>
-                </a:cxn>
-              </a:cxnLst>
-              <a:rect l="l" t="t" r="r" b="b"/>
-              <a:pathLst>
-                <a:path w="973792" h="780851">
-                  <a:moveTo>
-                    <a:pt x="0" y="130144"/>
-                  </a:moveTo>
-                  <a:cubicBezTo>
-                    <a:pt x="0" y="58267"/>
-                    <a:pt x="58267" y="0"/>
-                    <a:pt x="130144" y="0"/>
-                  </a:cubicBezTo>
-                  <a:lnTo>
-                    <a:pt x="843648" y="0"/>
-                  </a:lnTo>
-                  <a:cubicBezTo>
-                    <a:pt x="915525" y="0"/>
-                    <a:pt x="973792" y="58267"/>
-                    <a:pt x="973792" y="130144"/>
-                  </a:cubicBezTo>
-                  <a:lnTo>
-                    <a:pt x="973792" y="650707"/>
-                  </a:lnTo>
-                  <a:cubicBezTo>
-                    <a:pt x="973792" y="722584"/>
-                    <a:pt x="915525" y="780851"/>
-                    <a:pt x="843648" y="780851"/>
-                  </a:cubicBezTo>
-                  <a:lnTo>
-                    <a:pt x="130144" y="780851"/>
-                  </a:lnTo>
-                  <a:cubicBezTo>
-                    <a:pt x="58267" y="780851"/>
-                    <a:pt x="0" y="722584"/>
-                    <a:pt x="0" y="650707"/>
-                  </a:cubicBezTo>
-                  <a:lnTo>
-                    <a:pt x="0" y="130144"/>
-                  </a:lnTo>
-                  <a:close/>
-                </a:path>
-              </a:pathLst>
-            </a:custGeom>
-          </p:spPr>
-          <p:style>
-            <a:lnRef idx="2">
-              <a:schemeClr val="lt1">
-                <a:hueOff val="0"/>
-                <a:satOff val="0"/>
-                <a:lumOff val="0"/>
-                <a:alphaOff val="0"/>
-              </a:schemeClr>
-            </a:lnRef>
-            <a:fillRef idx="1">
-              <a:schemeClr val="accent1">
-                <a:hueOff val="0"/>
-                <a:satOff val="0"/>
-                <a:lumOff val="0"/>
-                <a:alphaOff val="0"/>
-              </a:schemeClr>
-            </a:fillRef>
-            <a:effectRef idx="0">
-              <a:schemeClr val="accent1">
-                <a:hueOff val="0"/>
-                <a:satOff val="0"/>
-                <a:lumOff val="0"/>
-                <a:alphaOff val="0"/>
-              </a:schemeClr>
-            </a:effectRef>
-            <a:fontRef idx="minor">
-              <a:schemeClr val="lt1"/>
-            </a:fontRef>
-          </p:style>
-          <p:txBody>
-            <a:bodyPr spcFirstLastPara="0" vert="horz" wrap="square" lIns="186708" tIns="112413" rIns="186708" bIns="112413" numCol="1" spcCol="1270" anchor="ctr" anchorCtr="0">
-              <a:noAutofit/>
-            </a:bodyPr>
-            <a:lstStyle/>
-            <a:p>
-              <a:pPr lvl="0" algn="ctr" defTabSz="1733550">
-                <a:lnSpc>
-                  <a:spcPct val="90000"/>
-                </a:lnSpc>
-                <a:spcBef>
-                  <a:spcPct val="0"/>
-                </a:spcBef>
-                <a:spcAft>
-                  <a:spcPct val="35000"/>
-                </a:spcAft>
-              </a:pPr>
-              <a:r>
-                <a:rPr lang="pt-BR" sz="3900" kern="1200" dirty="0" smtClean="0">
-                  <a:solidFill>
-                    <a:schemeClr val="bg1"/>
-                  </a:solidFill>
-                </a:rPr>
-                <a:t>S</a:t>
-              </a:r>
-              <a:endParaRPr lang="pt-BR" sz="3900" kern="1200" dirty="0">
+              </a:rPr>
+              <a:t>S</a:t>
+            </a:r>
+            <a:r>
+              <a:rPr lang="pt-BR" sz="2000" dirty="0" smtClean="0">
                 <a:solidFill>
                   <a:schemeClr val="bg1"/>
                 </a:solidFill>
-              </a:endParaRPr>
-            </a:p>
-          </p:txBody>
-        </p:sp>
-        <p:sp>
-          <p:nvSpPr>
-            <p:cNvPr id="7" name="Forma livre 6"/>
-            <p:cNvSpPr/>
-            <p:nvPr/>
-          </p:nvSpPr>
-          <p:spPr>
-            <a:xfrm>
-              <a:off x="3059831" y="2744589"/>
-              <a:ext cx="3901441" cy="624682"/>
-            </a:xfrm>
-            <a:custGeom>
-              <a:avLst/>
-              <a:gdLst>
-                <a:gd name="connsiteX0" fmla="*/ 104116 w 624681"/>
-                <a:gd name="connsiteY0" fmla="*/ 0 h 3901440"/>
-                <a:gd name="connsiteX1" fmla="*/ 520565 w 624681"/>
-                <a:gd name="connsiteY1" fmla="*/ 0 h 3901440"/>
-                <a:gd name="connsiteX2" fmla="*/ 624681 w 624681"/>
-                <a:gd name="connsiteY2" fmla="*/ 104116 h 3901440"/>
-                <a:gd name="connsiteX3" fmla="*/ 624681 w 624681"/>
-                <a:gd name="connsiteY3" fmla="*/ 3901440 h 3901440"/>
-                <a:gd name="connsiteX4" fmla="*/ 624681 w 624681"/>
-                <a:gd name="connsiteY4" fmla="*/ 3901440 h 3901440"/>
-                <a:gd name="connsiteX5" fmla="*/ 0 w 624681"/>
-                <a:gd name="connsiteY5" fmla="*/ 3901440 h 3901440"/>
-                <a:gd name="connsiteX6" fmla="*/ 0 w 624681"/>
-                <a:gd name="connsiteY6" fmla="*/ 3901440 h 3901440"/>
-                <a:gd name="connsiteX7" fmla="*/ 0 w 624681"/>
-                <a:gd name="connsiteY7" fmla="*/ 104116 h 3901440"/>
-                <a:gd name="connsiteX8" fmla="*/ 104116 w 624681"/>
-                <a:gd name="connsiteY8" fmla="*/ 0 h 3901440"/>
-              </a:gdLst>
-              <a:ahLst/>
-              <a:cxnLst>
-                <a:cxn ang="0">
-                  <a:pos x="connsiteX0" y="connsiteY0"/>
-                </a:cxn>
-                <a:cxn ang="0">
-                  <a:pos x="connsiteX1" y="connsiteY1"/>
-                </a:cxn>
-                <a:cxn ang="0">
-                  <a:pos x="connsiteX2" y="connsiteY2"/>
-                </a:cxn>
-                <a:cxn ang="0">
-                  <a:pos x="connsiteX3" y="connsiteY3"/>
-                </a:cxn>
-                <a:cxn ang="0">
-                  <a:pos x="connsiteX4" y="connsiteY4"/>
-                </a:cxn>
-                <a:cxn ang="0">
-                  <a:pos x="connsiteX5" y="connsiteY5"/>
-                </a:cxn>
-                <a:cxn ang="0">
-                  <a:pos x="connsiteX6" y="connsiteY6"/>
-                </a:cxn>
-                <a:cxn ang="0">
-                  <a:pos x="connsiteX7" y="connsiteY7"/>
-                </a:cxn>
-                <a:cxn ang="0">
-                  <a:pos x="connsiteX8" y="connsiteY8"/>
-                </a:cxn>
-              </a:cxnLst>
-              <a:rect l="l" t="t" r="r" b="b"/>
-              <a:pathLst>
-                <a:path w="624681" h="3901440">
-                  <a:moveTo>
-                    <a:pt x="624681" y="650258"/>
-                  </a:moveTo>
-                  <a:lnTo>
-                    <a:pt x="624681" y="3251182"/>
-                  </a:lnTo>
-                  <a:cubicBezTo>
-                    <a:pt x="624681" y="3610310"/>
-                    <a:pt x="617217" y="3901437"/>
-                    <a:pt x="608010" y="3901437"/>
-                  </a:cubicBezTo>
-                  <a:lnTo>
-                    <a:pt x="0" y="3901437"/>
-                  </a:lnTo>
-                  <a:lnTo>
-                    <a:pt x="0" y="3901437"/>
-                  </a:lnTo>
-                  <a:lnTo>
-                    <a:pt x="0" y="3"/>
-                  </a:lnTo>
-                  <a:lnTo>
-                    <a:pt x="0" y="3"/>
-                  </a:lnTo>
-                  <a:lnTo>
-                    <a:pt x="608010" y="3"/>
-                  </a:lnTo>
-                  <a:cubicBezTo>
-                    <a:pt x="617217" y="3"/>
-                    <a:pt x="624681" y="291130"/>
-                    <a:pt x="624681" y="650258"/>
-                  </a:cubicBezTo>
-                  <a:close/>
-                </a:path>
-              </a:pathLst>
-            </a:custGeom>
-          </p:spPr>
-          <p:style>
-            <a:lnRef idx="2">
-              <a:schemeClr val="accent1">
-                <a:alpha val="90000"/>
-                <a:tint val="40000"/>
-                <a:hueOff val="0"/>
-                <a:satOff val="0"/>
-                <a:lumOff val="0"/>
-                <a:alphaOff val="0"/>
-              </a:schemeClr>
-            </a:lnRef>
-            <a:fillRef idx="1">
-              <a:schemeClr val="accent1">
-                <a:alpha val="90000"/>
-                <a:tint val="40000"/>
-                <a:hueOff val="0"/>
-                <a:satOff val="0"/>
-                <a:lumOff val="0"/>
-                <a:alphaOff val="0"/>
-              </a:schemeClr>
-            </a:fillRef>
-            <a:effectRef idx="0">
-              <a:schemeClr val="accent1">
-                <a:alpha val="90000"/>
-                <a:tint val="40000"/>
-                <a:hueOff val="0"/>
-                <a:satOff val="0"/>
-                <a:lumOff val="0"/>
-                <a:alphaOff val="0"/>
-              </a:schemeClr>
-            </a:effectRef>
-            <a:fontRef idx="minor">
-              <a:schemeClr val="dk1">
-                <a:hueOff val="0"/>
-                <a:satOff val="0"/>
-                <a:lumOff val="0"/>
-                <a:alphaOff val="0"/>
-              </a:schemeClr>
-            </a:fontRef>
-          </p:style>
-          <p:txBody>
-            <a:bodyPr spcFirstLastPara="0" vert="horz" wrap="square" lIns="80011" tIns="70499" rIns="110504" bIns="70500" numCol="1" spcCol="1270" anchor="ctr" anchorCtr="0">
-              <a:noAutofit/>
-            </a:bodyPr>
-            <a:lstStyle/>
-            <a:p>
-              <a:pPr marL="0" lvl="1" algn="l" defTabSz="933450">
-                <a:lnSpc>
-                  <a:spcPct val="90000"/>
-                </a:lnSpc>
-                <a:spcBef>
-                  <a:spcPct val="0"/>
-                </a:spcBef>
-                <a:spcAft>
-                  <a:spcPct val="15000"/>
-                </a:spcAft>
-              </a:pPr>
-              <a:r>
-                <a:rPr lang="pt-BR" sz="2100" b="1" kern="1200" dirty="0" smtClean="0">
-                  <a:solidFill>
-                    <a:schemeClr val="bg1"/>
-                  </a:solidFill>
-                  <a:effectLst/>
-                </a:rPr>
-                <a:t>Open </a:t>
-              </a:r>
-              <a:r>
-                <a:rPr lang="pt-BR" sz="2100" b="1" kern="1200" dirty="0" err="1" smtClean="0">
-                  <a:solidFill>
-                    <a:schemeClr val="bg1"/>
-                  </a:solidFill>
-                  <a:effectLst/>
-                </a:rPr>
-                <a:t>Closed</a:t>
-              </a:r>
-              <a:r>
-                <a:rPr lang="pt-BR" sz="2100" b="1" kern="1200" dirty="0" smtClean="0">
-                  <a:solidFill>
-                    <a:schemeClr val="bg1"/>
-                  </a:solidFill>
-                  <a:effectLst/>
-                </a:rPr>
-                <a:t> </a:t>
-              </a:r>
-              <a:r>
-                <a:rPr lang="pt-BR" sz="2100" b="1" kern="1200" dirty="0" err="1" smtClean="0">
-                  <a:solidFill>
-                    <a:schemeClr val="bg1"/>
-                  </a:solidFill>
-                  <a:effectLst/>
-                </a:rPr>
-                <a:t>Principle</a:t>
-              </a:r>
-              <a:endParaRPr lang="pt-BR" sz="2100" b="1" kern="1200" dirty="0">
+              </a:rPr>
+              <a:t>ingle </a:t>
+            </a:r>
+            <a:r>
+              <a:rPr lang="pt-BR" sz="2000" dirty="0" err="1">
                 <a:solidFill>
                   <a:schemeClr val="bg1"/>
                 </a:solidFill>
-              </a:endParaRPr>
-            </a:p>
-          </p:txBody>
-        </p:sp>
-        <p:sp>
-          <p:nvSpPr>
-            <p:cNvPr id="8" name="Forma livre 7"/>
-            <p:cNvSpPr/>
-            <p:nvPr/>
-          </p:nvSpPr>
-          <p:spPr>
-            <a:xfrm>
-              <a:off x="2086039" y="2666504"/>
-              <a:ext cx="973792" cy="780851"/>
-            </a:xfrm>
-            <a:custGeom>
-              <a:avLst/>
-              <a:gdLst>
-                <a:gd name="connsiteX0" fmla="*/ 0 w 973792"/>
-                <a:gd name="connsiteY0" fmla="*/ 130144 h 780851"/>
-                <a:gd name="connsiteX1" fmla="*/ 130144 w 973792"/>
-                <a:gd name="connsiteY1" fmla="*/ 0 h 780851"/>
-                <a:gd name="connsiteX2" fmla="*/ 843648 w 973792"/>
-                <a:gd name="connsiteY2" fmla="*/ 0 h 780851"/>
-                <a:gd name="connsiteX3" fmla="*/ 973792 w 973792"/>
-                <a:gd name="connsiteY3" fmla="*/ 130144 h 780851"/>
-                <a:gd name="connsiteX4" fmla="*/ 973792 w 973792"/>
-                <a:gd name="connsiteY4" fmla="*/ 650707 h 780851"/>
-                <a:gd name="connsiteX5" fmla="*/ 843648 w 973792"/>
-                <a:gd name="connsiteY5" fmla="*/ 780851 h 780851"/>
-                <a:gd name="connsiteX6" fmla="*/ 130144 w 973792"/>
-                <a:gd name="connsiteY6" fmla="*/ 780851 h 780851"/>
-                <a:gd name="connsiteX7" fmla="*/ 0 w 973792"/>
-                <a:gd name="connsiteY7" fmla="*/ 650707 h 780851"/>
-                <a:gd name="connsiteX8" fmla="*/ 0 w 973792"/>
-                <a:gd name="connsiteY8" fmla="*/ 130144 h 780851"/>
-              </a:gdLst>
-              <a:ahLst/>
-              <a:cxnLst>
-                <a:cxn ang="0">
-                  <a:pos x="connsiteX0" y="connsiteY0"/>
-                </a:cxn>
-                <a:cxn ang="0">
-                  <a:pos x="connsiteX1" y="connsiteY1"/>
-                </a:cxn>
-                <a:cxn ang="0">
-                  <a:pos x="connsiteX2" y="connsiteY2"/>
-                </a:cxn>
-                <a:cxn ang="0">
-                  <a:pos x="connsiteX3" y="connsiteY3"/>
-                </a:cxn>
-                <a:cxn ang="0">
-                  <a:pos x="connsiteX4" y="connsiteY4"/>
-                </a:cxn>
-                <a:cxn ang="0">
-                  <a:pos x="connsiteX5" y="connsiteY5"/>
-                </a:cxn>
-                <a:cxn ang="0">
-                  <a:pos x="connsiteX6" y="connsiteY6"/>
-                </a:cxn>
-                <a:cxn ang="0">
-                  <a:pos x="connsiteX7" y="connsiteY7"/>
-                </a:cxn>
-                <a:cxn ang="0">
-                  <a:pos x="connsiteX8" y="connsiteY8"/>
-                </a:cxn>
-              </a:cxnLst>
-              <a:rect l="l" t="t" r="r" b="b"/>
-              <a:pathLst>
-                <a:path w="973792" h="780851">
-                  <a:moveTo>
-                    <a:pt x="0" y="130144"/>
-                  </a:moveTo>
-                  <a:cubicBezTo>
-                    <a:pt x="0" y="58267"/>
-                    <a:pt x="58267" y="0"/>
-                    <a:pt x="130144" y="0"/>
-                  </a:cubicBezTo>
-                  <a:lnTo>
-                    <a:pt x="843648" y="0"/>
-                  </a:lnTo>
-                  <a:cubicBezTo>
-                    <a:pt x="915525" y="0"/>
-                    <a:pt x="973792" y="58267"/>
-                    <a:pt x="973792" y="130144"/>
-                  </a:cubicBezTo>
-                  <a:lnTo>
-                    <a:pt x="973792" y="650707"/>
-                  </a:lnTo>
-                  <a:cubicBezTo>
-                    <a:pt x="973792" y="722584"/>
-                    <a:pt x="915525" y="780851"/>
-                    <a:pt x="843648" y="780851"/>
-                  </a:cubicBezTo>
-                  <a:lnTo>
-                    <a:pt x="130144" y="780851"/>
-                  </a:lnTo>
-                  <a:cubicBezTo>
-                    <a:pt x="58267" y="780851"/>
-                    <a:pt x="0" y="722584"/>
-                    <a:pt x="0" y="650707"/>
-                  </a:cubicBezTo>
-                  <a:lnTo>
-                    <a:pt x="0" y="130144"/>
-                  </a:lnTo>
-                  <a:close/>
-                </a:path>
-              </a:pathLst>
-            </a:custGeom>
-          </p:spPr>
-          <p:style>
-            <a:lnRef idx="2">
-              <a:schemeClr val="lt1">
-                <a:hueOff val="0"/>
-                <a:satOff val="0"/>
-                <a:lumOff val="0"/>
-                <a:alphaOff val="0"/>
-              </a:schemeClr>
-            </a:lnRef>
-            <a:fillRef idx="1">
-              <a:schemeClr val="accent1">
-                <a:hueOff val="0"/>
-                <a:satOff val="0"/>
-                <a:lumOff val="0"/>
-                <a:alphaOff val="0"/>
-              </a:schemeClr>
-            </a:fillRef>
-            <a:effectRef idx="0">
-              <a:schemeClr val="accent1">
-                <a:hueOff val="0"/>
-                <a:satOff val="0"/>
-                <a:lumOff val="0"/>
-                <a:alphaOff val="0"/>
-              </a:schemeClr>
-            </a:effectRef>
-            <a:fontRef idx="minor">
-              <a:schemeClr val="lt1"/>
-            </a:fontRef>
-          </p:style>
-          <p:txBody>
-            <a:bodyPr spcFirstLastPara="0" vert="horz" wrap="square" lIns="186708" tIns="112413" rIns="186708" bIns="112413" numCol="1" spcCol="1270" anchor="ctr" anchorCtr="0">
-              <a:noAutofit/>
-            </a:bodyPr>
-            <a:lstStyle/>
-            <a:p>
-              <a:pPr lvl="0" algn="ctr" defTabSz="1733550">
-                <a:lnSpc>
-                  <a:spcPct val="90000"/>
-                </a:lnSpc>
-                <a:spcBef>
-                  <a:spcPct val="0"/>
-                </a:spcBef>
-                <a:spcAft>
-                  <a:spcPct val="35000"/>
-                </a:spcAft>
-              </a:pPr>
-              <a:r>
-                <a:rPr lang="pt-BR" sz="3900" kern="1200" dirty="0" smtClean="0">
-                  <a:solidFill>
-                    <a:schemeClr val="bg1"/>
-                  </a:solidFill>
-                </a:rPr>
-                <a:t>O</a:t>
-              </a:r>
-              <a:endParaRPr lang="pt-BR" sz="3900" kern="1200" dirty="0">
+              </a:rPr>
+              <a:t>Responsibility</a:t>
+            </a:r>
+            <a:r>
+              <a:rPr lang="pt-BR" sz="2000" dirty="0">
                 <a:solidFill>
                   <a:schemeClr val="bg1"/>
                 </a:solidFill>
-              </a:endParaRPr>
-            </a:p>
-          </p:txBody>
-        </p:sp>
-        <p:sp>
-          <p:nvSpPr>
-            <p:cNvPr id="9" name="Forma livre 8"/>
-            <p:cNvSpPr/>
-            <p:nvPr/>
-          </p:nvSpPr>
-          <p:spPr>
-            <a:xfrm>
-              <a:off x="3059831" y="3564482"/>
-              <a:ext cx="3901441" cy="624682"/>
-            </a:xfrm>
-            <a:custGeom>
-              <a:avLst/>
-              <a:gdLst>
-                <a:gd name="connsiteX0" fmla="*/ 104116 w 624681"/>
-                <a:gd name="connsiteY0" fmla="*/ 0 h 3901440"/>
-                <a:gd name="connsiteX1" fmla="*/ 520565 w 624681"/>
-                <a:gd name="connsiteY1" fmla="*/ 0 h 3901440"/>
-                <a:gd name="connsiteX2" fmla="*/ 624681 w 624681"/>
-                <a:gd name="connsiteY2" fmla="*/ 104116 h 3901440"/>
-                <a:gd name="connsiteX3" fmla="*/ 624681 w 624681"/>
-                <a:gd name="connsiteY3" fmla="*/ 3901440 h 3901440"/>
-                <a:gd name="connsiteX4" fmla="*/ 624681 w 624681"/>
-                <a:gd name="connsiteY4" fmla="*/ 3901440 h 3901440"/>
-                <a:gd name="connsiteX5" fmla="*/ 0 w 624681"/>
-                <a:gd name="connsiteY5" fmla="*/ 3901440 h 3901440"/>
-                <a:gd name="connsiteX6" fmla="*/ 0 w 624681"/>
-                <a:gd name="connsiteY6" fmla="*/ 3901440 h 3901440"/>
-                <a:gd name="connsiteX7" fmla="*/ 0 w 624681"/>
-                <a:gd name="connsiteY7" fmla="*/ 104116 h 3901440"/>
-                <a:gd name="connsiteX8" fmla="*/ 104116 w 624681"/>
-                <a:gd name="connsiteY8" fmla="*/ 0 h 3901440"/>
-              </a:gdLst>
-              <a:ahLst/>
-              <a:cxnLst>
-                <a:cxn ang="0">
-                  <a:pos x="connsiteX0" y="connsiteY0"/>
-                </a:cxn>
-                <a:cxn ang="0">
-                  <a:pos x="connsiteX1" y="connsiteY1"/>
-                </a:cxn>
-                <a:cxn ang="0">
-                  <a:pos x="connsiteX2" y="connsiteY2"/>
-                </a:cxn>
-                <a:cxn ang="0">
-                  <a:pos x="connsiteX3" y="connsiteY3"/>
-                </a:cxn>
-                <a:cxn ang="0">
-                  <a:pos x="connsiteX4" y="connsiteY4"/>
-                </a:cxn>
-                <a:cxn ang="0">
-                  <a:pos x="connsiteX5" y="connsiteY5"/>
-                </a:cxn>
-                <a:cxn ang="0">
-                  <a:pos x="connsiteX6" y="connsiteY6"/>
-                </a:cxn>
-                <a:cxn ang="0">
-                  <a:pos x="connsiteX7" y="connsiteY7"/>
-                </a:cxn>
-                <a:cxn ang="0">
-                  <a:pos x="connsiteX8" y="connsiteY8"/>
-                </a:cxn>
-              </a:cxnLst>
-              <a:rect l="l" t="t" r="r" b="b"/>
-              <a:pathLst>
-                <a:path w="624681" h="3901440">
-                  <a:moveTo>
-                    <a:pt x="624681" y="650258"/>
-                  </a:moveTo>
-                  <a:lnTo>
-                    <a:pt x="624681" y="3251182"/>
-                  </a:lnTo>
-                  <a:cubicBezTo>
-                    <a:pt x="624681" y="3610310"/>
-                    <a:pt x="617217" y="3901437"/>
-                    <a:pt x="608010" y="3901437"/>
-                  </a:cubicBezTo>
-                  <a:lnTo>
-                    <a:pt x="0" y="3901437"/>
-                  </a:lnTo>
-                  <a:lnTo>
-                    <a:pt x="0" y="3901437"/>
-                  </a:lnTo>
-                  <a:lnTo>
-                    <a:pt x="0" y="3"/>
-                  </a:lnTo>
-                  <a:lnTo>
-                    <a:pt x="0" y="3"/>
-                  </a:lnTo>
-                  <a:lnTo>
-                    <a:pt x="608010" y="3"/>
-                  </a:lnTo>
-                  <a:cubicBezTo>
-                    <a:pt x="617217" y="3"/>
-                    <a:pt x="624681" y="291130"/>
-                    <a:pt x="624681" y="650258"/>
-                  </a:cubicBezTo>
-                  <a:close/>
-                </a:path>
-              </a:pathLst>
-            </a:custGeom>
-          </p:spPr>
-          <p:style>
-            <a:lnRef idx="2">
-              <a:schemeClr val="accent1">
-                <a:alpha val="90000"/>
-                <a:tint val="40000"/>
-                <a:hueOff val="0"/>
-                <a:satOff val="0"/>
-                <a:lumOff val="0"/>
-                <a:alphaOff val="0"/>
-              </a:schemeClr>
-            </a:lnRef>
-            <a:fillRef idx="1">
-              <a:schemeClr val="accent1">
-                <a:alpha val="90000"/>
-                <a:tint val="40000"/>
-                <a:hueOff val="0"/>
-                <a:satOff val="0"/>
-                <a:lumOff val="0"/>
-                <a:alphaOff val="0"/>
-              </a:schemeClr>
-            </a:fillRef>
-            <a:effectRef idx="0">
-              <a:schemeClr val="accent1">
-                <a:alpha val="90000"/>
-                <a:tint val="40000"/>
-                <a:hueOff val="0"/>
-                <a:satOff val="0"/>
-                <a:lumOff val="0"/>
-                <a:alphaOff val="0"/>
-              </a:schemeClr>
-            </a:effectRef>
-            <a:fontRef idx="minor">
-              <a:schemeClr val="dk1">
-                <a:hueOff val="0"/>
-                <a:satOff val="0"/>
-                <a:lumOff val="0"/>
-                <a:alphaOff val="0"/>
-              </a:schemeClr>
-            </a:fontRef>
-          </p:style>
-          <p:txBody>
-            <a:bodyPr spcFirstLastPara="0" vert="horz" wrap="square" lIns="80011" tIns="70499" rIns="110504" bIns="70500" numCol="1" spcCol="1270" anchor="ctr" anchorCtr="0">
-              <a:noAutofit/>
-            </a:bodyPr>
-            <a:lstStyle/>
-            <a:p>
-              <a:pPr marL="0" lvl="1" algn="l" defTabSz="933450">
-                <a:lnSpc>
-                  <a:spcPct val="90000"/>
-                </a:lnSpc>
-                <a:spcBef>
-                  <a:spcPct val="0"/>
-                </a:spcBef>
-                <a:spcAft>
-                  <a:spcPct val="15000"/>
-                </a:spcAft>
-              </a:pPr>
-              <a:r>
-                <a:rPr lang="pt-BR" sz="2100" b="1" kern="1200" dirty="0" err="1" smtClean="0">
-                  <a:solidFill>
-                    <a:schemeClr val="bg1"/>
-                  </a:solidFill>
-                  <a:effectLst/>
-                </a:rPr>
-                <a:t>Liskov</a:t>
-              </a:r>
-              <a:r>
-                <a:rPr lang="pt-BR" sz="2100" b="1" kern="1200" dirty="0" smtClean="0">
-                  <a:solidFill>
-                    <a:schemeClr val="bg1"/>
-                  </a:solidFill>
-                  <a:effectLst/>
-                </a:rPr>
-                <a:t> </a:t>
-              </a:r>
-              <a:r>
-                <a:rPr lang="pt-BR" sz="2100" b="1" kern="1200" dirty="0" err="1" smtClean="0">
-                  <a:solidFill>
-                    <a:schemeClr val="bg1"/>
-                  </a:solidFill>
-                  <a:effectLst/>
-                </a:rPr>
-                <a:t>Substitution</a:t>
-              </a:r>
-              <a:r>
-                <a:rPr lang="pt-BR" sz="2100" b="1" kern="1200" dirty="0" smtClean="0">
-                  <a:solidFill>
-                    <a:schemeClr val="bg1"/>
-                  </a:solidFill>
-                  <a:effectLst/>
-                </a:rPr>
-                <a:t> </a:t>
-              </a:r>
-              <a:r>
-                <a:rPr lang="pt-BR" sz="2100" b="1" kern="1200" dirty="0" err="1" smtClean="0">
-                  <a:solidFill>
-                    <a:schemeClr val="bg1"/>
-                  </a:solidFill>
-                  <a:effectLst/>
-                </a:rPr>
-                <a:t>Principle</a:t>
-              </a:r>
-              <a:endParaRPr lang="pt-BR" sz="2100" b="1" kern="1200" dirty="0">
+              </a:rPr>
+              <a:t> </a:t>
+            </a:r>
+            <a:r>
+              <a:rPr lang="pt-BR" sz="2000" dirty="0" err="1">
                 <a:solidFill>
                   <a:schemeClr val="bg1"/>
                 </a:solidFill>
-              </a:endParaRPr>
-            </a:p>
-          </p:txBody>
-        </p:sp>
-        <p:sp>
-          <p:nvSpPr>
-            <p:cNvPr id="10" name="Forma livre 9"/>
-            <p:cNvSpPr/>
-            <p:nvPr/>
-          </p:nvSpPr>
-          <p:spPr>
-            <a:xfrm>
-              <a:off x="2086039" y="3486398"/>
-              <a:ext cx="973792" cy="780851"/>
-            </a:xfrm>
-            <a:custGeom>
-              <a:avLst/>
-              <a:gdLst>
-                <a:gd name="connsiteX0" fmla="*/ 0 w 973792"/>
-                <a:gd name="connsiteY0" fmla="*/ 130144 h 780851"/>
-                <a:gd name="connsiteX1" fmla="*/ 130144 w 973792"/>
-                <a:gd name="connsiteY1" fmla="*/ 0 h 780851"/>
-                <a:gd name="connsiteX2" fmla="*/ 843648 w 973792"/>
-                <a:gd name="connsiteY2" fmla="*/ 0 h 780851"/>
-                <a:gd name="connsiteX3" fmla="*/ 973792 w 973792"/>
-                <a:gd name="connsiteY3" fmla="*/ 130144 h 780851"/>
-                <a:gd name="connsiteX4" fmla="*/ 973792 w 973792"/>
-                <a:gd name="connsiteY4" fmla="*/ 650707 h 780851"/>
-                <a:gd name="connsiteX5" fmla="*/ 843648 w 973792"/>
-                <a:gd name="connsiteY5" fmla="*/ 780851 h 780851"/>
-                <a:gd name="connsiteX6" fmla="*/ 130144 w 973792"/>
-                <a:gd name="connsiteY6" fmla="*/ 780851 h 780851"/>
-                <a:gd name="connsiteX7" fmla="*/ 0 w 973792"/>
-                <a:gd name="connsiteY7" fmla="*/ 650707 h 780851"/>
-                <a:gd name="connsiteX8" fmla="*/ 0 w 973792"/>
-                <a:gd name="connsiteY8" fmla="*/ 130144 h 780851"/>
-              </a:gdLst>
-              <a:ahLst/>
-              <a:cxnLst>
-                <a:cxn ang="0">
-                  <a:pos x="connsiteX0" y="connsiteY0"/>
-                </a:cxn>
-                <a:cxn ang="0">
-                  <a:pos x="connsiteX1" y="connsiteY1"/>
-                </a:cxn>
-                <a:cxn ang="0">
-                  <a:pos x="connsiteX2" y="connsiteY2"/>
-                </a:cxn>
-                <a:cxn ang="0">
-                  <a:pos x="connsiteX3" y="connsiteY3"/>
-                </a:cxn>
-                <a:cxn ang="0">
-                  <a:pos x="connsiteX4" y="connsiteY4"/>
-                </a:cxn>
-                <a:cxn ang="0">
-                  <a:pos x="connsiteX5" y="connsiteY5"/>
-                </a:cxn>
-                <a:cxn ang="0">
-                  <a:pos x="connsiteX6" y="connsiteY6"/>
-                </a:cxn>
-                <a:cxn ang="0">
-                  <a:pos x="connsiteX7" y="connsiteY7"/>
-                </a:cxn>
-                <a:cxn ang="0">
-                  <a:pos x="connsiteX8" y="connsiteY8"/>
-                </a:cxn>
-              </a:cxnLst>
-              <a:rect l="l" t="t" r="r" b="b"/>
-              <a:pathLst>
-                <a:path w="973792" h="780851">
-                  <a:moveTo>
-                    <a:pt x="0" y="130144"/>
-                  </a:moveTo>
-                  <a:cubicBezTo>
-                    <a:pt x="0" y="58267"/>
-                    <a:pt x="58267" y="0"/>
-                    <a:pt x="130144" y="0"/>
-                  </a:cubicBezTo>
-                  <a:lnTo>
-                    <a:pt x="843648" y="0"/>
-                  </a:lnTo>
-                  <a:cubicBezTo>
-                    <a:pt x="915525" y="0"/>
-                    <a:pt x="973792" y="58267"/>
-                    <a:pt x="973792" y="130144"/>
-                  </a:cubicBezTo>
-                  <a:lnTo>
-                    <a:pt x="973792" y="650707"/>
-                  </a:lnTo>
-                  <a:cubicBezTo>
-                    <a:pt x="973792" y="722584"/>
-                    <a:pt x="915525" y="780851"/>
-                    <a:pt x="843648" y="780851"/>
-                  </a:cubicBezTo>
-                  <a:lnTo>
-                    <a:pt x="130144" y="780851"/>
-                  </a:lnTo>
-                  <a:cubicBezTo>
-                    <a:pt x="58267" y="780851"/>
-                    <a:pt x="0" y="722584"/>
-                    <a:pt x="0" y="650707"/>
-                  </a:cubicBezTo>
-                  <a:lnTo>
-                    <a:pt x="0" y="130144"/>
-                  </a:lnTo>
-                  <a:close/>
-                </a:path>
-              </a:pathLst>
-            </a:custGeom>
-          </p:spPr>
-          <p:style>
-            <a:lnRef idx="2">
-              <a:schemeClr val="lt1">
-                <a:hueOff val="0"/>
-                <a:satOff val="0"/>
-                <a:lumOff val="0"/>
-                <a:alphaOff val="0"/>
-              </a:schemeClr>
-            </a:lnRef>
-            <a:fillRef idx="1">
-              <a:schemeClr val="accent1">
-                <a:hueOff val="0"/>
-                <a:satOff val="0"/>
-                <a:lumOff val="0"/>
-                <a:alphaOff val="0"/>
-              </a:schemeClr>
-            </a:fillRef>
-            <a:effectRef idx="0">
-              <a:schemeClr val="accent1">
-                <a:hueOff val="0"/>
-                <a:satOff val="0"/>
-                <a:lumOff val="0"/>
-                <a:alphaOff val="0"/>
-              </a:schemeClr>
-            </a:effectRef>
-            <a:fontRef idx="minor">
-              <a:schemeClr val="lt1"/>
-            </a:fontRef>
-          </p:style>
-          <p:txBody>
-            <a:bodyPr spcFirstLastPara="0" vert="horz" wrap="square" lIns="186708" tIns="112413" rIns="186708" bIns="112413" numCol="1" spcCol="1270" anchor="ctr" anchorCtr="0">
-              <a:noAutofit/>
-            </a:bodyPr>
-            <a:lstStyle/>
-            <a:p>
-              <a:pPr lvl="0" algn="ctr" defTabSz="1733550">
-                <a:lnSpc>
-                  <a:spcPct val="90000"/>
-                </a:lnSpc>
-                <a:spcBef>
-                  <a:spcPct val="0"/>
-                </a:spcBef>
-                <a:spcAft>
-                  <a:spcPct val="35000"/>
-                </a:spcAft>
-              </a:pPr>
-              <a:r>
-                <a:rPr lang="pt-BR" sz="3900" kern="1200" dirty="0" smtClean="0">
-                  <a:solidFill>
-                    <a:schemeClr val="bg1"/>
-                  </a:solidFill>
-                </a:rPr>
-                <a:t>L</a:t>
-              </a:r>
-              <a:endParaRPr lang="pt-BR" sz="3900" kern="1200" dirty="0">
+              </a:rPr>
+              <a:t>Principle</a:t>
+            </a:r>
+            <a:endParaRPr lang="pt-BR" sz="2000" dirty="0"/>
+          </a:p>
+        </p:txBody>
+      </p:sp>
+      <p:sp>
+        <p:nvSpPr>
+          <p:cNvPr id="16" name="Retângulo de cantos arredondados 15"/>
+          <p:cNvSpPr/>
+          <p:nvPr/>
+        </p:nvSpPr>
+        <p:spPr>
+          <a:xfrm>
+            <a:off x="2699792" y="2669703"/>
+            <a:ext cx="3816424" cy="914400"/>
+          </a:xfrm>
+          <a:prstGeom prst="roundRect">
+            <a:avLst/>
+          </a:prstGeom>
+        </p:spPr>
+        <p:style>
+          <a:lnRef idx="2">
+            <a:schemeClr val="accent1">
+              <a:shade val="50000"/>
+            </a:schemeClr>
+          </a:lnRef>
+          <a:fillRef idx="1">
+            <a:schemeClr val="accent1"/>
+          </a:fillRef>
+          <a:effectRef idx="0">
+            <a:schemeClr val="accent1"/>
+          </a:effectRef>
+          <a:fontRef idx="minor">
+            <a:schemeClr val="lt1"/>
+          </a:fontRef>
+        </p:style>
+        <p:txBody>
+          <a:bodyPr rtlCol="0" anchor="ctr"/>
+          <a:lstStyle/>
+          <a:p>
+            <a:r>
+              <a:rPr lang="pt-BR" sz="2000" b="1" dirty="0">
                 <a:solidFill>
                   <a:schemeClr val="bg1"/>
                 </a:solidFill>
-              </a:endParaRPr>
-            </a:p>
-          </p:txBody>
-        </p:sp>
-        <p:sp>
-          <p:nvSpPr>
-            <p:cNvPr id="11" name="Forma livre 10"/>
-            <p:cNvSpPr/>
-            <p:nvPr/>
-          </p:nvSpPr>
-          <p:spPr>
-            <a:xfrm>
-              <a:off x="3059831" y="4384377"/>
-              <a:ext cx="3901441" cy="624682"/>
-            </a:xfrm>
-            <a:custGeom>
-              <a:avLst/>
-              <a:gdLst>
-                <a:gd name="connsiteX0" fmla="*/ 104116 w 624681"/>
-                <a:gd name="connsiteY0" fmla="*/ 0 h 3901440"/>
-                <a:gd name="connsiteX1" fmla="*/ 520565 w 624681"/>
-                <a:gd name="connsiteY1" fmla="*/ 0 h 3901440"/>
-                <a:gd name="connsiteX2" fmla="*/ 624681 w 624681"/>
-                <a:gd name="connsiteY2" fmla="*/ 104116 h 3901440"/>
-                <a:gd name="connsiteX3" fmla="*/ 624681 w 624681"/>
-                <a:gd name="connsiteY3" fmla="*/ 3901440 h 3901440"/>
-                <a:gd name="connsiteX4" fmla="*/ 624681 w 624681"/>
-                <a:gd name="connsiteY4" fmla="*/ 3901440 h 3901440"/>
-                <a:gd name="connsiteX5" fmla="*/ 0 w 624681"/>
-                <a:gd name="connsiteY5" fmla="*/ 3901440 h 3901440"/>
-                <a:gd name="connsiteX6" fmla="*/ 0 w 624681"/>
-                <a:gd name="connsiteY6" fmla="*/ 3901440 h 3901440"/>
-                <a:gd name="connsiteX7" fmla="*/ 0 w 624681"/>
-                <a:gd name="connsiteY7" fmla="*/ 104116 h 3901440"/>
-                <a:gd name="connsiteX8" fmla="*/ 104116 w 624681"/>
-                <a:gd name="connsiteY8" fmla="*/ 0 h 3901440"/>
-              </a:gdLst>
-              <a:ahLst/>
-              <a:cxnLst>
-                <a:cxn ang="0">
-                  <a:pos x="connsiteX0" y="connsiteY0"/>
-                </a:cxn>
-                <a:cxn ang="0">
-                  <a:pos x="connsiteX1" y="connsiteY1"/>
-                </a:cxn>
-                <a:cxn ang="0">
-                  <a:pos x="connsiteX2" y="connsiteY2"/>
-                </a:cxn>
-                <a:cxn ang="0">
-                  <a:pos x="connsiteX3" y="connsiteY3"/>
-                </a:cxn>
-                <a:cxn ang="0">
-                  <a:pos x="connsiteX4" y="connsiteY4"/>
-                </a:cxn>
-                <a:cxn ang="0">
-                  <a:pos x="connsiteX5" y="connsiteY5"/>
-                </a:cxn>
-                <a:cxn ang="0">
-                  <a:pos x="connsiteX6" y="connsiteY6"/>
-                </a:cxn>
-                <a:cxn ang="0">
-                  <a:pos x="connsiteX7" y="connsiteY7"/>
-                </a:cxn>
-                <a:cxn ang="0">
-                  <a:pos x="connsiteX8" y="connsiteY8"/>
-                </a:cxn>
-              </a:cxnLst>
-              <a:rect l="l" t="t" r="r" b="b"/>
-              <a:pathLst>
-                <a:path w="624681" h="3901440">
-                  <a:moveTo>
-                    <a:pt x="624681" y="650258"/>
-                  </a:moveTo>
-                  <a:lnTo>
-                    <a:pt x="624681" y="3251182"/>
-                  </a:lnTo>
-                  <a:cubicBezTo>
-                    <a:pt x="624681" y="3610310"/>
-                    <a:pt x="617217" y="3901437"/>
-                    <a:pt x="608010" y="3901437"/>
-                  </a:cubicBezTo>
-                  <a:lnTo>
-                    <a:pt x="0" y="3901437"/>
-                  </a:lnTo>
-                  <a:lnTo>
-                    <a:pt x="0" y="3901437"/>
-                  </a:lnTo>
-                  <a:lnTo>
-                    <a:pt x="0" y="3"/>
-                  </a:lnTo>
-                  <a:lnTo>
-                    <a:pt x="0" y="3"/>
-                  </a:lnTo>
-                  <a:lnTo>
-                    <a:pt x="608010" y="3"/>
-                  </a:lnTo>
-                  <a:cubicBezTo>
-                    <a:pt x="617217" y="3"/>
-                    <a:pt x="624681" y="291130"/>
-                    <a:pt x="624681" y="650258"/>
-                  </a:cubicBezTo>
-                  <a:close/>
-                </a:path>
-              </a:pathLst>
-            </a:custGeom>
-          </p:spPr>
-          <p:style>
-            <a:lnRef idx="2">
-              <a:schemeClr val="accent1">
-                <a:alpha val="90000"/>
-                <a:tint val="40000"/>
-                <a:hueOff val="0"/>
-                <a:satOff val="0"/>
-                <a:lumOff val="0"/>
-                <a:alphaOff val="0"/>
-              </a:schemeClr>
-            </a:lnRef>
-            <a:fillRef idx="1">
-              <a:schemeClr val="accent1">
-                <a:alpha val="90000"/>
-                <a:tint val="40000"/>
-                <a:hueOff val="0"/>
-                <a:satOff val="0"/>
-                <a:lumOff val="0"/>
-                <a:alphaOff val="0"/>
-              </a:schemeClr>
-            </a:fillRef>
-            <a:effectRef idx="0">
-              <a:schemeClr val="accent1">
-                <a:alpha val="90000"/>
-                <a:tint val="40000"/>
-                <a:hueOff val="0"/>
-                <a:satOff val="0"/>
-                <a:lumOff val="0"/>
-                <a:alphaOff val="0"/>
-              </a:schemeClr>
-            </a:effectRef>
-            <a:fontRef idx="minor">
-              <a:schemeClr val="dk1">
-                <a:hueOff val="0"/>
-                <a:satOff val="0"/>
-                <a:lumOff val="0"/>
-                <a:alphaOff val="0"/>
-              </a:schemeClr>
-            </a:fontRef>
-          </p:style>
-          <p:txBody>
-            <a:bodyPr spcFirstLastPara="0" vert="horz" wrap="square" lIns="80011" tIns="70499" rIns="110504" bIns="70500" numCol="1" spcCol="1270" anchor="ctr" anchorCtr="0">
-              <a:noAutofit/>
-            </a:bodyPr>
-            <a:lstStyle/>
-            <a:p>
-              <a:pPr marL="0" lvl="1" algn="l" defTabSz="933450">
-                <a:lnSpc>
-                  <a:spcPct val="90000"/>
-                </a:lnSpc>
-                <a:spcBef>
-                  <a:spcPct val="0"/>
-                </a:spcBef>
-                <a:spcAft>
-                  <a:spcPct val="15000"/>
-                </a:spcAft>
-              </a:pPr>
-              <a:r>
-                <a:rPr lang="pt-BR" sz="2100" b="1" kern="1200" dirty="0" smtClean="0">
-                  <a:solidFill>
-                    <a:schemeClr val="bg1"/>
-                  </a:solidFill>
-                  <a:effectLst/>
-                </a:rPr>
-                <a:t>Interface </a:t>
-              </a:r>
-              <a:r>
-                <a:rPr lang="pt-BR" sz="2100" b="1" kern="1200" dirty="0" err="1" smtClean="0">
-                  <a:solidFill>
-                    <a:schemeClr val="bg1"/>
-                  </a:solidFill>
-                  <a:effectLst/>
-                </a:rPr>
-                <a:t>Segregation</a:t>
-              </a:r>
-              <a:r>
-                <a:rPr lang="pt-BR" sz="2100" b="1" kern="1200" dirty="0" smtClean="0">
-                  <a:solidFill>
-                    <a:schemeClr val="bg1"/>
-                  </a:solidFill>
-                  <a:effectLst/>
-                </a:rPr>
-                <a:t> </a:t>
-              </a:r>
-              <a:r>
-                <a:rPr lang="pt-BR" sz="2100" b="1" kern="1200" dirty="0" err="1" smtClean="0">
-                  <a:solidFill>
-                    <a:schemeClr val="bg1"/>
-                  </a:solidFill>
-                  <a:effectLst/>
-                </a:rPr>
-                <a:t>Principle</a:t>
-              </a:r>
-              <a:endParaRPr lang="pt-BR" sz="2100" b="1" kern="1200" dirty="0">
+              </a:rPr>
+              <a:t>O</a:t>
+            </a:r>
+            <a:r>
+              <a:rPr lang="pt-BR" sz="2000" dirty="0">
                 <a:solidFill>
                   <a:schemeClr val="bg1"/>
                 </a:solidFill>
-              </a:endParaRPr>
-            </a:p>
-          </p:txBody>
-        </p:sp>
-        <p:sp>
-          <p:nvSpPr>
-            <p:cNvPr id="12" name="Forma livre 11"/>
-            <p:cNvSpPr/>
-            <p:nvPr/>
-          </p:nvSpPr>
-          <p:spPr>
-            <a:xfrm>
-              <a:off x="2086039" y="4306292"/>
-              <a:ext cx="973792" cy="780851"/>
-            </a:xfrm>
-            <a:custGeom>
-              <a:avLst/>
-              <a:gdLst>
-                <a:gd name="connsiteX0" fmla="*/ 0 w 973792"/>
-                <a:gd name="connsiteY0" fmla="*/ 130144 h 780851"/>
-                <a:gd name="connsiteX1" fmla="*/ 130144 w 973792"/>
-                <a:gd name="connsiteY1" fmla="*/ 0 h 780851"/>
-                <a:gd name="connsiteX2" fmla="*/ 843648 w 973792"/>
-                <a:gd name="connsiteY2" fmla="*/ 0 h 780851"/>
-                <a:gd name="connsiteX3" fmla="*/ 973792 w 973792"/>
-                <a:gd name="connsiteY3" fmla="*/ 130144 h 780851"/>
-                <a:gd name="connsiteX4" fmla="*/ 973792 w 973792"/>
-                <a:gd name="connsiteY4" fmla="*/ 650707 h 780851"/>
-                <a:gd name="connsiteX5" fmla="*/ 843648 w 973792"/>
-                <a:gd name="connsiteY5" fmla="*/ 780851 h 780851"/>
-                <a:gd name="connsiteX6" fmla="*/ 130144 w 973792"/>
-                <a:gd name="connsiteY6" fmla="*/ 780851 h 780851"/>
-                <a:gd name="connsiteX7" fmla="*/ 0 w 973792"/>
-                <a:gd name="connsiteY7" fmla="*/ 650707 h 780851"/>
-                <a:gd name="connsiteX8" fmla="*/ 0 w 973792"/>
-                <a:gd name="connsiteY8" fmla="*/ 130144 h 780851"/>
-              </a:gdLst>
-              <a:ahLst/>
-              <a:cxnLst>
-                <a:cxn ang="0">
-                  <a:pos x="connsiteX0" y="connsiteY0"/>
-                </a:cxn>
-                <a:cxn ang="0">
-                  <a:pos x="connsiteX1" y="connsiteY1"/>
-                </a:cxn>
-                <a:cxn ang="0">
-                  <a:pos x="connsiteX2" y="connsiteY2"/>
-                </a:cxn>
-                <a:cxn ang="0">
-                  <a:pos x="connsiteX3" y="connsiteY3"/>
-                </a:cxn>
-                <a:cxn ang="0">
-                  <a:pos x="connsiteX4" y="connsiteY4"/>
-                </a:cxn>
-                <a:cxn ang="0">
-                  <a:pos x="connsiteX5" y="connsiteY5"/>
-                </a:cxn>
-                <a:cxn ang="0">
-                  <a:pos x="connsiteX6" y="connsiteY6"/>
-                </a:cxn>
-                <a:cxn ang="0">
-                  <a:pos x="connsiteX7" y="connsiteY7"/>
-                </a:cxn>
-                <a:cxn ang="0">
-                  <a:pos x="connsiteX8" y="connsiteY8"/>
-                </a:cxn>
-              </a:cxnLst>
-              <a:rect l="l" t="t" r="r" b="b"/>
-              <a:pathLst>
-                <a:path w="973792" h="780851">
-                  <a:moveTo>
-                    <a:pt x="0" y="130144"/>
-                  </a:moveTo>
-                  <a:cubicBezTo>
-                    <a:pt x="0" y="58267"/>
-                    <a:pt x="58267" y="0"/>
-                    <a:pt x="130144" y="0"/>
-                  </a:cubicBezTo>
-                  <a:lnTo>
-                    <a:pt x="843648" y="0"/>
-                  </a:lnTo>
-                  <a:cubicBezTo>
-                    <a:pt x="915525" y="0"/>
-                    <a:pt x="973792" y="58267"/>
-                    <a:pt x="973792" y="130144"/>
-                  </a:cubicBezTo>
-                  <a:lnTo>
-                    <a:pt x="973792" y="650707"/>
-                  </a:lnTo>
-                  <a:cubicBezTo>
-                    <a:pt x="973792" y="722584"/>
-                    <a:pt x="915525" y="780851"/>
-                    <a:pt x="843648" y="780851"/>
-                  </a:cubicBezTo>
-                  <a:lnTo>
-                    <a:pt x="130144" y="780851"/>
-                  </a:lnTo>
-                  <a:cubicBezTo>
-                    <a:pt x="58267" y="780851"/>
-                    <a:pt x="0" y="722584"/>
-                    <a:pt x="0" y="650707"/>
-                  </a:cubicBezTo>
-                  <a:lnTo>
-                    <a:pt x="0" y="130144"/>
-                  </a:lnTo>
-                  <a:close/>
-                </a:path>
-              </a:pathLst>
-            </a:custGeom>
-          </p:spPr>
-          <p:style>
-            <a:lnRef idx="2">
-              <a:schemeClr val="lt1">
-                <a:hueOff val="0"/>
-                <a:satOff val="0"/>
-                <a:lumOff val="0"/>
-                <a:alphaOff val="0"/>
-              </a:schemeClr>
-            </a:lnRef>
-            <a:fillRef idx="1">
-              <a:schemeClr val="accent1">
-                <a:hueOff val="0"/>
-                <a:satOff val="0"/>
-                <a:lumOff val="0"/>
-                <a:alphaOff val="0"/>
-              </a:schemeClr>
-            </a:fillRef>
-            <a:effectRef idx="0">
-              <a:schemeClr val="accent1">
-                <a:hueOff val="0"/>
-                <a:satOff val="0"/>
-                <a:lumOff val="0"/>
-                <a:alphaOff val="0"/>
-              </a:schemeClr>
-            </a:effectRef>
-            <a:fontRef idx="minor">
-              <a:schemeClr val="lt1"/>
-            </a:fontRef>
-          </p:style>
-          <p:txBody>
-            <a:bodyPr spcFirstLastPara="0" vert="horz" wrap="square" lIns="186708" tIns="112413" rIns="186708" bIns="112413" numCol="1" spcCol="1270" anchor="ctr" anchorCtr="0">
-              <a:noAutofit/>
-            </a:bodyPr>
-            <a:lstStyle/>
-            <a:p>
-              <a:pPr lvl="0" algn="ctr" defTabSz="1733550">
-                <a:lnSpc>
-                  <a:spcPct val="90000"/>
-                </a:lnSpc>
-                <a:spcBef>
-                  <a:spcPct val="0"/>
-                </a:spcBef>
-                <a:spcAft>
-                  <a:spcPct val="35000"/>
-                </a:spcAft>
-              </a:pPr>
-              <a:r>
-                <a:rPr lang="pt-BR" sz="3900" kern="1200" dirty="0" smtClean="0">
-                  <a:solidFill>
-                    <a:schemeClr val="bg1"/>
-                  </a:solidFill>
-                </a:rPr>
-                <a:t>I</a:t>
-              </a:r>
-              <a:endParaRPr lang="pt-BR" sz="3900" kern="1200" dirty="0">
+              </a:rPr>
+              <a:t>pen </a:t>
+            </a:r>
+            <a:r>
+              <a:rPr lang="pt-BR" sz="2000" dirty="0" err="1">
                 <a:solidFill>
                   <a:schemeClr val="bg1"/>
                 </a:solidFill>
-              </a:endParaRPr>
-            </a:p>
-          </p:txBody>
-        </p:sp>
-        <p:sp>
-          <p:nvSpPr>
-            <p:cNvPr id="13" name="Forma livre 12"/>
-            <p:cNvSpPr/>
-            <p:nvPr/>
-          </p:nvSpPr>
-          <p:spPr>
-            <a:xfrm>
-              <a:off x="3059831" y="5204271"/>
-              <a:ext cx="3901441" cy="624682"/>
-            </a:xfrm>
-            <a:custGeom>
-              <a:avLst/>
-              <a:gdLst>
-                <a:gd name="connsiteX0" fmla="*/ 104116 w 624681"/>
-                <a:gd name="connsiteY0" fmla="*/ 0 h 3901440"/>
-                <a:gd name="connsiteX1" fmla="*/ 520565 w 624681"/>
-                <a:gd name="connsiteY1" fmla="*/ 0 h 3901440"/>
-                <a:gd name="connsiteX2" fmla="*/ 624681 w 624681"/>
-                <a:gd name="connsiteY2" fmla="*/ 104116 h 3901440"/>
-                <a:gd name="connsiteX3" fmla="*/ 624681 w 624681"/>
-                <a:gd name="connsiteY3" fmla="*/ 3901440 h 3901440"/>
-                <a:gd name="connsiteX4" fmla="*/ 624681 w 624681"/>
-                <a:gd name="connsiteY4" fmla="*/ 3901440 h 3901440"/>
-                <a:gd name="connsiteX5" fmla="*/ 0 w 624681"/>
-                <a:gd name="connsiteY5" fmla="*/ 3901440 h 3901440"/>
-                <a:gd name="connsiteX6" fmla="*/ 0 w 624681"/>
-                <a:gd name="connsiteY6" fmla="*/ 3901440 h 3901440"/>
-                <a:gd name="connsiteX7" fmla="*/ 0 w 624681"/>
-                <a:gd name="connsiteY7" fmla="*/ 104116 h 3901440"/>
-                <a:gd name="connsiteX8" fmla="*/ 104116 w 624681"/>
-                <a:gd name="connsiteY8" fmla="*/ 0 h 3901440"/>
-              </a:gdLst>
-              <a:ahLst/>
-              <a:cxnLst>
-                <a:cxn ang="0">
-                  <a:pos x="connsiteX0" y="connsiteY0"/>
-                </a:cxn>
-                <a:cxn ang="0">
-                  <a:pos x="connsiteX1" y="connsiteY1"/>
-                </a:cxn>
-                <a:cxn ang="0">
-                  <a:pos x="connsiteX2" y="connsiteY2"/>
-                </a:cxn>
-                <a:cxn ang="0">
-                  <a:pos x="connsiteX3" y="connsiteY3"/>
-                </a:cxn>
-                <a:cxn ang="0">
-                  <a:pos x="connsiteX4" y="connsiteY4"/>
-                </a:cxn>
-                <a:cxn ang="0">
-                  <a:pos x="connsiteX5" y="connsiteY5"/>
-                </a:cxn>
-                <a:cxn ang="0">
-                  <a:pos x="connsiteX6" y="connsiteY6"/>
-                </a:cxn>
-                <a:cxn ang="0">
-                  <a:pos x="connsiteX7" y="connsiteY7"/>
-                </a:cxn>
-                <a:cxn ang="0">
-                  <a:pos x="connsiteX8" y="connsiteY8"/>
-                </a:cxn>
-              </a:cxnLst>
-              <a:rect l="l" t="t" r="r" b="b"/>
-              <a:pathLst>
-                <a:path w="624681" h="3901440">
-                  <a:moveTo>
-                    <a:pt x="624681" y="650258"/>
-                  </a:moveTo>
-                  <a:lnTo>
-                    <a:pt x="624681" y="3251182"/>
-                  </a:lnTo>
-                  <a:cubicBezTo>
-                    <a:pt x="624681" y="3610310"/>
-                    <a:pt x="617217" y="3901437"/>
-                    <a:pt x="608010" y="3901437"/>
-                  </a:cubicBezTo>
-                  <a:lnTo>
-                    <a:pt x="0" y="3901437"/>
-                  </a:lnTo>
-                  <a:lnTo>
-                    <a:pt x="0" y="3901437"/>
-                  </a:lnTo>
-                  <a:lnTo>
-                    <a:pt x="0" y="3"/>
-                  </a:lnTo>
-                  <a:lnTo>
-                    <a:pt x="0" y="3"/>
-                  </a:lnTo>
-                  <a:lnTo>
-                    <a:pt x="608010" y="3"/>
-                  </a:lnTo>
-                  <a:cubicBezTo>
-                    <a:pt x="617217" y="3"/>
-                    <a:pt x="624681" y="291130"/>
-                    <a:pt x="624681" y="650258"/>
-                  </a:cubicBezTo>
-                  <a:close/>
-                </a:path>
-              </a:pathLst>
-            </a:custGeom>
-          </p:spPr>
-          <p:style>
-            <a:lnRef idx="2">
-              <a:schemeClr val="accent1">
-                <a:alpha val="90000"/>
-                <a:tint val="40000"/>
-                <a:hueOff val="0"/>
-                <a:satOff val="0"/>
-                <a:lumOff val="0"/>
-                <a:alphaOff val="0"/>
-              </a:schemeClr>
-            </a:lnRef>
-            <a:fillRef idx="1">
-              <a:schemeClr val="accent1">
-                <a:alpha val="90000"/>
-                <a:tint val="40000"/>
-                <a:hueOff val="0"/>
-                <a:satOff val="0"/>
-                <a:lumOff val="0"/>
-                <a:alphaOff val="0"/>
-              </a:schemeClr>
-            </a:fillRef>
-            <a:effectRef idx="0">
-              <a:schemeClr val="accent1">
-                <a:alpha val="90000"/>
-                <a:tint val="40000"/>
-                <a:hueOff val="0"/>
-                <a:satOff val="0"/>
-                <a:lumOff val="0"/>
-                <a:alphaOff val="0"/>
-              </a:schemeClr>
-            </a:effectRef>
-            <a:fontRef idx="minor">
-              <a:schemeClr val="dk1">
-                <a:hueOff val="0"/>
-                <a:satOff val="0"/>
-                <a:lumOff val="0"/>
-                <a:alphaOff val="0"/>
-              </a:schemeClr>
-            </a:fontRef>
-          </p:style>
-          <p:txBody>
-            <a:bodyPr spcFirstLastPara="0" vert="horz" wrap="square" lIns="80011" tIns="70499" rIns="110504" bIns="70500" numCol="1" spcCol="1270" anchor="ctr" anchorCtr="0">
-              <a:noAutofit/>
-            </a:bodyPr>
-            <a:lstStyle/>
-            <a:p>
-              <a:pPr marL="0" lvl="1" algn="l" defTabSz="933450">
-                <a:lnSpc>
-                  <a:spcPct val="90000"/>
-                </a:lnSpc>
-                <a:spcBef>
-                  <a:spcPct val="0"/>
-                </a:spcBef>
-                <a:spcAft>
-                  <a:spcPct val="15000"/>
-                </a:spcAft>
-              </a:pPr>
-              <a:r>
-                <a:rPr lang="pt-BR" sz="2100" b="1" kern="1200" dirty="0" err="1" smtClean="0">
-                  <a:solidFill>
-                    <a:schemeClr val="bg1"/>
-                  </a:solidFill>
-                  <a:effectLst/>
-                </a:rPr>
-                <a:t>Dependency</a:t>
-              </a:r>
-              <a:r>
-                <a:rPr lang="pt-BR" sz="2100" b="1" kern="1200" dirty="0" smtClean="0">
-                  <a:solidFill>
-                    <a:schemeClr val="bg1"/>
-                  </a:solidFill>
-                  <a:effectLst/>
-                </a:rPr>
-                <a:t> </a:t>
-              </a:r>
-              <a:r>
-                <a:rPr lang="pt-BR" sz="2100" b="1" kern="1200" dirty="0" err="1" smtClean="0">
-                  <a:solidFill>
-                    <a:schemeClr val="bg1"/>
-                  </a:solidFill>
-                  <a:effectLst/>
-                </a:rPr>
-                <a:t>Inversion</a:t>
-              </a:r>
-              <a:r>
-                <a:rPr lang="pt-BR" sz="2100" b="1" kern="1200" dirty="0" smtClean="0">
-                  <a:solidFill>
-                    <a:schemeClr val="bg1"/>
-                  </a:solidFill>
-                  <a:effectLst/>
-                </a:rPr>
-                <a:t> </a:t>
-              </a:r>
-              <a:r>
-                <a:rPr lang="pt-BR" sz="2100" b="1" kern="1200" dirty="0" err="1" smtClean="0">
-                  <a:solidFill>
-                    <a:schemeClr val="bg1"/>
-                  </a:solidFill>
-                  <a:effectLst/>
-                </a:rPr>
-                <a:t>Principle</a:t>
-              </a:r>
-              <a:endParaRPr lang="pt-BR" sz="2100" b="1" kern="1200" dirty="0">
+              </a:rPr>
+              <a:t>Closed</a:t>
+            </a:r>
+            <a:r>
+              <a:rPr lang="pt-BR" sz="2000" dirty="0">
                 <a:solidFill>
                   <a:schemeClr val="bg1"/>
                 </a:solidFill>
-              </a:endParaRPr>
-            </a:p>
-          </p:txBody>
-        </p:sp>
-        <p:sp>
-          <p:nvSpPr>
-            <p:cNvPr id="14" name="Forma livre 13"/>
-            <p:cNvSpPr/>
-            <p:nvPr/>
-          </p:nvSpPr>
-          <p:spPr>
-            <a:xfrm>
-              <a:off x="2086039" y="5126186"/>
-              <a:ext cx="973792" cy="780851"/>
-            </a:xfrm>
-            <a:custGeom>
-              <a:avLst/>
-              <a:gdLst>
-                <a:gd name="connsiteX0" fmla="*/ 0 w 973792"/>
-                <a:gd name="connsiteY0" fmla="*/ 130144 h 780851"/>
-                <a:gd name="connsiteX1" fmla="*/ 130144 w 973792"/>
-                <a:gd name="connsiteY1" fmla="*/ 0 h 780851"/>
-                <a:gd name="connsiteX2" fmla="*/ 843648 w 973792"/>
-                <a:gd name="connsiteY2" fmla="*/ 0 h 780851"/>
-                <a:gd name="connsiteX3" fmla="*/ 973792 w 973792"/>
-                <a:gd name="connsiteY3" fmla="*/ 130144 h 780851"/>
-                <a:gd name="connsiteX4" fmla="*/ 973792 w 973792"/>
-                <a:gd name="connsiteY4" fmla="*/ 650707 h 780851"/>
-                <a:gd name="connsiteX5" fmla="*/ 843648 w 973792"/>
-                <a:gd name="connsiteY5" fmla="*/ 780851 h 780851"/>
-                <a:gd name="connsiteX6" fmla="*/ 130144 w 973792"/>
-                <a:gd name="connsiteY6" fmla="*/ 780851 h 780851"/>
-                <a:gd name="connsiteX7" fmla="*/ 0 w 973792"/>
-                <a:gd name="connsiteY7" fmla="*/ 650707 h 780851"/>
-                <a:gd name="connsiteX8" fmla="*/ 0 w 973792"/>
-                <a:gd name="connsiteY8" fmla="*/ 130144 h 780851"/>
-              </a:gdLst>
-              <a:ahLst/>
-              <a:cxnLst>
-                <a:cxn ang="0">
-                  <a:pos x="connsiteX0" y="connsiteY0"/>
-                </a:cxn>
-                <a:cxn ang="0">
-                  <a:pos x="connsiteX1" y="connsiteY1"/>
-                </a:cxn>
-                <a:cxn ang="0">
-                  <a:pos x="connsiteX2" y="connsiteY2"/>
-                </a:cxn>
-                <a:cxn ang="0">
-                  <a:pos x="connsiteX3" y="connsiteY3"/>
-                </a:cxn>
-                <a:cxn ang="0">
-                  <a:pos x="connsiteX4" y="connsiteY4"/>
-                </a:cxn>
-                <a:cxn ang="0">
-                  <a:pos x="connsiteX5" y="connsiteY5"/>
-                </a:cxn>
-                <a:cxn ang="0">
-                  <a:pos x="connsiteX6" y="connsiteY6"/>
-                </a:cxn>
-                <a:cxn ang="0">
-                  <a:pos x="connsiteX7" y="connsiteY7"/>
-                </a:cxn>
-                <a:cxn ang="0">
-                  <a:pos x="connsiteX8" y="connsiteY8"/>
-                </a:cxn>
-              </a:cxnLst>
-              <a:rect l="l" t="t" r="r" b="b"/>
-              <a:pathLst>
-                <a:path w="973792" h="780851">
-                  <a:moveTo>
-                    <a:pt x="0" y="130144"/>
-                  </a:moveTo>
-                  <a:cubicBezTo>
-                    <a:pt x="0" y="58267"/>
-                    <a:pt x="58267" y="0"/>
-                    <a:pt x="130144" y="0"/>
-                  </a:cubicBezTo>
-                  <a:lnTo>
-                    <a:pt x="843648" y="0"/>
-                  </a:lnTo>
-                  <a:cubicBezTo>
-                    <a:pt x="915525" y="0"/>
-                    <a:pt x="973792" y="58267"/>
-                    <a:pt x="973792" y="130144"/>
-                  </a:cubicBezTo>
-                  <a:lnTo>
-                    <a:pt x="973792" y="650707"/>
-                  </a:lnTo>
-                  <a:cubicBezTo>
-                    <a:pt x="973792" y="722584"/>
-                    <a:pt x="915525" y="780851"/>
-                    <a:pt x="843648" y="780851"/>
-                  </a:cubicBezTo>
-                  <a:lnTo>
-                    <a:pt x="130144" y="780851"/>
-                  </a:lnTo>
-                  <a:cubicBezTo>
-                    <a:pt x="58267" y="780851"/>
-                    <a:pt x="0" y="722584"/>
-                    <a:pt x="0" y="650707"/>
-                  </a:cubicBezTo>
-                  <a:lnTo>
-                    <a:pt x="0" y="130144"/>
-                  </a:lnTo>
-                  <a:close/>
-                </a:path>
-              </a:pathLst>
-            </a:custGeom>
-          </p:spPr>
-          <p:style>
-            <a:lnRef idx="2">
-              <a:schemeClr val="lt1">
-                <a:hueOff val="0"/>
-                <a:satOff val="0"/>
-                <a:lumOff val="0"/>
-                <a:alphaOff val="0"/>
-              </a:schemeClr>
-            </a:lnRef>
-            <a:fillRef idx="1">
-              <a:schemeClr val="accent1">
-                <a:hueOff val="0"/>
-                <a:satOff val="0"/>
-                <a:lumOff val="0"/>
-                <a:alphaOff val="0"/>
-              </a:schemeClr>
-            </a:fillRef>
-            <a:effectRef idx="0">
-              <a:schemeClr val="accent1">
-                <a:hueOff val="0"/>
-                <a:satOff val="0"/>
-                <a:lumOff val="0"/>
-                <a:alphaOff val="0"/>
-              </a:schemeClr>
-            </a:effectRef>
-            <a:fontRef idx="minor">
-              <a:schemeClr val="lt1"/>
-            </a:fontRef>
-          </p:style>
-          <p:txBody>
-            <a:bodyPr spcFirstLastPara="0" vert="horz" wrap="square" lIns="186708" tIns="112413" rIns="186708" bIns="112413" numCol="1" spcCol="1270" anchor="ctr" anchorCtr="0">
-              <a:noAutofit/>
-            </a:bodyPr>
-            <a:lstStyle/>
-            <a:p>
-              <a:pPr lvl="0" algn="ctr" defTabSz="1733550">
-                <a:lnSpc>
-                  <a:spcPct val="90000"/>
-                </a:lnSpc>
-                <a:spcBef>
-                  <a:spcPct val="0"/>
-                </a:spcBef>
-                <a:spcAft>
-                  <a:spcPct val="35000"/>
-                </a:spcAft>
-              </a:pPr>
-              <a:r>
-                <a:rPr lang="pt-BR" sz="3900" kern="1200" dirty="0" smtClean="0">
-                  <a:solidFill>
-                    <a:schemeClr val="bg1"/>
-                  </a:solidFill>
-                </a:rPr>
-                <a:t>D</a:t>
-              </a:r>
-              <a:endParaRPr lang="pt-BR" sz="3900" kern="1200" dirty="0">
+              </a:rPr>
+              <a:t> </a:t>
+            </a:r>
+            <a:r>
+              <a:rPr lang="pt-BR" sz="2000" dirty="0" err="1">
                 <a:solidFill>
                   <a:schemeClr val="bg1"/>
                 </a:solidFill>
-              </a:endParaRPr>
-            </a:p>
-          </p:txBody>
-        </p:sp>
-      </p:grpSp>
+              </a:rPr>
+              <a:t>Principle</a:t>
+            </a:r>
+            <a:endParaRPr lang="pt-BR" sz="2000" dirty="0"/>
+          </a:p>
+        </p:txBody>
+      </p:sp>
+      <p:sp>
+        <p:nvSpPr>
+          <p:cNvPr id="17" name="Retângulo de cantos arredondados 16"/>
+          <p:cNvSpPr/>
+          <p:nvPr/>
+        </p:nvSpPr>
+        <p:spPr>
+          <a:xfrm>
+            <a:off x="2699792" y="3674119"/>
+            <a:ext cx="3816424" cy="914400"/>
+          </a:xfrm>
+          <a:prstGeom prst="roundRect">
+            <a:avLst/>
+          </a:prstGeom>
+        </p:spPr>
+        <p:style>
+          <a:lnRef idx="2">
+            <a:schemeClr val="accent1">
+              <a:shade val="50000"/>
+            </a:schemeClr>
+          </a:lnRef>
+          <a:fillRef idx="1">
+            <a:schemeClr val="accent1"/>
+          </a:fillRef>
+          <a:effectRef idx="0">
+            <a:schemeClr val="accent1"/>
+          </a:effectRef>
+          <a:fontRef idx="minor">
+            <a:schemeClr val="lt1"/>
+          </a:fontRef>
+        </p:style>
+        <p:txBody>
+          <a:bodyPr rtlCol="0" anchor="ctr"/>
+          <a:lstStyle/>
+          <a:p>
+            <a:r>
+              <a:rPr lang="pt-BR" sz="2000" b="1" dirty="0" err="1" smtClean="0">
+                <a:solidFill>
+                  <a:schemeClr val="bg1"/>
+                </a:solidFill>
+              </a:rPr>
+              <a:t>L</a:t>
+            </a:r>
+            <a:r>
+              <a:rPr lang="pt-BR" sz="2000" dirty="0" err="1" smtClean="0">
+                <a:solidFill>
+                  <a:schemeClr val="bg1"/>
+                </a:solidFill>
+              </a:rPr>
+              <a:t>iskov</a:t>
+            </a:r>
+            <a:r>
+              <a:rPr lang="pt-BR" sz="2000" dirty="0" smtClean="0">
+                <a:solidFill>
+                  <a:schemeClr val="bg1"/>
+                </a:solidFill>
+              </a:rPr>
+              <a:t> </a:t>
+            </a:r>
+            <a:r>
+              <a:rPr lang="pt-BR" sz="2000" dirty="0" err="1">
+                <a:solidFill>
+                  <a:schemeClr val="bg1"/>
+                </a:solidFill>
+              </a:rPr>
+              <a:t>Substitution</a:t>
+            </a:r>
+            <a:r>
+              <a:rPr lang="pt-BR" sz="2000" dirty="0">
+                <a:solidFill>
+                  <a:schemeClr val="bg1"/>
+                </a:solidFill>
+              </a:rPr>
+              <a:t> </a:t>
+            </a:r>
+            <a:r>
+              <a:rPr lang="pt-BR" sz="2000" dirty="0" err="1">
+                <a:solidFill>
+                  <a:schemeClr val="bg1"/>
+                </a:solidFill>
+              </a:rPr>
+              <a:t>Principle</a:t>
+            </a:r>
+            <a:endParaRPr lang="pt-BR" sz="2000" dirty="0"/>
+          </a:p>
+        </p:txBody>
+      </p:sp>
+      <p:sp>
+        <p:nvSpPr>
+          <p:cNvPr id="18" name="Retângulo de cantos arredondados 17"/>
+          <p:cNvSpPr/>
+          <p:nvPr/>
+        </p:nvSpPr>
+        <p:spPr>
+          <a:xfrm>
+            <a:off x="2699792" y="4678535"/>
+            <a:ext cx="3816424" cy="914400"/>
+          </a:xfrm>
+          <a:prstGeom prst="roundRect">
+            <a:avLst/>
+          </a:prstGeom>
+        </p:spPr>
+        <p:style>
+          <a:lnRef idx="2">
+            <a:schemeClr val="accent1">
+              <a:shade val="50000"/>
+            </a:schemeClr>
+          </a:lnRef>
+          <a:fillRef idx="1">
+            <a:schemeClr val="accent1"/>
+          </a:fillRef>
+          <a:effectRef idx="0">
+            <a:schemeClr val="accent1"/>
+          </a:effectRef>
+          <a:fontRef idx="minor">
+            <a:schemeClr val="lt1"/>
+          </a:fontRef>
+        </p:style>
+        <p:txBody>
+          <a:bodyPr rtlCol="0" anchor="ctr"/>
+          <a:lstStyle/>
+          <a:p>
+            <a:pPr marL="0" lvl="1" defTabSz="933450">
+              <a:lnSpc>
+                <a:spcPct val="90000"/>
+              </a:lnSpc>
+              <a:spcBef>
+                <a:spcPct val="0"/>
+              </a:spcBef>
+              <a:spcAft>
+                <a:spcPct val="15000"/>
+              </a:spcAft>
+            </a:pPr>
+            <a:r>
+              <a:rPr lang="pt-BR" sz="2000" b="1" dirty="0">
+                <a:solidFill>
+                  <a:schemeClr val="bg1"/>
+                </a:solidFill>
+              </a:rPr>
+              <a:t>I</a:t>
+            </a:r>
+            <a:r>
+              <a:rPr lang="pt-BR" sz="2000" dirty="0">
+                <a:solidFill>
+                  <a:schemeClr val="bg1"/>
+                </a:solidFill>
+              </a:rPr>
+              <a:t>nterface </a:t>
+            </a:r>
+            <a:r>
+              <a:rPr lang="pt-BR" sz="2000" dirty="0" err="1">
+                <a:solidFill>
+                  <a:schemeClr val="bg1"/>
+                </a:solidFill>
+              </a:rPr>
+              <a:t>Segregation</a:t>
+            </a:r>
+            <a:r>
+              <a:rPr lang="pt-BR" sz="2000" dirty="0">
+                <a:solidFill>
+                  <a:schemeClr val="bg1"/>
+                </a:solidFill>
+              </a:rPr>
+              <a:t> </a:t>
+            </a:r>
+            <a:r>
+              <a:rPr lang="pt-BR" sz="2000" dirty="0" err="1">
+                <a:solidFill>
+                  <a:schemeClr val="bg1"/>
+                </a:solidFill>
+              </a:rPr>
+              <a:t>Principle</a:t>
+            </a:r>
+            <a:endParaRPr lang="pt-BR" sz="2000" dirty="0">
+              <a:solidFill>
+                <a:schemeClr val="bg1"/>
+              </a:solidFill>
+            </a:endParaRPr>
+          </a:p>
+        </p:txBody>
+      </p:sp>
+      <p:sp>
+        <p:nvSpPr>
+          <p:cNvPr id="19" name="Retângulo de cantos arredondados 18"/>
+          <p:cNvSpPr/>
+          <p:nvPr/>
+        </p:nvSpPr>
+        <p:spPr>
+          <a:xfrm>
+            <a:off x="2699792" y="5682952"/>
+            <a:ext cx="3816424" cy="914400"/>
+          </a:xfrm>
+          <a:prstGeom prst="roundRect">
+            <a:avLst/>
+          </a:prstGeom>
+        </p:spPr>
+        <p:style>
+          <a:lnRef idx="2">
+            <a:schemeClr val="accent1">
+              <a:shade val="50000"/>
+            </a:schemeClr>
+          </a:lnRef>
+          <a:fillRef idx="1">
+            <a:schemeClr val="accent1"/>
+          </a:fillRef>
+          <a:effectRef idx="0">
+            <a:schemeClr val="accent1"/>
+          </a:effectRef>
+          <a:fontRef idx="minor">
+            <a:schemeClr val="lt1"/>
+          </a:fontRef>
+        </p:style>
+        <p:txBody>
+          <a:bodyPr rtlCol="0" anchor="ctr"/>
+          <a:lstStyle/>
+          <a:p>
+            <a:pPr marL="0" lvl="1" defTabSz="933450">
+              <a:lnSpc>
+                <a:spcPct val="90000"/>
+              </a:lnSpc>
+              <a:spcBef>
+                <a:spcPct val="0"/>
+              </a:spcBef>
+              <a:spcAft>
+                <a:spcPct val="15000"/>
+              </a:spcAft>
+            </a:pPr>
+            <a:r>
+              <a:rPr lang="pt-BR" sz="2000" b="1" dirty="0" err="1">
+                <a:solidFill>
+                  <a:schemeClr val="bg1"/>
+                </a:solidFill>
+              </a:rPr>
+              <a:t>D</a:t>
+            </a:r>
+            <a:r>
+              <a:rPr lang="pt-BR" sz="2000" dirty="0" err="1">
+                <a:solidFill>
+                  <a:schemeClr val="bg1"/>
+                </a:solidFill>
+              </a:rPr>
+              <a:t>ependency</a:t>
+            </a:r>
+            <a:r>
+              <a:rPr lang="pt-BR" sz="2000" dirty="0">
+                <a:solidFill>
+                  <a:schemeClr val="bg1"/>
+                </a:solidFill>
+              </a:rPr>
+              <a:t> </a:t>
+            </a:r>
+            <a:r>
+              <a:rPr lang="pt-BR" sz="2000" dirty="0" err="1">
+                <a:solidFill>
+                  <a:schemeClr val="bg1"/>
+                </a:solidFill>
+              </a:rPr>
+              <a:t>Inversion</a:t>
+            </a:r>
+            <a:r>
+              <a:rPr lang="pt-BR" sz="2000" dirty="0">
+                <a:solidFill>
+                  <a:schemeClr val="bg1"/>
+                </a:solidFill>
+              </a:rPr>
+              <a:t> </a:t>
+            </a:r>
+            <a:r>
+              <a:rPr lang="pt-BR" sz="2000" dirty="0" err="1">
+                <a:solidFill>
+                  <a:schemeClr val="bg1"/>
+                </a:solidFill>
+              </a:rPr>
+              <a:t>Principle</a:t>
+            </a:r>
+            <a:endParaRPr lang="pt-BR" sz="2000" dirty="0">
+              <a:solidFill>
+                <a:schemeClr val="bg1"/>
+              </a:solidFill>
+            </a:endParaRPr>
+          </a:p>
+        </p:txBody>
+      </p:sp>
     </p:spTree>
     <p:extLst>
       <p:ext uri="{BB962C8B-B14F-4D97-AF65-F5344CB8AC3E}">
@@ -15569,11 +14117,7 @@
           <a:p>
             <a:r>
               <a:rPr lang="pt-BR" dirty="0" smtClean="0"/>
-              <a:t>O </a:t>
-            </a:r>
-            <a:r>
-              <a:rPr lang="pt-BR" dirty="0" smtClean="0"/>
-              <a:t>que é uma boa modelagem?</a:t>
+              <a:t>O que é uma boa modelagem?</a:t>
             </a:r>
           </a:p>
           <a:p>
@@ -20051,11 +18595,7 @@
             </a:r>
             <a:r>
               <a:rPr lang="pt-BR" dirty="0" smtClean="0"/>
-              <a:t> </a:t>
-            </a:r>
-            <a:r>
-              <a:rPr lang="pt-BR" dirty="0" smtClean="0"/>
-              <a:t>- </a:t>
+              <a:t> - </a:t>
             </a:r>
             <a:r>
               <a:rPr lang="pt-BR" dirty="0" err="1" smtClean="0"/>
@@ -20105,7 +18645,6 @@
               <a:rPr lang="pt-BR" dirty="0" smtClean="0"/>
               <a:t>, Gary Mc Hall</a:t>
             </a:r>
-            <a:endParaRPr lang="pt-BR" dirty="0" smtClean="0"/>
           </a:p>
           <a:p>
             <a:r>
@@ -22290,11 +20829,7 @@
           <a:p>
             <a:r>
               <a:rPr lang="pt-BR" dirty="0" smtClean="0"/>
-              <a:t>Sintomas de problemas de </a:t>
-            </a:r>
-            <a:r>
-              <a:rPr lang="pt-BR" dirty="0" smtClean="0"/>
-              <a:t>modelagem</a:t>
+              <a:t>Sintomas de problemas de modelagem</a:t>
             </a:r>
             <a:endParaRPr lang="en-US" dirty="0"/>
           </a:p>
@@ -23538,7 +22073,7 @@
   <a:extraClrSchemeLst/>
   <a:extLst>
     <a:ext uri="{05A4C25C-085E-4340-85A3-A5531E510DB2}">
-      <thm15:themeFamily xmlns:thm15="http://schemas.microsoft.com/office/thememl/2012/main" xmlns="" name="Depth" id="{7BEAFC2A-325C-49C4-AC08-2B765DA903F9}" vid="{47428100-C732-4B2E-A30A-5273F581A0FA}"/>
+      <thm15:themeFamily xmlns="" xmlns:thm15="http://schemas.microsoft.com/office/thememl/2012/main" name="Depth" id="{7BEAFC2A-325C-49C4-AC08-2B765DA903F9}" vid="{47428100-C732-4B2E-A30A-5273F581A0FA}"/>
     </a:ext>
   </a:extLst>
 </a:theme>

--- a/docs/Princípios SOLID de OO usando .NET.pptx
+++ b/docs/Princípios SOLID de OO usando .NET.pptx
@@ -135,7 +135,7 @@
   </p:defaultTextStyle>
   <p:extLst>
     <p:ext uri="{EFAFB233-063F-42B5-8137-9DF3F51BA10A}">
-      <p15:sldGuideLst xmlns="" xmlns:p15="http://schemas.microsoft.com/office/powerpoint/2012/main">
+      <p15:sldGuideLst xmlns:p15="http://schemas.microsoft.com/office/powerpoint/2012/main">
         <p15:guide id="1" orient="horz" pos="2160">
           <p15:clr>
             <a:srgbClr val="A4A3A4"/>
@@ -9695,8 +9695,8 @@
         </p:nvSpPr>
         <p:spPr>
           <a:xfrm>
-            <a:off x="2699792" y="1665287"/>
-            <a:ext cx="3816424" cy="914400"/>
+            <a:off x="2771800" y="2137568"/>
+            <a:ext cx="3816424" cy="662855"/>
           </a:xfrm>
           <a:prstGeom prst="roundRect">
             <a:avLst/>
@@ -9774,8 +9774,8 @@
         </p:nvSpPr>
         <p:spPr>
           <a:xfrm>
-            <a:off x="2699792" y="2669703"/>
-            <a:ext cx="3816424" cy="914400"/>
+            <a:off x="2771800" y="2924944"/>
+            <a:ext cx="3816424" cy="662855"/>
           </a:xfrm>
           <a:prstGeom prst="roundRect">
             <a:avLst/>
@@ -9853,8 +9853,8 @@
         </p:nvSpPr>
         <p:spPr>
           <a:xfrm>
-            <a:off x="2699792" y="3674119"/>
-            <a:ext cx="3816424" cy="914400"/>
+            <a:off x="2771800" y="3712320"/>
+            <a:ext cx="3816424" cy="662855"/>
           </a:xfrm>
           <a:prstGeom prst="roundRect">
             <a:avLst/>
@@ -9940,8 +9940,8 @@
         </p:nvSpPr>
         <p:spPr>
           <a:xfrm>
-            <a:off x="2699792" y="4678535"/>
-            <a:ext cx="3816424" cy="914400"/>
+            <a:off x="2771800" y="4499696"/>
+            <a:ext cx="3816424" cy="662855"/>
           </a:xfrm>
           <a:prstGeom prst="roundRect">
             <a:avLst/>
@@ -10034,8 +10034,8 @@
         </p:nvSpPr>
         <p:spPr>
           <a:xfrm>
-            <a:off x="2699792" y="5682952"/>
-            <a:ext cx="3816424" cy="914400"/>
+            <a:off x="2771800" y="5287074"/>
+            <a:ext cx="3816424" cy="662855"/>
           </a:xfrm>
           <a:prstGeom prst="roundRect">
             <a:avLst/>
@@ -10390,6 +10390,13 @@
                 <a:solidFill>
                   <a:schemeClr val="bg1"/>
                 </a:solidFill>
+                <a:effectLst>
+                  <a:outerShdw blurRad="38100" dist="38100" dir="2700000" algn="tl">
+                    <a:srgbClr val="000000">
+                      <a:alpha val="43137"/>
+                    </a:srgbClr>
+                  </a:outerShdw>
+                </a:effectLst>
               </a:rPr>
               <a:t>SRP</a:t>
             </a:r>
@@ -10397,6 +10404,13 @@
               <a:solidFill>
                 <a:schemeClr val="bg1"/>
               </a:solidFill>
+              <a:effectLst>
+                <a:outerShdw blurRad="38100" dist="38100" dir="2700000" algn="tl">
+                  <a:srgbClr val="000000">
+                    <a:alpha val="43137"/>
+                  </a:srgbClr>
+                </a:outerShdw>
+              </a:effectLst>
             </a:endParaRPr>
           </a:p>
         </p:txBody>
@@ -10424,6 +10438,14 @@
 <file path=ppt/slides/slide12.xml><?xml version="1.0" encoding="utf-8"?>
 <p:sld xmlns:a="http://schemas.openxmlformats.org/drawingml/2006/main" xmlns:r="http://schemas.openxmlformats.org/officeDocument/2006/relationships" xmlns:p="http://schemas.openxmlformats.org/presentationml/2006/main">
   <p:cSld>
+    <p:bg>
+      <p:bgPr>
+        <a:solidFill>
+          <a:schemeClr val="tx1"/>
+        </a:solidFill>
+        <a:effectLst/>
+      </p:bgPr>
+    </p:bg>
     <p:spTree>
       <p:nvGrpSpPr>
         <p:cNvPr id="1" name=""/>
@@ -10456,22 +10478,42 @@
           <a:lstStyle/>
           <a:p>
             <a:r>
-              <a:rPr lang="pt-BR" dirty="0" smtClean="0"/>
+              <a:rPr lang="pt-BR" dirty="0" smtClean="0">
+                <a:solidFill>
+                  <a:schemeClr val="bg1"/>
+                </a:solidFill>
+              </a:rPr>
               <a:t>Single </a:t>
             </a:r>
             <a:r>
-              <a:rPr lang="pt-BR" dirty="0" err="1"/>
+              <a:rPr lang="pt-BR" dirty="0" err="1">
+                <a:solidFill>
+                  <a:schemeClr val="bg1"/>
+                </a:solidFill>
+              </a:rPr>
               <a:t>Responsibility</a:t>
             </a:r>
             <a:r>
-              <a:rPr lang="pt-BR" dirty="0"/>
+              <a:rPr lang="pt-BR" dirty="0">
+                <a:solidFill>
+                  <a:schemeClr val="bg1"/>
+                </a:solidFill>
+              </a:rPr>
               <a:t> </a:t>
             </a:r>
             <a:r>
-              <a:rPr lang="pt-BR" dirty="0" err="1"/>
+              <a:rPr lang="pt-BR" dirty="0" err="1">
+                <a:solidFill>
+                  <a:schemeClr val="bg1"/>
+                </a:solidFill>
+              </a:rPr>
               <a:t>Principle</a:t>
             </a:r>
-            <a:endParaRPr lang="pt-BR" dirty="0"/>
+            <a:endParaRPr lang="pt-BR" dirty="0">
+              <a:solidFill>
+                <a:schemeClr val="bg1"/>
+              </a:solidFill>
+            </a:endParaRPr>
           </a:p>
         </p:txBody>
       </p:sp>
@@ -10498,16 +10540,28 @@
           <a:lstStyle/>
           <a:p>
             <a:r>
-              <a:rPr lang="pt-BR" dirty="0" smtClean="0"/>
+              <a:rPr lang="pt-BR" dirty="0" smtClean="0">
+                <a:solidFill>
+                  <a:schemeClr val="bg1"/>
+                </a:solidFill>
+              </a:rPr>
               <a:t>Geralmente a versão B é um código melhor</a:t>
             </a:r>
-            <a:endParaRPr lang="pt-BR" dirty="0"/>
+            <a:endParaRPr lang="pt-BR" dirty="0">
+              <a:solidFill>
+                <a:schemeClr val="bg1"/>
+              </a:solidFill>
+            </a:endParaRPr>
           </a:p>
           <a:p>
             <a:pPr marL="57150" indent="0">
               <a:buNone/>
             </a:pPr>
-            <a:endParaRPr lang="pt-BR" dirty="0"/>
+            <a:endParaRPr lang="pt-BR" dirty="0">
+              <a:solidFill>
+                <a:schemeClr val="bg1"/>
+              </a:solidFill>
+            </a:endParaRPr>
           </a:p>
         </p:txBody>
       </p:sp>
@@ -10722,6 +10776,13 @@
                 <a:solidFill>
                   <a:schemeClr val="bg1"/>
                 </a:solidFill>
+                <a:effectLst>
+                  <a:outerShdw blurRad="38100" dist="38100" dir="2700000" algn="tl">
+                    <a:srgbClr val="000000">
+                      <a:alpha val="43137"/>
+                    </a:srgbClr>
+                  </a:outerShdw>
+                </a:effectLst>
               </a:rPr>
               <a:t>SRP</a:t>
             </a:r>
@@ -10729,6 +10790,13 @@
               <a:solidFill>
                 <a:schemeClr val="bg1"/>
               </a:solidFill>
+              <a:effectLst>
+                <a:outerShdw blurRad="38100" dist="38100" dir="2700000" algn="tl">
+                  <a:srgbClr val="000000">
+                    <a:alpha val="43137"/>
+                  </a:srgbClr>
+                </a:outerShdw>
+              </a:effectLst>
             </a:endParaRPr>
           </a:p>
         </p:txBody>
@@ -11019,10 +11087,18 @@
               <a:buNone/>
             </a:pPr>
             <a:r>
-              <a:rPr lang="pt-BR" u="sng" dirty="0" smtClean="0"/>
+              <a:rPr lang="pt-BR" u="sng" dirty="0" smtClean="0">
+                <a:solidFill>
+                  <a:schemeClr val="bg1"/>
+                </a:solidFill>
+              </a:rPr>
               <a:t>Versão A</a:t>
             </a:r>
-            <a:endParaRPr lang="pt-BR" u="sng" dirty="0"/>
+            <a:endParaRPr lang="pt-BR" u="sng" dirty="0">
+              <a:solidFill>
+                <a:schemeClr val="bg1"/>
+              </a:solidFill>
+            </a:endParaRPr>
           </a:p>
         </p:txBody>
       </p:sp>
@@ -11312,10 +11388,18 @@
               <a:buNone/>
             </a:pPr>
             <a:r>
-              <a:rPr lang="pt-BR" u="sng" dirty="0" smtClean="0"/>
+              <a:rPr lang="pt-BR" u="sng" dirty="0" smtClean="0">
+                <a:solidFill>
+                  <a:schemeClr val="bg1"/>
+                </a:solidFill>
+              </a:rPr>
               <a:t>Versão B</a:t>
             </a:r>
-            <a:endParaRPr lang="pt-BR" u="sng" dirty="0"/>
+            <a:endParaRPr lang="pt-BR" u="sng" dirty="0">
+              <a:solidFill>
+                <a:schemeClr val="bg1"/>
+              </a:solidFill>
+            </a:endParaRPr>
           </a:p>
         </p:txBody>
       </p:sp>
@@ -11518,6 +11602,14 @@
 <file path=ppt/slides/slide13.xml><?xml version="1.0" encoding="utf-8"?>
 <p:sld xmlns:a="http://schemas.openxmlformats.org/drawingml/2006/main" xmlns:r="http://schemas.openxmlformats.org/officeDocument/2006/relationships" xmlns:p="http://schemas.openxmlformats.org/presentationml/2006/main">
   <p:cSld>
+    <p:bg>
+      <p:bgPr>
+        <a:solidFill>
+          <a:schemeClr val="tx1"/>
+        </a:solidFill>
+        <a:effectLst/>
+      </p:bgPr>
+    </p:bg>
     <p:spTree>
       <p:nvGrpSpPr>
         <p:cNvPr id="1" name=""/>
@@ -11550,22 +11642,42 @@
           <a:lstStyle/>
           <a:p>
             <a:r>
-              <a:rPr lang="pt-BR" dirty="0" smtClean="0"/>
+              <a:rPr lang="pt-BR" dirty="0" smtClean="0">
+                <a:solidFill>
+                  <a:schemeClr val="bg1"/>
+                </a:solidFill>
+              </a:rPr>
               <a:t>Single </a:t>
             </a:r>
             <a:r>
-              <a:rPr lang="pt-BR" dirty="0" err="1"/>
+              <a:rPr lang="pt-BR" dirty="0" err="1">
+                <a:solidFill>
+                  <a:schemeClr val="bg1"/>
+                </a:solidFill>
+              </a:rPr>
               <a:t>Responsibility</a:t>
             </a:r>
             <a:r>
-              <a:rPr lang="pt-BR" dirty="0"/>
+              <a:rPr lang="pt-BR" dirty="0">
+                <a:solidFill>
+                  <a:schemeClr val="bg1"/>
+                </a:solidFill>
+              </a:rPr>
               <a:t> </a:t>
             </a:r>
             <a:r>
-              <a:rPr lang="pt-BR" dirty="0" err="1"/>
+              <a:rPr lang="pt-BR" dirty="0" err="1">
+                <a:solidFill>
+                  <a:schemeClr val="bg1"/>
+                </a:solidFill>
+              </a:rPr>
               <a:t>Principle</a:t>
             </a:r>
-            <a:endParaRPr lang="pt-BR" dirty="0"/>
+            <a:endParaRPr lang="pt-BR" dirty="0">
+              <a:solidFill>
+                <a:schemeClr val="bg1"/>
+              </a:solidFill>
+            </a:endParaRPr>
           </a:p>
         </p:txBody>
       </p:sp>
@@ -11592,31 +11704,55 @@
           <a:lstStyle/>
           <a:p>
             <a:r>
-              <a:rPr lang="pt-BR" dirty="0" smtClean="0"/>
+              <a:rPr lang="pt-BR" dirty="0" smtClean="0">
+                <a:solidFill>
+                  <a:schemeClr val="bg1"/>
+                </a:solidFill>
+              </a:rPr>
               <a:t>Violação do SRP.</a:t>
             </a:r>
-            <a:endParaRPr lang="pt-BR" dirty="0"/>
-          </a:p>
-          <a:p>
-            <a:r>
-              <a:rPr lang="pt-BR" dirty="0" smtClean="0"/>
+            <a:endParaRPr lang="pt-BR" dirty="0">
+              <a:solidFill>
+                <a:schemeClr val="bg1"/>
+              </a:solidFill>
+            </a:endParaRPr>
+          </a:p>
+          <a:p>
+            <a:r>
+              <a:rPr lang="pt-BR" dirty="0" smtClean="0">
+                <a:solidFill>
+                  <a:schemeClr val="bg1"/>
+                </a:solidFill>
+              </a:rPr>
               <a:t>Regras de negócio e Persistência quase sempre não devem se misturar.</a:t>
             </a:r>
           </a:p>
           <a:p>
             <a:r>
-              <a:rPr lang="pt-BR" dirty="0" smtClean="0"/>
+              <a:rPr lang="pt-BR" dirty="0" smtClean="0">
+                <a:solidFill>
+                  <a:schemeClr val="bg1"/>
+                </a:solidFill>
+              </a:rPr>
               <a:t>Regras de negócio mudam frequentemente.</a:t>
             </a:r>
           </a:p>
           <a:p>
-            <a:endParaRPr lang="pt-BR" dirty="0"/>
+            <a:endParaRPr lang="pt-BR" dirty="0">
+              <a:solidFill>
+                <a:schemeClr val="bg1"/>
+              </a:solidFill>
+            </a:endParaRPr>
           </a:p>
           <a:p>
             <a:pPr marL="57150" indent="0">
               <a:buNone/>
             </a:pPr>
-            <a:endParaRPr lang="pt-BR" dirty="0"/>
+            <a:endParaRPr lang="pt-BR" dirty="0">
+              <a:solidFill>
+                <a:schemeClr val="bg1"/>
+              </a:solidFill>
+            </a:endParaRPr>
           </a:p>
         </p:txBody>
       </p:sp>
@@ -11739,6 +11875,13 @@
                 <a:solidFill>
                   <a:schemeClr val="bg1"/>
                 </a:solidFill>
+                <a:effectLst>
+                  <a:outerShdw blurRad="38100" dist="38100" dir="2700000" algn="tl">
+                    <a:srgbClr val="000000">
+                      <a:alpha val="43137"/>
+                    </a:srgbClr>
+                  </a:outerShdw>
+                </a:effectLst>
               </a:rPr>
               <a:t>SRP</a:t>
             </a:r>
@@ -11746,6 +11889,13 @@
               <a:solidFill>
                 <a:schemeClr val="bg1"/>
               </a:solidFill>
+              <a:effectLst>
+                <a:outerShdw blurRad="38100" dist="38100" dir="2700000" algn="tl">
+                  <a:srgbClr val="000000">
+                    <a:alpha val="43137"/>
+                  </a:srgbClr>
+                </a:outerShdw>
+              </a:effectLst>
             </a:endParaRPr>
           </a:p>
         </p:txBody>
@@ -11920,6 +12070,13 @@
                 <a:solidFill>
                   <a:schemeClr val="bg1"/>
                 </a:solidFill>
+                <a:effectLst>
+                  <a:outerShdw blurRad="38100" dist="38100" dir="2700000" algn="tl">
+                    <a:srgbClr val="000000">
+                      <a:alpha val="43137"/>
+                    </a:srgbClr>
+                  </a:outerShdw>
+                </a:effectLst>
               </a:rPr>
               <a:t>SRP</a:t>
             </a:r>
@@ -11927,6 +12084,13 @@
               <a:solidFill>
                 <a:schemeClr val="bg1"/>
               </a:solidFill>
+              <a:effectLst>
+                <a:outerShdw blurRad="38100" dist="38100" dir="2700000" algn="tl">
+                  <a:srgbClr val="000000">
+                    <a:alpha val="43137"/>
+                  </a:srgbClr>
+                </a:outerShdw>
+              </a:effectLst>
             </a:endParaRPr>
           </a:p>
         </p:txBody>
@@ -12120,6 +12284,13 @@
                 <a:solidFill>
                   <a:schemeClr val="bg1"/>
                 </a:solidFill>
+                <a:effectLst>
+                  <a:outerShdw blurRad="38100" dist="38100" dir="2700000" algn="tl">
+                    <a:srgbClr val="000000">
+                      <a:alpha val="43137"/>
+                    </a:srgbClr>
+                  </a:outerShdw>
+                </a:effectLst>
               </a:rPr>
               <a:t>OCP</a:t>
             </a:r>
@@ -12127,6 +12298,13 @@
               <a:solidFill>
                 <a:schemeClr val="bg1"/>
               </a:solidFill>
+              <a:effectLst>
+                <a:outerShdw blurRad="38100" dist="38100" dir="2700000" algn="tl">
+                  <a:srgbClr val="000000">
+                    <a:alpha val="43137"/>
+                  </a:srgbClr>
+                </a:outerShdw>
+              </a:effectLst>
             </a:endParaRPr>
           </a:p>
         </p:txBody>
@@ -12368,6 +12546,13 @@
                 <a:solidFill>
                   <a:schemeClr val="bg1"/>
                 </a:solidFill>
+                <a:effectLst>
+                  <a:outerShdw blurRad="38100" dist="38100" dir="2700000" algn="tl">
+                    <a:srgbClr val="000000">
+                      <a:alpha val="43137"/>
+                    </a:srgbClr>
+                  </a:outerShdw>
+                </a:effectLst>
               </a:rPr>
               <a:t>OCP</a:t>
             </a:r>
@@ -12375,6 +12560,13 @@
               <a:solidFill>
                 <a:schemeClr val="bg1"/>
               </a:solidFill>
+              <a:effectLst>
+                <a:outerShdw blurRad="38100" dist="38100" dir="2700000" algn="tl">
+                  <a:srgbClr val="000000">
+                    <a:alpha val="43137"/>
+                  </a:srgbClr>
+                </a:outerShdw>
+              </a:effectLst>
             </a:endParaRPr>
           </a:p>
         </p:txBody>
@@ -12402,6 +12594,14 @@
 <file path=ppt/slides/slide17.xml><?xml version="1.0" encoding="utf-8"?>
 <p:sld xmlns:a="http://schemas.openxmlformats.org/drawingml/2006/main" xmlns:r="http://schemas.openxmlformats.org/officeDocument/2006/relationships" xmlns:p="http://schemas.openxmlformats.org/presentationml/2006/main">
   <p:cSld>
+    <p:bg>
+      <p:bgPr>
+        <a:solidFill>
+          <a:schemeClr val="tx1"/>
+        </a:solidFill>
+        <a:effectLst/>
+      </p:bgPr>
+    </p:bg>
     <p:spTree>
       <p:nvGrpSpPr>
         <p:cNvPr id="1" name=""/>
@@ -12435,29 +12635,44 @@
           <a:p>
             <a:r>
               <a:rPr lang="pt-BR" dirty="0" smtClean="0">
+                <a:solidFill>
+                  <a:schemeClr val="bg1"/>
+                </a:solidFill>
                 <a:effectLst/>
               </a:rPr>
               <a:t>Open </a:t>
             </a:r>
             <a:r>
               <a:rPr lang="pt-BR" dirty="0" err="1" smtClean="0">
+                <a:solidFill>
+                  <a:schemeClr val="bg1"/>
+                </a:solidFill>
                 <a:effectLst/>
               </a:rPr>
               <a:t>Closed</a:t>
             </a:r>
             <a:r>
               <a:rPr lang="pt-BR" dirty="0" smtClean="0">
+                <a:solidFill>
+                  <a:schemeClr val="bg1"/>
+                </a:solidFill>
                 <a:effectLst/>
               </a:rPr>
               <a:t> </a:t>
             </a:r>
             <a:r>
               <a:rPr lang="pt-BR" dirty="0" err="1" smtClean="0">
+                <a:solidFill>
+                  <a:schemeClr val="bg1"/>
+                </a:solidFill>
                 <a:effectLst/>
               </a:rPr>
               <a:t>Principle</a:t>
             </a:r>
             <a:endParaRPr lang="pt-BR" dirty="0">
+              <a:solidFill>
+                <a:schemeClr val="bg1"/>
+              </a:solidFill>
               <a:effectLst/>
             </a:endParaRPr>
           </a:p>
@@ -12727,6 +12942,13 @@
                 <a:solidFill>
                   <a:schemeClr val="bg1"/>
                 </a:solidFill>
+                <a:effectLst>
+                  <a:outerShdw blurRad="38100" dist="38100" dir="2700000" algn="tl">
+                    <a:srgbClr val="000000">
+                      <a:alpha val="43137"/>
+                    </a:srgbClr>
+                  </a:outerShdw>
+                </a:effectLst>
               </a:rPr>
               <a:t>OCP</a:t>
             </a:r>
@@ -12734,6 +12956,13 @@
               <a:solidFill>
                 <a:schemeClr val="bg1"/>
               </a:solidFill>
+              <a:effectLst>
+                <a:outerShdw blurRad="38100" dist="38100" dir="2700000" algn="tl">
+                  <a:srgbClr val="000000">
+                    <a:alpha val="43137"/>
+                  </a:srgbClr>
+                </a:outerShdw>
+              </a:effectLst>
             </a:endParaRPr>
           </a:p>
         </p:txBody>
@@ -13371,6 +13600,13 @@
                 <a:solidFill>
                   <a:schemeClr val="bg1"/>
                 </a:solidFill>
+                <a:effectLst>
+                  <a:outerShdw blurRad="38100" dist="38100" dir="2700000" algn="tl">
+                    <a:srgbClr val="000000">
+                      <a:alpha val="43137"/>
+                    </a:srgbClr>
+                  </a:outerShdw>
+                </a:effectLst>
               </a:rPr>
               <a:t>LSP</a:t>
             </a:r>
@@ -13378,6 +13614,13 @@
               <a:solidFill>
                 <a:schemeClr val="bg1"/>
               </a:solidFill>
+              <a:effectLst>
+                <a:outerShdw blurRad="38100" dist="38100" dir="2700000" algn="tl">
+                  <a:srgbClr val="000000">
+                    <a:alpha val="43137"/>
+                  </a:srgbClr>
+                </a:outerShdw>
+              </a:effectLst>
             </a:endParaRPr>
           </a:p>
         </p:txBody>
@@ -14001,6 +14244,13 @@
                 <a:solidFill>
                   <a:schemeClr val="bg1"/>
                 </a:solidFill>
+                <a:effectLst>
+                  <a:outerShdw blurRad="38100" dist="38100" dir="2700000" algn="tl">
+                    <a:srgbClr val="000000">
+                      <a:alpha val="43137"/>
+                    </a:srgbClr>
+                  </a:outerShdw>
+                </a:effectLst>
               </a:rPr>
               <a:t>ISP</a:t>
             </a:r>
@@ -14008,6 +14258,13 @@
               <a:solidFill>
                 <a:schemeClr val="bg1"/>
               </a:solidFill>
+              <a:effectLst>
+                <a:outerShdw blurRad="38100" dist="38100" dir="2700000" algn="tl">
+                  <a:srgbClr val="000000">
+                    <a:alpha val="43137"/>
+                  </a:srgbClr>
+                </a:outerShdw>
+              </a:effectLst>
             </a:endParaRPr>
           </a:p>
         </p:txBody>
@@ -14151,7 +14408,7 @@
           <a:p>
             <a:r>
               <a:rPr lang="pt-BR" dirty="0" smtClean="0"/>
-              <a:t>Perguntas</a:t>
+              <a:t>Dúvidas?</a:t>
             </a:r>
             <a:endParaRPr lang="pt-BR" dirty="0"/>
           </a:p>
@@ -14259,6 +14516,13 @@
                 <a:solidFill>
                   <a:schemeClr val="bg1"/>
                 </a:solidFill>
+                <a:effectLst>
+                  <a:outerShdw blurRad="38100" dist="38100" dir="2700000" algn="tl">
+                    <a:srgbClr val="000000">
+                      <a:alpha val="43137"/>
+                    </a:srgbClr>
+                  </a:outerShdw>
+                </a:effectLst>
               </a:rPr>
               <a:t>ISP</a:t>
             </a:r>
@@ -14266,6 +14530,13 @@
               <a:solidFill>
                 <a:schemeClr val="bg1"/>
               </a:solidFill>
+              <a:effectLst>
+                <a:outerShdw blurRad="38100" dist="38100" dir="2700000" algn="tl">
+                  <a:srgbClr val="000000">
+                    <a:alpha val="43137"/>
+                  </a:srgbClr>
+                </a:outerShdw>
+              </a:effectLst>
             </a:endParaRPr>
           </a:p>
         </p:txBody>
@@ -15768,6 +16039,13 @@
                 <a:solidFill>
                   <a:schemeClr val="bg1"/>
                 </a:solidFill>
+                <a:effectLst>
+                  <a:outerShdw blurRad="38100" dist="38100" dir="2700000" algn="tl">
+                    <a:srgbClr val="000000">
+                      <a:alpha val="43137"/>
+                    </a:srgbClr>
+                  </a:outerShdw>
+                </a:effectLst>
               </a:rPr>
               <a:t>DIP</a:t>
             </a:r>
@@ -15775,6 +16053,13 @@
               <a:solidFill>
                 <a:schemeClr val="bg1"/>
               </a:solidFill>
+              <a:effectLst>
+                <a:outerShdw blurRad="38100" dist="38100" dir="2700000" algn="tl">
+                  <a:srgbClr val="000000">
+                    <a:alpha val="43137"/>
+                  </a:srgbClr>
+                </a:outerShdw>
+              </a:effectLst>
             </a:endParaRPr>
           </a:p>
         </p:txBody>
@@ -16775,6 +17060,13 @@
                 <a:solidFill>
                   <a:schemeClr val="bg1"/>
                 </a:solidFill>
+                <a:effectLst>
+                  <a:outerShdw blurRad="38100" dist="38100" dir="2700000" algn="tl">
+                    <a:srgbClr val="000000">
+                      <a:alpha val="43137"/>
+                    </a:srgbClr>
+                  </a:outerShdw>
+                </a:effectLst>
               </a:rPr>
               <a:t>DIP</a:t>
             </a:r>
@@ -16782,6 +17074,13 @@
               <a:solidFill>
                 <a:schemeClr val="bg1"/>
               </a:solidFill>
+              <a:effectLst>
+                <a:outerShdw blurRad="38100" dist="38100" dir="2700000" algn="tl">
+                  <a:srgbClr val="000000">
+                    <a:alpha val="43137"/>
+                  </a:srgbClr>
+                </a:outerShdw>
+              </a:effectLst>
             </a:endParaRPr>
           </a:p>
         </p:txBody>
@@ -17580,6 +17879,13 @@
                 <a:solidFill>
                   <a:schemeClr val="bg1"/>
                 </a:solidFill>
+                <a:effectLst>
+                  <a:outerShdw blurRad="38100" dist="38100" dir="2700000" algn="tl">
+                    <a:srgbClr val="000000">
+                      <a:alpha val="43137"/>
+                    </a:srgbClr>
+                  </a:outerShdw>
+                </a:effectLst>
               </a:rPr>
               <a:t>DIP</a:t>
             </a:r>
@@ -17587,6 +17893,13 @@
               <a:solidFill>
                 <a:schemeClr val="bg1"/>
               </a:solidFill>
+              <a:effectLst>
+                <a:outerShdw blurRad="38100" dist="38100" dir="2700000" algn="tl">
+                  <a:srgbClr val="000000">
+                    <a:alpha val="43137"/>
+                  </a:srgbClr>
+                </a:outerShdw>
+              </a:effectLst>
             </a:endParaRPr>
           </a:p>
         </p:txBody>
@@ -18416,6 +18729,14 @@
 <file path=ppt/slides/slide25.xml><?xml version="1.0" encoding="utf-8"?>
 <p:sld xmlns:a="http://schemas.openxmlformats.org/drawingml/2006/main" xmlns:r="http://schemas.openxmlformats.org/officeDocument/2006/relationships" xmlns:p="http://schemas.openxmlformats.org/presentationml/2006/main">
   <p:cSld>
+    <p:bg>
+      <p:bgPr>
+        <a:solidFill>
+          <a:srgbClr val="00B050"/>
+        </a:solidFill>
+        <a:effectLst/>
+      </p:bgPr>
+    </p:bg>
     <p:spTree>
       <p:nvGrpSpPr>
         <p:cNvPr id="1" name=""/>
@@ -18447,7 +18768,7 @@
           <a:p>
             <a:r>
               <a:rPr lang="pt-BR" dirty="0" smtClean="0"/>
-              <a:t>Perguntas</a:t>
+              <a:t>Dúvidas?</a:t>
             </a:r>
             <a:endParaRPr lang="en-US" dirty="0"/>
           </a:p>
@@ -20614,6 +20935,14 @@
 <file path=ppt/slides/slide7.xml><?xml version="1.0" encoding="utf-8"?>
 <p:sld xmlns:a="http://schemas.openxmlformats.org/drawingml/2006/main" xmlns:r="http://schemas.openxmlformats.org/officeDocument/2006/relationships" xmlns:p="http://schemas.openxmlformats.org/presentationml/2006/main">
   <p:cSld>
+    <p:bg>
+      <p:bgPr>
+        <a:solidFill>
+          <a:schemeClr val="tx1"/>
+        </a:solidFill>
+        <a:effectLst/>
+      </p:bgPr>
+    </p:bg>
     <p:spTree>
       <p:nvGrpSpPr>
         <p:cNvPr id="1" name=""/>
@@ -20646,7 +20975,11 @@
           <a:lstStyle/>
           <a:p>
             <a:r>
-              <a:rPr lang="pt-BR" dirty="0"/>
+              <a:rPr lang="pt-BR" dirty="0">
+                <a:solidFill>
+                  <a:schemeClr val="bg1"/>
+                </a:solidFill>
+              </a:rPr>
               <a:t>Por que investir em modelagem?</a:t>
             </a:r>
           </a:p>
@@ -20753,7 +21086,7 @@
         </p:nvSpPr>
         <p:spPr>
           <a:xfrm>
-            <a:off x="1619671" y="5529016"/>
+            <a:off x="147593" y="6381328"/>
             <a:ext cx="6344316" cy="369332"/>
           </a:xfrm>
           <a:prstGeom prst="rect">
@@ -20767,7 +21100,11 @@
           <a:lstStyle/>
           <a:p>
             <a:r>
-              <a:rPr lang="pt-BR" dirty="0"/>
+              <a:rPr lang="pt-BR" dirty="0">
+                <a:solidFill>
+                  <a:schemeClr val="bg1"/>
+                </a:solidFill>
+              </a:rPr>
               <a:t>https://martinfowler.com/bliki/DesignStaminaHypothesis.html</a:t>
             </a:r>
           </a:p>
@@ -22073,7 +22410,7 @@
   <a:extraClrSchemeLst/>
   <a:extLst>
     <a:ext uri="{05A4C25C-085E-4340-85A3-A5531E510DB2}">
-      <thm15:themeFamily xmlns="" xmlns:thm15="http://schemas.microsoft.com/office/thememl/2012/main" name="Depth" id="{7BEAFC2A-325C-49C4-AC08-2B765DA903F9}" vid="{47428100-C732-4B2E-A30A-5273F581A0FA}"/>
+      <thm15:themeFamily xmlns:thm15="http://schemas.microsoft.com/office/thememl/2012/main" name="Depth" id="{7BEAFC2A-325C-49C4-AC08-2B765DA903F9}" vid="{47428100-C732-4B2E-A30A-5273F581A0FA}"/>
     </a:ext>
   </a:extLst>
 </a:theme>

--- a/docs/Princípios SOLID de OO usando .NET.pptx
+++ b/docs/Princípios SOLID de OO usando .NET.pptx
@@ -6,35 +6,36 @@
     <p:sldMasterId id="2147483738" r:id="rId2"/>
   </p:sldMasterIdLst>
   <p:notesMasterIdLst>
-    <p:notesMasterId r:id="rId29"/>
+    <p:notesMasterId r:id="rId30"/>
   </p:notesMasterIdLst>
   <p:sldIdLst>
     <p:sldId id="256" r:id="rId3"/>
-    <p:sldId id="264" r:id="rId4"/>
-    <p:sldId id="281" r:id="rId5"/>
-    <p:sldId id="284" r:id="rId6"/>
-    <p:sldId id="265" r:id="rId7"/>
-    <p:sldId id="266" r:id="rId8"/>
-    <p:sldId id="283" r:id="rId9"/>
-    <p:sldId id="269" r:id="rId10"/>
-    <p:sldId id="268" r:id="rId11"/>
-    <p:sldId id="257" r:id="rId12"/>
-    <p:sldId id="275" r:id="rId13"/>
-    <p:sldId id="259" r:id="rId14"/>
-    <p:sldId id="277" r:id="rId15"/>
-    <p:sldId id="276" r:id="rId16"/>
-    <p:sldId id="260" r:id="rId17"/>
-    <p:sldId id="278" r:id="rId18"/>
-    <p:sldId id="279" r:id="rId19"/>
-    <p:sldId id="261" r:id="rId20"/>
-    <p:sldId id="282" r:id="rId21"/>
-    <p:sldId id="287" r:id="rId22"/>
-    <p:sldId id="263" r:id="rId23"/>
-    <p:sldId id="288" r:id="rId24"/>
-    <p:sldId id="289" r:id="rId25"/>
-    <p:sldId id="285" r:id="rId26"/>
-    <p:sldId id="280" r:id="rId27"/>
-    <p:sldId id="258" r:id="rId28"/>
+    <p:sldId id="290" r:id="rId4"/>
+    <p:sldId id="264" r:id="rId5"/>
+    <p:sldId id="281" r:id="rId6"/>
+    <p:sldId id="284" r:id="rId7"/>
+    <p:sldId id="265" r:id="rId8"/>
+    <p:sldId id="266" r:id="rId9"/>
+    <p:sldId id="283" r:id="rId10"/>
+    <p:sldId id="269" r:id="rId11"/>
+    <p:sldId id="268" r:id="rId12"/>
+    <p:sldId id="257" r:id="rId13"/>
+    <p:sldId id="275" r:id="rId14"/>
+    <p:sldId id="259" r:id="rId15"/>
+    <p:sldId id="277" r:id="rId16"/>
+    <p:sldId id="276" r:id="rId17"/>
+    <p:sldId id="260" r:id="rId18"/>
+    <p:sldId id="278" r:id="rId19"/>
+    <p:sldId id="279" r:id="rId20"/>
+    <p:sldId id="261" r:id="rId21"/>
+    <p:sldId id="282" r:id="rId22"/>
+    <p:sldId id="287" r:id="rId23"/>
+    <p:sldId id="263" r:id="rId24"/>
+    <p:sldId id="288" r:id="rId25"/>
+    <p:sldId id="289" r:id="rId26"/>
+    <p:sldId id="285" r:id="rId27"/>
+    <p:sldId id="280" r:id="rId28"/>
+    <p:sldId id="258" r:id="rId29"/>
   </p:sldIdLst>
   <p:sldSz cx="9144000" cy="6858000" type="screen4x3"/>
   <p:notesSz cx="6858000" cy="9144000"/>
@@ -234,7 +235,7 @@
           <a:p>
             <a:fld id="{835C4B7D-E860-4B95-8646-60DA78D972CD}" type="datetimeFigureOut">
               <a:rPr lang="pt-BR" smtClean="0"/>
-              <a:t>25/07/2017</a:t>
+              <a:t>27/07/2017</a:t>
             </a:fld>
             <a:endParaRPr lang="pt-BR"/>
           </a:p>
@@ -567,7 +568,7 @@
           <a:p>
             <a:fld id="{601CE386-37F1-42E2-8A78-E74385306B9B}" type="slidenum">
               <a:rPr lang="pt-BR" smtClean="0"/>
-              <a:t>3</a:t>
+              <a:t>4</a:t>
             </a:fld>
             <a:endParaRPr lang="pt-BR"/>
           </a:p>
@@ -651,7 +652,7 @@
           <a:p>
             <a:fld id="{601CE386-37F1-42E2-8A78-E74385306B9B}" type="slidenum">
               <a:rPr lang="pt-BR" smtClean="0"/>
-              <a:t>4</a:t>
+              <a:t>5</a:t>
             </a:fld>
             <a:endParaRPr lang="pt-BR"/>
           </a:p>
@@ -739,7 +740,7 @@
           <a:p>
             <a:fld id="{601CE386-37F1-42E2-8A78-E74385306B9B}" type="slidenum">
               <a:rPr lang="pt-BR" smtClean="0"/>
-              <a:t>5</a:t>
+              <a:t>6</a:t>
             </a:fld>
             <a:endParaRPr lang="pt-BR"/>
           </a:p>
@@ -854,7 +855,7 @@
           <a:p>
             <a:fld id="{601CE386-37F1-42E2-8A78-E74385306B9B}" type="slidenum">
               <a:rPr lang="pt-BR" smtClean="0"/>
-              <a:t>10</a:t>
+              <a:t>11</a:t>
             </a:fld>
             <a:endParaRPr lang="pt-BR"/>
           </a:p>
@@ -938,7 +939,7 @@
           <a:p>
             <a:fld id="{601CE386-37F1-42E2-8A78-E74385306B9B}" type="slidenum">
               <a:rPr lang="pt-BR" smtClean="0"/>
-              <a:t>12</a:t>
+              <a:t>13</a:t>
             </a:fld>
             <a:endParaRPr lang="pt-BR"/>
           </a:p>
@@ -1099,7 +1100,7 @@
           <a:p>
             <a:fld id="{5E1F53C7-D938-4151-992E-AF84745267E3}" type="datetimeFigureOut">
               <a:rPr lang="pt-BR" smtClean="0"/>
-              <a:t>25/07/2017</a:t>
+              <a:t>27/07/2017</a:t>
             </a:fld>
             <a:endParaRPr lang="pt-BR"/>
           </a:p>
@@ -1269,7 +1270,7 @@
           <a:p>
             <a:fld id="{5E1F53C7-D938-4151-992E-AF84745267E3}" type="datetimeFigureOut">
               <a:rPr lang="pt-BR" smtClean="0"/>
-              <a:t>25/07/2017</a:t>
+              <a:t>27/07/2017</a:t>
             </a:fld>
             <a:endParaRPr lang="pt-BR"/>
           </a:p>
@@ -1449,7 +1450,7 @@
           <a:p>
             <a:fld id="{5E1F53C7-D938-4151-992E-AF84745267E3}" type="datetimeFigureOut">
               <a:rPr lang="pt-BR" smtClean="0"/>
-              <a:t>25/07/2017</a:t>
+              <a:t>27/07/2017</a:t>
             </a:fld>
             <a:endParaRPr lang="pt-BR"/>
           </a:p>
@@ -1672,7 +1673,7 @@
           <a:p>
             <a:fld id="{5E1F53C7-D938-4151-992E-AF84745267E3}" type="datetimeFigureOut">
               <a:rPr lang="pt-BR" smtClean="0"/>
-              <a:t>25/07/2017</a:t>
+              <a:t>27/07/2017</a:t>
             </a:fld>
             <a:endParaRPr lang="pt-BR"/>
           </a:p>
@@ -1842,7 +1843,7 @@
           <a:p>
             <a:fld id="{5E1F53C7-D938-4151-992E-AF84745267E3}" type="datetimeFigureOut">
               <a:rPr lang="pt-BR" smtClean="0"/>
-              <a:t>25/07/2017</a:t>
+              <a:t>27/07/2017</a:t>
             </a:fld>
             <a:endParaRPr lang="pt-BR"/>
           </a:p>
@@ -2099,7 +2100,7 @@
           <a:p>
             <a:fld id="{5E1F53C7-D938-4151-992E-AF84745267E3}" type="datetimeFigureOut">
               <a:rPr lang="pt-BR" smtClean="0"/>
-              <a:t>25/07/2017</a:t>
+              <a:t>27/07/2017</a:t>
             </a:fld>
             <a:endParaRPr lang="pt-BR"/>
           </a:p>
@@ -2331,7 +2332,7 @@
           <a:p>
             <a:fld id="{5E1F53C7-D938-4151-992E-AF84745267E3}" type="datetimeFigureOut">
               <a:rPr lang="pt-BR" smtClean="0"/>
-              <a:t>25/07/2017</a:t>
+              <a:t>27/07/2017</a:t>
             </a:fld>
             <a:endParaRPr lang="pt-BR"/>
           </a:p>
@@ -2726,7 +2727,7 @@
           <a:p>
             <a:fld id="{5E1F53C7-D938-4151-992E-AF84745267E3}" type="datetimeFigureOut">
               <a:rPr lang="pt-BR" smtClean="0"/>
-              <a:t>25/07/2017</a:t>
+              <a:t>27/07/2017</a:t>
             </a:fld>
             <a:endParaRPr lang="pt-BR"/>
           </a:p>
@@ -2844,7 +2845,7 @@
           <a:p>
             <a:fld id="{5E1F53C7-D938-4151-992E-AF84745267E3}" type="datetimeFigureOut">
               <a:rPr lang="pt-BR" smtClean="0"/>
-              <a:t>25/07/2017</a:t>
+              <a:t>27/07/2017</a:t>
             </a:fld>
             <a:endParaRPr lang="pt-BR"/>
           </a:p>
@@ -2939,7 +2940,7 @@
           <a:p>
             <a:fld id="{5E1F53C7-D938-4151-992E-AF84745267E3}" type="datetimeFigureOut">
               <a:rPr lang="pt-BR" smtClean="0"/>
-              <a:t>25/07/2017</a:t>
+              <a:t>27/07/2017</a:t>
             </a:fld>
             <a:endParaRPr lang="pt-BR"/>
           </a:p>
@@ -3214,7 +3215,7 @@
           <a:p>
             <a:fld id="{5E1F53C7-D938-4151-992E-AF84745267E3}" type="datetimeFigureOut">
               <a:rPr lang="pt-BR" smtClean="0"/>
-              <a:t>25/07/2017</a:t>
+              <a:t>27/07/2017</a:t>
             </a:fld>
             <a:endParaRPr lang="pt-BR"/>
           </a:p>
@@ -3384,7 +3385,7 @@
           <a:p>
             <a:fld id="{5E1F53C7-D938-4151-992E-AF84745267E3}" type="datetimeFigureOut">
               <a:rPr lang="pt-BR" smtClean="0"/>
-              <a:t>25/07/2017</a:t>
+              <a:t>27/07/2017</a:t>
             </a:fld>
             <a:endParaRPr lang="pt-BR"/>
           </a:p>
@@ -3667,7 +3668,7 @@
           <a:p>
             <a:fld id="{5E1F53C7-D938-4151-992E-AF84745267E3}" type="datetimeFigureOut">
               <a:rPr lang="pt-BR" smtClean="0"/>
-              <a:t>25/07/2017</a:t>
+              <a:t>27/07/2017</a:t>
             </a:fld>
             <a:endParaRPr lang="pt-BR"/>
           </a:p>
@@ -3948,7 +3949,7 @@
           <a:p>
             <a:fld id="{5E1F53C7-D938-4151-992E-AF84745267E3}" type="datetimeFigureOut">
               <a:rPr lang="pt-BR" smtClean="0"/>
-              <a:t>25/07/2017</a:t>
+              <a:t>27/07/2017</a:t>
             </a:fld>
             <a:endParaRPr lang="pt-BR"/>
           </a:p>
@@ -4140,7 +4141,7 @@
           <a:p>
             <a:fld id="{5E1F53C7-D938-4151-992E-AF84745267E3}" type="datetimeFigureOut">
               <a:rPr lang="pt-BR" smtClean="0"/>
-              <a:t>25/07/2017</a:t>
+              <a:t>27/07/2017</a:t>
             </a:fld>
             <a:endParaRPr lang="pt-BR"/>
           </a:p>
@@ -4401,7 +4402,7 @@
           <a:p>
             <a:fld id="{5E1F53C7-D938-4151-992E-AF84745267E3}" type="datetimeFigureOut">
               <a:rPr lang="pt-BR" smtClean="0"/>
-              <a:t>25/07/2017</a:t>
+              <a:t>27/07/2017</a:t>
             </a:fld>
             <a:endParaRPr lang="pt-BR"/>
           </a:p>
@@ -4827,7 +4828,7 @@
           <a:p>
             <a:fld id="{5E1F53C7-D938-4151-992E-AF84745267E3}" type="datetimeFigureOut">
               <a:rPr lang="pt-BR" smtClean="0"/>
-              <a:t>25/07/2017</a:t>
+              <a:t>27/07/2017</a:t>
             </a:fld>
             <a:endParaRPr lang="pt-BR"/>
           </a:p>
@@ -5373,7 +5374,7 @@
           <a:p>
             <a:fld id="{5E1F53C7-D938-4151-992E-AF84745267E3}" type="datetimeFigureOut">
               <a:rPr lang="pt-BR" smtClean="0"/>
-              <a:t>25/07/2017</a:t>
+              <a:t>27/07/2017</a:t>
             </a:fld>
             <a:endParaRPr lang="pt-BR"/>
           </a:p>
@@ -6204,7 +6205,7 @@
           <a:p>
             <a:fld id="{5E1F53C7-D938-4151-992E-AF84745267E3}" type="datetimeFigureOut">
               <a:rPr lang="pt-BR" smtClean="0"/>
-              <a:t>25/07/2017</a:t>
+              <a:t>27/07/2017</a:t>
             </a:fld>
             <a:endParaRPr lang="pt-BR"/>
           </a:p>
@@ -6374,7 +6375,7 @@
           <a:p>
             <a:fld id="{5E1F53C7-D938-4151-992E-AF84745267E3}" type="datetimeFigureOut">
               <a:rPr lang="pt-BR" smtClean="0"/>
-              <a:t>25/07/2017</a:t>
+              <a:t>27/07/2017</a:t>
             </a:fld>
             <a:endParaRPr lang="pt-BR"/>
           </a:p>
@@ -6554,7 +6555,7 @@
           <a:p>
             <a:fld id="{5E1F53C7-D938-4151-992E-AF84745267E3}" type="datetimeFigureOut">
               <a:rPr lang="pt-BR" smtClean="0"/>
-              <a:t>25/07/2017</a:t>
+              <a:t>27/07/2017</a:t>
             </a:fld>
             <a:endParaRPr lang="pt-BR"/>
           </a:p>
@@ -6612,6 +6613,544 @@
   <p:clrMapOvr>
     <a:masterClrMapping/>
   </p:clrMapOvr>
+</p:sldLayout>
+</file>
+
+<file path=ppt/slideLayouts/slideLayout29.xml><?xml version="1.0" encoding="utf-8"?>
+<p:sldLayout xmlns:a="http://schemas.openxmlformats.org/drawingml/2006/main" xmlns:r="http://schemas.openxmlformats.org/officeDocument/2006/relationships" xmlns:p="http://schemas.openxmlformats.org/presentationml/2006/main" userDrawn="1">
+  <p:cSld name="Graph Layout 3">
+    <p:spTree>
+      <p:nvGrpSpPr>
+        <p:cNvPr id="1" name=""/>
+        <p:cNvGrpSpPr/>
+        <p:nvPr/>
+      </p:nvGrpSpPr>
+      <p:grpSpPr>
+        <a:xfrm>
+          <a:off x="0" y="0"/>
+          <a:ext cx="0" cy="0"/>
+          <a:chOff x="0" y="0"/>
+          <a:chExt cx="0" cy="0"/>
+        </a:xfrm>
+      </p:grpSpPr>
+      <p:sp>
+        <p:nvSpPr>
+          <p:cNvPr id="2" name="Title 1"/>
+          <p:cNvSpPr>
+            <a:spLocks noGrp="1"/>
+          </p:cNvSpPr>
+          <p:nvPr>
+            <p:ph type="title"/>
+          </p:nvPr>
+        </p:nvSpPr>
+        <p:spPr/>
+        <p:txBody>
+          <a:bodyPr/>
+          <a:lstStyle/>
+          <a:p>
+            <a:r>
+              <a:rPr lang="en-US" dirty="0" smtClean="0"/>
+              <a:t>Click to edit Master title style</a:t>
+            </a:r>
+            <a:endParaRPr lang="en-JM" dirty="0"/>
+          </a:p>
+        </p:txBody>
+      </p:sp>
+      <p:sp>
+        <p:nvSpPr>
+          <p:cNvPr id="4" name="Footer Placeholder 3"/>
+          <p:cNvSpPr>
+            <a:spLocks noGrp="1"/>
+          </p:cNvSpPr>
+          <p:nvPr>
+            <p:ph type="ftr" sz="quarter" idx="11"/>
+          </p:nvPr>
+        </p:nvSpPr>
+        <p:spPr/>
+        <p:txBody>
+          <a:bodyPr/>
+          <a:lstStyle/>
+          <a:p>
+            <a:r>
+              <a:rPr lang="en-JM" smtClean="0"/>
+              <a:t>PUT THE NAME OF YOUR COMPANY HERE</a:t>
+            </a:r>
+            <a:endParaRPr lang="en-JM"/>
+          </a:p>
+        </p:txBody>
+      </p:sp>
+      <p:sp>
+        <p:nvSpPr>
+          <p:cNvPr id="5" name="Slide Number Placeholder 4"/>
+          <p:cNvSpPr>
+            <a:spLocks noGrp="1"/>
+          </p:cNvSpPr>
+          <p:nvPr>
+            <p:ph type="sldNum" sz="quarter" idx="12"/>
+          </p:nvPr>
+        </p:nvSpPr>
+        <p:spPr/>
+        <p:txBody>
+          <a:bodyPr/>
+          <a:lstStyle/>
+          <a:p>
+            <a:fld id="{8DF5134D-7C6B-4A7B-B28B-A8C75F870448}" type="slidenum">
+              <a:rPr lang="en-JM" smtClean="0"/>
+              <a:pPr/>
+              <a:t>‹nº›</a:t>
+            </a:fld>
+            <a:endParaRPr lang="en-JM"/>
+          </a:p>
+        </p:txBody>
+      </p:sp>
+      <p:sp>
+        <p:nvSpPr>
+          <p:cNvPr id="26" name="Chart Placeholder 25"/>
+          <p:cNvSpPr>
+            <a:spLocks noGrp="1"/>
+          </p:cNvSpPr>
+          <p:nvPr>
+            <p:ph type="chart" sz="quarter" idx="14"/>
+          </p:nvPr>
+        </p:nvSpPr>
+        <p:spPr>
+          <a:xfrm>
+            <a:off x="4343400" y="1498600"/>
+            <a:ext cx="4343400" cy="4140200"/>
+          </a:xfrm>
+        </p:spPr>
+        <p:txBody>
+          <a:bodyPr>
+            <a:normAutofit/>
+          </a:bodyPr>
+          <a:lstStyle>
+            <a:lvl1pPr>
+              <a:defRPr sz="1400"/>
+            </a:lvl1pPr>
+          </a:lstStyle>
+          <a:p>
+            <a:endParaRPr lang="en-JM" dirty="0"/>
+          </a:p>
+        </p:txBody>
+      </p:sp>
+      <p:sp>
+        <p:nvSpPr>
+          <p:cNvPr id="10" name="Text Placeholder 18"/>
+          <p:cNvSpPr>
+            <a:spLocks noGrp="1"/>
+          </p:cNvSpPr>
+          <p:nvPr>
+            <p:ph type="body" sz="quarter" idx="15"/>
+          </p:nvPr>
+        </p:nvSpPr>
+        <p:spPr>
+          <a:xfrm>
+            <a:off x="533400" y="1803401"/>
+            <a:ext cx="2217906" cy="378884"/>
+          </a:xfrm>
+        </p:spPr>
+        <p:txBody>
+          <a:bodyPr>
+            <a:noAutofit/>
+          </a:bodyPr>
+          <a:lstStyle>
+            <a:lvl1pPr marL="0" indent="0">
+              <a:buFontTx/>
+              <a:buNone/>
+              <a:defRPr sz="1600" b="0">
+                <a:solidFill>
+                  <a:srgbClr val="0070C0"/>
+                </a:solidFill>
+                <a:latin typeface="Bebas Neue" pitchFamily="34" charset="0"/>
+              </a:defRPr>
+            </a:lvl1pPr>
+            <a:lvl2pPr marL="457200" indent="0">
+              <a:buFontTx/>
+              <a:buNone/>
+              <a:defRPr sz="1600">
+                <a:latin typeface="Bebas Neue" pitchFamily="34" charset="0"/>
+              </a:defRPr>
+            </a:lvl2pPr>
+            <a:lvl3pPr marL="914400" indent="0">
+              <a:buFontTx/>
+              <a:buNone/>
+              <a:defRPr sz="1600">
+                <a:latin typeface="Bebas Neue" pitchFamily="34" charset="0"/>
+              </a:defRPr>
+            </a:lvl3pPr>
+            <a:lvl4pPr marL="1371600" indent="0">
+              <a:buFontTx/>
+              <a:buNone/>
+              <a:defRPr sz="1600">
+                <a:latin typeface="Bebas Neue" pitchFamily="34" charset="0"/>
+              </a:defRPr>
+            </a:lvl4pPr>
+            <a:lvl5pPr marL="1828800" indent="0">
+              <a:buFontTx/>
+              <a:buNone/>
+              <a:defRPr sz="1600">
+                <a:latin typeface="Bebas Neue" pitchFamily="34" charset="0"/>
+              </a:defRPr>
+            </a:lvl5pPr>
+          </a:lstStyle>
+          <a:p>
+            <a:pPr lvl="0"/>
+            <a:endParaRPr lang="en-JM" dirty="0"/>
+          </a:p>
+        </p:txBody>
+      </p:sp>
+      <p:sp>
+        <p:nvSpPr>
+          <p:cNvPr id="11" name="Text Placeholder 20"/>
+          <p:cNvSpPr>
+            <a:spLocks noGrp="1"/>
+          </p:cNvSpPr>
+          <p:nvPr>
+            <p:ph type="body" sz="quarter" idx="16"/>
+          </p:nvPr>
+        </p:nvSpPr>
+        <p:spPr>
+          <a:xfrm>
+            <a:off x="533400" y="2108200"/>
+            <a:ext cx="2743200" cy="812800"/>
+          </a:xfrm>
+        </p:spPr>
+        <p:txBody>
+          <a:bodyPr>
+            <a:normAutofit/>
+          </a:bodyPr>
+          <a:lstStyle>
+            <a:lvl1pPr marL="0" indent="0">
+              <a:spcBef>
+                <a:spcPts val="0"/>
+              </a:spcBef>
+              <a:buFontTx/>
+              <a:buNone/>
+              <a:defRPr sz="1100">
+                <a:solidFill>
+                  <a:schemeClr val="tx1">
+                    <a:lumMod val="85000"/>
+                    <a:lumOff val="15000"/>
+                  </a:schemeClr>
+                </a:solidFill>
+                <a:latin typeface="Arial" pitchFamily="34" charset="0"/>
+                <a:cs typeface="Arial" pitchFamily="34" charset="0"/>
+              </a:defRPr>
+            </a:lvl1pPr>
+            <a:lvl2pPr marL="457200" indent="0">
+              <a:buFontTx/>
+              <a:buNone/>
+              <a:defRPr/>
+            </a:lvl2pPr>
+            <a:lvl3pPr marL="914400" indent="0">
+              <a:buFontTx/>
+              <a:buNone/>
+              <a:defRPr/>
+            </a:lvl3pPr>
+            <a:lvl4pPr marL="1371600" indent="0">
+              <a:buFontTx/>
+              <a:buNone/>
+              <a:defRPr/>
+            </a:lvl4pPr>
+            <a:lvl5pPr marL="1828800" indent="0">
+              <a:buFontTx/>
+              <a:buNone/>
+              <a:defRPr/>
+            </a:lvl5pPr>
+          </a:lstStyle>
+          <a:p>
+            <a:pPr lvl="0"/>
+            <a:endParaRPr lang="en-JM" dirty="0"/>
+          </a:p>
+        </p:txBody>
+      </p:sp>
+      <p:sp>
+        <p:nvSpPr>
+          <p:cNvPr id="12" name="Text Placeholder 18"/>
+          <p:cNvSpPr>
+            <a:spLocks noGrp="1"/>
+          </p:cNvSpPr>
+          <p:nvPr>
+            <p:ph type="body" sz="quarter" idx="17"/>
+          </p:nvPr>
+        </p:nvSpPr>
+        <p:spPr>
+          <a:xfrm>
+            <a:off x="533400" y="3225801"/>
+            <a:ext cx="2217906" cy="378884"/>
+          </a:xfrm>
+        </p:spPr>
+        <p:txBody>
+          <a:bodyPr>
+            <a:noAutofit/>
+          </a:bodyPr>
+          <a:lstStyle>
+            <a:lvl1pPr marL="0" indent="0">
+              <a:buFontTx/>
+              <a:buNone/>
+              <a:defRPr sz="1600" b="0">
+                <a:solidFill>
+                  <a:srgbClr val="0070C0"/>
+                </a:solidFill>
+                <a:latin typeface="Bebas Neue" pitchFamily="34" charset="0"/>
+              </a:defRPr>
+            </a:lvl1pPr>
+            <a:lvl2pPr marL="457200" indent="0">
+              <a:buFontTx/>
+              <a:buNone/>
+              <a:defRPr sz="1600">
+                <a:latin typeface="Bebas Neue" pitchFamily="34" charset="0"/>
+              </a:defRPr>
+            </a:lvl2pPr>
+            <a:lvl3pPr marL="914400" indent="0">
+              <a:buFontTx/>
+              <a:buNone/>
+              <a:defRPr sz="1600">
+                <a:latin typeface="Bebas Neue" pitchFamily="34" charset="0"/>
+              </a:defRPr>
+            </a:lvl3pPr>
+            <a:lvl4pPr marL="1371600" indent="0">
+              <a:buFontTx/>
+              <a:buNone/>
+              <a:defRPr sz="1600">
+                <a:latin typeface="Bebas Neue" pitchFamily="34" charset="0"/>
+              </a:defRPr>
+            </a:lvl4pPr>
+            <a:lvl5pPr marL="1828800" indent="0">
+              <a:buFontTx/>
+              <a:buNone/>
+              <a:defRPr sz="1600">
+                <a:latin typeface="Bebas Neue" pitchFamily="34" charset="0"/>
+              </a:defRPr>
+            </a:lvl5pPr>
+          </a:lstStyle>
+          <a:p>
+            <a:pPr lvl="0"/>
+            <a:endParaRPr lang="en-JM" dirty="0"/>
+          </a:p>
+        </p:txBody>
+      </p:sp>
+      <p:sp>
+        <p:nvSpPr>
+          <p:cNvPr id="13" name="Text Placeholder 20"/>
+          <p:cNvSpPr>
+            <a:spLocks noGrp="1"/>
+          </p:cNvSpPr>
+          <p:nvPr>
+            <p:ph type="body" sz="quarter" idx="18"/>
+          </p:nvPr>
+        </p:nvSpPr>
+        <p:spPr>
+          <a:xfrm>
+            <a:off x="533400" y="3530600"/>
+            <a:ext cx="2743200" cy="812800"/>
+          </a:xfrm>
+        </p:spPr>
+        <p:txBody>
+          <a:bodyPr>
+            <a:normAutofit/>
+          </a:bodyPr>
+          <a:lstStyle>
+            <a:lvl1pPr marL="0" indent="0">
+              <a:spcBef>
+                <a:spcPts val="0"/>
+              </a:spcBef>
+              <a:buFontTx/>
+              <a:buNone/>
+              <a:defRPr sz="1100">
+                <a:solidFill>
+                  <a:schemeClr val="tx1">
+                    <a:lumMod val="85000"/>
+                    <a:lumOff val="15000"/>
+                  </a:schemeClr>
+                </a:solidFill>
+                <a:latin typeface="Arial" pitchFamily="34" charset="0"/>
+                <a:cs typeface="Arial" pitchFamily="34" charset="0"/>
+              </a:defRPr>
+            </a:lvl1pPr>
+            <a:lvl2pPr marL="457200" indent="0">
+              <a:buFontTx/>
+              <a:buNone/>
+              <a:defRPr/>
+            </a:lvl2pPr>
+            <a:lvl3pPr marL="914400" indent="0">
+              <a:buFontTx/>
+              <a:buNone/>
+              <a:defRPr/>
+            </a:lvl3pPr>
+            <a:lvl4pPr marL="1371600" indent="0">
+              <a:buFontTx/>
+              <a:buNone/>
+              <a:defRPr/>
+            </a:lvl4pPr>
+            <a:lvl5pPr marL="1828800" indent="0">
+              <a:buFontTx/>
+              <a:buNone/>
+              <a:defRPr/>
+            </a:lvl5pPr>
+          </a:lstStyle>
+          <a:p>
+            <a:pPr lvl="0"/>
+            <a:endParaRPr lang="en-JM" dirty="0"/>
+          </a:p>
+        </p:txBody>
+      </p:sp>
+      <p:sp>
+        <p:nvSpPr>
+          <p:cNvPr id="14" name="Text Placeholder 18"/>
+          <p:cNvSpPr>
+            <a:spLocks noGrp="1"/>
+          </p:cNvSpPr>
+          <p:nvPr>
+            <p:ph type="body" sz="quarter" idx="19"/>
+          </p:nvPr>
+        </p:nvSpPr>
+        <p:spPr>
+          <a:xfrm>
+            <a:off x="533400" y="4648201"/>
+            <a:ext cx="2217906" cy="378884"/>
+          </a:xfrm>
+        </p:spPr>
+        <p:txBody>
+          <a:bodyPr>
+            <a:noAutofit/>
+          </a:bodyPr>
+          <a:lstStyle>
+            <a:lvl1pPr marL="0" indent="0">
+              <a:buFontTx/>
+              <a:buNone/>
+              <a:defRPr sz="1600" b="0">
+                <a:solidFill>
+                  <a:srgbClr val="0070C0"/>
+                </a:solidFill>
+                <a:latin typeface="Bebas Neue" pitchFamily="34" charset="0"/>
+              </a:defRPr>
+            </a:lvl1pPr>
+            <a:lvl2pPr marL="457200" indent="0">
+              <a:buFontTx/>
+              <a:buNone/>
+              <a:defRPr sz="1600">
+                <a:latin typeface="Bebas Neue" pitchFamily="34" charset="0"/>
+              </a:defRPr>
+            </a:lvl2pPr>
+            <a:lvl3pPr marL="914400" indent="0">
+              <a:buFontTx/>
+              <a:buNone/>
+              <a:defRPr sz="1600">
+                <a:latin typeface="Bebas Neue" pitchFamily="34" charset="0"/>
+              </a:defRPr>
+            </a:lvl3pPr>
+            <a:lvl4pPr marL="1371600" indent="0">
+              <a:buFontTx/>
+              <a:buNone/>
+              <a:defRPr sz="1600">
+                <a:latin typeface="Bebas Neue" pitchFamily="34" charset="0"/>
+              </a:defRPr>
+            </a:lvl4pPr>
+            <a:lvl5pPr marL="1828800" indent="0">
+              <a:buFontTx/>
+              <a:buNone/>
+              <a:defRPr sz="1600">
+                <a:latin typeface="Bebas Neue" pitchFamily="34" charset="0"/>
+              </a:defRPr>
+            </a:lvl5pPr>
+          </a:lstStyle>
+          <a:p>
+            <a:pPr lvl="0"/>
+            <a:endParaRPr lang="en-JM" dirty="0"/>
+          </a:p>
+        </p:txBody>
+      </p:sp>
+      <p:sp>
+        <p:nvSpPr>
+          <p:cNvPr id="15" name="Text Placeholder 20"/>
+          <p:cNvSpPr>
+            <a:spLocks noGrp="1"/>
+          </p:cNvSpPr>
+          <p:nvPr>
+            <p:ph type="body" sz="quarter" idx="20"/>
+          </p:nvPr>
+        </p:nvSpPr>
+        <p:spPr>
+          <a:xfrm>
+            <a:off x="533400" y="4953000"/>
+            <a:ext cx="2743200" cy="812800"/>
+          </a:xfrm>
+        </p:spPr>
+        <p:txBody>
+          <a:bodyPr>
+            <a:normAutofit/>
+          </a:bodyPr>
+          <a:lstStyle>
+            <a:lvl1pPr marL="0" indent="0">
+              <a:spcBef>
+                <a:spcPts val="0"/>
+              </a:spcBef>
+              <a:buFontTx/>
+              <a:buNone/>
+              <a:defRPr sz="1100">
+                <a:solidFill>
+                  <a:schemeClr val="tx1">
+                    <a:lumMod val="85000"/>
+                    <a:lumOff val="15000"/>
+                  </a:schemeClr>
+                </a:solidFill>
+                <a:latin typeface="Arial" pitchFamily="34" charset="0"/>
+                <a:cs typeface="Arial" pitchFamily="34" charset="0"/>
+              </a:defRPr>
+            </a:lvl1pPr>
+            <a:lvl2pPr marL="457200" indent="0">
+              <a:buFontTx/>
+              <a:buNone/>
+              <a:defRPr/>
+            </a:lvl2pPr>
+            <a:lvl3pPr marL="914400" indent="0">
+              <a:buFontTx/>
+              <a:buNone/>
+              <a:defRPr/>
+            </a:lvl3pPr>
+            <a:lvl4pPr marL="1371600" indent="0">
+              <a:buFontTx/>
+              <a:buNone/>
+              <a:defRPr/>
+            </a:lvl4pPr>
+            <a:lvl5pPr marL="1828800" indent="0">
+              <a:buFontTx/>
+              <a:buNone/>
+              <a:defRPr/>
+            </a:lvl5pPr>
+          </a:lstStyle>
+          <a:p>
+            <a:pPr lvl="0"/>
+            <a:endParaRPr lang="en-JM" dirty="0"/>
+          </a:p>
+        </p:txBody>
+      </p:sp>
+    </p:spTree>
+    <p:extLst>
+      <p:ext uri="{BB962C8B-B14F-4D97-AF65-F5344CB8AC3E}">
+        <p14:creationId xmlns:p14="http://schemas.microsoft.com/office/powerpoint/2010/main" val="257027175"/>
+      </p:ext>
+    </p:extLst>
+  </p:cSld>
+  <p:clrMapOvr>
+    <a:masterClrMapping/>
+  </p:clrMapOvr>
+  <mc:AlternateContent xmlns:mc="http://schemas.openxmlformats.org/markup-compatibility/2006" xmlns:p14="http://schemas.microsoft.com/office/powerpoint/2010/main">
+    <mc:Choice Requires="p14">
+      <p:transition spd="slow" p14:dur="2000"/>
+    </mc:Choice>
+    <mc:Fallback xmlns="">
+      <p:transition spd="slow"/>
+    </mc:Fallback>
+  </mc:AlternateContent>
+  <p:timing>
+    <p:tnLst>
+      <p:par>
+        <p:cTn id="1" dur="indefinite" restart="never" nodeType="tmRoot"/>
+      </p:par>
+    </p:tnLst>
+  </p:timing>
 </p:sldLayout>
 </file>
 
@@ -6805,7 +7344,7 @@
           <a:p>
             <a:fld id="{5E1F53C7-D938-4151-992E-AF84745267E3}" type="datetimeFigureOut">
               <a:rPr lang="pt-BR" smtClean="0"/>
-              <a:t>25/07/2017</a:t>
+              <a:t>27/07/2017</a:t>
             </a:fld>
             <a:endParaRPr lang="pt-BR"/>
           </a:p>
@@ -7037,7 +7576,7 @@
           <a:p>
             <a:fld id="{5E1F53C7-D938-4151-992E-AF84745267E3}" type="datetimeFigureOut">
               <a:rPr lang="pt-BR" smtClean="0"/>
-              <a:t>25/07/2017</a:t>
+              <a:t>27/07/2017</a:t>
             </a:fld>
             <a:endParaRPr lang="pt-BR"/>
           </a:p>
@@ -7384,7 +7923,7 @@
           <a:p>
             <a:fld id="{5E1F53C7-D938-4151-992E-AF84745267E3}" type="datetimeFigureOut">
               <a:rPr lang="pt-BR" smtClean="0"/>
-              <a:t>25/07/2017</a:t>
+              <a:t>27/07/2017</a:t>
             </a:fld>
             <a:endParaRPr lang="pt-BR"/>
           </a:p>
@@ -7502,7 +8041,7 @@
           <a:p>
             <a:fld id="{5E1F53C7-D938-4151-992E-AF84745267E3}" type="datetimeFigureOut">
               <a:rPr lang="pt-BR" smtClean="0"/>
-              <a:t>25/07/2017</a:t>
+              <a:t>27/07/2017</a:t>
             </a:fld>
             <a:endParaRPr lang="pt-BR"/>
           </a:p>
@@ -7620,7 +8159,7 @@
           <a:p>
             <a:fld id="{5E1F53C7-D938-4151-992E-AF84745267E3}" type="datetimeFigureOut">
               <a:rPr lang="pt-BR" smtClean="0"/>
-              <a:t>25/07/2017</a:t>
+              <a:t>27/07/2017</a:t>
             </a:fld>
             <a:endParaRPr lang="pt-BR"/>
           </a:p>
@@ -7904,7 +8443,7 @@
           <a:p>
             <a:fld id="{5E1F53C7-D938-4151-992E-AF84745267E3}" type="datetimeFigureOut">
               <a:rPr lang="pt-BR" smtClean="0"/>
-              <a:t>25/07/2017</a:t>
+              <a:t>27/07/2017</a:t>
             </a:fld>
             <a:endParaRPr lang="pt-BR"/>
           </a:p>
@@ -8168,7 +8707,7 @@
           <a:p>
             <a:fld id="{5E1F53C7-D938-4151-992E-AF84745267E3}" type="datetimeFigureOut">
               <a:rPr lang="pt-BR" smtClean="0"/>
-              <a:t>25/07/2017</a:t>
+              <a:t>27/07/2017</a:t>
             </a:fld>
             <a:endParaRPr lang="pt-BR"/>
           </a:p>
@@ -8391,7 +8930,7 @@
           <a:p>
             <a:fld id="{5E1F53C7-D938-4151-992E-AF84745267E3}" type="datetimeFigureOut">
               <a:rPr lang="pt-BR" smtClean="0"/>
-              <a:t>25/07/2017</a:t>
+              <a:t>27/07/2017</a:t>
             </a:fld>
             <a:endParaRPr lang="pt-BR"/>
           </a:p>
@@ -8774,7 +9313,7 @@
     <p:bg>
       <p:bgPr>
         <a:blipFill dpi="0" rotWithShape="1">
-          <a:blip r:embed="rId19">
+          <a:blip r:embed="rId20">
             <a:lum/>
           </a:blip>
           <a:srcRect/>
@@ -8947,7 +9486,7 @@
           <a:p>
             <a:fld id="{5E1F53C7-D938-4151-992E-AF84745267E3}" type="datetimeFigureOut">
               <a:rPr lang="pt-BR" smtClean="0"/>
-              <a:t>25/07/2017</a:t>
+              <a:t>27/07/2017</a:t>
             </a:fld>
             <a:endParaRPr lang="pt-BR"/>
           </a:p>
@@ -9093,6 +9632,7 @@
     <p:sldLayoutId id="2147483753" r:id="rId15"/>
     <p:sldLayoutId id="2147483754" r:id="rId16"/>
     <p:sldLayoutId id="2147483755" r:id="rId17"/>
+    <p:sldLayoutId id="2147483756" r:id="rId18"/>
   </p:sldLayoutIdLst>
   <p:txStyles>
     <p:titleStyle>
@@ -9665,6 +10205,119 @@
           <a:lstStyle/>
           <a:p>
             <a:r>
+              <a:rPr lang="pt-BR" dirty="0"/>
+              <a:t>O que é uma boa modelagem</a:t>
+            </a:r>
+            <a:r>
+              <a:rPr lang="pt-BR" dirty="0" smtClean="0"/>
+              <a:t>?</a:t>
+            </a:r>
+            <a:endParaRPr lang="pt-BR" dirty="0"/>
+          </a:p>
+        </p:txBody>
+      </p:sp>
+      <p:sp>
+        <p:nvSpPr>
+          <p:cNvPr id="3" name="Espaço Reservado para Conteúdo 2"/>
+          <p:cNvSpPr>
+            <a:spLocks noGrp="1"/>
+          </p:cNvSpPr>
+          <p:nvPr>
+            <p:ph idx="1"/>
+          </p:nvPr>
+        </p:nvSpPr>
+        <p:spPr/>
+        <p:txBody>
+          <a:bodyPr>
+            <a:normAutofit/>
+          </a:bodyPr>
+          <a:lstStyle/>
+          <a:p>
+            <a:r>
+              <a:rPr lang="en-US" dirty="0" smtClean="0"/>
+              <a:t>Alta </a:t>
+            </a:r>
+            <a:r>
+              <a:rPr lang="en-US" dirty="0" err="1" smtClean="0"/>
+              <a:t>coesão</a:t>
+            </a:r>
+            <a:endParaRPr lang="en-US" dirty="0" smtClean="0"/>
+          </a:p>
+          <a:p>
+            <a:r>
+              <a:rPr lang="en-US" dirty="0" err="1" smtClean="0"/>
+              <a:t>Baixo</a:t>
+            </a:r>
+            <a:r>
+              <a:rPr lang="en-US" dirty="0" smtClean="0"/>
+              <a:t> </a:t>
+            </a:r>
+            <a:r>
+              <a:rPr lang="en-US" dirty="0" err="1" smtClean="0"/>
+              <a:t>acomplamento</a:t>
+            </a:r>
+            <a:r>
+              <a:rPr lang="en-US" dirty="0" smtClean="0"/>
+              <a:t> </a:t>
+            </a:r>
+          </a:p>
+        </p:txBody>
+      </p:sp>
+    </p:spTree>
+    <p:extLst>
+      <p:ext uri="{BB962C8B-B14F-4D97-AF65-F5344CB8AC3E}">
+        <p14:creationId xmlns:p14="http://schemas.microsoft.com/office/powerpoint/2010/main" val="856746124"/>
+      </p:ext>
+    </p:extLst>
+  </p:cSld>
+  <p:clrMapOvr>
+    <a:masterClrMapping/>
+  </p:clrMapOvr>
+  <p:timing>
+    <p:tnLst>
+      <p:par>
+        <p:cTn id="1" dur="indefinite" restart="never" nodeType="tmRoot"/>
+      </p:par>
+    </p:tnLst>
+  </p:timing>
+</p:sld>
+</file>
+
+<file path=ppt/slides/slide11.xml><?xml version="1.0" encoding="utf-8"?>
+<p:sld xmlns:a="http://schemas.openxmlformats.org/drawingml/2006/main" xmlns:r="http://schemas.openxmlformats.org/officeDocument/2006/relationships" xmlns:p="http://schemas.openxmlformats.org/presentationml/2006/main">
+  <p:cSld>
+    <p:spTree>
+      <p:nvGrpSpPr>
+        <p:cNvPr id="1" name=""/>
+        <p:cNvGrpSpPr/>
+        <p:nvPr/>
+      </p:nvGrpSpPr>
+      <p:grpSpPr>
+        <a:xfrm>
+          <a:off x="0" y="0"/>
+          <a:ext cx="0" cy="0"/>
+          <a:chOff x="0" y="0"/>
+          <a:chExt cx="0" cy="0"/>
+        </a:xfrm>
+      </p:grpSpPr>
+      <p:sp>
+        <p:nvSpPr>
+          <p:cNvPr id="2" name="Título 1"/>
+          <p:cNvSpPr>
+            <a:spLocks noGrp="1"/>
+          </p:cNvSpPr>
+          <p:nvPr>
+            <p:ph type="title"/>
+          </p:nvPr>
+        </p:nvSpPr>
+        <p:spPr/>
+        <p:txBody>
+          <a:bodyPr>
+            <a:normAutofit/>
+          </a:bodyPr>
+          <a:lstStyle/>
+          <a:p>
+            <a:r>
               <a:rPr lang="pt-BR" dirty="0" smtClean="0"/>
               <a:t>Princípios de</a:t>
             </a:r>
@@ -10148,7 +10801,7 @@
 </p:sld>
 </file>
 
-<file path=ppt/slides/slide11.xml><?xml version="1.0" encoding="utf-8"?>
+<file path=ppt/slides/slide12.xml><?xml version="1.0" encoding="utf-8"?>
 <p:sld xmlns:a="http://schemas.openxmlformats.org/drawingml/2006/main" xmlns:r="http://schemas.openxmlformats.org/officeDocument/2006/relationships" xmlns:p="http://schemas.openxmlformats.org/presentationml/2006/main">
   <p:cSld>
     <p:spTree>
@@ -10435,7 +11088,7 @@
 </p:sld>
 </file>
 
-<file path=ppt/slides/slide12.xml><?xml version="1.0" encoding="utf-8"?>
+<file path=ppt/slides/slide13.xml><?xml version="1.0" encoding="utf-8"?>
 <p:sld xmlns:a="http://schemas.openxmlformats.org/drawingml/2006/main" xmlns:r="http://schemas.openxmlformats.org/officeDocument/2006/relationships" xmlns:p="http://schemas.openxmlformats.org/presentationml/2006/main">
   <p:cSld>
     <p:bg>
@@ -11599,7 +12252,7 @@
 </p:sld>
 </file>
 
-<file path=ppt/slides/slide13.xml><?xml version="1.0" encoding="utf-8"?>
+<file path=ppt/slides/slide14.xml><?xml version="1.0" encoding="utf-8"?>
 <p:sld xmlns:a="http://schemas.openxmlformats.org/drawingml/2006/main" xmlns:r="http://schemas.openxmlformats.org/officeDocument/2006/relationships" xmlns:p="http://schemas.openxmlformats.org/presentationml/2006/main">
   <p:cSld>
     <p:bg>
@@ -11920,7 +12573,7 @@
 </p:sld>
 </file>
 
-<file path=ppt/slides/slide14.xml><?xml version="1.0" encoding="utf-8"?>
+<file path=ppt/slides/slide15.xml><?xml version="1.0" encoding="utf-8"?>
 <p:sld xmlns:a="http://schemas.openxmlformats.org/drawingml/2006/main" xmlns:r="http://schemas.openxmlformats.org/officeDocument/2006/relationships" xmlns:p="http://schemas.openxmlformats.org/presentationml/2006/main">
   <p:cSld>
     <p:spTree>
@@ -12115,7 +12768,7 @@
 </p:sld>
 </file>
 
-<file path=ppt/slides/slide15.xml><?xml version="1.0" encoding="utf-8"?>
+<file path=ppt/slides/slide16.xml><?xml version="1.0" encoding="utf-8"?>
 <p:sld xmlns:a="http://schemas.openxmlformats.org/drawingml/2006/main" xmlns:r="http://schemas.openxmlformats.org/officeDocument/2006/relationships" xmlns:p="http://schemas.openxmlformats.org/presentationml/2006/main">
   <p:cSld>
     <p:spTree>
@@ -12329,7 +12982,7 @@
 </p:sld>
 </file>
 
-<file path=ppt/slides/slide16.xml><?xml version="1.0" encoding="utf-8"?>
+<file path=ppt/slides/slide17.xml><?xml version="1.0" encoding="utf-8"?>
 <p:sld xmlns:a="http://schemas.openxmlformats.org/drawingml/2006/main" xmlns:r="http://schemas.openxmlformats.org/officeDocument/2006/relationships" xmlns:p="http://schemas.openxmlformats.org/presentationml/2006/main">
   <p:cSld>
     <p:spTree>
@@ -12591,7 +13244,7 @@
 </p:sld>
 </file>
 
-<file path=ppt/slides/slide17.xml><?xml version="1.0" encoding="utf-8"?>
+<file path=ppt/slides/slide18.xml><?xml version="1.0" encoding="utf-8"?>
 <p:sld xmlns:a="http://schemas.openxmlformats.org/drawingml/2006/main" xmlns:r="http://schemas.openxmlformats.org/officeDocument/2006/relationships" xmlns:p="http://schemas.openxmlformats.org/presentationml/2006/main">
   <p:cSld>
     <p:bg>
@@ -12987,7 +13640,7 @@
 </p:sld>
 </file>
 
-<file path=ppt/slides/slide18.xml><?xml version="1.0" encoding="utf-8"?>
+<file path=ppt/slides/slide19.xml><?xml version="1.0" encoding="utf-8"?>
 <p:sld xmlns:a="http://schemas.openxmlformats.org/drawingml/2006/main" xmlns:r="http://schemas.openxmlformats.org/officeDocument/2006/relationships" xmlns:p="http://schemas.openxmlformats.org/presentationml/2006/main">
   <p:cSld>
     <p:spTree>
@@ -13645,7 +14298,489 @@
 </p:sld>
 </file>
 
-<file path=ppt/slides/slide19.xml><?xml version="1.0" encoding="utf-8"?>
+<file path=ppt/slides/slide2.xml><?xml version="1.0" encoding="utf-8"?>
+<p:sld xmlns:a="http://schemas.openxmlformats.org/drawingml/2006/main" xmlns:r="http://schemas.openxmlformats.org/officeDocument/2006/relationships" xmlns:p="http://schemas.openxmlformats.org/presentationml/2006/main">
+  <p:cSld>
+    <p:spTree>
+      <p:nvGrpSpPr>
+        <p:cNvPr id="1" name=""/>
+        <p:cNvGrpSpPr/>
+        <p:nvPr/>
+      </p:nvGrpSpPr>
+      <p:grpSpPr>
+        <a:xfrm>
+          <a:off x="0" y="0"/>
+          <a:ext cx="0" cy="0"/>
+          <a:chOff x="0" y="0"/>
+          <a:chExt cx="0" cy="0"/>
+        </a:xfrm>
+      </p:grpSpPr>
+      <p:sp>
+        <p:nvSpPr>
+          <p:cNvPr id="27" name="Retângulo 26"/>
+          <p:cNvSpPr/>
+          <p:nvPr/>
+        </p:nvSpPr>
+        <p:spPr>
+          <a:xfrm>
+            <a:off x="3059832" y="2053006"/>
+            <a:ext cx="5688632" cy="3127174"/>
+          </a:xfrm>
+          <a:prstGeom prst="rect">
+            <a:avLst/>
+          </a:prstGeom>
+          <a:solidFill>
+            <a:schemeClr val="tx1"/>
+          </a:solidFill>
+          <a:ln>
+            <a:solidFill>
+              <a:schemeClr val="accent6">
+                <a:lumMod val="50000"/>
+              </a:schemeClr>
+            </a:solidFill>
+          </a:ln>
+        </p:spPr>
+        <p:style>
+          <a:lnRef idx="2">
+            <a:schemeClr val="accent1">
+              <a:shade val="50000"/>
+            </a:schemeClr>
+          </a:lnRef>
+          <a:fillRef idx="1">
+            <a:schemeClr val="accent1"/>
+          </a:fillRef>
+          <a:effectRef idx="0">
+            <a:schemeClr val="accent1"/>
+          </a:effectRef>
+          <a:fontRef idx="minor">
+            <a:schemeClr val="lt1"/>
+          </a:fontRef>
+        </p:style>
+        <p:txBody>
+          <a:bodyPr rtlCol="0" anchor="ctr"/>
+          <a:lstStyle/>
+          <a:p>
+            <a:pPr algn="ctr"/>
+            <a:endParaRPr lang="pt-BR"/>
+          </a:p>
+        </p:txBody>
+      </p:sp>
+      <p:pic>
+        <p:nvPicPr>
+          <p:cNvPr id="19" name="Picture 2" descr="https://msdnshared.blob.core.windows.net/media/2016/11/MVPReconnect_Logo.png"/>
+          <p:cNvPicPr>
+            <a:picLocks noChangeAspect="1" noChangeArrowheads="1"/>
+          </p:cNvPicPr>
+          <p:nvPr/>
+        </p:nvPicPr>
+        <p:blipFill>
+          <a:blip r:embed="rId2" cstate="print">
+            <a:extLst>
+              <a:ext uri="{28A0092B-C50C-407E-A947-70E740481C1C}">
+                <a14:useLocalDpi xmlns:a14="http://schemas.microsoft.com/office/drawing/2010/main" val="0"/>
+              </a:ext>
+            </a:extLst>
+          </a:blip>
+          <a:srcRect/>
+          <a:stretch>
+            <a:fillRect/>
+          </a:stretch>
+        </p:blipFill>
+        <p:spPr bwMode="auto">
+          <a:xfrm>
+            <a:off x="4999983" y="3501010"/>
+            <a:ext cx="2112697" cy="702973"/>
+          </a:xfrm>
+          <a:prstGeom prst="rect">
+            <a:avLst/>
+          </a:prstGeom>
+          <a:noFill/>
+          <a:extLst>
+            <a:ext uri="{909E8E84-426E-40DD-AFC4-6F175D3DCCD1}">
+              <a14:hiddenFill xmlns:a14="http://schemas.microsoft.com/office/drawing/2010/main">
+                <a:solidFill>
+                  <a:srgbClr val="FFFFFF"/>
+                </a:solidFill>
+              </a14:hiddenFill>
+            </a:ext>
+          </a:extLst>
+        </p:spPr>
+      </p:pic>
+      <p:grpSp>
+        <p:nvGrpSpPr>
+          <p:cNvPr id="20" name="Grupo 19"/>
+          <p:cNvGrpSpPr/>
+          <p:nvPr/>
+        </p:nvGrpSpPr>
+        <p:grpSpPr>
+          <a:xfrm>
+            <a:off x="3352800" y="2194242"/>
+            <a:ext cx="2002514" cy="1108028"/>
+            <a:chOff x="6818842" y="885163"/>
+            <a:chExt cx="3570826" cy="1975801"/>
+          </a:xfrm>
+        </p:grpSpPr>
+        <p:pic>
+          <p:nvPicPr>
+            <p:cNvPr id="21" name="Picture 4" descr="https://alexandrebrisebois.files.wordpress.com/2014/07/microsoft-mvp.gif"/>
+            <p:cNvPicPr>
+              <a:picLocks noChangeAspect="1" noChangeArrowheads="1"/>
+            </p:cNvPicPr>
+            <p:nvPr/>
+          </p:nvPicPr>
+          <p:blipFill>
+            <a:blip r:embed="rId3" cstate="print">
+              <a:extLst>
+                <a:ext uri="{28A0092B-C50C-407E-A947-70E740481C1C}">
+                  <a14:useLocalDpi xmlns:a14="http://schemas.microsoft.com/office/drawing/2010/main" val="0"/>
+                </a:ext>
+              </a:extLst>
+            </a:blip>
+            <a:srcRect/>
+            <a:stretch>
+              <a:fillRect/>
+            </a:stretch>
+          </p:blipFill>
+          <p:spPr bwMode="auto">
+            <a:xfrm>
+              <a:off x="6818842" y="885163"/>
+              <a:ext cx="3570826" cy="1471613"/>
+            </a:xfrm>
+            <a:prstGeom prst="rect">
+              <a:avLst/>
+            </a:prstGeom>
+            <a:noFill/>
+            <a:extLst>
+              <a:ext uri="{909E8E84-426E-40DD-AFC4-6F175D3DCCD1}">
+                <a14:hiddenFill xmlns:a14="http://schemas.microsoft.com/office/drawing/2010/main">
+                  <a:solidFill>
+                    <a:srgbClr val="FFFFFF"/>
+                  </a:solidFill>
+                </a14:hiddenFill>
+              </a:ext>
+            </a:extLst>
+          </p:spPr>
+        </p:pic>
+        <p:sp>
+          <p:nvSpPr>
+            <p:cNvPr id="22" name="CaixaDeTexto 21"/>
+            <p:cNvSpPr txBox="1"/>
+            <p:nvPr/>
+          </p:nvSpPr>
+          <p:spPr>
+            <a:xfrm>
+              <a:off x="7090597" y="2202383"/>
+              <a:ext cx="2954774" cy="658581"/>
+            </a:xfrm>
+            <a:prstGeom prst="rect">
+              <a:avLst/>
+            </a:prstGeom>
+            <a:noFill/>
+          </p:spPr>
+          <p:txBody>
+            <a:bodyPr wrap="square" rtlCol="0">
+              <a:spAutoFit/>
+            </a:bodyPr>
+            <a:lstStyle>
+              <a:defPPr>
+                <a:defRPr lang="en-US"/>
+              </a:defPPr>
+              <a:lvl1pPr algn="ctr">
+                <a:defRPr sz="1200" b="1" u="sng">
+                  <a:solidFill>
+                    <a:schemeClr val="bg1">
+                      <a:lumMod val="50000"/>
+                    </a:schemeClr>
+                  </a:solidFill>
+                </a:defRPr>
+              </a:lvl1pPr>
+            </a:lstStyle>
+            <a:p>
+              <a:r>
+                <a:rPr lang="pt-BR" sz="1800" u="none" dirty="0">
+                  <a:latin typeface="Corbel" panose="020B0503020204020204" pitchFamily="34" charset="0"/>
+                </a:rPr>
+                <a:t>De 2012 à 2014</a:t>
+              </a:r>
+            </a:p>
+          </p:txBody>
+        </p:sp>
+      </p:grpSp>
+      <p:pic>
+        <p:nvPicPr>
+          <p:cNvPr id="23" name="Picture 6" descr="http://bhs.com.br/wp-content/themes/bhs/images/marca-bhs.png"/>
+          <p:cNvPicPr>
+            <a:picLocks noChangeAspect="1" noChangeArrowheads="1"/>
+          </p:cNvPicPr>
+          <p:nvPr/>
+        </p:nvPicPr>
+        <p:blipFill>
+          <a:blip r:embed="rId4">
+            <a:extLst>
+              <a:ext uri="{28A0092B-C50C-407E-A947-70E740481C1C}">
+                <a14:useLocalDpi xmlns:a14="http://schemas.microsoft.com/office/drawing/2010/main" val="0"/>
+              </a:ext>
+            </a:extLst>
+          </a:blip>
+          <a:srcRect/>
+          <a:stretch>
+            <a:fillRect/>
+          </a:stretch>
+        </p:blipFill>
+        <p:spPr bwMode="auto">
+          <a:xfrm>
+            <a:off x="3535940" y="4374562"/>
+            <a:ext cx="1676400" cy="501916"/>
+          </a:xfrm>
+          <a:prstGeom prst="rect">
+            <a:avLst/>
+          </a:prstGeom>
+          <a:noFill/>
+          <a:extLst>
+            <a:ext uri="{909E8E84-426E-40DD-AFC4-6F175D3DCCD1}">
+              <a14:hiddenFill xmlns:a14="http://schemas.microsoft.com/office/drawing/2010/main">
+                <a:solidFill>
+                  <a:srgbClr val="FFFFFF"/>
+                </a:solidFill>
+              </a14:hiddenFill>
+            </a:ext>
+          </a:extLst>
+        </p:spPr>
+      </p:pic>
+      <p:pic>
+        <p:nvPicPr>
+          <p:cNvPr id="24" name="Imagem 23"/>
+          <p:cNvPicPr>
+            <a:picLocks noChangeAspect="1"/>
+          </p:cNvPicPr>
+          <p:nvPr/>
+        </p:nvPicPr>
+        <p:blipFill>
+          <a:blip r:embed="rId5" cstate="print">
+            <a:extLst>
+              <a:ext uri="{28A0092B-C50C-407E-A947-70E740481C1C}">
+                <a14:useLocalDpi xmlns:a14="http://schemas.microsoft.com/office/drawing/2010/main" val="0"/>
+              </a:ext>
+            </a:extLst>
+          </a:blip>
+          <a:stretch>
+            <a:fillRect/>
+          </a:stretch>
+        </p:blipFill>
+        <p:spPr>
+          <a:xfrm>
+            <a:off x="549846" y="2053006"/>
+            <a:ext cx="2345757" cy="3127174"/>
+          </a:xfrm>
+          <a:prstGeom prst="rect">
+            <a:avLst/>
+          </a:prstGeom>
+          <a:ln w="38100">
+            <a:solidFill>
+              <a:schemeClr val="accent6">
+                <a:lumMod val="50000"/>
+              </a:schemeClr>
+            </a:solidFill>
+          </a:ln>
+        </p:spPr>
+      </p:pic>
+      <p:pic>
+        <p:nvPicPr>
+          <p:cNvPr id="25" name="Picture 8" descr="https://dotnetraptors.files.wordpress.com/2010/03/logo_raptors.jpg?w=139&amp;h=87"/>
+          <p:cNvPicPr>
+            <a:picLocks noChangeAspect="1" noChangeArrowheads="1"/>
+          </p:cNvPicPr>
+          <p:nvPr/>
+        </p:nvPicPr>
+        <p:blipFill>
+          <a:blip r:embed="rId6">
+            <a:extLst>
+              <a:ext uri="{28A0092B-C50C-407E-A947-70E740481C1C}">
+                <a14:useLocalDpi xmlns:a14="http://schemas.microsoft.com/office/drawing/2010/main" val="0"/>
+              </a:ext>
+            </a:extLst>
+          </a:blip>
+          <a:srcRect/>
+          <a:stretch>
+            <a:fillRect/>
+          </a:stretch>
+        </p:blipFill>
+        <p:spPr bwMode="auto">
+          <a:xfrm>
+            <a:off x="7062237" y="4149082"/>
+            <a:ext cx="1339551" cy="838425"/>
+          </a:xfrm>
+          <a:prstGeom prst="rect">
+            <a:avLst/>
+          </a:prstGeom>
+          <a:noFill/>
+          <a:extLst>
+            <a:ext uri="{909E8E84-426E-40DD-AFC4-6F175D3DCCD1}">
+              <a14:hiddenFill xmlns:a14="http://schemas.microsoft.com/office/drawing/2010/main">
+                <a:solidFill>
+                  <a:srgbClr val="FFFFFF"/>
+                </a:solidFill>
+              </a14:hiddenFill>
+            </a:ext>
+          </a:extLst>
+        </p:spPr>
+      </p:pic>
+      <p:sp>
+        <p:nvSpPr>
+          <p:cNvPr id="14" name="Título 1"/>
+          <p:cNvSpPr>
+            <a:spLocks noGrp="1"/>
+          </p:cNvSpPr>
+          <p:nvPr>
+            <p:ph type="title"/>
+          </p:nvPr>
+        </p:nvSpPr>
+        <p:spPr>
+          <a:xfrm>
+            <a:off x="457200" y="274638"/>
+            <a:ext cx="8229600" cy="1143000"/>
+          </a:xfrm>
+        </p:spPr>
+        <p:txBody>
+          <a:bodyPr/>
+          <a:lstStyle/>
+          <a:p>
+            <a:pPr algn="l"/>
+            <a:r>
+              <a:rPr lang="pt-BR" dirty="0" smtClean="0">
+                <a:solidFill>
+                  <a:schemeClr val="tx1"/>
+                </a:solidFill>
+                <a:effectLst>
+                  <a:outerShdw blurRad="38100" dist="38100" dir="2700000" algn="tl">
+                    <a:srgbClr val="000000">
+                      <a:alpha val="43137"/>
+                    </a:srgbClr>
+                  </a:outerShdw>
+                </a:effectLst>
+                <a:latin typeface="Corbel" panose="020B0503020204020204" pitchFamily="34" charset="0"/>
+              </a:rPr>
+              <a:t>Ivan Paulovich</a:t>
+            </a:r>
+            <a:endParaRPr lang="pt-BR" dirty="0">
+              <a:solidFill>
+                <a:schemeClr val="tx1"/>
+              </a:solidFill>
+              <a:effectLst>
+                <a:outerShdw blurRad="38100" dist="38100" dir="2700000" algn="tl">
+                  <a:srgbClr val="000000">
+                    <a:alpha val="43137"/>
+                  </a:srgbClr>
+                </a:outerShdw>
+              </a:effectLst>
+              <a:latin typeface="Corbel" panose="020B0503020204020204" pitchFamily="34" charset="0"/>
+            </a:endParaRPr>
+          </a:p>
+        </p:txBody>
+      </p:sp>
+      <p:pic>
+        <p:nvPicPr>
+          <p:cNvPr id="1026" name="Picture 2" descr="http://www.100loop.com/wp-content/uploads/2016/12/logo-grande-90x400.png"/>
+          <p:cNvPicPr>
+            <a:picLocks noChangeAspect="1" noChangeArrowheads="1"/>
+          </p:cNvPicPr>
+          <p:nvPr/>
+        </p:nvPicPr>
+        <p:blipFill>
+          <a:blip r:embed="rId7">
+            <a:extLst>
+              <a:ext uri="{28A0092B-C50C-407E-A947-70E740481C1C}">
+                <a14:useLocalDpi xmlns:a14="http://schemas.microsoft.com/office/drawing/2010/main" val="0"/>
+              </a:ext>
+            </a:extLst>
+          </a:blip>
+          <a:srcRect/>
+          <a:stretch>
+            <a:fillRect/>
+          </a:stretch>
+        </p:blipFill>
+        <p:spPr bwMode="auto">
+          <a:xfrm>
+            <a:off x="5720406" y="2305219"/>
+            <a:ext cx="2740026" cy="595659"/>
+          </a:xfrm>
+          <a:prstGeom prst="rect">
+            <a:avLst/>
+          </a:prstGeom>
+          <a:noFill/>
+          <a:extLst>
+            <a:ext uri="{909E8E84-426E-40DD-AFC4-6F175D3DCCD1}">
+              <a14:hiddenFill xmlns:a14="http://schemas.microsoft.com/office/drawing/2010/main">
+                <a:solidFill>
+                  <a:srgbClr val="FFFFFF"/>
+                </a:solidFill>
+              </a14:hiddenFill>
+            </a:ext>
+          </a:extLst>
+        </p:spPr>
+      </p:pic>
+      <p:sp>
+        <p:nvSpPr>
+          <p:cNvPr id="5" name="Retângulo 4"/>
+          <p:cNvSpPr/>
+          <p:nvPr/>
+        </p:nvSpPr>
+        <p:spPr>
+          <a:xfrm>
+            <a:off x="6075589" y="2927218"/>
+            <a:ext cx="1973297" cy="369332"/>
+          </a:xfrm>
+          <a:prstGeom prst="rect">
+            <a:avLst/>
+          </a:prstGeom>
+        </p:spPr>
+        <p:txBody>
+          <a:bodyPr wrap="none">
+            <a:spAutoFit/>
+          </a:bodyPr>
+          <a:lstStyle/>
+          <a:p>
+            <a:r>
+              <a:rPr lang="pt-BR" u="sng" dirty="0">
+                <a:latin typeface="Corbel" panose="020B0503020204020204" pitchFamily="34" charset="0"/>
+              </a:rPr>
+              <a:t>www.100loop.com</a:t>
+            </a:r>
+            <a:endParaRPr lang="en-US" u="sng" dirty="0">
+              <a:latin typeface="Corbel" panose="020B0503020204020204" pitchFamily="34" charset="0"/>
+            </a:endParaRPr>
+          </a:p>
+        </p:txBody>
+      </p:sp>
+    </p:spTree>
+    <p:extLst>
+      <p:ext uri="{BB962C8B-B14F-4D97-AF65-F5344CB8AC3E}">
+        <p14:creationId xmlns:p14="http://schemas.microsoft.com/office/powerpoint/2010/main" val="2161040311"/>
+      </p:ext>
+    </p:extLst>
+  </p:cSld>
+  <p:clrMapOvr>
+    <a:masterClrMapping/>
+  </p:clrMapOvr>
+  <mc:AlternateContent xmlns:mc="http://schemas.openxmlformats.org/markup-compatibility/2006">
+    <mc:Choice xmlns:p14="http://schemas.microsoft.com/office/powerpoint/2010/main" Requires="p14">
+      <p:transition p14:dur="0"/>
+    </mc:Choice>
+    <mc:Fallback>
+      <p:transition/>
+    </mc:Fallback>
+  </mc:AlternateContent>
+  <p:timing>
+    <p:tnLst>
+      <p:par>
+        <p:cTn id="1" dur="indefinite" restart="never" nodeType="tmRoot"/>
+      </p:par>
+    </p:tnLst>
+  </p:timing>
+</p:sld>
+</file>
+
+<file path=ppt/slides/slide20.xml><?xml version="1.0" encoding="utf-8"?>
 <p:sld xmlns:a="http://schemas.openxmlformats.org/drawingml/2006/main" xmlns:r="http://schemas.openxmlformats.org/officeDocument/2006/relationships" xmlns:p="http://schemas.openxmlformats.org/presentationml/2006/main">
   <p:cSld>
     <p:spTree>
@@ -14289,152 +15424,7 @@
 </p:sld>
 </file>
 
-<file path=ppt/slides/slide2.xml><?xml version="1.0" encoding="utf-8"?>
-<p:sld xmlns:a="http://schemas.openxmlformats.org/drawingml/2006/main" xmlns:r="http://schemas.openxmlformats.org/officeDocument/2006/relationships" xmlns:p="http://schemas.openxmlformats.org/presentationml/2006/main">
-  <p:cSld>
-    <p:spTree>
-      <p:nvGrpSpPr>
-        <p:cNvPr id="1" name=""/>
-        <p:cNvGrpSpPr/>
-        <p:nvPr/>
-      </p:nvGrpSpPr>
-      <p:grpSpPr>
-        <a:xfrm>
-          <a:off x="0" y="0"/>
-          <a:ext cx="0" cy="0"/>
-          <a:chOff x="0" y="0"/>
-          <a:chExt cx="0" cy="0"/>
-        </a:xfrm>
-      </p:grpSpPr>
-      <p:sp>
-        <p:nvSpPr>
-          <p:cNvPr id="2" name="Título 1"/>
-          <p:cNvSpPr>
-            <a:spLocks noGrp="1"/>
-          </p:cNvSpPr>
-          <p:nvPr>
-            <p:ph type="title"/>
-          </p:nvPr>
-        </p:nvSpPr>
-        <p:spPr/>
-        <p:txBody>
-          <a:bodyPr/>
-          <a:lstStyle/>
-          <a:p>
-            <a:r>
-              <a:rPr lang="pt-BR" dirty="0" smtClean="0"/>
-              <a:t>Agenda</a:t>
-            </a:r>
-            <a:endParaRPr lang="pt-BR" dirty="0"/>
-          </a:p>
-        </p:txBody>
-      </p:sp>
-      <p:sp>
-        <p:nvSpPr>
-          <p:cNvPr id="3" name="Espaço Reservado para Conteúdo 2"/>
-          <p:cNvSpPr>
-            <a:spLocks noGrp="1"/>
-          </p:cNvSpPr>
-          <p:nvPr>
-            <p:ph idx="1"/>
-          </p:nvPr>
-        </p:nvSpPr>
-        <p:spPr/>
-        <p:txBody>
-          <a:bodyPr/>
-          <a:lstStyle/>
-          <a:p>
-            <a:r>
-              <a:rPr lang="pt-BR" dirty="0" smtClean="0"/>
-              <a:t>Um pouco de história</a:t>
-            </a:r>
-          </a:p>
-          <a:p>
-            <a:r>
-              <a:rPr lang="pt-BR" dirty="0" smtClean="0"/>
-              <a:t>O que é modelagem de software?</a:t>
-            </a:r>
-          </a:p>
-          <a:p>
-            <a:r>
-              <a:rPr lang="pt-BR" dirty="0" smtClean="0"/>
-              <a:t>Por que investir em modelagem?</a:t>
-            </a:r>
-          </a:p>
-          <a:p>
-            <a:r>
-              <a:rPr lang="pt-BR" dirty="0"/>
-              <a:t>Sintomas de problemas de m</a:t>
-            </a:r>
-            <a:r>
-              <a:rPr lang="pt-BR" dirty="0" smtClean="0"/>
-              <a:t>odelagem</a:t>
-            </a:r>
-          </a:p>
-          <a:p>
-            <a:r>
-              <a:rPr lang="pt-BR" dirty="0" smtClean="0"/>
-              <a:t>O que é uma boa modelagem?</a:t>
-            </a:r>
-          </a:p>
-          <a:p>
-            <a:r>
-              <a:rPr lang="pt-BR" dirty="0"/>
-              <a:t>Princípios de OO </a:t>
-            </a:r>
-            <a:r>
-              <a:rPr lang="pt-BR" dirty="0" smtClean="0"/>
-              <a:t>na modelagem </a:t>
-            </a:r>
-            <a:r>
-              <a:rPr lang="pt-BR" dirty="0"/>
-              <a:t>de </a:t>
-            </a:r>
-            <a:r>
-              <a:rPr lang="pt-BR" dirty="0" smtClean="0"/>
-              <a:t>classes</a:t>
-            </a:r>
-          </a:p>
-          <a:p>
-            <a:r>
-              <a:rPr lang="pt-BR" dirty="0"/>
-              <a:t>Um breve resumo de modelagem em </a:t>
-            </a:r>
-            <a:r>
-              <a:rPr lang="pt-BR" dirty="0" smtClean="0"/>
-              <a:t>OO</a:t>
-            </a:r>
-          </a:p>
-          <a:p>
-            <a:r>
-              <a:rPr lang="pt-BR" dirty="0" smtClean="0"/>
-              <a:t>Dúvidas?</a:t>
-            </a:r>
-            <a:endParaRPr lang="pt-BR" dirty="0"/>
-          </a:p>
-        </p:txBody>
-      </p:sp>
-    </p:spTree>
-    <p:extLst>
-      <p:ext uri="{BB962C8B-B14F-4D97-AF65-F5344CB8AC3E}">
-        <p14:creationId xmlns:p14="http://schemas.microsoft.com/office/powerpoint/2010/main" val="3954246393"/>
-      </p:ext>
-    </p:extLst>
-  </p:cSld>
-  <p:clrMapOvr>
-    <a:masterClrMapping/>
-  </p:clrMapOvr>
-  <p:timing>
-    <p:tnLst>
-      <p:par>
-        <p:cTn id="1" dur="indefinite" restart="never" nodeType="tmRoot"/>
-      </p:par>
-    </p:tnLst>
-  </p:timing>
-</p:sld>
-</file>
-
-<file path=ppt/slides/slide20.xml><?xml version="1.0" encoding="utf-8"?>
+<file path=ppt/slides/slide21.xml><?xml version="1.0" encoding="utf-8"?>
 <p:sld xmlns:a="http://schemas.openxmlformats.org/drawingml/2006/main" xmlns:r="http://schemas.openxmlformats.org/officeDocument/2006/relationships" xmlns:p="http://schemas.openxmlformats.org/presentationml/2006/main">
   <p:cSld>
     <p:spTree>
@@ -15362,7 +16352,7 @@
 </p:sld>
 </file>
 
-<file path=ppt/slides/slide21.xml><?xml version="1.0" encoding="utf-8"?>
+<file path=ppt/slides/slide22.xml><?xml version="1.0" encoding="utf-8"?>
 <p:sld xmlns:a="http://schemas.openxmlformats.org/drawingml/2006/main" xmlns:r="http://schemas.openxmlformats.org/officeDocument/2006/relationships" xmlns:p="http://schemas.openxmlformats.org/presentationml/2006/main">
   <p:cSld>
     <p:spTree>
@@ -16084,7 +17074,7 @@
 </p:sld>
 </file>
 
-<file path=ppt/slides/slide22.xml><?xml version="1.0" encoding="utf-8"?>
+<file path=ppt/slides/slide23.xml><?xml version="1.0" encoding="utf-8"?>
 <p:sld xmlns:a="http://schemas.openxmlformats.org/drawingml/2006/main" xmlns:r="http://schemas.openxmlformats.org/officeDocument/2006/relationships" xmlns:p="http://schemas.openxmlformats.org/presentationml/2006/main">
   <p:cSld>
     <p:spTree>
@@ -17105,7 +18095,7 @@
 </p:sld>
 </file>
 
-<file path=ppt/slides/slide23.xml><?xml version="1.0" encoding="utf-8"?>
+<file path=ppt/slides/slide24.xml><?xml version="1.0" encoding="utf-8"?>
 <p:sld xmlns:a="http://schemas.openxmlformats.org/drawingml/2006/main" xmlns:r="http://schemas.openxmlformats.org/officeDocument/2006/relationships" xmlns:p="http://schemas.openxmlformats.org/presentationml/2006/main">
   <p:cSld>
     <p:spTree>
@@ -17924,7 +18914,7 @@
 </p:sld>
 </file>
 
-<file path=ppt/slides/slide24.xml><?xml version="1.0" encoding="utf-8"?>
+<file path=ppt/slides/slide25.xml><?xml version="1.0" encoding="utf-8"?>
 <p:sld xmlns:a="http://schemas.openxmlformats.org/drawingml/2006/main" xmlns:r="http://schemas.openxmlformats.org/officeDocument/2006/relationships" xmlns:p="http://schemas.openxmlformats.org/presentationml/2006/main">
   <p:cSld>
     <p:spTree>
@@ -18726,7 +19716,7 @@
 </p:sld>
 </file>
 
-<file path=ppt/slides/slide25.xml><?xml version="1.0" encoding="utf-8"?>
+<file path=ppt/slides/slide26.xml><?xml version="1.0" encoding="utf-8"?>
 <p:sld xmlns:a="http://schemas.openxmlformats.org/drawingml/2006/main" xmlns:r="http://schemas.openxmlformats.org/officeDocument/2006/relationships" xmlns:p="http://schemas.openxmlformats.org/presentationml/2006/main">
   <p:cSld>
     <p:bg>
@@ -18813,7 +19803,7 @@
 </p:sld>
 </file>
 
-<file path=ppt/slides/slide26.xml><?xml version="1.0" encoding="utf-8"?>
+<file path=ppt/slides/slide27.xml><?xml version="1.0" encoding="utf-8"?>
 <p:sld xmlns:a="http://schemas.openxmlformats.org/drawingml/2006/main" xmlns:r="http://schemas.openxmlformats.org/officeDocument/2006/relationships" xmlns:p="http://schemas.openxmlformats.org/presentationml/2006/main">
   <p:cSld>
     <p:spTree>
@@ -18895,11 +19885,12 @@
             </a:br>
             <a:r>
               <a:rPr lang="pt-BR" dirty="0" smtClean="0">
-                <a:hlinkClick r:id="rId2"/>
+                <a:solidFill>
+                  <a:schemeClr val="tx1"/>
+                </a:solidFill>
               </a:rPr>
               <a:t>http://butunclebob.com/ArticleS.UncleBob.PrinciplesOfOod</a:t>
             </a:r>
-            <a:endParaRPr lang="pt-BR" dirty="0" smtClean="0"/>
           </a:p>
           <a:p>
             <a:r>
@@ -18988,24 +19979,17 @@
               <a:rPr lang="en-US" dirty="0" smtClean="0"/>
             </a:br>
             <a:r>
-              <a:rPr lang="pt-BR" dirty="0" smtClean="0">
-                <a:hlinkClick r:id="rId3"/>
-              </a:rPr>
+              <a:rPr lang="pt-BR" dirty="0" smtClean="0"/>
               <a:t>https</a:t>
             </a:r>
             <a:r>
-              <a:rPr lang="pt-BR" dirty="0">
-                <a:hlinkClick r:id="rId3"/>
-              </a:rPr>
+              <a:rPr lang="pt-BR" dirty="0"/>
               <a:t>://</a:t>
             </a:r>
             <a:r>
-              <a:rPr lang="pt-BR" dirty="0" smtClean="0">
-                <a:hlinkClick r:id="rId3"/>
-              </a:rPr>
+              <a:rPr lang="pt-BR" dirty="0" smtClean="0"/>
               <a:t>www.slideshare.net/confiz/solid-principles-of-oo-design-29397774</a:t>
             </a:r>
-            <a:endParaRPr lang="pt-BR" dirty="0" smtClean="0"/>
           </a:p>
           <a:p>
             <a:r>
@@ -19020,18 +20004,13 @@
               <a:rPr lang="en-US" dirty="0" smtClean="0"/>
             </a:br>
             <a:r>
-              <a:rPr lang="pt-BR" dirty="0">
-                <a:hlinkClick r:id="rId4"/>
-              </a:rPr>
+              <a:rPr lang="pt-BR" dirty="0"/>
               <a:t>https://</a:t>
             </a:r>
             <a:r>
-              <a:rPr lang="pt-BR" dirty="0" smtClean="0">
-                <a:hlinkClick r:id="rId4"/>
-              </a:rPr>
+              <a:rPr lang="pt-BR" dirty="0" smtClean="0"/>
               <a:t>www.slideshare.net/ardalis/refactoring-applications-using-solid-principles</a:t>
             </a:r>
-            <a:endParaRPr lang="pt-BR" dirty="0" smtClean="0"/>
           </a:p>
         </p:txBody>
       </p:sp>
@@ -19056,6 +20035,151 @@
 </file>
 
 <file path=ppt/slides/slide3.xml><?xml version="1.0" encoding="utf-8"?>
+<p:sld xmlns:a="http://schemas.openxmlformats.org/drawingml/2006/main" xmlns:r="http://schemas.openxmlformats.org/officeDocument/2006/relationships" xmlns:p="http://schemas.openxmlformats.org/presentationml/2006/main">
+  <p:cSld>
+    <p:spTree>
+      <p:nvGrpSpPr>
+        <p:cNvPr id="1" name=""/>
+        <p:cNvGrpSpPr/>
+        <p:nvPr/>
+      </p:nvGrpSpPr>
+      <p:grpSpPr>
+        <a:xfrm>
+          <a:off x="0" y="0"/>
+          <a:ext cx="0" cy="0"/>
+          <a:chOff x="0" y="0"/>
+          <a:chExt cx="0" cy="0"/>
+        </a:xfrm>
+      </p:grpSpPr>
+      <p:sp>
+        <p:nvSpPr>
+          <p:cNvPr id="2" name="Título 1"/>
+          <p:cNvSpPr>
+            <a:spLocks noGrp="1"/>
+          </p:cNvSpPr>
+          <p:nvPr>
+            <p:ph type="title"/>
+          </p:nvPr>
+        </p:nvSpPr>
+        <p:spPr/>
+        <p:txBody>
+          <a:bodyPr/>
+          <a:lstStyle/>
+          <a:p>
+            <a:r>
+              <a:rPr lang="pt-BR" dirty="0" smtClean="0"/>
+              <a:t>Agenda</a:t>
+            </a:r>
+            <a:endParaRPr lang="pt-BR" dirty="0"/>
+          </a:p>
+        </p:txBody>
+      </p:sp>
+      <p:sp>
+        <p:nvSpPr>
+          <p:cNvPr id="3" name="Espaço Reservado para Conteúdo 2"/>
+          <p:cNvSpPr>
+            <a:spLocks noGrp="1"/>
+          </p:cNvSpPr>
+          <p:nvPr>
+            <p:ph idx="1"/>
+          </p:nvPr>
+        </p:nvSpPr>
+        <p:spPr/>
+        <p:txBody>
+          <a:bodyPr/>
+          <a:lstStyle/>
+          <a:p>
+            <a:r>
+              <a:rPr lang="pt-BR" dirty="0" smtClean="0"/>
+              <a:t>Um pouco de história</a:t>
+            </a:r>
+          </a:p>
+          <a:p>
+            <a:r>
+              <a:rPr lang="pt-BR" dirty="0" smtClean="0"/>
+              <a:t>O que é modelagem de software?</a:t>
+            </a:r>
+          </a:p>
+          <a:p>
+            <a:r>
+              <a:rPr lang="pt-BR" dirty="0" smtClean="0"/>
+              <a:t>Por que investir em modelagem?</a:t>
+            </a:r>
+          </a:p>
+          <a:p>
+            <a:r>
+              <a:rPr lang="pt-BR" dirty="0"/>
+              <a:t>Sintomas de problemas de m</a:t>
+            </a:r>
+            <a:r>
+              <a:rPr lang="pt-BR" dirty="0" smtClean="0"/>
+              <a:t>odelagem</a:t>
+            </a:r>
+          </a:p>
+          <a:p>
+            <a:r>
+              <a:rPr lang="pt-BR" dirty="0" smtClean="0"/>
+              <a:t>O que é uma boa modelagem?</a:t>
+            </a:r>
+          </a:p>
+          <a:p>
+            <a:r>
+              <a:rPr lang="pt-BR" dirty="0"/>
+              <a:t>Princípios de OO </a:t>
+            </a:r>
+            <a:r>
+              <a:rPr lang="pt-BR" dirty="0" smtClean="0"/>
+              <a:t>na modelagem </a:t>
+            </a:r>
+            <a:r>
+              <a:rPr lang="pt-BR" dirty="0"/>
+              <a:t>de </a:t>
+            </a:r>
+            <a:r>
+              <a:rPr lang="pt-BR" dirty="0" smtClean="0"/>
+              <a:t>classes</a:t>
+            </a:r>
+          </a:p>
+          <a:p>
+            <a:r>
+              <a:rPr lang="pt-BR" dirty="0"/>
+              <a:t>Um breve resumo de modelagem em </a:t>
+            </a:r>
+            <a:r>
+              <a:rPr lang="pt-BR" dirty="0" smtClean="0"/>
+              <a:t>OO</a:t>
+            </a:r>
+          </a:p>
+          <a:p>
+            <a:r>
+              <a:rPr lang="pt-BR" dirty="0" smtClean="0"/>
+              <a:t>Dúvidas?</a:t>
+            </a:r>
+            <a:endParaRPr lang="pt-BR" dirty="0"/>
+          </a:p>
+        </p:txBody>
+      </p:sp>
+    </p:spTree>
+    <p:extLst>
+      <p:ext uri="{BB962C8B-B14F-4D97-AF65-F5344CB8AC3E}">
+        <p14:creationId xmlns:p14="http://schemas.microsoft.com/office/powerpoint/2010/main" val="3954246393"/>
+      </p:ext>
+    </p:extLst>
+  </p:cSld>
+  <p:clrMapOvr>
+    <a:masterClrMapping/>
+  </p:clrMapOvr>
+  <p:timing>
+    <p:tnLst>
+      <p:par>
+        <p:cTn id="1" dur="indefinite" restart="never" nodeType="tmRoot"/>
+      </p:par>
+    </p:tnLst>
+  </p:timing>
+</p:sld>
+</file>
+
+<file path=ppt/slides/slide4.xml><?xml version="1.0" encoding="utf-8"?>
 <p:sld xmlns:a="http://schemas.openxmlformats.org/drawingml/2006/main" xmlns:r="http://schemas.openxmlformats.org/officeDocument/2006/relationships" xmlns:p="http://schemas.openxmlformats.org/presentationml/2006/main">
   <p:cSld>
     <p:spTree>
@@ -19621,7 +20745,7 @@
 </p:sld>
 </file>
 
-<file path=ppt/slides/slide4.xml><?xml version="1.0" encoding="utf-8"?>
+<file path=ppt/slides/slide5.xml><?xml version="1.0" encoding="utf-8"?>
 <p:sld xmlns:a="http://schemas.openxmlformats.org/drawingml/2006/main" xmlns:r="http://schemas.openxmlformats.org/officeDocument/2006/relationships" xmlns:p="http://schemas.openxmlformats.org/presentationml/2006/main">
   <p:cSld>
     <p:spTree>
@@ -20517,7 +21641,7 @@
 </p:sld>
 </file>
 
-<file path=ppt/slides/slide5.xml><?xml version="1.0" encoding="utf-8"?>
+<file path=ppt/slides/slide6.xml><?xml version="1.0" encoding="utf-8"?>
 <p:sld xmlns:a="http://schemas.openxmlformats.org/drawingml/2006/main" xmlns:r="http://schemas.openxmlformats.org/officeDocument/2006/relationships" xmlns:p="http://schemas.openxmlformats.org/presentationml/2006/main">
   <p:cSld>
     <p:spTree>
@@ -20743,7 +21867,7 @@
 </p:sld>
 </file>
 
-<file path=ppt/slides/slide6.xml><?xml version="1.0" encoding="utf-8"?>
+<file path=ppt/slides/slide7.xml><?xml version="1.0" encoding="utf-8"?>
 <p:sld xmlns:a="http://schemas.openxmlformats.org/drawingml/2006/main" xmlns:r="http://schemas.openxmlformats.org/officeDocument/2006/relationships" xmlns:p="http://schemas.openxmlformats.org/presentationml/2006/main">
   <p:cSld>
     <p:spTree>
@@ -20932,7 +22056,7 @@
 </p:sld>
 </file>
 
-<file path=ppt/slides/slide7.xml><?xml version="1.0" encoding="utf-8"?>
+<file path=ppt/slides/slide8.xml><?xml version="1.0" encoding="utf-8"?>
 <p:sld xmlns:a="http://schemas.openxmlformats.org/drawingml/2006/main" xmlns:r="http://schemas.openxmlformats.org/officeDocument/2006/relationships" xmlns:p="http://schemas.openxmlformats.org/presentationml/2006/main">
   <p:cSld>
     <p:bg>
@@ -21100,7 +22224,7 @@
           <a:lstStyle/>
           <a:p>
             <a:r>
-              <a:rPr lang="pt-BR" dirty="0">
+              <a:rPr lang="pt-BR" u="sng" dirty="0">
                 <a:solidFill>
                   <a:schemeClr val="bg1"/>
                 </a:solidFill>
@@ -21130,7 +22254,7 @@
 </p:sld>
 </file>
 
-<file path=ppt/slides/slide8.xml><?xml version="1.0" encoding="utf-8"?>
+<file path=ppt/slides/slide9.xml><?xml version="1.0" encoding="utf-8"?>
 <p:sld xmlns:a="http://schemas.openxmlformats.org/drawingml/2006/main" xmlns:r="http://schemas.openxmlformats.org/officeDocument/2006/relationships" xmlns:p="http://schemas.openxmlformats.org/presentationml/2006/main">
   <p:cSld>
     <p:spTree>
@@ -21783,119 +22907,6 @@
             </p:seq>
           </p:childTnLst>
         </p:cTn>
-      </p:par>
-    </p:tnLst>
-  </p:timing>
-</p:sld>
-</file>
-
-<file path=ppt/slides/slide9.xml><?xml version="1.0" encoding="utf-8"?>
-<p:sld xmlns:a="http://schemas.openxmlformats.org/drawingml/2006/main" xmlns:r="http://schemas.openxmlformats.org/officeDocument/2006/relationships" xmlns:p="http://schemas.openxmlformats.org/presentationml/2006/main">
-  <p:cSld>
-    <p:spTree>
-      <p:nvGrpSpPr>
-        <p:cNvPr id="1" name=""/>
-        <p:cNvGrpSpPr/>
-        <p:nvPr/>
-      </p:nvGrpSpPr>
-      <p:grpSpPr>
-        <a:xfrm>
-          <a:off x="0" y="0"/>
-          <a:ext cx="0" cy="0"/>
-          <a:chOff x="0" y="0"/>
-          <a:chExt cx="0" cy="0"/>
-        </a:xfrm>
-      </p:grpSpPr>
-      <p:sp>
-        <p:nvSpPr>
-          <p:cNvPr id="2" name="Título 1"/>
-          <p:cNvSpPr>
-            <a:spLocks noGrp="1"/>
-          </p:cNvSpPr>
-          <p:nvPr>
-            <p:ph type="title"/>
-          </p:nvPr>
-        </p:nvSpPr>
-        <p:spPr/>
-        <p:txBody>
-          <a:bodyPr>
-            <a:normAutofit/>
-          </a:bodyPr>
-          <a:lstStyle/>
-          <a:p>
-            <a:r>
-              <a:rPr lang="pt-BR" dirty="0"/>
-              <a:t>O que é uma boa modelagem</a:t>
-            </a:r>
-            <a:r>
-              <a:rPr lang="pt-BR" dirty="0" smtClean="0"/>
-              <a:t>?</a:t>
-            </a:r>
-            <a:endParaRPr lang="pt-BR" dirty="0"/>
-          </a:p>
-        </p:txBody>
-      </p:sp>
-      <p:sp>
-        <p:nvSpPr>
-          <p:cNvPr id="3" name="Espaço Reservado para Conteúdo 2"/>
-          <p:cNvSpPr>
-            <a:spLocks noGrp="1"/>
-          </p:cNvSpPr>
-          <p:nvPr>
-            <p:ph idx="1"/>
-          </p:nvPr>
-        </p:nvSpPr>
-        <p:spPr/>
-        <p:txBody>
-          <a:bodyPr>
-            <a:normAutofit/>
-          </a:bodyPr>
-          <a:lstStyle/>
-          <a:p>
-            <a:r>
-              <a:rPr lang="en-US" dirty="0" smtClean="0"/>
-              <a:t>Alta </a:t>
-            </a:r>
-            <a:r>
-              <a:rPr lang="en-US" dirty="0" err="1" smtClean="0"/>
-              <a:t>coesão</a:t>
-            </a:r>
-            <a:endParaRPr lang="en-US" dirty="0" smtClean="0"/>
-          </a:p>
-          <a:p>
-            <a:r>
-              <a:rPr lang="en-US" dirty="0" err="1" smtClean="0"/>
-              <a:t>Baixo</a:t>
-            </a:r>
-            <a:r>
-              <a:rPr lang="en-US" dirty="0" smtClean="0"/>
-              <a:t> </a:t>
-            </a:r>
-            <a:r>
-              <a:rPr lang="en-US" dirty="0" err="1" smtClean="0"/>
-              <a:t>acomplamento</a:t>
-            </a:r>
-            <a:r>
-              <a:rPr lang="en-US" dirty="0" smtClean="0"/>
-              <a:t> </a:t>
-            </a:r>
-          </a:p>
-        </p:txBody>
-      </p:sp>
-    </p:spTree>
-    <p:extLst>
-      <p:ext uri="{BB962C8B-B14F-4D97-AF65-F5344CB8AC3E}">
-        <p14:creationId xmlns:p14="http://schemas.microsoft.com/office/powerpoint/2010/main" val="856746124"/>
-      </p:ext>
-    </p:extLst>
-  </p:cSld>
-  <p:clrMapOvr>
-    <a:masterClrMapping/>
-  </p:clrMapOvr>
-  <p:timing>
-    <p:tnLst>
-      <p:par>
-        <p:cTn id="1" dur="indefinite" restart="never" nodeType="tmRoot"/>
       </p:par>
     </p:tnLst>
   </p:timing>

--- a/docs/Princípios SOLID de OO usando .NET.pptx
+++ b/docs/Princípios SOLID de OO usando .NET.pptx
@@ -136,7 +136,7 @@
   </p:defaultTextStyle>
   <p:extLst>
     <p:ext uri="{EFAFB233-063F-42B5-8137-9DF3F51BA10A}">
-      <p15:sldGuideLst xmlns:p15="http://schemas.microsoft.com/office/powerpoint/2012/main">
+      <p15:sldGuideLst xmlns:p15="http://schemas.microsoft.com/office/powerpoint/2012/main" xmlns="">
         <p15:guide id="1" orient="horz" pos="2160">
           <p15:clr>
             <a:srgbClr val="A4A3A4"/>
@@ -235,7 +235,7 @@
           <a:p>
             <a:fld id="{835C4B7D-E860-4B95-8646-60DA78D972CD}" type="datetimeFigureOut">
               <a:rPr lang="pt-BR" smtClean="0"/>
-              <a:t>27/07/2017</a:t>
+              <a:t>28/07/2017</a:t>
             </a:fld>
             <a:endParaRPr lang="pt-BR"/>
           </a:p>
@@ -1100,7 +1100,7 @@
           <a:p>
             <a:fld id="{5E1F53C7-D938-4151-992E-AF84745267E3}" type="datetimeFigureOut">
               <a:rPr lang="pt-BR" smtClean="0"/>
-              <a:t>27/07/2017</a:t>
+              <a:t>28/07/2017</a:t>
             </a:fld>
             <a:endParaRPr lang="pt-BR"/>
           </a:p>
@@ -1270,7 +1270,7 @@
           <a:p>
             <a:fld id="{5E1F53C7-D938-4151-992E-AF84745267E3}" type="datetimeFigureOut">
               <a:rPr lang="pt-BR" smtClean="0"/>
-              <a:t>27/07/2017</a:t>
+              <a:t>28/07/2017</a:t>
             </a:fld>
             <a:endParaRPr lang="pt-BR"/>
           </a:p>
@@ -1450,7 +1450,7 @@
           <a:p>
             <a:fld id="{5E1F53C7-D938-4151-992E-AF84745267E3}" type="datetimeFigureOut">
               <a:rPr lang="pt-BR" smtClean="0"/>
-              <a:t>27/07/2017</a:t>
+              <a:t>28/07/2017</a:t>
             </a:fld>
             <a:endParaRPr lang="pt-BR"/>
           </a:p>
@@ -1673,7 +1673,7 @@
           <a:p>
             <a:fld id="{5E1F53C7-D938-4151-992E-AF84745267E3}" type="datetimeFigureOut">
               <a:rPr lang="pt-BR" smtClean="0"/>
-              <a:t>27/07/2017</a:t>
+              <a:t>28/07/2017</a:t>
             </a:fld>
             <a:endParaRPr lang="pt-BR"/>
           </a:p>
@@ -1843,7 +1843,7 @@
           <a:p>
             <a:fld id="{5E1F53C7-D938-4151-992E-AF84745267E3}" type="datetimeFigureOut">
               <a:rPr lang="pt-BR" smtClean="0"/>
-              <a:t>27/07/2017</a:t>
+              <a:t>28/07/2017</a:t>
             </a:fld>
             <a:endParaRPr lang="pt-BR"/>
           </a:p>
@@ -2100,7 +2100,7 @@
           <a:p>
             <a:fld id="{5E1F53C7-D938-4151-992E-AF84745267E3}" type="datetimeFigureOut">
               <a:rPr lang="pt-BR" smtClean="0"/>
-              <a:t>27/07/2017</a:t>
+              <a:t>28/07/2017</a:t>
             </a:fld>
             <a:endParaRPr lang="pt-BR"/>
           </a:p>
@@ -2332,7 +2332,7 @@
           <a:p>
             <a:fld id="{5E1F53C7-D938-4151-992E-AF84745267E3}" type="datetimeFigureOut">
               <a:rPr lang="pt-BR" smtClean="0"/>
-              <a:t>27/07/2017</a:t>
+              <a:t>28/07/2017</a:t>
             </a:fld>
             <a:endParaRPr lang="pt-BR"/>
           </a:p>
@@ -2727,7 +2727,7 @@
           <a:p>
             <a:fld id="{5E1F53C7-D938-4151-992E-AF84745267E3}" type="datetimeFigureOut">
               <a:rPr lang="pt-BR" smtClean="0"/>
-              <a:t>27/07/2017</a:t>
+              <a:t>28/07/2017</a:t>
             </a:fld>
             <a:endParaRPr lang="pt-BR"/>
           </a:p>
@@ -2845,7 +2845,7 @@
           <a:p>
             <a:fld id="{5E1F53C7-D938-4151-992E-AF84745267E3}" type="datetimeFigureOut">
               <a:rPr lang="pt-BR" smtClean="0"/>
-              <a:t>27/07/2017</a:t>
+              <a:t>28/07/2017</a:t>
             </a:fld>
             <a:endParaRPr lang="pt-BR"/>
           </a:p>
@@ -2940,7 +2940,7 @@
           <a:p>
             <a:fld id="{5E1F53C7-D938-4151-992E-AF84745267E3}" type="datetimeFigureOut">
               <a:rPr lang="pt-BR" smtClean="0"/>
-              <a:t>27/07/2017</a:t>
+              <a:t>28/07/2017</a:t>
             </a:fld>
             <a:endParaRPr lang="pt-BR"/>
           </a:p>
@@ -3215,7 +3215,7 @@
           <a:p>
             <a:fld id="{5E1F53C7-D938-4151-992E-AF84745267E3}" type="datetimeFigureOut">
               <a:rPr lang="pt-BR" smtClean="0"/>
-              <a:t>27/07/2017</a:t>
+              <a:t>28/07/2017</a:t>
             </a:fld>
             <a:endParaRPr lang="pt-BR"/>
           </a:p>
@@ -3385,7 +3385,7 @@
           <a:p>
             <a:fld id="{5E1F53C7-D938-4151-992E-AF84745267E3}" type="datetimeFigureOut">
               <a:rPr lang="pt-BR" smtClean="0"/>
-              <a:t>27/07/2017</a:t>
+              <a:t>28/07/2017</a:t>
             </a:fld>
             <a:endParaRPr lang="pt-BR"/>
           </a:p>
@@ -3668,7 +3668,7 @@
           <a:p>
             <a:fld id="{5E1F53C7-D938-4151-992E-AF84745267E3}" type="datetimeFigureOut">
               <a:rPr lang="pt-BR" smtClean="0"/>
-              <a:t>27/07/2017</a:t>
+              <a:t>28/07/2017</a:t>
             </a:fld>
             <a:endParaRPr lang="pt-BR"/>
           </a:p>
@@ -3949,7 +3949,7 @@
           <a:p>
             <a:fld id="{5E1F53C7-D938-4151-992E-AF84745267E3}" type="datetimeFigureOut">
               <a:rPr lang="pt-BR" smtClean="0"/>
-              <a:t>27/07/2017</a:t>
+              <a:t>28/07/2017</a:t>
             </a:fld>
             <a:endParaRPr lang="pt-BR"/>
           </a:p>
@@ -4141,7 +4141,7 @@
           <a:p>
             <a:fld id="{5E1F53C7-D938-4151-992E-AF84745267E3}" type="datetimeFigureOut">
               <a:rPr lang="pt-BR" smtClean="0"/>
-              <a:t>27/07/2017</a:t>
+              <a:t>28/07/2017</a:t>
             </a:fld>
             <a:endParaRPr lang="pt-BR"/>
           </a:p>
@@ -4402,7 +4402,7 @@
           <a:p>
             <a:fld id="{5E1F53C7-D938-4151-992E-AF84745267E3}" type="datetimeFigureOut">
               <a:rPr lang="pt-BR" smtClean="0"/>
-              <a:t>27/07/2017</a:t>
+              <a:t>28/07/2017</a:t>
             </a:fld>
             <a:endParaRPr lang="pt-BR"/>
           </a:p>
@@ -4828,7 +4828,7 @@
           <a:p>
             <a:fld id="{5E1F53C7-D938-4151-992E-AF84745267E3}" type="datetimeFigureOut">
               <a:rPr lang="pt-BR" smtClean="0"/>
-              <a:t>27/07/2017</a:t>
+              <a:t>28/07/2017</a:t>
             </a:fld>
             <a:endParaRPr lang="pt-BR"/>
           </a:p>
@@ -5374,7 +5374,7 @@
           <a:p>
             <a:fld id="{5E1F53C7-D938-4151-992E-AF84745267E3}" type="datetimeFigureOut">
               <a:rPr lang="pt-BR" smtClean="0"/>
-              <a:t>27/07/2017</a:t>
+              <a:t>28/07/2017</a:t>
             </a:fld>
             <a:endParaRPr lang="pt-BR"/>
           </a:p>
@@ -6205,7 +6205,7 @@
           <a:p>
             <a:fld id="{5E1F53C7-D938-4151-992E-AF84745267E3}" type="datetimeFigureOut">
               <a:rPr lang="pt-BR" smtClean="0"/>
-              <a:t>27/07/2017</a:t>
+              <a:t>28/07/2017</a:t>
             </a:fld>
             <a:endParaRPr lang="pt-BR"/>
           </a:p>
@@ -6375,7 +6375,7 @@
           <a:p>
             <a:fld id="{5E1F53C7-D938-4151-992E-AF84745267E3}" type="datetimeFigureOut">
               <a:rPr lang="pt-BR" smtClean="0"/>
-              <a:t>27/07/2017</a:t>
+              <a:t>28/07/2017</a:t>
             </a:fld>
             <a:endParaRPr lang="pt-BR"/>
           </a:p>
@@ -6555,7 +6555,7 @@
           <a:p>
             <a:fld id="{5E1F53C7-D938-4151-992E-AF84745267E3}" type="datetimeFigureOut">
               <a:rPr lang="pt-BR" smtClean="0"/>
-              <a:t>27/07/2017</a:t>
+              <a:t>28/07/2017</a:t>
             </a:fld>
             <a:endParaRPr lang="pt-BR"/>
           </a:p>
@@ -7344,7 +7344,7 @@
           <a:p>
             <a:fld id="{5E1F53C7-D938-4151-992E-AF84745267E3}" type="datetimeFigureOut">
               <a:rPr lang="pt-BR" smtClean="0"/>
-              <a:t>27/07/2017</a:t>
+              <a:t>28/07/2017</a:t>
             </a:fld>
             <a:endParaRPr lang="pt-BR"/>
           </a:p>
@@ -7576,7 +7576,7 @@
           <a:p>
             <a:fld id="{5E1F53C7-D938-4151-992E-AF84745267E3}" type="datetimeFigureOut">
               <a:rPr lang="pt-BR" smtClean="0"/>
-              <a:t>27/07/2017</a:t>
+              <a:t>28/07/2017</a:t>
             </a:fld>
             <a:endParaRPr lang="pt-BR"/>
           </a:p>
@@ -7923,7 +7923,7 @@
           <a:p>
             <a:fld id="{5E1F53C7-D938-4151-992E-AF84745267E3}" type="datetimeFigureOut">
               <a:rPr lang="pt-BR" smtClean="0"/>
-              <a:t>27/07/2017</a:t>
+              <a:t>28/07/2017</a:t>
             </a:fld>
             <a:endParaRPr lang="pt-BR"/>
           </a:p>
@@ -8041,7 +8041,7 @@
           <a:p>
             <a:fld id="{5E1F53C7-D938-4151-992E-AF84745267E3}" type="datetimeFigureOut">
               <a:rPr lang="pt-BR" smtClean="0"/>
-              <a:t>27/07/2017</a:t>
+              <a:t>28/07/2017</a:t>
             </a:fld>
             <a:endParaRPr lang="pt-BR"/>
           </a:p>
@@ -8159,7 +8159,7 @@
           <a:p>
             <a:fld id="{5E1F53C7-D938-4151-992E-AF84745267E3}" type="datetimeFigureOut">
               <a:rPr lang="pt-BR" smtClean="0"/>
-              <a:t>27/07/2017</a:t>
+              <a:t>28/07/2017</a:t>
             </a:fld>
             <a:endParaRPr lang="pt-BR"/>
           </a:p>
@@ -8443,7 +8443,7 @@
           <a:p>
             <a:fld id="{5E1F53C7-D938-4151-992E-AF84745267E3}" type="datetimeFigureOut">
               <a:rPr lang="pt-BR" smtClean="0"/>
-              <a:t>27/07/2017</a:t>
+              <a:t>28/07/2017</a:t>
             </a:fld>
             <a:endParaRPr lang="pt-BR"/>
           </a:p>
@@ -8707,7 +8707,7 @@
           <a:p>
             <a:fld id="{5E1F53C7-D938-4151-992E-AF84745267E3}" type="datetimeFigureOut">
               <a:rPr lang="pt-BR" smtClean="0"/>
-              <a:t>27/07/2017</a:t>
+              <a:t>28/07/2017</a:t>
             </a:fld>
             <a:endParaRPr lang="pt-BR"/>
           </a:p>
@@ -8930,7 +8930,7 @@
           <a:p>
             <a:fld id="{5E1F53C7-D938-4151-992E-AF84745267E3}" type="datetimeFigureOut">
               <a:rPr lang="pt-BR" smtClean="0"/>
-              <a:t>27/07/2017</a:t>
+              <a:t>28/07/2017</a:t>
             </a:fld>
             <a:endParaRPr lang="pt-BR"/>
           </a:p>
@@ -9486,7 +9486,7 @@
           <a:p>
             <a:fld id="{5E1F53C7-D938-4151-992E-AF84745267E3}" type="datetimeFigureOut">
               <a:rPr lang="pt-BR" smtClean="0"/>
-              <a:t>27/07/2017</a:t>
+              <a:t>28/07/2017</a:t>
             </a:fld>
             <a:endParaRPr lang="pt-BR"/>
           </a:p>
@@ -13408,7 +13408,7 @@
           <p:spPr>
             <a:xfrm>
               <a:off x="2912686" y="1744803"/>
-              <a:ext cx="3053913" cy="369332"/>
+              <a:ext cx="3122971" cy="369332"/>
             </a:xfrm>
             <a:prstGeom prst="rect">
               <a:avLst/>
@@ -13421,7 +13421,11 @@
             <a:lstStyle/>
             <a:p>
               <a:r>
-                <a:rPr lang="pt-BR" u="sng" dirty="0"/>
+                <a:rPr lang="pt-BR" u="sng" dirty="0">
+                  <a:solidFill>
+                    <a:schemeClr val="bg1"/>
+                  </a:solidFill>
+                </a:rPr>
                 <a:t>Cliente Fechado para Extensão</a:t>
               </a:r>
             </a:p>
@@ -13505,7 +13509,7 @@
           <p:spPr>
             <a:xfrm>
               <a:off x="3178316" y="4175107"/>
-              <a:ext cx="2909194" cy="369332"/>
+              <a:ext cx="2960554" cy="369332"/>
             </a:xfrm>
             <a:prstGeom prst="rect">
               <a:avLst/>
@@ -13518,14 +13522,26 @@
             <a:lstStyle/>
             <a:p>
               <a:r>
-                <a:rPr lang="pt-BR" u="sng" dirty="0"/>
+                <a:rPr lang="pt-BR" u="sng" dirty="0">
+                  <a:solidFill>
+                    <a:schemeClr val="bg1"/>
+                  </a:solidFill>
+                </a:rPr>
                 <a:t>Cliente Aberto para </a:t>
               </a:r>
               <a:r>
-                <a:rPr lang="pt-BR" u="sng" dirty="0" smtClean="0"/>
+                <a:rPr lang="pt-BR" u="sng" dirty="0" smtClean="0">
+                  <a:solidFill>
+                    <a:schemeClr val="bg1"/>
+                  </a:solidFill>
+                </a:rPr>
                 <a:t>Extensão</a:t>
               </a:r>
-              <a:endParaRPr lang="pt-BR" u="sng" dirty="0"/>
+              <a:endParaRPr lang="pt-BR" u="sng" dirty="0">
+                <a:solidFill>
+                  <a:schemeClr val="bg1"/>
+                </a:solidFill>
+              </a:endParaRPr>
             </a:p>
           </p:txBody>
         </p:sp>
@@ -14762,11 +14778,11 @@
   <p:clrMapOvr>
     <a:masterClrMapping/>
   </p:clrMapOvr>
-  <mc:AlternateContent xmlns:mc="http://schemas.openxmlformats.org/markup-compatibility/2006">
-    <mc:Choice xmlns:p14="http://schemas.microsoft.com/office/powerpoint/2010/main" Requires="p14">
+  <mc:AlternateContent xmlns:mc="http://schemas.openxmlformats.org/markup-compatibility/2006" xmlns:p14="http://schemas.microsoft.com/office/powerpoint/2010/main">
+    <mc:Choice Requires="p14">
       <p:transition p14:dur="0"/>
     </mc:Choice>
-    <mc:Fallback>
+    <mc:Fallback xmlns="">
       <p:transition/>
     </mc:Fallback>
   </mc:AlternateContent>
@@ -19363,7 +19379,15 @@
                   <a:schemeClr val="bg1"/>
                 </a:solidFill>
               </a:rPr>
-              <a:t>Outras</a:t>
+              <a:t>Outras Portas</a:t>
+            </a:r>
+            <a:r>
+              <a:rPr lang="pt-BR" dirty="0" smtClean="0">
+                <a:solidFill>
+                  <a:schemeClr val="bg1"/>
+                </a:solidFill>
+              </a:rPr>
+              <a:t/>
             </a:r>
             <a:br>
               <a:rPr lang="pt-BR" dirty="0" smtClean="0">
@@ -23421,7 +23445,7 @@
   <a:extraClrSchemeLst/>
   <a:extLst>
     <a:ext uri="{05A4C25C-085E-4340-85A3-A5531E510DB2}">
-      <thm15:themeFamily xmlns:thm15="http://schemas.microsoft.com/office/thememl/2012/main" name="Depth" id="{7BEAFC2A-325C-49C4-AC08-2B765DA903F9}" vid="{47428100-C732-4B2E-A30A-5273F581A0FA}"/>
+      <thm15:themeFamily xmlns:thm15="http://schemas.microsoft.com/office/thememl/2012/main" xmlns="" name="Depth" id="{7BEAFC2A-325C-49C4-AC08-2B765DA903F9}" vid="{47428100-C732-4B2E-A30A-5273F581A0FA}"/>
     </a:ext>
   </a:extLst>
 </a:theme>

--- a/docs/Princípios SOLID de OO usando .NET.pptx
+++ b/docs/Princípios SOLID de OO usando .NET.pptx
@@ -3,7 +3,7 @@
 <p:presentation xmlns:a="http://schemas.openxmlformats.org/drawingml/2006/main" xmlns:r="http://schemas.openxmlformats.org/officeDocument/2006/relationships" xmlns:p="http://schemas.openxmlformats.org/presentationml/2006/main" saveSubsetFonts="1">
   <p:sldMasterIdLst>
     <p:sldMasterId id="2147483708" r:id="rId1"/>
-    <p:sldMasterId id="2147483738" r:id="rId2"/>
+    <p:sldMasterId id="2147483757" r:id="rId2"/>
   </p:sldMasterIdLst>
   <p:notesMasterIdLst>
     <p:notesMasterId r:id="rId30"/>
@@ -37,7 +37,7 @@
     <p:sldId id="280" r:id="rId28"/>
     <p:sldId id="258" r:id="rId29"/>
   </p:sldIdLst>
-  <p:sldSz cx="9144000" cy="6858000" type="screen4x3"/>
+  <p:sldSz cx="12192000" cy="6858000"/>
   <p:notesSz cx="6858000" cy="9144000"/>
   <p:defaultTextStyle>
     <a:defPPr>
@@ -136,13 +136,13 @@
   </p:defaultTextStyle>
   <p:extLst>
     <p:ext uri="{EFAFB233-063F-42B5-8137-9DF3F51BA10A}">
-      <p15:sldGuideLst xmlns:p15="http://schemas.microsoft.com/office/powerpoint/2012/main" xmlns="">
-        <p15:guide id="1" orient="horz" pos="2160">
+      <p15:sldGuideLst xmlns:p15="http://schemas.microsoft.com/office/powerpoint/2012/main">
+        <p15:guide id="1" orient="horz" pos="2160" userDrawn="1">
           <p15:clr>
             <a:srgbClr val="A4A3A4"/>
           </p15:clr>
         </p15:guide>
-        <p15:guide id="2" pos="2880">
+        <p15:guide id="2" pos="3840" userDrawn="1">
           <p15:clr>
             <a:srgbClr val="A4A3A4"/>
           </p15:clr>
@@ -253,8 +253,8 @@
         </p:nvSpPr>
         <p:spPr>
           <a:xfrm>
-            <a:off x="1143000" y="685800"/>
-            <a:ext cx="4572000" cy="3429000"/>
+            <a:off x="381000" y="685800"/>
+            <a:ext cx="6096000" cy="3429000"/>
           </a:xfrm>
           <a:prstGeom prst="rect">
             <a:avLst/>
@@ -530,7 +530,12 @@
             <p:ph type="sldImg"/>
           </p:nvPr>
         </p:nvSpPr>
-        <p:spPr/>
+        <p:spPr>
+          <a:xfrm>
+            <a:off x="381000" y="685800"/>
+            <a:ext cx="6096000" cy="3429000"/>
+          </a:xfrm>
+        </p:spPr>
       </p:sp>
       <p:sp>
         <p:nvSpPr>
@@ -614,7 +619,12 @@
             <p:ph type="sldImg"/>
           </p:nvPr>
         </p:nvSpPr>
-        <p:spPr/>
+        <p:spPr>
+          <a:xfrm>
+            <a:off x="381000" y="685800"/>
+            <a:ext cx="6096000" cy="3429000"/>
+          </a:xfrm>
+        </p:spPr>
       </p:sp>
       <p:sp>
         <p:nvSpPr>
@@ -698,7 +708,12 @@
             <p:ph type="sldImg"/>
           </p:nvPr>
         </p:nvSpPr>
-        <p:spPr/>
+        <p:spPr>
+          <a:xfrm>
+            <a:off x="381000" y="685800"/>
+            <a:ext cx="6096000" cy="3429000"/>
+          </a:xfrm>
+        </p:spPr>
       </p:sp>
       <p:sp>
         <p:nvSpPr>
@@ -786,7 +801,12 @@
             <p:ph type="sldImg"/>
           </p:nvPr>
         </p:nvSpPr>
-        <p:spPr/>
+        <p:spPr>
+          <a:xfrm>
+            <a:off x="381000" y="685800"/>
+            <a:ext cx="6096000" cy="3429000"/>
+          </a:xfrm>
+        </p:spPr>
       </p:sp>
       <p:sp>
         <p:nvSpPr>
@@ -901,7 +921,12 @@
             <p:ph type="sldImg"/>
           </p:nvPr>
         </p:nvSpPr>
-        <p:spPr/>
+        <p:spPr>
+          <a:xfrm>
+            <a:off x="381000" y="685800"/>
+            <a:ext cx="6096000" cy="3429000"/>
+          </a:xfrm>
+        </p:spPr>
       </p:sp>
       <p:sp>
         <p:nvSpPr>
@@ -987,8 +1012,8 @@
         </p:nvSpPr>
         <p:spPr>
           <a:xfrm>
-            <a:off x="1143000" y="1124530"/>
-            <a:ext cx="6858000" cy="2387600"/>
+            <a:off x="1524000" y="1124530"/>
+            <a:ext cx="9144000" cy="2387600"/>
           </a:xfrm>
         </p:spPr>
         <p:txBody>
@@ -1021,8 +1046,8 @@
         </p:nvSpPr>
         <p:spPr>
           <a:xfrm>
-            <a:off x="1143000" y="3602038"/>
-            <a:ext cx="6858000" cy="1655762"/>
+            <a:off x="1524000" y="3602038"/>
+            <a:ext cx="9144000" cy="1655762"/>
           </a:xfrm>
         </p:spPr>
         <p:txBody>
@@ -1360,8 +1385,8 @@
         </p:nvSpPr>
         <p:spPr>
           <a:xfrm>
-            <a:off x="6543675" y="360362"/>
-            <a:ext cx="1971675" cy="5811838"/>
+            <a:off x="8724902" y="360362"/>
+            <a:ext cx="2628900" cy="5811838"/>
           </a:xfrm>
         </p:spPr>
         <p:txBody>
@@ -1388,8 +1413,8 @@
         </p:nvSpPr>
         <p:spPr>
           <a:xfrm>
-            <a:off x="628650" y="360363"/>
-            <a:ext cx="5800725" cy="5811837"/>
+            <a:off x="838202" y="360366"/>
+            <a:ext cx="7734300" cy="5811837"/>
           </a:xfrm>
         </p:spPr>
         <p:txBody>
@@ -1540,8 +1565,8 @@
         </p:nvSpPr>
         <p:spPr>
           <a:xfrm>
-            <a:off x="1657350" y="4464028"/>
-            <a:ext cx="6858000" cy="1194650"/>
+            <a:off x="2209800" y="4464028"/>
+            <a:ext cx="9144000" cy="1641490"/>
           </a:xfrm>
         </p:spPr>
         <p:txBody>
@@ -1550,7 +1575,7 @@
           </a:bodyPr>
           <a:lstStyle>
             <a:lvl1pPr algn="r">
-              <a:defRPr sz="7200" b="0" spc="-225">
+              <a:defRPr sz="9600" b="0" spc="-300">
                 <a:gradFill flip="none" rotWithShape="1">
                   <a:gsLst>
                     <a:gs pos="0">
@@ -1601,8 +1626,8 @@
         </p:nvSpPr>
         <p:spPr>
           <a:xfrm>
-            <a:off x="1657349" y="3829878"/>
-            <a:ext cx="6858000" cy="618523"/>
+            <a:off x="2209799" y="3694375"/>
+            <a:ext cx="9144000" cy="754025"/>
           </a:xfrm>
         </p:spPr>
         <p:txBody>
@@ -1612,7 +1637,7 @@
           <a:lstStyle>
             <a:lvl1pPr marL="0" indent="0" algn="r">
               <a:buNone/>
-              <a:defRPr sz="2400" b="0">
+              <a:defRPr sz="3200" b="0">
                 <a:gradFill flip="none" rotWithShape="1">
                   <a:gsLst>
                     <a:gs pos="15000">
@@ -1724,7 +1749,7 @@
     </p:spTree>
     <p:extLst>
       <p:ext uri="{BB962C8B-B14F-4D97-AF65-F5344CB8AC3E}">
-        <p14:creationId xmlns:p14="http://schemas.microsoft.com/office/powerpoint/2010/main" val="408583893"/>
+        <p14:creationId xmlns:p14="http://schemas.microsoft.com/office/powerpoint/2010/main" val="1558315873"/>
       </p:ext>
     </p:extLst>
   </p:cSld>
@@ -1894,7 +1919,7 @@
     </p:spTree>
     <p:extLst>
       <p:ext uri="{BB962C8B-B14F-4D97-AF65-F5344CB8AC3E}">
-        <p14:creationId xmlns:p14="http://schemas.microsoft.com/office/powerpoint/2010/main" val="4211949384"/>
+        <p14:creationId xmlns:p14="http://schemas.microsoft.com/office/powerpoint/2010/main" val="1283118907"/>
       </p:ext>
     </p:extLst>
   </p:cSld>
@@ -1933,8 +1958,8 @@
         </p:nvSpPr>
         <p:spPr>
           <a:xfrm>
-            <a:off x="640899" y="4464028"/>
-            <a:ext cx="6858000" cy="1194650"/>
+            <a:off x="854532" y="4464028"/>
+            <a:ext cx="9144000" cy="1641490"/>
           </a:xfrm>
         </p:spPr>
         <p:txBody>
@@ -1943,7 +1968,7 @@
           </a:bodyPr>
           <a:lstStyle>
             <a:lvl1pPr algn="l">
-              <a:defRPr sz="7200" b="0" spc="-225">
+              <a:defRPr sz="9600" b="0" spc="-300">
                 <a:gradFill flip="none" rotWithShape="1">
                   <a:gsLst>
                     <a:gs pos="32000">
@@ -1999,8 +2024,8 @@
         </p:nvSpPr>
         <p:spPr>
           <a:xfrm>
-            <a:off x="640899" y="3829878"/>
-            <a:ext cx="6858000" cy="617822"/>
+            <a:off x="854532" y="3693674"/>
+            <a:ext cx="9144000" cy="754025"/>
           </a:xfrm>
         </p:spPr>
         <p:txBody>
@@ -2010,7 +2035,7 @@
           <a:lstStyle>
             <a:lvl1pPr marL="0" indent="0" algn="l">
               <a:buNone/>
-              <a:defRPr sz="2400" b="0">
+              <a:defRPr sz="3200" b="0">
                 <a:gradFill flip="none" rotWithShape="1">
                   <a:gsLst>
                     <a:gs pos="15000">
@@ -2041,37 +2066,37 @@
                 <a:latin typeface="+mj-lt"/>
               </a:defRPr>
             </a:lvl1pPr>
-            <a:lvl2pPr marL="342900" indent="0" algn="ctr">
-              <a:buNone/>
-              <a:defRPr sz="1500"/>
+            <a:lvl2pPr marL="457200" indent="0" algn="ctr">
+              <a:buNone/>
+              <a:defRPr sz="2000"/>
             </a:lvl2pPr>
-            <a:lvl3pPr marL="685800" indent="0" algn="ctr">
-              <a:buNone/>
-              <a:defRPr sz="1350"/>
+            <a:lvl3pPr marL="914400" indent="0" algn="ctr">
+              <a:buNone/>
+              <a:defRPr sz="1800"/>
             </a:lvl3pPr>
-            <a:lvl4pPr marL="1028700" indent="0" algn="ctr">
-              <a:buNone/>
-              <a:defRPr sz="1200"/>
+            <a:lvl4pPr marL="1371600" indent="0" algn="ctr">
+              <a:buNone/>
+              <a:defRPr sz="1600"/>
             </a:lvl4pPr>
-            <a:lvl5pPr marL="1371600" indent="0" algn="ctr">
-              <a:buNone/>
-              <a:defRPr sz="1200"/>
+            <a:lvl5pPr marL="1828800" indent="0" algn="ctr">
+              <a:buNone/>
+              <a:defRPr sz="1600"/>
             </a:lvl5pPr>
-            <a:lvl6pPr marL="1714500" indent="0" algn="ctr">
-              <a:buNone/>
-              <a:defRPr sz="1200"/>
+            <a:lvl6pPr marL="2286000" indent="0" algn="ctr">
+              <a:buNone/>
+              <a:defRPr sz="1600"/>
             </a:lvl6pPr>
-            <a:lvl7pPr marL="2057400" indent="0" algn="ctr">
-              <a:buNone/>
-              <a:defRPr sz="1200"/>
+            <a:lvl7pPr marL="2743200" indent="0" algn="ctr">
+              <a:buNone/>
+              <a:defRPr sz="1600"/>
             </a:lvl7pPr>
-            <a:lvl8pPr marL="2400300" indent="0" algn="ctr">
-              <a:buNone/>
-              <a:defRPr sz="1200"/>
+            <a:lvl8pPr marL="3200400" indent="0" algn="ctr">
+              <a:buNone/>
+              <a:defRPr sz="1600"/>
             </a:lvl8pPr>
-            <a:lvl9pPr marL="2743200" indent="0" algn="ctr">
-              <a:buNone/>
-              <a:defRPr sz="1200"/>
+            <a:lvl9pPr marL="3657600" indent="0" algn="ctr">
+              <a:buNone/>
+              <a:defRPr sz="1600"/>
             </a:lvl9pPr>
           </a:lstStyle>
           <a:p>
@@ -2151,7 +2176,7 @@
     </p:spTree>
     <p:extLst>
       <p:ext uri="{BB962C8B-B14F-4D97-AF65-F5344CB8AC3E}">
-        <p14:creationId xmlns:p14="http://schemas.microsoft.com/office/powerpoint/2010/main" val="3330435200"/>
+        <p14:creationId xmlns:p14="http://schemas.microsoft.com/office/powerpoint/2010/main" val="3681605754"/>
       </p:ext>
     </p:extLst>
   </p:cSld>
@@ -2213,8 +2238,8 @@
         </p:nvSpPr>
         <p:spPr>
           <a:xfrm>
-            <a:off x="840000" y="1825625"/>
-            <a:ext cx="3768912" cy="4351338"/>
+            <a:off x="1120000" y="1825625"/>
+            <a:ext cx="5025216" cy="4351338"/>
           </a:xfrm>
         </p:spPr>
         <p:txBody>
@@ -2270,8 +2295,8 @@
         </p:nvSpPr>
         <p:spPr>
           <a:xfrm>
-            <a:off x="4739880" y="1825625"/>
-            <a:ext cx="3775470" cy="4351338"/>
+            <a:off x="6319840" y="1825625"/>
+            <a:ext cx="5033960" cy="4351338"/>
           </a:xfrm>
         </p:spPr>
         <p:txBody>
@@ -2383,7 +2408,7 @@
     </p:spTree>
     <p:extLst>
       <p:ext uri="{BB962C8B-B14F-4D97-AF65-F5344CB8AC3E}">
-        <p14:creationId xmlns:p14="http://schemas.microsoft.com/office/powerpoint/2010/main" val="2568599226"/>
+        <p14:creationId xmlns:p14="http://schemas.microsoft.com/office/powerpoint/2010/main" val="3523709677"/>
       </p:ext>
     </p:extLst>
   </p:cSld>
@@ -2422,8 +2447,8 @@
         </p:nvSpPr>
         <p:spPr>
           <a:xfrm>
-            <a:off x="629841" y="365126"/>
-            <a:ext cx="7886700" cy="1325563"/>
+            <a:off x="839788" y="365125"/>
+            <a:ext cx="10515600" cy="1325563"/>
           </a:xfrm>
         </p:spPr>
         <p:txBody>
@@ -2450,18 +2475,16 @@
         </p:nvSpPr>
         <p:spPr>
           <a:xfrm>
-            <a:off x="840000" y="1681163"/>
-            <a:ext cx="3768912" cy="823912"/>
+            <a:off x="1120000" y="1681163"/>
+            <a:ext cx="5025216" cy="823912"/>
           </a:xfrm>
         </p:spPr>
         <p:txBody>
-          <a:bodyPr anchor="b">
-            <a:normAutofit/>
-          </a:bodyPr>
+          <a:bodyPr anchor="b"/>
           <a:lstStyle>
             <a:lvl1pPr marL="0" indent="0">
               <a:buNone/>
-              <a:defRPr sz="2000" b="0">
+              <a:defRPr sz="2400" b="0">
                 <a:gradFill>
                   <a:gsLst>
                     <a:gs pos="15000">
@@ -2490,37 +2513,37 @@
                 </a:gradFill>
               </a:defRPr>
             </a:lvl1pPr>
-            <a:lvl2pPr marL="342900" indent="0">
-              <a:buNone/>
-              <a:defRPr sz="1500" b="1"/>
+            <a:lvl2pPr marL="457200" indent="0">
+              <a:buNone/>
+              <a:defRPr sz="2000" b="1"/>
             </a:lvl2pPr>
-            <a:lvl3pPr marL="685800" indent="0">
-              <a:buNone/>
-              <a:defRPr sz="1350" b="1"/>
+            <a:lvl3pPr marL="914400" indent="0">
+              <a:buNone/>
+              <a:defRPr sz="1800" b="1"/>
             </a:lvl3pPr>
-            <a:lvl4pPr marL="1028700" indent="0">
-              <a:buNone/>
-              <a:defRPr sz="1200" b="1"/>
+            <a:lvl4pPr marL="1371600" indent="0">
+              <a:buNone/>
+              <a:defRPr sz="1600" b="1"/>
             </a:lvl4pPr>
-            <a:lvl5pPr marL="1371600" indent="0">
-              <a:buNone/>
-              <a:defRPr sz="1200" b="1"/>
+            <a:lvl5pPr marL="1828800" indent="0">
+              <a:buNone/>
+              <a:defRPr sz="1600" b="1"/>
             </a:lvl5pPr>
-            <a:lvl6pPr marL="1714500" indent="0">
-              <a:buNone/>
-              <a:defRPr sz="1200" b="1"/>
+            <a:lvl6pPr marL="2286000" indent="0">
+              <a:buNone/>
+              <a:defRPr sz="1600" b="1"/>
             </a:lvl6pPr>
-            <a:lvl7pPr marL="2057400" indent="0">
-              <a:buNone/>
-              <a:defRPr sz="1200" b="1"/>
+            <a:lvl7pPr marL="2743200" indent="0">
+              <a:buNone/>
+              <a:defRPr sz="1600" b="1"/>
             </a:lvl7pPr>
-            <a:lvl8pPr marL="2400300" indent="0">
-              <a:buNone/>
-              <a:defRPr sz="1200" b="1"/>
+            <a:lvl8pPr marL="3200400" indent="0">
+              <a:buNone/>
+              <a:defRPr sz="1600" b="1"/>
             </a:lvl8pPr>
-            <a:lvl9pPr marL="2743200" indent="0">
-              <a:buNone/>
-              <a:defRPr sz="1200" b="1"/>
+            <a:lvl9pPr marL="3657600" indent="0">
+              <a:buNone/>
+              <a:defRPr sz="1600" b="1"/>
             </a:lvl9pPr>
           </a:lstStyle>
           <a:p>
@@ -2544,8 +2567,8 @@
         </p:nvSpPr>
         <p:spPr>
           <a:xfrm>
-            <a:off x="840000" y="2505075"/>
-            <a:ext cx="3768912" cy="3684588"/>
+            <a:off x="1120000" y="2505075"/>
+            <a:ext cx="5025216" cy="3684588"/>
           </a:xfrm>
         </p:spPr>
         <p:txBody>
@@ -2601,8 +2624,8 @@
         </p:nvSpPr>
         <p:spPr>
           <a:xfrm>
-            <a:off x="4739880" y="1681163"/>
-            <a:ext cx="3776661" cy="823912"/>
+            <a:off x="6319840" y="1681163"/>
+            <a:ext cx="5035548" cy="823912"/>
           </a:xfrm>
         </p:spPr>
         <p:txBody>
@@ -2612,7 +2635,7 @@
           <a:lstStyle>
             <a:lvl1pPr>
               <a:buNone/>
-              <a:defRPr lang="en-US" sz="2000" b="0">
+              <a:defRPr lang="en-US" sz="2400" b="0">
                 <a:gradFill>
                   <a:gsLst>
                     <a:gs pos="15000">
@@ -2665,8 +2688,8 @@
         </p:nvSpPr>
         <p:spPr>
           <a:xfrm>
-            <a:off x="4739880" y="2505075"/>
-            <a:ext cx="3776661" cy="3684588"/>
+            <a:off x="6319840" y="2505075"/>
+            <a:ext cx="5035548" cy="3684588"/>
           </a:xfrm>
         </p:spPr>
         <p:txBody>
@@ -2778,7 +2801,7 @@
     </p:spTree>
     <p:extLst>
       <p:ext uri="{BB962C8B-B14F-4D97-AF65-F5344CB8AC3E}">
-        <p14:creationId xmlns:p14="http://schemas.microsoft.com/office/powerpoint/2010/main" val="579384497"/>
+        <p14:creationId xmlns:p14="http://schemas.microsoft.com/office/powerpoint/2010/main" val="2246030444"/>
       </p:ext>
     </p:extLst>
   </p:cSld>
@@ -2896,7 +2919,7 @@
     </p:spTree>
     <p:extLst>
       <p:ext uri="{BB962C8B-B14F-4D97-AF65-F5344CB8AC3E}">
-        <p14:creationId xmlns:p14="http://schemas.microsoft.com/office/powerpoint/2010/main" val="9381309"/>
+        <p14:creationId xmlns:p14="http://schemas.microsoft.com/office/powerpoint/2010/main" val="1264377080"/>
       </p:ext>
     </p:extLst>
   </p:cSld>
@@ -2991,7 +3014,7 @@
     </p:spTree>
     <p:extLst>
       <p:ext uri="{BB962C8B-B14F-4D97-AF65-F5344CB8AC3E}">
-        <p14:creationId xmlns:p14="http://schemas.microsoft.com/office/powerpoint/2010/main" val="812340951"/>
+        <p14:creationId xmlns:p14="http://schemas.microsoft.com/office/powerpoint/2010/main" val="742755547"/>
       </p:ext>
     </p:extLst>
   </p:cSld>
@@ -3030,15 +3053,15 @@
         </p:nvSpPr>
         <p:spPr>
           <a:xfrm>
-            <a:off x="629841" y="457200"/>
-            <a:ext cx="2949178" cy="1600200"/>
+            <a:off x="839788" y="457200"/>
+            <a:ext cx="3932237" cy="1600200"/>
           </a:xfrm>
         </p:spPr>
         <p:txBody>
           <a:bodyPr anchor="b"/>
           <a:lstStyle>
             <a:lvl1pPr>
-              <a:defRPr sz="2400"/>
+              <a:defRPr sz="3200"/>
             </a:lvl1pPr>
           </a:lstStyle>
           <a:p>
@@ -3062,8 +3085,8 @@
         </p:nvSpPr>
         <p:spPr>
           <a:xfrm>
-            <a:off x="3887391" y="987426"/>
-            <a:ext cx="4629150" cy="4873625"/>
+            <a:off x="5183188" y="987425"/>
+            <a:ext cx="6172200" cy="4873625"/>
           </a:xfrm>
         </p:spPr>
         <p:txBody>
@@ -3119,18 +3142,16 @@
         </p:nvSpPr>
         <p:spPr>
           <a:xfrm>
-            <a:off x="840000" y="2057400"/>
-            <a:ext cx="2739019" cy="3811588"/>
+            <a:off x="1120000" y="2057400"/>
+            <a:ext cx="3652025" cy="3811588"/>
           </a:xfrm>
         </p:spPr>
         <p:txBody>
-          <a:bodyPr>
-            <a:normAutofit/>
-          </a:bodyPr>
+          <a:bodyPr/>
           <a:lstStyle>
             <a:lvl1pPr marL="0" indent="0">
               <a:buNone/>
-              <a:defRPr sz="1400">
+              <a:defRPr sz="1600">
                 <a:gradFill>
                   <a:gsLst>
                     <a:gs pos="15000">
@@ -3156,37 +3177,37 @@
                 </a:gradFill>
               </a:defRPr>
             </a:lvl1pPr>
-            <a:lvl2pPr marL="342900" indent="0">
-              <a:buNone/>
-              <a:defRPr sz="1050"/>
+            <a:lvl2pPr marL="457200" indent="0">
+              <a:buNone/>
+              <a:defRPr sz="1400"/>
             </a:lvl2pPr>
-            <a:lvl3pPr marL="685800" indent="0">
-              <a:buNone/>
-              <a:defRPr sz="900"/>
+            <a:lvl3pPr marL="914400" indent="0">
+              <a:buNone/>
+              <a:defRPr sz="1200"/>
             </a:lvl3pPr>
-            <a:lvl4pPr marL="1028700" indent="0">
-              <a:buNone/>
-              <a:defRPr sz="750"/>
+            <a:lvl4pPr marL="1371600" indent="0">
+              <a:buNone/>
+              <a:defRPr sz="1000"/>
             </a:lvl4pPr>
-            <a:lvl5pPr marL="1371600" indent="0">
-              <a:buNone/>
-              <a:defRPr sz="750"/>
+            <a:lvl5pPr marL="1828800" indent="0">
+              <a:buNone/>
+              <a:defRPr sz="1000"/>
             </a:lvl5pPr>
-            <a:lvl6pPr marL="1714500" indent="0">
-              <a:buNone/>
-              <a:defRPr sz="750"/>
+            <a:lvl6pPr marL="2286000" indent="0">
+              <a:buNone/>
+              <a:defRPr sz="1000"/>
             </a:lvl6pPr>
-            <a:lvl7pPr marL="2057400" indent="0">
-              <a:buNone/>
-              <a:defRPr sz="750"/>
+            <a:lvl7pPr marL="2743200" indent="0">
+              <a:buNone/>
+              <a:defRPr sz="1000"/>
             </a:lvl7pPr>
-            <a:lvl8pPr marL="2400300" indent="0">
-              <a:buNone/>
-              <a:defRPr sz="750"/>
+            <a:lvl8pPr marL="3200400" indent="0">
+              <a:buNone/>
+              <a:defRPr sz="1000"/>
             </a:lvl8pPr>
-            <a:lvl9pPr marL="2743200" indent="0">
-              <a:buNone/>
-              <a:defRPr sz="750"/>
+            <a:lvl9pPr marL="3657600" indent="0">
+              <a:buNone/>
+              <a:defRPr sz="1000"/>
             </a:lvl9pPr>
           </a:lstStyle>
           <a:p>
@@ -3266,7 +3287,7 @@
     </p:spTree>
     <p:extLst>
       <p:ext uri="{BB962C8B-B14F-4D97-AF65-F5344CB8AC3E}">
-        <p14:creationId xmlns:p14="http://schemas.microsoft.com/office/powerpoint/2010/main" val="1247661519"/>
+        <p14:creationId xmlns:p14="http://schemas.microsoft.com/office/powerpoint/2010/main" val="1473747075"/>
       </p:ext>
     </p:extLst>
   </p:cSld>
@@ -3475,15 +3496,15 @@
         </p:nvSpPr>
         <p:spPr>
           <a:xfrm>
-            <a:off x="629841" y="457200"/>
-            <a:ext cx="2949178" cy="1600200"/>
+            <a:off x="839788" y="457200"/>
+            <a:ext cx="3932237" cy="1600200"/>
           </a:xfrm>
         </p:spPr>
         <p:txBody>
           <a:bodyPr anchor="b"/>
           <a:lstStyle>
             <a:lvl1pPr>
-              <a:defRPr sz="2400"/>
+              <a:defRPr sz="3200"/>
             </a:lvl1pPr>
           </a:lstStyle>
           <a:p>
@@ -3507,8 +3528,8 @@
         </p:nvSpPr>
         <p:spPr>
           <a:xfrm>
-            <a:off x="3887391" y="987426"/>
-            <a:ext cx="4629150" cy="4873625"/>
+            <a:off x="5183188" y="987425"/>
+            <a:ext cx="6172200" cy="4873625"/>
           </a:xfrm>
         </p:spPr>
         <p:txBody>
@@ -3516,39 +3537,39 @@
           <a:lstStyle>
             <a:lvl1pPr marL="0" indent="0">
               <a:buNone/>
+              <a:defRPr sz="3200"/>
+            </a:lvl1pPr>
+            <a:lvl2pPr marL="457200" indent="0">
+              <a:buNone/>
+              <a:defRPr sz="2800"/>
+            </a:lvl2pPr>
+            <a:lvl3pPr marL="914400" indent="0">
+              <a:buNone/>
               <a:defRPr sz="2400"/>
-            </a:lvl1pPr>
-            <a:lvl2pPr marL="342900" indent="0">
-              <a:buNone/>
-              <a:defRPr sz="2100"/>
-            </a:lvl2pPr>
-            <a:lvl3pPr marL="685800" indent="0">
-              <a:buNone/>
-              <a:defRPr sz="1800"/>
             </a:lvl3pPr>
-            <a:lvl4pPr marL="1028700" indent="0">
-              <a:buNone/>
-              <a:defRPr sz="1500"/>
+            <a:lvl4pPr marL="1371600" indent="0">
+              <a:buNone/>
+              <a:defRPr sz="2000"/>
             </a:lvl4pPr>
-            <a:lvl5pPr marL="1371600" indent="0">
-              <a:buNone/>
-              <a:defRPr sz="1500"/>
+            <a:lvl5pPr marL="1828800" indent="0">
+              <a:buNone/>
+              <a:defRPr sz="2000"/>
             </a:lvl5pPr>
-            <a:lvl6pPr marL="1714500" indent="0">
-              <a:buNone/>
-              <a:defRPr sz="1500"/>
+            <a:lvl6pPr marL="2286000" indent="0">
+              <a:buNone/>
+              <a:defRPr sz="2000"/>
             </a:lvl6pPr>
-            <a:lvl7pPr marL="2057400" indent="0">
-              <a:buNone/>
-              <a:defRPr sz="1500"/>
+            <a:lvl7pPr marL="2743200" indent="0">
+              <a:buNone/>
+              <a:defRPr sz="2000"/>
             </a:lvl7pPr>
-            <a:lvl8pPr marL="2400300" indent="0">
-              <a:buNone/>
-              <a:defRPr sz="1500"/>
+            <a:lvl8pPr marL="3200400" indent="0">
+              <a:buNone/>
+              <a:defRPr sz="2000"/>
             </a:lvl8pPr>
-            <a:lvl9pPr marL="2743200" indent="0">
-              <a:buNone/>
-              <a:defRPr sz="1500"/>
+            <a:lvl9pPr marL="3657600" indent="0">
+              <a:buNone/>
+              <a:defRPr sz="2000"/>
             </a:lvl9pPr>
           </a:lstStyle>
           <a:p>
@@ -3572,18 +3593,16 @@
         </p:nvSpPr>
         <p:spPr>
           <a:xfrm>
-            <a:off x="840000" y="2057400"/>
-            <a:ext cx="2739019" cy="3811588"/>
+            <a:off x="1120000" y="2057400"/>
+            <a:ext cx="3652025" cy="3811588"/>
           </a:xfrm>
         </p:spPr>
         <p:txBody>
-          <a:bodyPr>
-            <a:normAutofit/>
-          </a:bodyPr>
+          <a:bodyPr/>
           <a:lstStyle>
             <a:lvl1pPr marL="0" indent="0">
               <a:buNone/>
-              <a:defRPr sz="1400">
+              <a:defRPr sz="1600">
                 <a:gradFill>
                   <a:gsLst>
                     <a:gs pos="15000">
@@ -3609,37 +3628,37 @@
                 </a:gradFill>
               </a:defRPr>
             </a:lvl1pPr>
-            <a:lvl2pPr marL="342900" indent="0">
-              <a:buNone/>
-              <a:defRPr sz="1050"/>
+            <a:lvl2pPr marL="457200" indent="0">
+              <a:buNone/>
+              <a:defRPr sz="1400"/>
             </a:lvl2pPr>
-            <a:lvl3pPr marL="685800" indent="0">
-              <a:buNone/>
-              <a:defRPr sz="900"/>
+            <a:lvl3pPr marL="914400" indent="0">
+              <a:buNone/>
+              <a:defRPr sz="1200"/>
             </a:lvl3pPr>
-            <a:lvl4pPr marL="1028700" indent="0">
-              <a:buNone/>
-              <a:defRPr sz="750"/>
+            <a:lvl4pPr marL="1371600" indent="0">
+              <a:buNone/>
+              <a:defRPr sz="1000"/>
             </a:lvl4pPr>
-            <a:lvl5pPr marL="1371600" indent="0">
-              <a:buNone/>
-              <a:defRPr sz="750"/>
+            <a:lvl5pPr marL="1828800" indent="0">
+              <a:buNone/>
+              <a:defRPr sz="1000"/>
             </a:lvl5pPr>
-            <a:lvl6pPr marL="1714500" indent="0">
-              <a:buNone/>
-              <a:defRPr sz="750"/>
+            <a:lvl6pPr marL="2286000" indent="0">
+              <a:buNone/>
+              <a:defRPr sz="1000"/>
             </a:lvl6pPr>
-            <a:lvl7pPr marL="2057400" indent="0">
-              <a:buNone/>
-              <a:defRPr sz="750"/>
+            <a:lvl7pPr marL="2743200" indent="0">
+              <a:buNone/>
+              <a:defRPr sz="1000"/>
             </a:lvl7pPr>
-            <a:lvl8pPr marL="2400300" indent="0">
-              <a:buNone/>
-              <a:defRPr sz="750"/>
+            <a:lvl8pPr marL="3200400" indent="0">
+              <a:buNone/>
+              <a:defRPr sz="1000"/>
             </a:lvl8pPr>
-            <a:lvl9pPr marL="2743200" indent="0">
-              <a:buNone/>
-              <a:defRPr sz="750"/>
+            <a:lvl9pPr marL="3657600" indent="0">
+              <a:buNone/>
+              <a:defRPr sz="1000"/>
             </a:lvl9pPr>
           </a:lstStyle>
           <a:p>
@@ -3719,7 +3738,7 @@
     </p:spTree>
     <p:extLst>
       <p:ext uri="{BB962C8B-B14F-4D97-AF65-F5344CB8AC3E}">
-        <p14:creationId xmlns:p14="http://schemas.microsoft.com/office/powerpoint/2010/main" val="3735652314"/>
+        <p14:creationId xmlns:p14="http://schemas.microsoft.com/office/powerpoint/2010/main" val="2493520269"/>
       </p:ext>
     </p:extLst>
   </p:cSld>
@@ -3758,15 +3777,15 @@
         </p:nvSpPr>
         <p:spPr>
           <a:xfrm>
-            <a:off x="629841" y="4367161"/>
-            <a:ext cx="7886700" cy="819355"/>
+            <a:off x="839788" y="4367160"/>
+            <a:ext cx="10515600" cy="819355"/>
           </a:xfrm>
         </p:spPr>
         <p:txBody>
           <a:bodyPr anchor="b"/>
           <a:lstStyle>
             <a:lvl1pPr>
-              <a:defRPr sz="2400"/>
+              <a:defRPr sz="3200"/>
             </a:lvl1pPr>
           </a:lstStyle>
           <a:p>
@@ -3790,8 +3809,8 @@
         </p:nvSpPr>
         <p:spPr>
           <a:xfrm>
-            <a:off x="629841" y="987426"/>
-            <a:ext cx="7886700" cy="3379735"/>
+            <a:off x="839788" y="987425"/>
+            <a:ext cx="10515600" cy="3379735"/>
           </a:xfrm>
         </p:spPr>
         <p:txBody>
@@ -3799,39 +3818,39 @@
           <a:lstStyle>
             <a:lvl1pPr marL="0" indent="0">
               <a:buNone/>
+              <a:defRPr sz="3200"/>
+            </a:lvl1pPr>
+            <a:lvl2pPr marL="457200" indent="0">
+              <a:buNone/>
+              <a:defRPr sz="2800"/>
+            </a:lvl2pPr>
+            <a:lvl3pPr marL="914400" indent="0">
+              <a:buNone/>
               <a:defRPr sz="2400"/>
-            </a:lvl1pPr>
-            <a:lvl2pPr marL="342900" indent="0">
-              <a:buNone/>
-              <a:defRPr sz="2100"/>
-            </a:lvl2pPr>
-            <a:lvl3pPr marL="685800" indent="0">
-              <a:buNone/>
-              <a:defRPr sz="1800"/>
             </a:lvl3pPr>
-            <a:lvl4pPr marL="1028700" indent="0">
-              <a:buNone/>
-              <a:defRPr sz="1500"/>
+            <a:lvl4pPr marL="1371600" indent="0">
+              <a:buNone/>
+              <a:defRPr sz="2000"/>
             </a:lvl4pPr>
-            <a:lvl5pPr marL="1371600" indent="0">
-              <a:buNone/>
-              <a:defRPr sz="1500"/>
+            <a:lvl5pPr marL="1828800" indent="0">
+              <a:buNone/>
+              <a:defRPr sz="2000"/>
             </a:lvl5pPr>
-            <a:lvl6pPr marL="1714500" indent="0">
-              <a:buNone/>
-              <a:defRPr sz="1500"/>
+            <a:lvl6pPr marL="2286000" indent="0">
+              <a:buNone/>
+              <a:defRPr sz="2000"/>
             </a:lvl6pPr>
-            <a:lvl7pPr marL="2057400" indent="0">
-              <a:buNone/>
-              <a:defRPr sz="1500"/>
+            <a:lvl7pPr marL="2743200" indent="0">
+              <a:buNone/>
+              <a:defRPr sz="2000"/>
             </a:lvl7pPr>
-            <a:lvl8pPr marL="2400300" indent="0">
-              <a:buNone/>
-              <a:defRPr sz="1500"/>
+            <a:lvl8pPr marL="3200400" indent="0">
+              <a:buNone/>
+              <a:defRPr sz="2000"/>
             </a:lvl8pPr>
-            <a:lvl9pPr marL="2743200" indent="0">
-              <a:buNone/>
-              <a:defRPr sz="1500"/>
+            <a:lvl9pPr marL="3657600" indent="0">
+              <a:buNone/>
+              <a:defRPr sz="2000"/>
             </a:lvl9pPr>
           </a:lstStyle>
           <a:p>
@@ -3855,8 +3874,8 @@
         </p:nvSpPr>
         <p:spPr>
           <a:xfrm>
-            <a:off x="629841" y="5186516"/>
-            <a:ext cx="7885509" cy="682472"/>
+            <a:off x="839788" y="5186516"/>
+            <a:ext cx="10514012" cy="682472"/>
           </a:xfrm>
         </p:spPr>
         <p:txBody>
@@ -3864,7 +3883,7 @@
           <a:lstStyle>
             <a:lvl1pPr marL="0" indent="0">
               <a:buNone/>
-              <a:defRPr sz="1200">
+              <a:defRPr sz="1600">
                 <a:gradFill>
                   <a:gsLst>
                     <a:gs pos="15000">
@@ -3890,37 +3909,37 @@
                 </a:gradFill>
               </a:defRPr>
             </a:lvl1pPr>
-            <a:lvl2pPr marL="342900" indent="0">
-              <a:buNone/>
-              <a:defRPr sz="1050"/>
+            <a:lvl2pPr marL="457200" indent="0">
+              <a:buNone/>
+              <a:defRPr sz="1400"/>
             </a:lvl2pPr>
-            <a:lvl3pPr marL="685800" indent="0">
-              <a:buNone/>
-              <a:defRPr sz="900"/>
+            <a:lvl3pPr marL="914400" indent="0">
+              <a:buNone/>
+              <a:defRPr sz="1200"/>
             </a:lvl3pPr>
-            <a:lvl4pPr marL="1028700" indent="0">
-              <a:buNone/>
-              <a:defRPr sz="750"/>
+            <a:lvl4pPr marL="1371600" indent="0">
+              <a:buNone/>
+              <a:defRPr sz="1000"/>
             </a:lvl4pPr>
-            <a:lvl5pPr marL="1371600" indent="0">
-              <a:buNone/>
-              <a:defRPr sz="750"/>
+            <a:lvl5pPr marL="1828800" indent="0">
+              <a:buNone/>
+              <a:defRPr sz="1000"/>
             </a:lvl5pPr>
-            <a:lvl6pPr marL="1714500" indent="0">
-              <a:buNone/>
-              <a:defRPr sz="750"/>
+            <a:lvl6pPr marL="2286000" indent="0">
+              <a:buNone/>
+              <a:defRPr sz="1000"/>
             </a:lvl6pPr>
-            <a:lvl7pPr marL="2057400" indent="0">
-              <a:buNone/>
-              <a:defRPr sz="750"/>
+            <a:lvl7pPr marL="2743200" indent="0">
+              <a:buNone/>
+              <a:defRPr sz="1000"/>
             </a:lvl7pPr>
-            <a:lvl8pPr marL="2400300" indent="0">
-              <a:buNone/>
-              <a:defRPr sz="750"/>
+            <a:lvl8pPr marL="3200400" indent="0">
+              <a:buNone/>
+              <a:defRPr sz="1000"/>
             </a:lvl8pPr>
-            <a:lvl9pPr marL="2743200" indent="0">
-              <a:buNone/>
-              <a:defRPr sz="750"/>
+            <a:lvl9pPr marL="3657600" indent="0">
+              <a:buNone/>
+              <a:defRPr sz="1000"/>
             </a:lvl9pPr>
           </a:lstStyle>
           <a:p>
@@ -4000,7 +4019,7 @@
     </p:spTree>
     <p:extLst>
       <p:ext uri="{BB962C8B-B14F-4D97-AF65-F5344CB8AC3E}">
-        <p14:creationId xmlns:p14="http://schemas.microsoft.com/office/powerpoint/2010/main" val="506619550"/>
+        <p14:creationId xmlns:p14="http://schemas.microsoft.com/office/powerpoint/2010/main" val="1749432743"/>
       </p:ext>
     </p:extLst>
   </p:cSld>
@@ -4039,15 +4058,15 @@
         </p:nvSpPr>
         <p:spPr>
           <a:xfrm>
-            <a:off x="629841" y="365125"/>
-            <a:ext cx="7886700" cy="3534344"/>
+            <a:off x="839788" y="365125"/>
+            <a:ext cx="10515600" cy="3534344"/>
           </a:xfrm>
         </p:spPr>
         <p:txBody>
           <a:bodyPr anchor="ctr"/>
           <a:lstStyle>
             <a:lvl1pPr>
-              <a:defRPr sz="2400"/>
+              <a:defRPr sz="3200"/>
             </a:lvl1pPr>
           </a:lstStyle>
           <a:p>
@@ -4071,8 +4090,8 @@
         </p:nvSpPr>
         <p:spPr>
           <a:xfrm>
-            <a:off x="629841" y="4489399"/>
-            <a:ext cx="7885509" cy="1501826"/>
+            <a:off x="839788" y="4489399"/>
+            <a:ext cx="10514012" cy="1501826"/>
           </a:xfrm>
         </p:spPr>
         <p:txBody>
@@ -4080,39 +4099,39 @@
           <a:lstStyle>
             <a:lvl1pPr marL="0" indent="0">
               <a:buNone/>
+              <a:defRPr sz="1600"/>
+            </a:lvl1pPr>
+            <a:lvl2pPr marL="457200" indent="0">
+              <a:buNone/>
+              <a:defRPr sz="1400"/>
+            </a:lvl2pPr>
+            <a:lvl3pPr marL="914400" indent="0">
+              <a:buNone/>
               <a:defRPr sz="1200"/>
-            </a:lvl1pPr>
-            <a:lvl2pPr marL="342900" indent="0">
-              <a:buNone/>
-              <a:defRPr sz="1050"/>
-            </a:lvl2pPr>
-            <a:lvl3pPr marL="685800" indent="0">
-              <a:buNone/>
-              <a:defRPr sz="900"/>
             </a:lvl3pPr>
-            <a:lvl4pPr marL="1028700" indent="0">
-              <a:buNone/>
-              <a:defRPr sz="750"/>
+            <a:lvl4pPr marL="1371600" indent="0">
+              <a:buNone/>
+              <a:defRPr sz="1000"/>
             </a:lvl4pPr>
-            <a:lvl5pPr marL="1371600" indent="0">
-              <a:buNone/>
-              <a:defRPr sz="750"/>
+            <a:lvl5pPr marL="1828800" indent="0">
+              <a:buNone/>
+              <a:defRPr sz="1000"/>
             </a:lvl5pPr>
-            <a:lvl6pPr marL="1714500" indent="0">
-              <a:buNone/>
-              <a:defRPr sz="750"/>
+            <a:lvl6pPr marL="2286000" indent="0">
+              <a:buNone/>
+              <a:defRPr sz="1000"/>
             </a:lvl6pPr>
-            <a:lvl7pPr marL="2057400" indent="0">
-              <a:buNone/>
-              <a:defRPr sz="750"/>
+            <a:lvl7pPr marL="2743200" indent="0">
+              <a:buNone/>
+              <a:defRPr sz="1000"/>
             </a:lvl7pPr>
-            <a:lvl8pPr marL="2400300" indent="0">
-              <a:buNone/>
-              <a:defRPr sz="750"/>
+            <a:lvl8pPr marL="3200400" indent="0">
+              <a:buNone/>
+              <a:defRPr sz="1000"/>
             </a:lvl8pPr>
-            <a:lvl9pPr marL="2743200" indent="0">
-              <a:buNone/>
-              <a:defRPr sz="750"/>
+            <a:lvl9pPr marL="3657600" indent="0">
+              <a:buNone/>
+              <a:defRPr sz="1000"/>
             </a:lvl9pPr>
           </a:lstStyle>
           <a:p>
@@ -4192,7 +4211,7 @@
     </p:spTree>
     <p:extLst>
       <p:ext uri="{BB962C8B-B14F-4D97-AF65-F5344CB8AC3E}">
-        <p14:creationId xmlns:p14="http://schemas.microsoft.com/office/powerpoint/2010/main" val="2446127559"/>
+        <p14:creationId xmlns:p14="http://schemas.microsoft.com/office/powerpoint/2010/main" val="452059485"/>
       </p:ext>
     </p:extLst>
   </p:cSld>
@@ -4231,15 +4250,15 @@
         </p:nvSpPr>
         <p:spPr>
           <a:xfrm>
-            <a:off x="1084659" y="365125"/>
-            <a:ext cx="6977064" cy="2992904"/>
+            <a:off x="1446212" y="365125"/>
+            <a:ext cx="9302752" cy="2992904"/>
           </a:xfrm>
         </p:spPr>
         <p:txBody>
           <a:bodyPr anchor="ctr"/>
           <a:lstStyle>
             <a:lvl1pPr>
-              <a:defRPr sz="3300"/>
+              <a:defRPr sz="4400"/>
             </a:lvl1pPr>
           </a:lstStyle>
           <a:p>
@@ -4263,8 +4282,8 @@
         </p:nvSpPr>
         <p:spPr>
           <a:xfrm>
-            <a:off x="1290484" y="3365557"/>
-            <a:ext cx="6564224" cy="548968"/>
+            <a:off x="1720644" y="3365557"/>
+            <a:ext cx="8752299" cy="548968"/>
           </a:xfrm>
         </p:spPr>
         <p:txBody>
@@ -4274,39 +4293,39 @@
           <a:lstStyle>
             <a:lvl1pPr marL="0" indent="0">
               <a:buNone/>
-              <a:defRPr sz="1050"/>
+              <a:defRPr sz="1400"/>
             </a:lvl1pPr>
-            <a:lvl2pPr marL="342900" indent="0">
-              <a:buNone/>
-              <a:defRPr sz="1050"/>
+            <a:lvl2pPr marL="457200" indent="0">
+              <a:buNone/>
+              <a:defRPr sz="1400"/>
             </a:lvl2pPr>
-            <a:lvl3pPr marL="685800" indent="0">
-              <a:buNone/>
-              <a:defRPr sz="900"/>
+            <a:lvl3pPr marL="914400" indent="0">
+              <a:buNone/>
+              <a:defRPr sz="1200"/>
             </a:lvl3pPr>
-            <a:lvl4pPr marL="1028700" indent="0">
-              <a:buNone/>
-              <a:defRPr sz="750"/>
+            <a:lvl4pPr marL="1371600" indent="0">
+              <a:buNone/>
+              <a:defRPr sz="1000"/>
             </a:lvl4pPr>
-            <a:lvl5pPr marL="1371600" indent="0">
-              <a:buNone/>
-              <a:defRPr sz="750"/>
+            <a:lvl5pPr marL="1828800" indent="0">
+              <a:buNone/>
+              <a:defRPr sz="1000"/>
             </a:lvl5pPr>
-            <a:lvl6pPr marL="1714500" indent="0">
-              <a:buNone/>
-              <a:defRPr sz="750"/>
+            <a:lvl6pPr marL="2286000" indent="0">
+              <a:buNone/>
+              <a:defRPr sz="1000"/>
             </a:lvl6pPr>
-            <a:lvl7pPr marL="2057400" indent="0">
-              <a:buNone/>
-              <a:defRPr sz="750"/>
+            <a:lvl7pPr marL="2743200" indent="0">
+              <a:buNone/>
+              <a:defRPr sz="1000"/>
             </a:lvl7pPr>
-            <a:lvl8pPr marL="2400300" indent="0">
-              <a:buNone/>
-              <a:defRPr sz="750"/>
+            <a:lvl8pPr marL="3200400" indent="0">
+              <a:buNone/>
+              <a:defRPr sz="1000"/>
             </a:lvl8pPr>
-            <a:lvl9pPr marL="2743200" indent="0">
-              <a:buNone/>
-              <a:defRPr sz="750"/>
+            <a:lvl9pPr marL="3657600" indent="0">
+              <a:buNone/>
+              <a:defRPr sz="1000"/>
             </a:lvl9pPr>
           </a:lstStyle>
           <a:p>
@@ -4330,8 +4349,8 @@
         </p:nvSpPr>
         <p:spPr>
           <a:xfrm>
-            <a:off x="628650" y="4501729"/>
-            <a:ext cx="7884318" cy="1489496"/>
+            <a:off x="838200" y="4501729"/>
+            <a:ext cx="10512424" cy="1489496"/>
           </a:xfrm>
         </p:spPr>
         <p:txBody>
@@ -4341,39 +4360,39 @@
           <a:lstStyle>
             <a:lvl1pPr marL="0" indent="0">
               <a:buNone/>
+              <a:defRPr sz="1600"/>
+            </a:lvl1pPr>
+            <a:lvl2pPr marL="457200" indent="0">
+              <a:buNone/>
+              <a:defRPr sz="1400"/>
+            </a:lvl2pPr>
+            <a:lvl3pPr marL="914400" indent="0">
+              <a:buNone/>
               <a:defRPr sz="1200"/>
-            </a:lvl1pPr>
-            <a:lvl2pPr marL="342900" indent="0">
-              <a:buNone/>
-              <a:defRPr sz="1050"/>
-            </a:lvl2pPr>
-            <a:lvl3pPr marL="685800" indent="0">
-              <a:buNone/>
-              <a:defRPr sz="900"/>
             </a:lvl3pPr>
-            <a:lvl4pPr marL="1028700" indent="0">
-              <a:buNone/>
-              <a:defRPr sz="750"/>
+            <a:lvl4pPr marL="1371600" indent="0">
+              <a:buNone/>
+              <a:defRPr sz="1000"/>
             </a:lvl4pPr>
-            <a:lvl5pPr marL="1371600" indent="0">
-              <a:buNone/>
-              <a:defRPr sz="750"/>
+            <a:lvl5pPr marL="1828800" indent="0">
+              <a:buNone/>
+              <a:defRPr sz="1000"/>
             </a:lvl5pPr>
-            <a:lvl6pPr marL="1714500" indent="0">
-              <a:buNone/>
-              <a:defRPr sz="750"/>
+            <a:lvl6pPr marL="2286000" indent="0">
+              <a:buNone/>
+              <a:defRPr sz="1000"/>
             </a:lvl6pPr>
-            <a:lvl7pPr marL="2057400" indent="0">
-              <a:buNone/>
-              <a:defRPr sz="750"/>
+            <a:lvl7pPr marL="2743200" indent="0">
+              <a:buNone/>
+              <a:defRPr sz="1000"/>
             </a:lvl7pPr>
-            <a:lvl8pPr marL="2400300" indent="0">
-              <a:buNone/>
-              <a:defRPr sz="750"/>
+            <a:lvl8pPr marL="3200400" indent="0">
+              <a:buNone/>
+              <a:defRPr sz="1000"/>
             </a:lvl8pPr>
-            <a:lvl9pPr marL="2743200" indent="0">
-              <a:buNone/>
-              <a:defRPr sz="750"/>
+            <a:lvl9pPr marL="3657600" indent="0">
+              <a:buNone/>
+              <a:defRPr sz="1000"/>
             </a:lvl9pPr>
           </a:lstStyle>
           <a:p>
@@ -4458,15 +4477,15 @@
         </p:nvSpPr>
         <p:spPr>
           <a:xfrm>
-            <a:off x="833283" y="786824"/>
-            <a:ext cx="457200" cy="584776"/>
+            <a:off x="1111044" y="786824"/>
+            <a:ext cx="609600" cy="584776"/>
           </a:xfrm>
           <a:prstGeom prst="rect">
             <a:avLst/>
           </a:prstGeom>
         </p:spPr>
         <p:txBody>
-          <a:bodyPr vert="horz" lIns="68580" tIns="34290" rIns="68580" bIns="34290" rtlCol="0" anchor="ctr">
+          <a:bodyPr vert="horz" lIns="91440" tIns="45720" rIns="91440" bIns="45720" rtlCol="0" anchor="ctr">
             <a:noAutofit/>
           </a:bodyPr>
           <a:lstStyle>
@@ -4555,7 +4574,7 @@
           <a:p>
             <a:pPr lvl="0"/>
             <a:r>
-              <a:rPr lang="en-US" sz="6000" dirty="0">
+              <a:rPr lang="en-US" sz="8000" dirty="0">
                 <a:solidFill>
                   <a:schemeClr val="tx1"/>
                 </a:solidFill>
@@ -4574,15 +4593,15 @@
         </p:nvSpPr>
         <p:spPr>
           <a:xfrm>
-            <a:off x="7828359" y="2743200"/>
-            <a:ext cx="457200" cy="584776"/>
+            <a:off x="10437812" y="2743200"/>
+            <a:ext cx="609600" cy="584776"/>
           </a:xfrm>
           <a:prstGeom prst="rect">
             <a:avLst/>
           </a:prstGeom>
         </p:spPr>
         <p:txBody>
-          <a:bodyPr vert="horz" lIns="68580" tIns="34290" rIns="68580" bIns="34290" rtlCol="0" anchor="ctr">
+          <a:bodyPr vert="horz" lIns="91440" tIns="45720" rIns="91440" bIns="45720" rtlCol="0" anchor="ctr">
             <a:noAutofit/>
           </a:bodyPr>
           <a:lstStyle>
@@ -4671,7 +4690,7 @@
           <a:p>
             <a:pPr lvl="0" algn="r"/>
             <a:r>
-              <a:rPr lang="en-US" sz="6000" dirty="0">
+              <a:rPr lang="en-US" sz="8000" dirty="0">
                 <a:solidFill>
                   <a:schemeClr val="tx1"/>
                 </a:solidFill>
@@ -4685,7 +4704,7 @@
     </p:spTree>
     <p:extLst>
       <p:ext uri="{BB962C8B-B14F-4D97-AF65-F5344CB8AC3E}">
-        <p14:creationId xmlns:p14="http://schemas.microsoft.com/office/powerpoint/2010/main" val="872300574"/>
+        <p14:creationId xmlns:p14="http://schemas.microsoft.com/office/powerpoint/2010/main" val="1324140543"/>
       </p:ext>
     </p:extLst>
   </p:cSld>
@@ -4724,8 +4743,8 @@
         </p:nvSpPr>
         <p:spPr>
           <a:xfrm>
-            <a:off x="629841" y="2326968"/>
-            <a:ext cx="7886700" cy="2511835"/>
+            <a:off x="839788" y="2326967"/>
+            <a:ext cx="10515600" cy="2511835"/>
           </a:xfrm>
         </p:spPr>
         <p:txBody>
@@ -4734,7 +4753,7 @@
           </a:bodyPr>
           <a:lstStyle>
             <a:lvl1pPr>
-              <a:defRPr sz="4050"/>
+              <a:defRPr sz="5400"/>
             </a:lvl1pPr>
           </a:lstStyle>
           <a:p>
@@ -4758,8 +4777,8 @@
         </p:nvSpPr>
         <p:spPr>
           <a:xfrm>
-            <a:off x="629841" y="4850581"/>
-            <a:ext cx="7885509" cy="1140644"/>
+            <a:off x="839788" y="4850581"/>
+            <a:ext cx="10514012" cy="1140644"/>
           </a:xfrm>
         </p:spPr>
         <p:txBody>
@@ -4767,39 +4786,39 @@
           <a:lstStyle>
             <a:lvl1pPr marL="0" indent="0">
               <a:buNone/>
+              <a:defRPr sz="1600"/>
+            </a:lvl1pPr>
+            <a:lvl2pPr marL="457200" indent="0">
+              <a:buNone/>
+              <a:defRPr sz="1400"/>
+            </a:lvl2pPr>
+            <a:lvl3pPr marL="914400" indent="0">
+              <a:buNone/>
               <a:defRPr sz="1200"/>
-            </a:lvl1pPr>
-            <a:lvl2pPr marL="342900" indent="0">
-              <a:buNone/>
-              <a:defRPr sz="1050"/>
-            </a:lvl2pPr>
-            <a:lvl3pPr marL="685800" indent="0">
-              <a:buNone/>
-              <a:defRPr sz="900"/>
             </a:lvl3pPr>
-            <a:lvl4pPr marL="1028700" indent="0">
-              <a:buNone/>
-              <a:defRPr sz="750"/>
+            <a:lvl4pPr marL="1371600" indent="0">
+              <a:buNone/>
+              <a:defRPr sz="1000"/>
             </a:lvl4pPr>
-            <a:lvl5pPr marL="1371600" indent="0">
-              <a:buNone/>
-              <a:defRPr sz="750"/>
+            <a:lvl5pPr marL="1828800" indent="0">
+              <a:buNone/>
+              <a:defRPr sz="1000"/>
             </a:lvl5pPr>
-            <a:lvl6pPr marL="1714500" indent="0">
-              <a:buNone/>
-              <a:defRPr sz="750"/>
+            <a:lvl6pPr marL="2286000" indent="0">
+              <a:buNone/>
+              <a:defRPr sz="1000"/>
             </a:lvl6pPr>
-            <a:lvl7pPr marL="2057400" indent="0">
-              <a:buNone/>
-              <a:defRPr sz="750"/>
+            <a:lvl7pPr marL="2743200" indent="0">
+              <a:buNone/>
+              <a:defRPr sz="1000"/>
             </a:lvl7pPr>
-            <a:lvl8pPr marL="2400300" indent="0">
-              <a:buNone/>
-              <a:defRPr sz="750"/>
+            <a:lvl8pPr marL="3200400" indent="0">
+              <a:buNone/>
+              <a:defRPr sz="1000"/>
             </a:lvl8pPr>
-            <a:lvl9pPr marL="2743200" indent="0">
-              <a:buNone/>
-              <a:defRPr sz="750"/>
+            <a:lvl9pPr marL="3657600" indent="0">
+              <a:buNone/>
+              <a:defRPr sz="1000"/>
             </a:lvl9pPr>
           </a:lstStyle>
           <a:p>
@@ -4879,7 +4898,7 @@
     </p:spTree>
     <p:extLst>
       <p:ext uri="{BB962C8B-B14F-4D97-AF65-F5344CB8AC3E}">
-        <p14:creationId xmlns:p14="http://schemas.microsoft.com/office/powerpoint/2010/main" val="1207883955"/>
+        <p14:creationId xmlns:p14="http://schemas.microsoft.com/office/powerpoint/2010/main" val="1759801227"/>
       </p:ext>
     </p:extLst>
   </p:cSld>
@@ -4918,8 +4937,8 @@
         </p:nvSpPr>
         <p:spPr>
           <a:xfrm>
-            <a:off x="628650" y="365126"/>
-            <a:ext cx="7886700" cy="1325563"/>
+            <a:off x="838200" y="365125"/>
+            <a:ext cx="10515600" cy="1325563"/>
           </a:xfrm>
         </p:spPr>
         <p:txBody>
@@ -4946,8 +4965,8 @@
         </p:nvSpPr>
         <p:spPr>
           <a:xfrm>
-            <a:off x="1002961" y="1885950"/>
-            <a:ext cx="2210150" cy="576262"/>
+            <a:off x="1337282" y="1885950"/>
+            <a:ext cx="2946866" cy="576262"/>
           </a:xfrm>
         </p:spPr>
         <p:txBody>
@@ -4957,7 +4976,7 @@
           <a:lstStyle>
             <a:lvl1pPr marL="0" indent="0">
               <a:buNone/>
-              <a:defRPr sz="1800" b="0">
+              <a:defRPr sz="2400" b="0">
                 <a:gradFill>
                   <a:gsLst>
                     <a:gs pos="15000">
@@ -4986,37 +5005,37 @@
                 </a:gradFill>
               </a:defRPr>
             </a:lvl1pPr>
-            <a:lvl2pPr marL="342900" indent="0">
-              <a:buNone/>
-              <a:defRPr sz="1500" b="1"/>
+            <a:lvl2pPr marL="457200" indent="0">
+              <a:buNone/>
+              <a:defRPr sz="2000" b="1"/>
             </a:lvl2pPr>
-            <a:lvl3pPr marL="685800" indent="0">
-              <a:buNone/>
-              <a:defRPr sz="1350" b="1"/>
+            <a:lvl3pPr marL="914400" indent="0">
+              <a:buNone/>
+              <a:defRPr sz="1800" b="1"/>
             </a:lvl3pPr>
-            <a:lvl4pPr marL="1028700" indent="0">
-              <a:buNone/>
-              <a:defRPr sz="1200" b="1"/>
+            <a:lvl4pPr marL="1371600" indent="0">
+              <a:buNone/>
+              <a:defRPr sz="1600" b="1"/>
             </a:lvl4pPr>
-            <a:lvl5pPr marL="1371600" indent="0">
-              <a:buNone/>
-              <a:defRPr sz="1200" b="1"/>
+            <a:lvl5pPr marL="1828800" indent="0">
+              <a:buNone/>
+              <a:defRPr sz="1600" b="1"/>
             </a:lvl5pPr>
-            <a:lvl6pPr marL="1714500" indent="0">
-              <a:buNone/>
-              <a:defRPr sz="1200" b="1"/>
+            <a:lvl6pPr marL="2286000" indent="0">
+              <a:buNone/>
+              <a:defRPr sz="1600" b="1"/>
             </a:lvl6pPr>
-            <a:lvl7pPr marL="2057400" indent="0">
-              <a:buNone/>
-              <a:defRPr sz="1200" b="1"/>
+            <a:lvl7pPr marL="2743200" indent="0">
+              <a:buNone/>
+              <a:defRPr sz="1600" b="1"/>
             </a:lvl7pPr>
-            <a:lvl8pPr marL="2400300" indent="0">
-              <a:buNone/>
-              <a:defRPr sz="1200" b="1"/>
+            <a:lvl8pPr marL="3200400" indent="0">
+              <a:buNone/>
+              <a:defRPr sz="1600" b="1"/>
             </a:lvl8pPr>
-            <a:lvl9pPr marL="2743200" indent="0">
-              <a:buNone/>
-              <a:defRPr sz="1200" b="1"/>
+            <a:lvl9pPr marL="3657600" indent="0">
+              <a:buNone/>
+              <a:defRPr sz="1600" b="1"/>
             </a:lvl9pPr>
           </a:lstStyle>
           <a:p>
@@ -5040,8 +5059,8 @@
         </p:nvSpPr>
         <p:spPr>
           <a:xfrm>
-            <a:off x="1017598" y="2571750"/>
-            <a:ext cx="2195513" cy="3589338"/>
+            <a:off x="1356798" y="2571750"/>
+            <a:ext cx="2927350" cy="3589338"/>
           </a:xfrm>
         </p:spPr>
         <p:txBody>
@@ -5051,39 +5070,39 @@
           <a:lstStyle>
             <a:lvl1pPr marL="0" indent="0">
               <a:buNone/>
-              <a:defRPr sz="1050"/>
+              <a:defRPr sz="1400"/>
             </a:lvl1pPr>
-            <a:lvl2pPr marL="342900" indent="0">
+            <a:lvl2pPr marL="457200" indent="0">
+              <a:buNone/>
+              <a:defRPr sz="1200"/>
+            </a:lvl2pPr>
+            <a:lvl3pPr marL="914400" indent="0">
+              <a:buNone/>
+              <a:defRPr sz="1000"/>
+            </a:lvl3pPr>
+            <a:lvl4pPr marL="1371600" indent="0">
               <a:buNone/>
               <a:defRPr sz="900"/>
-            </a:lvl2pPr>
-            <a:lvl3pPr marL="685800" indent="0">
-              <a:buNone/>
-              <a:defRPr sz="750"/>
-            </a:lvl3pPr>
-            <a:lvl4pPr marL="1028700" indent="0">
-              <a:buNone/>
-              <a:defRPr sz="675"/>
             </a:lvl4pPr>
-            <a:lvl5pPr marL="1371600" indent="0">
-              <a:buNone/>
-              <a:defRPr sz="675"/>
+            <a:lvl5pPr marL="1828800" indent="0">
+              <a:buNone/>
+              <a:defRPr sz="900"/>
             </a:lvl5pPr>
-            <a:lvl6pPr marL="1714500" indent="0">
-              <a:buNone/>
-              <a:defRPr sz="675"/>
+            <a:lvl6pPr marL="2286000" indent="0">
+              <a:buNone/>
+              <a:defRPr sz="900"/>
             </a:lvl6pPr>
-            <a:lvl7pPr marL="2057400" indent="0">
-              <a:buNone/>
-              <a:defRPr sz="675"/>
+            <a:lvl7pPr marL="2743200" indent="0">
+              <a:buNone/>
+              <a:defRPr sz="900"/>
             </a:lvl7pPr>
-            <a:lvl8pPr marL="2400300" indent="0">
-              <a:buNone/>
-              <a:defRPr sz="675"/>
+            <a:lvl8pPr marL="3200400" indent="0">
+              <a:buNone/>
+              <a:defRPr sz="900"/>
             </a:lvl8pPr>
-            <a:lvl9pPr marL="2743200" indent="0">
-              <a:buNone/>
-              <a:defRPr sz="675"/>
+            <a:lvl9pPr marL="3657600" indent="0">
+              <a:buNone/>
+              <a:defRPr sz="900"/>
             </a:lvl9pPr>
           </a:lstStyle>
           <a:p>
@@ -5107,8 +5126,8 @@
         </p:nvSpPr>
         <p:spPr>
           <a:xfrm>
-            <a:off x="3440996" y="1885950"/>
-            <a:ext cx="2202181" cy="576262"/>
+            <a:off x="4587994" y="1885950"/>
+            <a:ext cx="2936241" cy="576262"/>
           </a:xfrm>
         </p:spPr>
         <p:txBody>
@@ -5118,7 +5137,7 @@
           <a:lstStyle>
             <a:lvl1pPr>
               <a:buNone/>
-              <a:defRPr lang="en-US" sz="1800" b="0">
+              <a:defRPr lang="en-US" sz="2400" b="0">
                 <a:gradFill>
                   <a:gsLst>
                     <a:gs pos="15000">
@@ -5171,8 +5190,8 @@
         </p:nvSpPr>
         <p:spPr>
           <a:xfrm>
-            <a:off x="3433081" y="2571750"/>
-            <a:ext cx="2210096" cy="3589338"/>
+            <a:off x="4577441" y="2571750"/>
+            <a:ext cx="2946794" cy="3589338"/>
           </a:xfrm>
         </p:spPr>
         <p:txBody>
@@ -5182,39 +5201,39 @@
           <a:lstStyle>
             <a:lvl1pPr marL="0" indent="0">
               <a:buNone/>
-              <a:defRPr sz="1050"/>
+              <a:defRPr sz="1400"/>
             </a:lvl1pPr>
-            <a:lvl2pPr marL="342900" indent="0">
+            <a:lvl2pPr marL="457200" indent="0">
+              <a:buNone/>
+              <a:defRPr sz="1200"/>
+            </a:lvl2pPr>
+            <a:lvl3pPr marL="914400" indent="0">
+              <a:buNone/>
+              <a:defRPr sz="1000"/>
+            </a:lvl3pPr>
+            <a:lvl4pPr marL="1371600" indent="0">
               <a:buNone/>
               <a:defRPr sz="900"/>
-            </a:lvl2pPr>
-            <a:lvl3pPr marL="685800" indent="0">
-              <a:buNone/>
-              <a:defRPr sz="750"/>
-            </a:lvl3pPr>
-            <a:lvl4pPr marL="1028700" indent="0">
-              <a:buNone/>
-              <a:defRPr sz="675"/>
             </a:lvl4pPr>
-            <a:lvl5pPr marL="1371600" indent="0">
-              <a:buNone/>
-              <a:defRPr sz="675"/>
+            <a:lvl5pPr marL="1828800" indent="0">
+              <a:buNone/>
+              <a:defRPr sz="900"/>
             </a:lvl5pPr>
-            <a:lvl6pPr marL="1714500" indent="0">
-              <a:buNone/>
-              <a:defRPr sz="675"/>
+            <a:lvl6pPr marL="2286000" indent="0">
+              <a:buNone/>
+              <a:defRPr sz="900"/>
             </a:lvl6pPr>
-            <a:lvl7pPr marL="2057400" indent="0">
-              <a:buNone/>
-              <a:defRPr sz="675"/>
+            <a:lvl7pPr marL="2743200" indent="0">
+              <a:buNone/>
+              <a:defRPr sz="900"/>
             </a:lvl7pPr>
-            <a:lvl8pPr marL="2400300" indent="0">
-              <a:buNone/>
-              <a:defRPr sz="675"/>
+            <a:lvl8pPr marL="3200400" indent="0">
+              <a:buNone/>
+              <a:defRPr sz="900"/>
             </a:lvl8pPr>
-            <a:lvl9pPr marL="2743200" indent="0">
-              <a:buNone/>
-              <a:defRPr sz="675"/>
+            <a:lvl9pPr marL="3657600" indent="0">
+              <a:buNone/>
+              <a:defRPr sz="900"/>
             </a:lvl9pPr>
           </a:lstStyle>
           <a:p>
@@ -5238,8 +5257,8 @@
         </p:nvSpPr>
         <p:spPr>
           <a:xfrm>
-            <a:off x="5871777" y="1885950"/>
-            <a:ext cx="2199085" cy="576262"/>
+            <a:off x="7829035" y="1885950"/>
+            <a:ext cx="2932113" cy="576262"/>
           </a:xfrm>
         </p:spPr>
         <p:txBody>
@@ -5249,7 +5268,7 @@
           <a:lstStyle>
             <a:lvl1pPr>
               <a:buNone/>
-              <a:defRPr lang="en-US" sz="1800" b="0" dirty="0">
+              <a:defRPr lang="en-US" sz="2400" b="0" dirty="0">
                 <a:gradFill>
                   <a:gsLst>
                     <a:gs pos="15000">
@@ -5302,8 +5321,8 @@
         </p:nvSpPr>
         <p:spPr>
           <a:xfrm>
-            <a:off x="5871777" y="2571750"/>
-            <a:ext cx="2199085" cy="3589338"/>
+            <a:off x="7829035" y="2571750"/>
+            <a:ext cx="2932113" cy="3589338"/>
           </a:xfrm>
         </p:spPr>
         <p:txBody>
@@ -5313,39 +5332,39 @@
           <a:lstStyle>
             <a:lvl1pPr marL="0" indent="0">
               <a:buNone/>
-              <a:defRPr sz="1050"/>
+              <a:defRPr sz="1400"/>
             </a:lvl1pPr>
-            <a:lvl2pPr marL="342900" indent="0">
+            <a:lvl2pPr marL="457200" indent="0">
+              <a:buNone/>
+              <a:defRPr sz="1200"/>
+            </a:lvl2pPr>
+            <a:lvl3pPr marL="914400" indent="0">
+              <a:buNone/>
+              <a:defRPr sz="1000"/>
+            </a:lvl3pPr>
+            <a:lvl4pPr marL="1371600" indent="0">
               <a:buNone/>
               <a:defRPr sz="900"/>
-            </a:lvl2pPr>
-            <a:lvl3pPr marL="685800" indent="0">
-              <a:buNone/>
-              <a:defRPr sz="750"/>
-            </a:lvl3pPr>
-            <a:lvl4pPr marL="1028700" indent="0">
-              <a:buNone/>
-              <a:defRPr sz="675"/>
             </a:lvl4pPr>
-            <a:lvl5pPr marL="1371600" indent="0">
-              <a:buNone/>
-              <a:defRPr sz="675"/>
+            <a:lvl5pPr marL="1828800" indent="0">
+              <a:buNone/>
+              <a:defRPr sz="900"/>
             </a:lvl5pPr>
-            <a:lvl6pPr marL="1714500" indent="0">
-              <a:buNone/>
-              <a:defRPr sz="675"/>
+            <a:lvl6pPr marL="2286000" indent="0">
+              <a:buNone/>
+              <a:defRPr sz="900"/>
             </a:lvl6pPr>
-            <a:lvl7pPr marL="2057400" indent="0">
-              <a:buNone/>
-              <a:defRPr sz="675"/>
+            <a:lvl7pPr marL="2743200" indent="0">
+              <a:buNone/>
+              <a:defRPr sz="900"/>
             </a:lvl7pPr>
-            <a:lvl8pPr marL="2400300" indent="0">
-              <a:buNone/>
-              <a:defRPr sz="675"/>
+            <a:lvl8pPr marL="3200400" indent="0">
+              <a:buNone/>
+              <a:defRPr sz="900"/>
             </a:lvl8pPr>
-            <a:lvl9pPr marL="2743200" indent="0">
-              <a:buNone/>
-              <a:defRPr sz="675"/>
+            <a:lvl9pPr marL="3657600" indent="0">
+              <a:buNone/>
+              <a:defRPr sz="900"/>
             </a:lvl9pPr>
           </a:lstStyle>
           <a:p>
@@ -5425,7 +5444,7 @@
     </p:spTree>
     <p:extLst>
       <p:ext uri="{BB962C8B-B14F-4D97-AF65-F5344CB8AC3E}">
-        <p14:creationId xmlns:p14="http://schemas.microsoft.com/office/powerpoint/2010/main" val="2586848184"/>
+        <p14:creationId xmlns:p14="http://schemas.microsoft.com/office/powerpoint/2010/main" val="831445960"/>
       </p:ext>
     </p:extLst>
   </p:cSld>
@@ -5464,8 +5483,8 @@
         </p:nvSpPr>
         <p:spPr>
           <a:xfrm>
-            <a:off x="628650" y="365126"/>
-            <a:ext cx="7886700" cy="1325563"/>
+            <a:off x="838200" y="365125"/>
+            <a:ext cx="10515600" cy="1325563"/>
           </a:xfrm>
         </p:spPr>
         <p:txBody>
@@ -5492,8 +5511,8 @@
         </p:nvSpPr>
         <p:spPr>
           <a:xfrm>
-            <a:off x="999064" y="4297503"/>
-            <a:ext cx="2205038" cy="576262"/>
+            <a:off x="1332085" y="4297503"/>
+            <a:ext cx="2940050" cy="576262"/>
           </a:xfrm>
         </p:spPr>
         <p:txBody>
@@ -5503,7 +5522,7 @@
           <a:lstStyle>
             <a:lvl1pPr marL="0" indent="0">
               <a:buNone/>
-              <a:defRPr sz="1800" b="0">
+              <a:defRPr sz="2400" b="0">
                 <a:gradFill>
                   <a:gsLst>
                     <a:gs pos="34000">
@@ -5528,37 +5547,37 @@
                 </a:gradFill>
               </a:defRPr>
             </a:lvl1pPr>
-            <a:lvl2pPr marL="342900" indent="0">
-              <a:buNone/>
-              <a:defRPr sz="1500" b="1"/>
+            <a:lvl2pPr marL="457200" indent="0">
+              <a:buNone/>
+              <a:defRPr sz="2000" b="1"/>
             </a:lvl2pPr>
-            <a:lvl3pPr marL="685800" indent="0">
-              <a:buNone/>
-              <a:defRPr sz="1350" b="1"/>
+            <a:lvl3pPr marL="914400" indent="0">
+              <a:buNone/>
+              <a:defRPr sz="1800" b="1"/>
             </a:lvl3pPr>
-            <a:lvl4pPr marL="1028700" indent="0">
-              <a:buNone/>
-              <a:defRPr sz="1200" b="1"/>
+            <a:lvl4pPr marL="1371600" indent="0">
+              <a:buNone/>
+              <a:defRPr sz="1600" b="1"/>
             </a:lvl4pPr>
-            <a:lvl5pPr marL="1371600" indent="0">
-              <a:buNone/>
-              <a:defRPr sz="1200" b="1"/>
+            <a:lvl5pPr marL="1828800" indent="0">
+              <a:buNone/>
+              <a:defRPr sz="1600" b="1"/>
             </a:lvl5pPr>
-            <a:lvl6pPr marL="1714500" indent="0">
-              <a:buNone/>
-              <a:defRPr sz="1200" b="1"/>
+            <a:lvl6pPr marL="2286000" indent="0">
+              <a:buNone/>
+              <a:defRPr sz="1600" b="1"/>
             </a:lvl6pPr>
-            <a:lvl7pPr marL="2057400" indent="0">
-              <a:buNone/>
-              <a:defRPr sz="1200" b="1"/>
+            <a:lvl7pPr marL="2743200" indent="0">
+              <a:buNone/>
+              <a:defRPr sz="1600" b="1"/>
             </a:lvl7pPr>
-            <a:lvl8pPr marL="2400300" indent="0">
-              <a:buNone/>
-              <a:defRPr sz="1200" b="1"/>
+            <a:lvl8pPr marL="3200400" indent="0">
+              <a:buNone/>
+              <a:defRPr sz="1600" b="1"/>
             </a:lvl8pPr>
-            <a:lvl9pPr marL="2743200" indent="0">
-              <a:buNone/>
-              <a:defRPr sz="1200" b="1"/>
+            <a:lvl9pPr marL="3657600" indent="0">
+              <a:buNone/>
+              <a:defRPr sz="1600" b="1"/>
             </a:lvl9pPr>
           </a:lstStyle>
           <a:p>
@@ -5582,8 +5601,8 @@
         </p:nvSpPr>
         <p:spPr>
           <a:xfrm>
-            <a:off x="999064" y="2256354"/>
-            <a:ext cx="2205038" cy="1524000"/>
+            <a:off x="1332085" y="2256354"/>
+            <a:ext cx="2940050" cy="1524000"/>
           </a:xfrm>
           <a:prstGeom prst="roundRect">
             <a:avLst>
@@ -5605,39 +5624,39 @@
           <a:lstStyle>
             <a:lvl1pPr marL="0" indent="0" algn="ctr">
               <a:buNone/>
-              <a:defRPr sz="1200"/>
+              <a:defRPr sz="1600"/>
             </a:lvl1pPr>
-            <a:lvl2pPr marL="342900" indent="0">
-              <a:buNone/>
-              <a:defRPr sz="1200"/>
+            <a:lvl2pPr marL="457200" indent="0">
+              <a:buNone/>
+              <a:defRPr sz="1600"/>
             </a:lvl2pPr>
-            <a:lvl3pPr marL="685800" indent="0">
-              <a:buNone/>
-              <a:defRPr sz="1200"/>
+            <a:lvl3pPr marL="914400" indent="0">
+              <a:buNone/>
+              <a:defRPr sz="1600"/>
             </a:lvl3pPr>
-            <a:lvl4pPr marL="1028700" indent="0">
-              <a:buNone/>
-              <a:defRPr sz="1200"/>
+            <a:lvl4pPr marL="1371600" indent="0">
+              <a:buNone/>
+              <a:defRPr sz="1600"/>
             </a:lvl4pPr>
-            <a:lvl5pPr marL="1371600" indent="0">
-              <a:buNone/>
-              <a:defRPr sz="1200"/>
+            <a:lvl5pPr marL="1828800" indent="0">
+              <a:buNone/>
+              <a:defRPr sz="1600"/>
             </a:lvl5pPr>
-            <a:lvl6pPr marL="1714500" indent="0">
-              <a:buNone/>
-              <a:defRPr sz="1200"/>
+            <a:lvl6pPr marL="2286000" indent="0">
+              <a:buNone/>
+              <a:defRPr sz="1600"/>
             </a:lvl6pPr>
-            <a:lvl7pPr marL="2057400" indent="0">
-              <a:buNone/>
-              <a:defRPr sz="1200"/>
+            <a:lvl7pPr marL="2743200" indent="0">
+              <a:buNone/>
+              <a:defRPr sz="1600"/>
             </a:lvl7pPr>
-            <a:lvl8pPr marL="2400300" indent="0">
-              <a:buNone/>
-              <a:defRPr sz="1200"/>
+            <a:lvl8pPr marL="3200400" indent="0">
+              <a:buNone/>
+              <a:defRPr sz="1600"/>
             </a:lvl8pPr>
-            <a:lvl9pPr marL="2743200" indent="0">
-              <a:buNone/>
-              <a:defRPr sz="1200"/>
+            <a:lvl9pPr marL="3657600" indent="0">
+              <a:buNone/>
+              <a:defRPr sz="1600"/>
             </a:lvl9pPr>
           </a:lstStyle>
           <a:p>
@@ -5661,8 +5680,8 @@
         </p:nvSpPr>
         <p:spPr>
           <a:xfrm>
-            <a:off x="999064" y="4873766"/>
-            <a:ext cx="2205038" cy="659189"/>
+            <a:off x="1332085" y="4873765"/>
+            <a:ext cx="2940050" cy="659189"/>
           </a:xfrm>
         </p:spPr>
         <p:txBody>
@@ -5672,39 +5691,39 @@
           <a:lstStyle>
             <a:lvl1pPr marL="0" indent="0">
               <a:buNone/>
-              <a:defRPr sz="1050"/>
+              <a:defRPr sz="1400"/>
             </a:lvl1pPr>
-            <a:lvl2pPr marL="342900" indent="0">
+            <a:lvl2pPr marL="457200" indent="0">
+              <a:buNone/>
+              <a:defRPr sz="1200"/>
+            </a:lvl2pPr>
+            <a:lvl3pPr marL="914400" indent="0">
+              <a:buNone/>
+              <a:defRPr sz="1000"/>
+            </a:lvl3pPr>
+            <a:lvl4pPr marL="1371600" indent="0">
               <a:buNone/>
               <a:defRPr sz="900"/>
-            </a:lvl2pPr>
-            <a:lvl3pPr marL="685800" indent="0">
-              <a:buNone/>
-              <a:defRPr sz="750"/>
-            </a:lvl3pPr>
-            <a:lvl4pPr marL="1028700" indent="0">
-              <a:buNone/>
-              <a:defRPr sz="675"/>
             </a:lvl4pPr>
-            <a:lvl5pPr marL="1371600" indent="0">
-              <a:buNone/>
-              <a:defRPr sz="675"/>
+            <a:lvl5pPr marL="1828800" indent="0">
+              <a:buNone/>
+              <a:defRPr sz="900"/>
             </a:lvl5pPr>
-            <a:lvl6pPr marL="1714500" indent="0">
-              <a:buNone/>
-              <a:defRPr sz="675"/>
+            <a:lvl6pPr marL="2286000" indent="0">
+              <a:buNone/>
+              <a:defRPr sz="900"/>
             </a:lvl6pPr>
-            <a:lvl7pPr marL="2057400" indent="0">
-              <a:buNone/>
-              <a:defRPr sz="675"/>
+            <a:lvl7pPr marL="2743200" indent="0">
+              <a:buNone/>
+              <a:defRPr sz="900"/>
             </a:lvl7pPr>
-            <a:lvl8pPr marL="2400300" indent="0">
-              <a:buNone/>
-              <a:defRPr sz="675"/>
+            <a:lvl8pPr marL="3200400" indent="0">
+              <a:buNone/>
+              <a:defRPr sz="900"/>
             </a:lvl8pPr>
-            <a:lvl9pPr marL="2743200" indent="0">
-              <a:buNone/>
-              <a:defRPr sz="675"/>
+            <a:lvl9pPr marL="3657600" indent="0">
+              <a:buNone/>
+              <a:defRPr sz="900"/>
             </a:lvl9pPr>
           </a:lstStyle>
           <a:p>
@@ -5728,8 +5747,8 @@
         </p:nvSpPr>
         <p:spPr>
           <a:xfrm>
-            <a:off x="3426748" y="4297503"/>
-            <a:ext cx="2197894" cy="576262"/>
+            <a:off x="4568997" y="4297503"/>
+            <a:ext cx="2930525" cy="576262"/>
           </a:xfrm>
         </p:spPr>
         <p:txBody>
@@ -5739,7 +5758,7 @@
           <a:lstStyle>
             <a:lvl1pPr marL="0" indent="0">
               <a:buNone/>
-              <a:defRPr sz="1800" b="0">
+              <a:defRPr sz="2400" b="0">
                 <a:gradFill>
                   <a:gsLst>
                     <a:gs pos="34000">
@@ -5764,37 +5783,37 @@
                 </a:gradFill>
               </a:defRPr>
             </a:lvl1pPr>
-            <a:lvl2pPr marL="342900" indent="0">
-              <a:buNone/>
-              <a:defRPr sz="1500" b="1"/>
+            <a:lvl2pPr marL="457200" indent="0">
+              <a:buNone/>
+              <a:defRPr sz="2000" b="1"/>
             </a:lvl2pPr>
-            <a:lvl3pPr marL="685800" indent="0">
-              <a:buNone/>
-              <a:defRPr sz="1350" b="1"/>
+            <a:lvl3pPr marL="914400" indent="0">
+              <a:buNone/>
+              <a:defRPr sz="1800" b="1"/>
             </a:lvl3pPr>
-            <a:lvl4pPr marL="1028700" indent="0">
-              <a:buNone/>
-              <a:defRPr sz="1200" b="1"/>
+            <a:lvl4pPr marL="1371600" indent="0">
+              <a:buNone/>
+              <a:defRPr sz="1600" b="1"/>
             </a:lvl4pPr>
-            <a:lvl5pPr marL="1371600" indent="0">
-              <a:buNone/>
-              <a:defRPr sz="1200" b="1"/>
+            <a:lvl5pPr marL="1828800" indent="0">
+              <a:buNone/>
+              <a:defRPr sz="1600" b="1"/>
             </a:lvl5pPr>
-            <a:lvl6pPr marL="1714500" indent="0">
-              <a:buNone/>
-              <a:defRPr sz="1200" b="1"/>
+            <a:lvl6pPr marL="2286000" indent="0">
+              <a:buNone/>
+              <a:defRPr sz="1600" b="1"/>
             </a:lvl6pPr>
-            <a:lvl7pPr marL="2057400" indent="0">
-              <a:buNone/>
-              <a:defRPr sz="1200" b="1"/>
+            <a:lvl7pPr marL="2743200" indent="0">
+              <a:buNone/>
+              <a:defRPr sz="1600" b="1"/>
             </a:lvl7pPr>
-            <a:lvl8pPr marL="2400300" indent="0">
-              <a:buNone/>
-              <a:defRPr sz="1200" b="1"/>
+            <a:lvl8pPr marL="3200400" indent="0">
+              <a:buNone/>
+              <a:defRPr sz="1600" b="1"/>
             </a:lvl8pPr>
-            <a:lvl9pPr marL="2743200" indent="0">
-              <a:buNone/>
-              <a:defRPr sz="1200" b="1"/>
+            <a:lvl9pPr marL="3657600" indent="0">
+              <a:buNone/>
+              <a:defRPr sz="1600" b="1"/>
             </a:lvl9pPr>
           </a:lstStyle>
           <a:p>
@@ -5818,8 +5837,8 @@
         </p:nvSpPr>
         <p:spPr>
           <a:xfrm>
-            <a:off x="3426747" y="2256354"/>
-            <a:ext cx="2197894" cy="1524000"/>
+            <a:off x="4568996" y="2256354"/>
+            <a:ext cx="2930525" cy="1524000"/>
           </a:xfrm>
           <a:prstGeom prst="roundRect">
             <a:avLst>
@@ -5841,39 +5860,39 @@
           <a:lstStyle>
             <a:lvl1pPr marL="0" indent="0" algn="ctr">
               <a:buNone/>
-              <a:defRPr sz="1200"/>
+              <a:defRPr sz="1600"/>
             </a:lvl1pPr>
-            <a:lvl2pPr marL="342900" indent="0">
-              <a:buNone/>
-              <a:defRPr sz="1200"/>
+            <a:lvl2pPr marL="457200" indent="0">
+              <a:buNone/>
+              <a:defRPr sz="1600"/>
             </a:lvl2pPr>
-            <a:lvl3pPr marL="685800" indent="0">
-              <a:buNone/>
-              <a:defRPr sz="1200"/>
+            <a:lvl3pPr marL="914400" indent="0">
+              <a:buNone/>
+              <a:defRPr sz="1600"/>
             </a:lvl3pPr>
-            <a:lvl4pPr marL="1028700" indent="0">
-              <a:buNone/>
-              <a:defRPr sz="1200"/>
+            <a:lvl4pPr marL="1371600" indent="0">
+              <a:buNone/>
+              <a:defRPr sz="1600"/>
             </a:lvl4pPr>
-            <a:lvl5pPr marL="1371600" indent="0">
-              <a:buNone/>
-              <a:defRPr sz="1200"/>
+            <a:lvl5pPr marL="1828800" indent="0">
+              <a:buNone/>
+              <a:defRPr sz="1600"/>
             </a:lvl5pPr>
-            <a:lvl6pPr marL="1714500" indent="0">
-              <a:buNone/>
-              <a:defRPr sz="1200"/>
+            <a:lvl6pPr marL="2286000" indent="0">
+              <a:buNone/>
+              <a:defRPr sz="1600"/>
             </a:lvl6pPr>
-            <a:lvl7pPr marL="2057400" indent="0">
-              <a:buNone/>
-              <a:defRPr sz="1200"/>
+            <a:lvl7pPr marL="2743200" indent="0">
+              <a:buNone/>
+              <a:defRPr sz="1600"/>
             </a:lvl7pPr>
-            <a:lvl8pPr marL="2400300" indent="0">
-              <a:buNone/>
-              <a:defRPr sz="1200"/>
+            <a:lvl8pPr marL="3200400" indent="0">
+              <a:buNone/>
+              <a:defRPr sz="1600"/>
             </a:lvl8pPr>
-            <a:lvl9pPr marL="2743200" indent="0">
-              <a:buNone/>
-              <a:defRPr sz="1200"/>
+            <a:lvl9pPr marL="3657600" indent="0">
+              <a:buNone/>
+              <a:defRPr sz="1600"/>
             </a:lvl9pPr>
           </a:lstStyle>
           <a:p>
@@ -5897,8 +5916,8 @@
         </p:nvSpPr>
         <p:spPr>
           <a:xfrm>
-            <a:off x="3425733" y="4873765"/>
-            <a:ext cx="2200805" cy="659189"/>
+            <a:off x="4567644" y="4873764"/>
+            <a:ext cx="2934406" cy="659189"/>
           </a:xfrm>
         </p:spPr>
         <p:txBody>
@@ -5908,39 +5927,39 @@
           <a:lstStyle>
             <a:lvl1pPr marL="0" indent="0">
               <a:buNone/>
-              <a:defRPr sz="1050"/>
+              <a:defRPr sz="1400"/>
             </a:lvl1pPr>
-            <a:lvl2pPr marL="342900" indent="0">
+            <a:lvl2pPr marL="457200" indent="0">
+              <a:buNone/>
+              <a:defRPr sz="1200"/>
+            </a:lvl2pPr>
+            <a:lvl3pPr marL="914400" indent="0">
+              <a:buNone/>
+              <a:defRPr sz="1000"/>
+            </a:lvl3pPr>
+            <a:lvl4pPr marL="1371600" indent="0">
               <a:buNone/>
               <a:defRPr sz="900"/>
-            </a:lvl2pPr>
-            <a:lvl3pPr marL="685800" indent="0">
-              <a:buNone/>
-              <a:defRPr sz="750"/>
-            </a:lvl3pPr>
-            <a:lvl4pPr marL="1028700" indent="0">
-              <a:buNone/>
-              <a:defRPr sz="675"/>
             </a:lvl4pPr>
-            <a:lvl5pPr marL="1371600" indent="0">
-              <a:buNone/>
-              <a:defRPr sz="675"/>
+            <a:lvl5pPr marL="1828800" indent="0">
+              <a:buNone/>
+              <a:defRPr sz="900"/>
             </a:lvl5pPr>
-            <a:lvl6pPr marL="1714500" indent="0">
-              <a:buNone/>
-              <a:defRPr sz="675"/>
+            <a:lvl6pPr marL="2286000" indent="0">
+              <a:buNone/>
+              <a:defRPr sz="900"/>
             </a:lvl6pPr>
-            <a:lvl7pPr marL="2057400" indent="0">
-              <a:buNone/>
-              <a:defRPr sz="675"/>
+            <a:lvl7pPr marL="2743200" indent="0">
+              <a:buNone/>
+              <a:defRPr sz="900"/>
             </a:lvl7pPr>
-            <a:lvl8pPr marL="2400300" indent="0">
-              <a:buNone/>
-              <a:defRPr sz="675"/>
+            <a:lvl8pPr marL="3200400" indent="0">
+              <a:buNone/>
+              <a:defRPr sz="900"/>
             </a:lvl8pPr>
-            <a:lvl9pPr marL="2743200" indent="0">
-              <a:buNone/>
-              <a:defRPr sz="675"/>
+            <a:lvl9pPr marL="3657600" indent="0">
+              <a:buNone/>
+              <a:defRPr sz="900"/>
             </a:lvl9pPr>
           </a:lstStyle>
           <a:p>
@@ -5964,8 +5983,8 @@
         </p:nvSpPr>
         <p:spPr>
           <a:xfrm>
-            <a:off x="5853242" y="4297503"/>
-            <a:ext cx="2199085" cy="576262"/>
+            <a:off x="7804322" y="4297503"/>
+            <a:ext cx="2932113" cy="576262"/>
           </a:xfrm>
         </p:spPr>
         <p:txBody>
@@ -5975,7 +5994,7 @@
           <a:lstStyle>
             <a:lvl1pPr marL="0" indent="0">
               <a:buNone/>
-              <a:defRPr sz="1800" b="0">
+              <a:defRPr sz="2400" b="0">
                 <a:gradFill>
                   <a:gsLst>
                     <a:gs pos="34000">
@@ -6000,37 +6019,37 @@
                 </a:gradFill>
               </a:defRPr>
             </a:lvl1pPr>
-            <a:lvl2pPr marL="342900" indent="0">
-              <a:buNone/>
-              <a:defRPr sz="1500" b="1"/>
+            <a:lvl2pPr marL="457200" indent="0">
+              <a:buNone/>
+              <a:defRPr sz="2000" b="1"/>
             </a:lvl2pPr>
-            <a:lvl3pPr marL="685800" indent="0">
-              <a:buNone/>
-              <a:defRPr sz="1350" b="1"/>
+            <a:lvl3pPr marL="914400" indent="0">
+              <a:buNone/>
+              <a:defRPr sz="1800" b="1"/>
             </a:lvl3pPr>
-            <a:lvl4pPr marL="1028700" indent="0">
-              <a:buNone/>
-              <a:defRPr sz="1200" b="1"/>
+            <a:lvl4pPr marL="1371600" indent="0">
+              <a:buNone/>
+              <a:defRPr sz="1600" b="1"/>
             </a:lvl4pPr>
-            <a:lvl5pPr marL="1371600" indent="0">
-              <a:buNone/>
-              <a:defRPr sz="1200" b="1"/>
+            <a:lvl5pPr marL="1828800" indent="0">
+              <a:buNone/>
+              <a:defRPr sz="1600" b="1"/>
             </a:lvl5pPr>
-            <a:lvl6pPr marL="1714500" indent="0">
-              <a:buNone/>
-              <a:defRPr sz="1200" b="1"/>
+            <a:lvl6pPr marL="2286000" indent="0">
+              <a:buNone/>
+              <a:defRPr sz="1600" b="1"/>
             </a:lvl6pPr>
-            <a:lvl7pPr marL="2057400" indent="0">
-              <a:buNone/>
-              <a:defRPr sz="1200" b="1"/>
+            <a:lvl7pPr marL="2743200" indent="0">
+              <a:buNone/>
+              <a:defRPr sz="1600" b="1"/>
             </a:lvl7pPr>
-            <a:lvl8pPr marL="2400300" indent="0">
-              <a:buNone/>
-              <a:defRPr sz="1200" b="1"/>
+            <a:lvl8pPr marL="3200400" indent="0">
+              <a:buNone/>
+              <a:defRPr sz="1600" b="1"/>
             </a:lvl8pPr>
-            <a:lvl9pPr marL="2743200" indent="0">
-              <a:buNone/>
-              <a:defRPr sz="1200" b="1"/>
+            <a:lvl9pPr marL="3657600" indent="0">
+              <a:buNone/>
+              <a:defRPr sz="1600" b="1"/>
             </a:lvl9pPr>
           </a:lstStyle>
           <a:p>
@@ -6054,8 +6073,8 @@
         </p:nvSpPr>
         <p:spPr>
           <a:xfrm>
-            <a:off x="5853241" y="2256354"/>
-            <a:ext cx="2199085" cy="1524000"/>
+            <a:off x="7804321" y="2256354"/>
+            <a:ext cx="2932113" cy="1524000"/>
           </a:xfrm>
           <a:prstGeom prst="roundRect">
             <a:avLst>
@@ -6077,39 +6096,39 @@
           <a:lstStyle>
             <a:lvl1pPr marL="0" indent="0" algn="ctr">
               <a:buNone/>
-              <a:defRPr sz="1200"/>
+              <a:defRPr sz="1600"/>
             </a:lvl1pPr>
-            <a:lvl2pPr marL="342900" indent="0">
-              <a:buNone/>
-              <a:defRPr sz="1200"/>
+            <a:lvl2pPr marL="457200" indent="0">
+              <a:buNone/>
+              <a:defRPr sz="1600"/>
             </a:lvl2pPr>
-            <a:lvl3pPr marL="685800" indent="0">
-              <a:buNone/>
-              <a:defRPr sz="1200"/>
+            <a:lvl3pPr marL="914400" indent="0">
+              <a:buNone/>
+              <a:defRPr sz="1600"/>
             </a:lvl3pPr>
-            <a:lvl4pPr marL="1028700" indent="0">
-              <a:buNone/>
-              <a:defRPr sz="1200"/>
+            <a:lvl4pPr marL="1371600" indent="0">
+              <a:buNone/>
+              <a:defRPr sz="1600"/>
             </a:lvl4pPr>
-            <a:lvl5pPr marL="1371600" indent="0">
-              <a:buNone/>
-              <a:defRPr sz="1200"/>
+            <a:lvl5pPr marL="1828800" indent="0">
+              <a:buNone/>
+              <a:defRPr sz="1600"/>
             </a:lvl5pPr>
-            <a:lvl6pPr marL="1714500" indent="0">
-              <a:buNone/>
-              <a:defRPr sz="1200"/>
+            <a:lvl6pPr marL="2286000" indent="0">
+              <a:buNone/>
+              <a:defRPr sz="1600"/>
             </a:lvl6pPr>
-            <a:lvl7pPr marL="2057400" indent="0">
-              <a:buNone/>
-              <a:defRPr sz="1200"/>
+            <a:lvl7pPr marL="2743200" indent="0">
+              <a:buNone/>
+              <a:defRPr sz="1600"/>
             </a:lvl7pPr>
-            <a:lvl8pPr marL="2400300" indent="0">
-              <a:buNone/>
-              <a:defRPr sz="1200"/>
+            <a:lvl8pPr marL="3200400" indent="0">
+              <a:buNone/>
+              <a:defRPr sz="1600"/>
             </a:lvl8pPr>
-            <a:lvl9pPr marL="2743200" indent="0">
-              <a:buNone/>
-              <a:defRPr sz="1200"/>
+            <a:lvl9pPr marL="3657600" indent="0">
+              <a:buNone/>
+              <a:defRPr sz="1600"/>
             </a:lvl9pPr>
           </a:lstStyle>
           <a:p>
@@ -6133,8 +6152,8 @@
         </p:nvSpPr>
         <p:spPr>
           <a:xfrm>
-            <a:off x="5853148" y="4873763"/>
-            <a:ext cx="2201998" cy="659189"/>
+            <a:off x="7804197" y="4873762"/>
+            <a:ext cx="2935997" cy="659189"/>
           </a:xfrm>
         </p:spPr>
         <p:txBody>
@@ -6144,39 +6163,39 @@
           <a:lstStyle>
             <a:lvl1pPr marL="0" indent="0">
               <a:buNone/>
-              <a:defRPr sz="1050"/>
+              <a:defRPr sz="1400"/>
             </a:lvl1pPr>
-            <a:lvl2pPr marL="342900" indent="0">
+            <a:lvl2pPr marL="457200" indent="0">
+              <a:buNone/>
+              <a:defRPr sz="1200"/>
+            </a:lvl2pPr>
+            <a:lvl3pPr marL="914400" indent="0">
+              <a:buNone/>
+              <a:defRPr sz="1000"/>
+            </a:lvl3pPr>
+            <a:lvl4pPr marL="1371600" indent="0">
               <a:buNone/>
               <a:defRPr sz="900"/>
-            </a:lvl2pPr>
-            <a:lvl3pPr marL="685800" indent="0">
-              <a:buNone/>
-              <a:defRPr sz="750"/>
-            </a:lvl3pPr>
-            <a:lvl4pPr marL="1028700" indent="0">
-              <a:buNone/>
-              <a:defRPr sz="675"/>
             </a:lvl4pPr>
-            <a:lvl5pPr marL="1371600" indent="0">
-              <a:buNone/>
-              <a:defRPr sz="675"/>
+            <a:lvl5pPr marL="1828800" indent="0">
+              <a:buNone/>
+              <a:defRPr sz="900"/>
             </a:lvl5pPr>
-            <a:lvl6pPr marL="1714500" indent="0">
-              <a:buNone/>
-              <a:defRPr sz="675"/>
+            <a:lvl6pPr marL="2286000" indent="0">
+              <a:buNone/>
+              <a:defRPr sz="900"/>
             </a:lvl6pPr>
-            <a:lvl7pPr marL="2057400" indent="0">
-              <a:buNone/>
-              <a:defRPr sz="675"/>
+            <a:lvl7pPr marL="2743200" indent="0">
+              <a:buNone/>
+              <a:defRPr sz="900"/>
             </a:lvl7pPr>
-            <a:lvl8pPr marL="2400300" indent="0">
-              <a:buNone/>
-              <a:defRPr sz="675"/>
+            <a:lvl8pPr marL="3200400" indent="0">
+              <a:buNone/>
+              <a:defRPr sz="900"/>
             </a:lvl8pPr>
-            <a:lvl9pPr marL="2743200" indent="0">
-              <a:buNone/>
-              <a:defRPr sz="675"/>
+            <a:lvl9pPr marL="3657600" indent="0">
+              <a:buNone/>
+              <a:defRPr sz="900"/>
             </a:lvl9pPr>
           </a:lstStyle>
           <a:p>
@@ -6256,7 +6275,7 @@
     </p:spTree>
     <p:extLst>
       <p:ext uri="{BB962C8B-B14F-4D97-AF65-F5344CB8AC3E}">
-        <p14:creationId xmlns:p14="http://schemas.microsoft.com/office/powerpoint/2010/main" val="1186517753"/>
+        <p14:creationId xmlns:p14="http://schemas.microsoft.com/office/powerpoint/2010/main" val="1112825675"/>
       </p:ext>
     </p:extLst>
   </p:cSld>
@@ -6426,7 +6445,7 @@
     </p:spTree>
     <p:extLst>
       <p:ext uri="{BB962C8B-B14F-4D97-AF65-F5344CB8AC3E}">
-        <p14:creationId xmlns:p14="http://schemas.microsoft.com/office/powerpoint/2010/main" val="4176119453"/>
+        <p14:creationId xmlns:p14="http://schemas.microsoft.com/office/powerpoint/2010/main" val="1033994848"/>
       </p:ext>
     </p:extLst>
   </p:cSld>
@@ -6465,8 +6484,8 @@
         </p:nvSpPr>
         <p:spPr>
           <a:xfrm>
-            <a:off x="6543675" y="365125"/>
-            <a:ext cx="1971675" cy="5811838"/>
+            <a:off x="8724900" y="365125"/>
+            <a:ext cx="2628900" cy="5811838"/>
           </a:xfrm>
         </p:spPr>
         <p:txBody>
@@ -6493,8 +6512,8 @@
         </p:nvSpPr>
         <p:spPr>
           <a:xfrm>
-            <a:off x="628650" y="365125"/>
-            <a:ext cx="5800725" cy="5811838"/>
+            <a:off x="838200" y="365125"/>
+            <a:ext cx="7734300" cy="5811838"/>
           </a:xfrm>
         </p:spPr>
         <p:txBody>
@@ -6606,7 +6625,7 @@
     </p:spTree>
     <p:extLst>
       <p:ext uri="{BB962C8B-B14F-4D97-AF65-F5344CB8AC3E}">
-        <p14:creationId xmlns:p14="http://schemas.microsoft.com/office/powerpoint/2010/main" val="2797192279"/>
+        <p14:creationId xmlns:p14="http://schemas.microsoft.com/office/powerpoint/2010/main" val="4206819200"/>
       </p:ext>
     </p:extLst>
   </p:cSld>
@@ -6715,8 +6734,8 @@
         </p:nvSpPr>
         <p:spPr>
           <a:xfrm>
-            <a:off x="4343400" y="1498600"/>
-            <a:ext cx="4343400" cy="4140200"/>
+            <a:off x="5791200" y="1498600"/>
+            <a:ext cx="5791200" cy="4140200"/>
           </a:xfrm>
         </p:spPr>
         <p:txBody>
@@ -6745,8 +6764,8 @@
         </p:nvSpPr>
         <p:spPr>
           <a:xfrm>
-            <a:off x="533400" y="1803401"/>
-            <a:ext cx="2217906" cy="378884"/>
+            <a:off x="711200" y="1803401"/>
+            <a:ext cx="2957208" cy="378884"/>
           </a:xfrm>
         </p:spPr>
         <p:txBody>
@@ -6811,8 +6830,8 @@
         </p:nvSpPr>
         <p:spPr>
           <a:xfrm>
-            <a:off x="533400" y="2108200"/>
-            <a:ext cx="2743200" cy="812800"/>
+            <a:off x="711200" y="2108200"/>
+            <a:ext cx="3657600" cy="812800"/>
           </a:xfrm>
         </p:spPr>
         <p:txBody>
@@ -6876,8 +6895,8 @@
         </p:nvSpPr>
         <p:spPr>
           <a:xfrm>
-            <a:off x="533400" y="3225801"/>
-            <a:ext cx="2217906" cy="378884"/>
+            <a:off x="711200" y="3225801"/>
+            <a:ext cx="2957208" cy="378884"/>
           </a:xfrm>
         </p:spPr>
         <p:txBody>
@@ -6942,8 +6961,8 @@
         </p:nvSpPr>
         <p:spPr>
           <a:xfrm>
-            <a:off x="533400" y="3530600"/>
-            <a:ext cx="2743200" cy="812800"/>
+            <a:off x="711200" y="3530600"/>
+            <a:ext cx="3657600" cy="812800"/>
           </a:xfrm>
         </p:spPr>
         <p:txBody>
@@ -7007,8 +7026,8 @@
         </p:nvSpPr>
         <p:spPr>
           <a:xfrm>
-            <a:off x="533400" y="4648201"/>
-            <a:ext cx="2217906" cy="378884"/>
+            <a:off x="711200" y="4648201"/>
+            <a:ext cx="2957208" cy="378884"/>
           </a:xfrm>
         </p:spPr>
         <p:txBody>
@@ -7073,8 +7092,8 @@
         </p:nvSpPr>
         <p:spPr>
           <a:xfrm>
-            <a:off x="533400" y="4953000"/>
-            <a:ext cx="2743200" cy="812800"/>
+            <a:off x="711200" y="4953000"/>
+            <a:ext cx="3657600" cy="812800"/>
           </a:xfrm>
         </p:spPr>
         <p:txBody>
@@ -7129,7 +7148,7 @@
     </p:spTree>
     <p:extLst>
       <p:ext uri="{BB962C8B-B14F-4D97-AF65-F5344CB8AC3E}">
-        <p14:creationId xmlns:p14="http://schemas.microsoft.com/office/powerpoint/2010/main" val="257027175"/>
+        <p14:creationId xmlns:p14="http://schemas.microsoft.com/office/powerpoint/2010/main" val="3849216044"/>
       </p:ext>
     </p:extLst>
   </p:cSld>
@@ -7183,8 +7202,8 @@
         </p:nvSpPr>
         <p:spPr>
           <a:xfrm>
-            <a:off x="623888" y="1712423"/>
-            <a:ext cx="7886700" cy="2851208"/>
+            <a:off x="831851" y="1712423"/>
+            <a:ext cx="10515600" cy="2851208"/>
           </a:xfrm>
         </p:spPr>
         <p:txBody>
@@ -7217,8 +7236,8 @@
         </p:nvSpPr>
         <p:spPr>
           <a:xfrm>
-            <a:off x="623888" y="4552634"/>
-            <a:ext cx="7886700" cy="1500187"/>
+            <a:off x="831851" y="4552637"/>
+            <a:ext cx="10515600" cy="1500187"/>
           </a:xfrm>
         </p:spPr>
         <p:txBody>
@@ -7457,8 +7476,8 @@
         </p:nvSpPr>
         <p:spPr>
           <a:xfrm>
-            <a:off x="633845" y="1828801"/>
-            <a:ext cx="3886200" cy="4351337"/>
+            <a:off x="845127" y="1828803"/>
+            <a:ext cx="5181600" cy="4351337"/>
           </a:xfrm>
         </p:spPr>
         <p:txBody>
@@ -7514,8 +7533,8 @@
         </p:nvSpPr>
         <p:spPr>
           <a:xfrm>
-            <a:off x="4629150" y="1828801"/>
-            <a:ext cx="3886200" cy="4351337"/>
+            <a:off x="6172200" y="1828803"/>
+            <a:ext cx="5181600" cy="4351337"/>
           </a:xfrm>
         </p:spPr>
         <p:txBody>
@@ -7666,8 +7685,8 @@
         </p:nvSpPr>
         <p:spPr>
           <a:xfrm>
-            <a:off x="633845" y="1681851"/>
-            <a:ext cx="3867150" cy="825699"/>
+            <a:off x="845127" y="1681852"/>
+            <a:ext cx="5156200" cy="825699"/>
           </a:xfrm>
         </p:spPr>
         <p:txBody>
@@ -7736,8 +7755,8 @@
         </p:nvSpPr>
         <p:spPr>
           <a:xfrm>
-            <a:off x="633845" y="2507551"/>
-            <a:ext cx="3867150" cy="3680525"/>
+            <a:off x="845127" y="2507554"/>
+            <a:ext cx="5156200" cy="3680525"/>
           </a:xfrm>
         </p:spPr>
         <p:txBody>
@@ -7793,8 +7812,8 @@
         </p:nvSpPr>
         <p:spPr>
           <a:xfrm>
-            <a:off x="4629150" y="1681851"/>
-            <a:ext cx="3886201" cy="825698"/>
+            <a:off x="6172202" y="1681851"/>
+            <a:ext cx="5181601" cy="825698"/>
           </a:xfrm>
         </p:spPr>
         <p:txBody>
@@ -7861,8 +7880,8 @@
         </p:nvSpPr>
         <p:spPr>
           <a:xfrm>
-            <a:off x="4629150" y="2507551"/>
-            <a:ext cx="3886201" cy="3680525"/>
+            <a:off x="6172202" y="2507554"/>
+            <a:ext cx="5181601" cy="3680525"/>
           </a:xfrm>
         </p:spPr>
         <p:txBody>
@@ -8249,8 +8268,8 @@
         </p:nvSpPr>
         <p:spPr>
           <a:xfrm>
-            <a:off x="630936" y="457201"/>
-            <a:ext cx="2948940" cy="1600197"/>
+            <a:off x="841248" y="457204"/>
+            <a:ext cx="3931920" cy="1600197"/>
           </a:xfrm>
         </p:spPr>
         <p:txBody>
@@ -8283,8 +8302,8 @@
         </p:nvSpPr>
         <p:spPr>
           <a:xfrm>
-            <a:off x="3886200" y="990600"/>
-            <a:ext cx="4629150" cy="4876800"/>
+            <a:off x="5181600" y="990600"/>
+            <a:ext cx="6172200" cy="4876800"/>
           </a:xfrm>
         </p:spPr>
         <p:txBody>
@@ -8368,8 +8387,8 @@
         </p:nvSpPr>
         <p:spPr>
           <a:xfrm>
-            <a:off x="630936" y="2057399"/>
-            <a:ext cx="2948940" cy="3810001"/>
+            <a:off x="841248" y="2057399"/>
+            <a:ext cx="3931920" cy="3810001"/>
           </a:xfrm>
         </p:spPr>
         <p:txBody>
@@ -8533,8 +8552,8 @@
         </p:nvSpPr>
         <p:spPr>
           <a:xfrm>
-            <a:off x="630936" y="457200"/>
-            <a:ext cx="2948940" cy="1600200"/>
+            <a:off x="841248" y="457200"/>
+            <a:ext cx="3931920" cy="1600200"/>
           </a:xfrm>
         </p:spPr>
         <p:txBody>
@@ -8567,8 +8586,8 @@
         </p:nvSpPr>
         <p:spPr>
           <a:xfrm>
-            <a:off x="3886200" y="990600"/>
-            <a:ext cx="4629150" cy="4876800"/>
+            <a:off x="5181600" y="990600"/>
+            <a:ext cx="6172200" cy="4876800"/>
           </a:xfrm>
         </p:spPr>
         <p:txBody>
@@ -8632,8 +8651,8 @@
         </p:nvSpPr>
         <p:spPr>
           <a:xfrm>
-            <a:off x="630936" y="2057400"/>
-            <a:ext cx="2948940" cy="3810000"/>
+            <a:off x="841248" y="2057400"/>
+            <a:ext cx="3931920" cy="3810000"/>
           </a:xfrm>
         </p:spPr>
         <p:txBody>
@@ -8779,7 +8798,7 @@
           </a:blip>
           <a:srcRect/>
           <a:stretch>
-            <a:fillRect t="-17000" b="-17000"/>
+            <a:fillRect t="-39000" b="-39000"/>
           </a:stretch>
         </a:blipFill>
         <a:effectLst/>
@@ -8811,8 +8830,8 @@
         </p:nvSpPr>
         <p:spPr>
           <a:xfrm>
-            <a:off x="633845" y="365760"/>
-            <a:ext cx="7886700" cy="1325562"/>
+            <a:off x="845127" y="365760"/>
+            <a:ext cx="10515600" cy="1325562"/>
           </a:xfrm>
           <a:prstGeom prst="rect">
             <a:avLst/>
@@ -8844,8 +8863,8 @@
         </p:nvSpPr>
         <p:spPr>
           <a:xfrm>
-            <a:off x="633845" y="1828801"/>
-            <a:ext cx="7886700" cy="4351337"/>
+            <a:off x="845127" y="1828803"/>
+            <a:ext cx="10515600" cy="4351337"/>
           </a:xfrm>
           <a:prstGeom prst="rect">
             <a:avLst/>
@@ -8906,8 +8925,8 @@
         </p:nvSpPr>
         <p:spPr>
           <a:xfrm>
-            <a:off x="628650" y="6356351"/>
-            <a:ext cx="2057400" cy="365125"/>
+            <a:off x="838200" y="6356354"/>
+            <a:ext cx="2743200" cy="365125"/>
           </a:xfrm>
           <a:prstGeom prst="rect">
             <a:avLst/>
@@ -8948,8 +8967,8 @@
         </p:nvSpPr>
         <p:spPr>
           <a:xfrm>
-            <a:off x="3028950" y="6356351"/>
-            <a:ext cx="3086100" cy="365125"/>
+            <a:off x="4038600" y="6356354"/>
+            <a:ext cx="4114800" cy="365125"/>
           </a:xfrm>
           <a:prstGeom prst="rect">
             <a:avLst/>
@@ -8986,8 +9005,8 @@
         </p:nvSpPr>
         <p:spPr>
           <a:xfrm>
-            <a:off x="6463145" y="6356351"/>
-            <a:ext cx="2057400" cy="365125"/>
+            <a:off x="8617527" y="6356354"/>
+            <a:ext cx="2743200" cy="365125"/>
           </a:xfrm>
           <a:prstGeom prst="rect">
             <a:avLst/>
@@ -9318,7 +9337,7 @@
           </a:blip>
           <a:srcRect/>
           <a:stretch>
-            <a:fillRect t="-17000" b="-17000"/>
+            <a:fillRect t="-39000" b="-39000"/>
           </a:stretch>
         </a:blipFill>
         <a:effectLst/>
@@ -9350,8 +9369,8 @@
         </p:nvSpPr>
         <p:spPr>
           <a:xfrm>
-            <a:off x="628650" y="365126"/>
-            <a:ext cx="7886700" cy="1325563"/>
+            <a:off x="838200" y="365125"/>
+            <a:ext cx="10515600" cy="1325563"/>
           </a:xfrm>
           <a:prstGeom prst="rect">
             <a:avLst/>
@@ -9383,8 +9402,8 @@
         </p:nvSpPr>
         <p:spPr>
           <a:xfrm>
-            <a:off x="840000" y="1825625"/>
-            <a:ext cx="7675350" cy="4351338"/>
+            <a:off x="1120000" y="1825625"/>
+            <a:ext cx="10233800" cy="4351338"/>
           </a:xfrm>
           <a:prstGeom prst="rect">
             <a:avLst/>
@@ -9445,8 +9464,8 @@
         </p:nvSpPr>
         <p:spPr>
           <a:xfrm>
-            <a:off x="628650" y="6356351"/>
-            <a:ext cx="2057400" cy="365125"/>
+            <a:off x="838200" y="6356350"/>
+            <a:ext cx="2743200" cy="365125"/>
           </a:xfrm>
           <a:prstGeom prst="rect">
             <a:avLst/>
@@ -9456,7 +9475,7 @@
           <a:bodyPr vert="horz" lIns="91440" tIns="45720" rIns="91440" bIns="45720" rtlCol="0" anchor="ctr"/>
           <a:lstStyle>
             <a:lvl1pPr algn="l">
-              <a:defRPr sz="900">
+              <a:defRPr sz="1200">
                 <a:gradFill flip="none" rotWithShape="1">
                   <a:gsLst>
                     <a:gs pos="28000">
@@ -9504,8 +9523,8 @@
         </p:nvSpPr>
         <p:spPr>
           <a:xfrm>
-            <a:off x="3028950" y="6356351"/>
-            <a:ext cx="3086100" cy="365125"/>
+            <a:off x="4038600" y="6356350"/>
+            <a:ext cx="4114800" cy="365125"/>
           </a:xfrm>
           <a:prstGeom prst="rect">
             <a:avLst/>
@@ -9515,7 +9534,7 @@
           <a:bodyPr vert="horz" lIns="91440" tIns="45720" rIns="91440" bIns="45720" rtlCol="0" anchor="ctr"/>
           <a:lstStyle>
             <a:lvl1pPr algn="ctr">
-              <a:defRPr sz="900">
+              <a:defRPr sz="1200">
                 <a:gradFill flip="none" rotWithShape="1">
                   <a:gsLst>
                     <a:gs pos="28000">
@@ -9559,8 +9578,8 @@
         </p:nvSpPr>
         <p:spPr>
           <a:xfrm>
-            <a:off x="6457950" y="6356351"/>
-            <a:ext cx="2057400" cy="365125"/>
+            <a:off x="8610600" y="6356350"/>
+            <a:ext cx="2743200" cy="365125"/>
           </a:xfrm>
           <a:prstGeom prst="rect">
             <a:avLst/>
@@ -9570,7 +9589,7 @@
           <a:bodyPr vert="horz" lIns="91440" tIns="45720" rIns="91440" bIns="45720" rtlCol="0" anchor="ctr"/>
           <a:lstStyle>
             <a:lvl1pPr algn="r">
-              <a:defRPr sz="900">
+              <a:defRPr sz="1200">
                 <a:gradFill flip="none" rotWithShape="1">
                   <a:gsLst>
                     <a:gs pos="28000">
@@ -9609,34 +9628,34 @@
     </p:spTree>
     <p:extLst>
       <p:ext uri="{BB962C8B-B14F-4D97-AF65-F5344CB8AC3E}">
-        <p14:creationId xmlns:p14="http://schemas.microsoft.com/office/powerpoint/2010/main" val="1851571555"/>
+        <p14:creationId xmlns:p14="http://schemas.microsoft.com/office/powerpoint/2010/main" val="124436959"/>
       </p:ext>
     </p:extLst>
   </p:cSld>
   <p:clrMap bg1="dk1" tx1="lt1" bg2="dk2" tx2="lt2" accent1="accent1" accent2="accent2" accent3="accent3" accent4="accent4" accent5="accent5" accent6="accent6" hlink="hlink" folHlink="folHlink"/>
   <p:sldLayoutIdLst>
-    <p:sldLayoutId id="2147483739" r:id="rId1"/>
-    <p:sldLayoutId id="2147483740" r:id="rId2"/>
-    <p:sldLayoutId id="2147483741" r:id="rId3"/>
-    <p:sldLayoutId id="2147483742" r:id="rId4"/>
-    <p:sldLayoutId id="2147483743" r:id="rId5"/>
-    <p:sldLayoutId id="2147483744" r:id="rId6"/>
-    <p:sldLayoutId id="2147483745" r:id="rId7"/>
-    <p:sldLayoutId id="2147483746" r:id="rId8"/>
-    <p:sldLayoutId id="2147483747" r:id="rId9"/>
-    <p:sldLayoutId id="2147483748" r:id="rId10"/>
-    <p:sldLayoutId id="2147483749" r:id="rId11"/>
-    <p:sldLayoutId id="2147483750" r:id="rId12"/>
-    <p:sldLayoutId id="2147483751" r:id="rId13"/>
-    <p:sldLayoutId id="2147483752" r:id="rId14"/>
-    <p:sldLayoutId id="2147483753" r:id="rId15"/>
-    <p:sldLayoutId id="2147483754" r:id="rId16"/>
-    <p:sldLayoutId id="2147483755" r:id="rId17"/>
-    <p:sldLayoutId id="2147483756" r:id="rId18"/>
+    <p:sldLayoutId id="2147483758" r:id="rId1"/>
+    <p:sldLayoutId id="2147483759" r:id="rId2"/>
+    <p:sldLayoutId id="2147483760" r:id="rId3"/>
+    <p:sldLayoutId id="2147483761" r:id="rId4"/>
+    <p:sldLayoutId id="2147483762" r:id="rId5"/>
+    <p:sldLayoutId id="2147483763" r:id="rId6"/>
+    <p:sldLayoutId id="2147483764" r:id="rId7"/>
+    <p:sldLayoutId id="2147483765" r:id="rId8"/>
+    <p:sldLayoutId id="2147483766" r:id="rId9"/>
+    <p:sldLayoutId id="2147483767" r:id="rId10"/>
+    <p:sldLayoutId id="2147483768" r:id="rId11"/>
+    <p:sldLayoutId id="2147483769" r:id="rId12"/>
+    <p:sldLayoutId id="2147483770" r:id="rId13"/>
+    <p:sldLayoutId id="2147483771" r:id="rId14"/>
+    <p:sldLayoutId id="2147483772" r:id="rId15"/>
+    <p:sldLayoutId id="2147483773" r:id="rId16"/>
+    <p:sldLayoutId id="2147483774" r:id="rId17"/>
+    <p:sldLayoutId id="2147483775" r:id="rId18"/>
   </p:sldLayoutIdLst>
   <p:txStyles>
     <p:titleStyle>
-      <a:lvl1pPr algn="l" defTabSz="685800" rtl="0" eaLnBrk="1" latinLnBrk="0" hangingPunct="1">
+      <a:lvl1pPr algn="l" defTabSz="914400" rtl="0" eaLnBrk="1" latinLnBrk="0" hangingPunct="1">
         <a:lnSpc>
           <a:spcPct val="90000"/>
         </a:lnSpc>
@@ -9644,7 +9663,7 @@
           <a:spcPct val="0"/>
         </a:spcBef>
         <a:buNone/>
-        <a:defRPr sz="4400" b="0" kern="1200">
+        <a:defRPr sz="5400" b="0" kern="1200">
           <a:gradFill flip="none" rotWithShape="1">
             <a:gsLst>
               <a:gs pos="28000">
@@ -9675,12 +9694,49 @@
       </a:lvl1pPr>
     </p:titleStyle>
     <p:bodyStyle>
-      <a:lvl1pPr marL="171450" indent="-171450" algn="l" defTabSz="685800" rtl="0" eaLnBrk="1" latinLnBrk="0" hangingPunct="1">
+      <a:lvl1pPr marL="228600" indent="-228600" algn="l" defTabSz="914400" rtl="0" eaLnBrk="1" latinLnBrk="0" hangingPunct="1">
         <a:lnSpc>
           <a:spcPct val="90000"/>
         </a:lnSpc>
         <a:spcBef>
-          <a:spcPts val="750"/>
+          <a:spcPts val="1000"/>
+        </a:spcBef>
+        <a:buFont typeface="Arial" panose="020B0604020202020204" pitchFamily="34" charset="0"/>
+        <a:buChar char="•"/>
+        <a:defRPr sz="2800" kern="1200">
+          <a:gradFill>
+            <a:gsLst>
+              <a:gs pos="34000">
+                <a:schemeClr val="tx1">
+                  <a:lumMod val="93000"/>
+                </a:schemeClr>
+              </a:gs>
+              <a:gs pos="0">
+                <a:schemeClr val="bg1">
+                  <a:lumMod val="13000"/>
+                  <a:lumOff val="87000"/>
+                </a:schemeClr>
+              </a:gs>
+              <a:gs pos="100000">
+                <a:schemeClr val="tx2">
+                  <a:lumMod val="0"/>
+                  <a:lumOff val="100000"/>
+                </a:schemeClr>
+              </a:gs>
+            </a:gsLst>
+            <a:lin ang="4800000" scaled="0"/>
+          </a:gradFill>
+          <a:latin typeface="+mn-lt"/>
+          <a:ea typeface="+mn-ea"/>
+          <a:cs typeface="+mn-cs"/>
+        </a:defRPr>
+      </a:lvl1pPr>
+      <a:lvl2pPr marL="685800" indent="-228600" algn="l" defTabSz="914400" rtl="0" eaLnBrk="1" latinLnBrk="0" hangingPunct="1">
+        <a:lnSpc>
+          <a:spcPct val="90000"/>
+        </a:lnSpc>
+        <a:spcBef>
+          <a:spcPts val="500"/>
         </a:spcBef>
         <a:buFont typeface="Arial" panose="020B0604020202020204" pitchFamily="34" charset="0"/>
         <a:buChar char="•"/>
@@ -9711,13 +9767,13 @@
           <a:ea typeface="+mn-ea"/>
           <a:cs typeface="+mn-cs"/>
         </a:defRPr>
-      </a:lvl1pPr>
-      <a:lvl2pPr marL="514350" indent="-171450" algn="l" defTabSz="685800" rtl="0" eaLnBrk="1" latinLnBrk="0" hangingPunct="1">
+      </a:lvl2pPr>
+      <a:lvl3pPr marL="1143000" indent="-228600" algn="l" defTabSz="914400" rtl="0" eaLnBrk="1" latinLnBrk="0" hangingPunct="1">
         <a:lnSpc>
           <a:spcPct val="90000"/>
         </a:lnSpc>
         <a:spcBef>
-          <a:spcPts val="375"/>
+          <a:spcPts val="500"/>
         </a:spcBef>
         <a:buFont typeface="Arial" panose="020B0604020202020204" pitchFamily="34" charset="0"/>
         <a:buChar char="•"/>
@@ -9748,54 +9804,17 @@
           <a:ea typeface="+mn-ea"/>
           <a:cs typeface="+mn-cs"/>
         </a:defRPr>
-      </a:lvl2pPr>
-      <a:lvl3pPr marL="857250" indent="-171450" algn="l" defTabSz="685800" rtl="0" eaLnBrk="1" latinLnBrk="0" hangingPunct="1">
+      </a:lvl3pPr>
+      <a:lvl4pPr marL="1600200" indent="-228600" algn="l" defTabSz="914400" rtl="0" eaLnBrk="1" latinLnBrk="0" hangingPunct="1">
         <a:lnSpc>
           <a:spcPct val="90000"/>
         </a:lnSpc>
         <a:spcBef>
-          <a:spcPts val="375"/>
+          <a:spcPts val="500"/>
         </a:spcBef>
         <a:buFont typeface="Arial" panose="020B0604020202020204" pitchFamily="34" charset="0"/>
         <a:buChar char="•"/>
-        <a:defRPr sz="1600" kern="1200">
-          <a:gradFill>
-            <a:gsLst>
-              <a:gs pos="34000">
-                <a:schemeClr val="tx1">
-                  <a:lumMod val="93000"/>
-                </a:schemeClr>
-              </a:gs>
-              <a:gs pos="0">
-                <a:schemeClr val="bg1">
-                  <a:lumMod val="13000"/>
-                  <a:lumOff val="87000"/>
-                </a:schemeClr>
-              </a:gs>
-              <a:gs pos="100000">
-                <a:schemeClr val="tx2">
-                  <a:lumMod val="0"/>
-                  <a:lumOff val="100000"/>
-                </a:schemeClr>
-              </a:gs>
-            </a:gsLst>
-            <a:lin ang="4800000" scaled="0"/>
-          </a:gradFill>
-          <a:latin typeface="+mn-lt"/>
-          <a:ea typeface="+mn-ea"/>
-          <a:cs typeface="+mn-cs"/>
-        </a:defRPr>
-      </a:lvl3pPr>
-      <a:lvl4pPr marL="1200150" indent="-171450" algn="l" defTabSz="685800" rtl="0" eaLnBrk="1" latinLnBrk="0" hangingPunct="1">
-        <a:lnSpc>
-          <a:spcPct val="90000"/>
-        </a:lnSpc>
-        <a:spcBef>
-          <a:spcPts val="375"/>
-        </a:spcBef>
-        <a:buFont typeface="Arial" panose="020B0604020202020204" pitchFamily="34" charset="0"/>
-        <a:buChar char="•"/>
-        <a:defRPr sz="1400" kern="1200">
+        <a:defRPr sz="1800" kern="1200">
           <a:gradFill>
             <a:gsLst>
               <a:gs pos="34000">
@@ -9823,16 +9842,16 @@
           <a:cs typeface="+mn-cs"/>
         </a:defRPr>
       </a:lvl4pPr>
-      <a:lvl5pPr marL="1543050" indent="-171450" algn="l" defTabSz="685800" rtl="0" eaLnBrk="1" latinLnBrk="0" hangingPunct="1">
+      <a:lvl5pPr marL="2057400" indent="-228600" algn="l" defTabSz="914400" rtl="0" eaLnBrk="1" latinLnBrk="0" hangingPunct="1">
         <a:lnSpc>
           <a:spcPct val="90000"/>
         </a:lnSpc>
         <a:spcBef>
-          <a:spcPts val="375"/>
+          <a:spcPts val="500"/>
         </a:spcBef>
         <a:buFont typeface="Arial" panose="020B0604020202020204" pitchFamily="34" charset="0"/>
         <a:buChar char="•"/>
-        <a:defRPr sz="1400" kern="1200">
+        <a:defRPr sz="1800" kern="1200">
           <a:gradFill>
             <a:gsLst>
               <a:gs pos="34000">
@@ -9860,16 +9879,16 @@
           <a:cs typeface="+mn-cs"/>
         </a:defRPr>
       </a:lvl5pPr>
-      <a:lvl6pPr marL="1885950" indent="-171450" algn="l" defTabSz="685800" rtl="0" eaLnBrk="1" latinLnBrk="0" hangingPunct="1">
+      <a:lvl6pPr marL="2514600" indent="-228600" algn="l" defTabSz="914400" rtl="0" eaLnBrk="1" latinLnBrk="0" hangingPunct="1">
         <a:lnSpc>
           <a:spcPct val="90000"/>
         </a:lnSpc>
         <a:spcBef>
-          <a:spcPts val="375"/>
+          <a:spcPts val="500"/>
         </a:spcBef>
         <a:buFont typeface="Arial" panose="020B0604020202020204" pitchFamily="34" charset="0"/>
         <a:buChar char="•"/>
-        <a:defRPr sz="1350" kern="1200">
+        <a:defRPr sz="1800" kern="1200">
           <a:solidFill>
             <a:schemeClr val="tx1"/>
           </a:solidFill>
@@ -9878,16 +9897,16 @@
           <a:cs typeface="+mn-cs"/>
         </a:defRPr>
       </a:lvl6pPr>
-      <a:lvl7pPr marL="2228850" indent="-171450" algn="l" defTabSz="685800" rtl="0" eaLnBrk="1" latinLnBrk="0" hangingPunct="1">
+      <a:lvl7pPr marL="2971800" indent="-228600" algn="l" defTabSz="914400" rtl="0" eaLnBrk="1" latinLnBrk="0" hangingPunct="1">
         <a:lnSpc>
           <a:spcPct val="90000"/>
         </a:lnSpc>
         <a:spcBef>
-          <a:spcPts val="375"/>
+          <a:spcPts val="500"/>
         </a:spcBef>
         <a:buFont typeface="Arial" panose="020B0604020202020204" pitchFamily="34" charset="0"/>
         <a:buChar char="•"/>
-        <a:defRPr sz="1350" kern="1200">
+        <a:defRPr sz="1800" kern="1200">
           <a:solidFill>
             <a:schemeClr val="tx1"/>
           </a:solidFill>
@@ -9896,16 +9915,16 @@
           <a:cs typeface="+mn-cs"/>
         </a:defRPr>
       </a:lvl7pPr>
-      <a:lvl8pPr marL="2571750" indent="-171450" algn="l" defTabSz="685800" rtl="0" eaLnBrk="1" latinLnBrk="0" hangingPunct="1">
+      <a:lvl8pPr marL="3429000" indent="-228600" algn="l" defTabSz="914400" rtl="0" eaLnBrk="1" latinLnBrk="0" hangingPunct="1">
         <a:lnSpc>
           <a:spcPct val="90000"/>
         </a:lnSpc>
         <a:spcBef>
-          <a:spcPts val="375"/>
+          <a:spcPts val="500"/>
         </a:spcBef>
         <a:buFont typeface="Arial" panose="020B0604020202020204" pitchFamily="34" charset="0"/>
         <a:buChar char="•"/>
-        <a:defRPr sz="1350" kern="1200">
+        <a:defRPr sz="1800" kern="1200">
           <a:solidFill>
             <a:schemeClr val="tx1"/>
           </a:solidFill>
@@ -9914,16 +9933,16 @@
           <a:cs typeface="+mn-cs"/>
         </a:defRPr>
       </a:lvl8pPr>
-      <a:lvl9pPr marL="2914650" indent="-171450" algn="l" defTabSz="685800" rtl="0" eaLnBrk="1" latinLnBrk="0" hangingPunct="1">
+      <a:lvl9pPr marL="3886200" indent="-228600" algn="l" defTabSz="914400" rtl="0" eaLnBrk="1" latinLnBrk="0" hangingPunct="1">
         <a:lnSpc>
           <a:spcPct val="90000"/>
         </a:lnSpc>
         <a:spcBef>
-          <a:spcPts val="375"/>
+          <a:spcPts val="500"/>
         </a:spcBef>
         <a:buFont typeface="Arial" panose="020B0604020202020204" pitchFamily="34" charset="0"/>
         <a:buChar char="•"/>
-        <a:defRPr sz="1350" kern="1200">
+        <a:defRPr sz="1800" kern="1200">
           <a:solidFill>
             <a:schemeClr val="tx1"/>
           </a:solidFill>
@@ -9937,8 +9956,8 @@
       <a:defPPr>
         <a:defRPr lang="en-US"/>
       </a:defPPr>
-      <a:lvl1pPr marL="0" algn="l" defTabSz="685800" rtl="0" eaLnBrk="1" latinLnBrk="0" hangingPunct="1">
-        <a:defRPr sz="1350" kern="1200">
+      <a:lvl1pPr marL="0" algn="l" defTabSz="914400" rtl="0" eaLnBrk="1" latinLnBrk="0" hangingPunct="1">
+        <a:defRPr sz="1800" kern="1200">
           <a:solidFill>
             <a:schemeClr val="tx1"/>
           </a:solidFill>
@@ -9947,8 +9966,8 @@
           <a:cs typeface="+mn-cs"/>
         </a:defRPr>
       </a:lvl1pPr>
-      <a:lvl2pPr marL="342900" algn="l" defTabSz="685800" rtl="0" eaLnBrk="1" latinLnBrk="0" hangingPunct="1">
-        <a:defRPr sz="1350" kern="1200">
+      <a:lvl2pPr marL="457200" algn="l" defTabSz="914400" rtl="0" eaLnBrk="1" latinLnBrk="0" hangingPunct="1">
+        <a:defRPr sz="1800" kern="1200">
           <a:solidFill>
             <a:schemeClr val="tx1"/>
           </a:solidFill>
@@ -9957,8 +9976,8 @@
           <a:cs typeface="+mn-cs"/>
         </a:defRPr>
       </a:lvl2pPr>
-      <a:lvl3pPr marL="685800" algn="l" defTabSz="685800" rtl="0" eaLnBrk="1" latinLnBrk="0" hangingPunct="1">
-        <a:defRPr sz="1350" kern="1200">
+      <a:lvl3pPr marL="914400" algn="l" defTabSz="914400" rtl="0" eaLnBrk="1" latinLnBrk="0" hangingPunct="1">
+        <a:defRPr sz="1800" kern="1200">
           <a:solidFill>
             <a:schemeClr val="tx1"/>
           </a:solidFill>
@@ -9967,8 +9986,8 @@
           <a:cs typeface="+mn-cs"/>
         </a:defRPr>
       </a:lvl3pPr>
-      <a:lvl4pPr marL="1028700" algn="l" defTabSz="685800" rtl="0" eaLnBrk="1" latinLnBrk="0" hangingPunct="1">
-        <a:defRPr sz="1350" kern="1200">
+      <a:lvl4pPr marL="1371600" algn="l" defTabSz="914400" rtl="0" eaLnBrk="1" latinLnBrk="0" hangingPunct="1">
+        <a:defRPr sz="1800" kern="1200">
           <a:solidFill>
             <a:schemeClr val="tx1"/>
           </a:solidFill>
@@ -9977,8 +9996,8 @@
           <a:cs typeface="+mn-cs"/>
         </a:defRPr>
       </a:lvl4pPr>
-      <a:lvl5pPr marL="1371600" algn="l" defTabSz="685800" rtl="0" eaLnBrk="1" latinLnBrk="0" hangingPunct="1">
-        <a:defRPr sz="1350" kern="1200">
+      <a:lvl5pPr marL="1828800" algn="l" defTabSz="914400" rtl="0" eaLnBrk="1" latinLnBrk="0" hangingPunct="1">
+        <a:defRPr sz="1800" kern="1200">
           <a:solidFill>
             <a:schemeClr val="tx1"/>
           </a:solidFill>
@@ -9987,8 +10006,8 @@
           <a:cs typeface="+mn-cs"/>
         </a:defRPr>
       </a:lvl5pPr>
-      <a:lvl6pPr marL="1714500" algn="l" defTabSz="685800" rtl="0" eaLnBrk="1" latinLnBrk="0" hangingPunct="1">
-        <a:defRPr sz="1350" kern="1200">
+      <a:lvl6pPr marL="2286000" algn="l" defTabSz="914400" rtl="0" eaLnBrk="1" latinLnBrk="0" hangingPunct="1">
+        <a:defRPr sz="1800" kern="1200">
           <a:solidFill>
             <a:schemeClr val="tx1"/>
           </a:solidFill>
@@ -9997,8 +10016,8 @@
           <a:cs typeface="+mn-cs"/>
         </a:defRPr>
       </a:lvl6pPr>
-      <a:lvl7pPr marL="2057400" algn="l" defTabSz="685800" rtl="0" eaLnBrk="1" latinLnBrk="0" hangingPunct="1">
-        <a:defRPr sz="1350" kern="1200">
+      <a:lvl7pPr marL="2743200" algn="l" defTabSz="914400" rtl="0" eaLnBrk="1" latinLnBrk="0" hangingPunct="1">
+        <a:defRPr sz="1800" kern="1200">
           <a:solidFill>
             <a:schemeClr val="tx1"/>
           </a:solidFill>
@@ -10007,8 +10026,8 @@
           <a:cs typeface="+mn-cs"/>
         </a:defRPr>
       </a:lvl7pPr>
-      <a:lvl8pPr marL="2400300" algn="l" defTabSz="685800" rtl="0" eaLnBrk="1" latinLnBrk="0" hangingPunct="1">
-        <a:defRPr sz="1350" kern="1200">
+      <a:lvl8pPr marL="3200400" algn="l" defTabSz="914400" rtl="0" eaLnBrk="1" latinLnBrk="0" hangingPunct="1">
+        <a:defRPr sz="1800" kern="1200">
           <a:solidFill>
             <a:schemeClr val="tx1"/>
           </a:solidFill>
@@ -10017,8 +10036,8 @@
           <a:cs typeface="+mn-cs"/>
         </a:defRPr>
       </a:lvl8pPr>
-      <a:lvl9pPr marL="2743200" algn="l" defTabSz="685800" rtl="0" eaLnBrk="1" latinLnBrk="0" hangingPunct="1">
-        <a:defRPr sz="1350" kern="1200">
+      <a:lvl9pPr marL="3657600" algn="l" defTabSz="914400" rtl="0" eaLnBrk="1" latinLnBrk="0" hangingPunct="1">
+        <a:defRPr sz="1800" kern="1200">
           <a:solidFill>
             <a:schemeClr val="tx1"/>
           </a:solidFill>
@@ -10061,7 +10080,7 @@
         </p:nvSpPr>
         <p:spPr>
           <a:xfrm>
-            <a:off x="1143000" y="1556792"/>
+            <a:off x="2667000" y="1556792"/>
             <a:ext cx="6858000" cy="1872208"/>
           </a:xfrm>
         </p:spPr>
@@ -10106,13 +10125,13 @@
         </p:nvSpPr>
         <p:spPr>
           <a:xfrm>
-            <a:off x="1143000" y="3429000"/>
+            <a:off x="2667000" y="3429000"/>
             <a:ext cx="6858000" cy="2232248"/>
           </a:xfrm>
         </p:spPr>
         <p:txBody>
           <a:bodyPr>
-            <a:normAutofit/>
+            <a:normAutofit lnSpcReduction="10000"/>
           </a:bodyPr>
           <a:lstStyle/>
           <a:p>
@@ -10313,7 +10332,7 @@
         <p:spPr/>
         <p:txBody>
           <a:bodyPr>
-            <a:normAutofit/>
+            <a:normAutofit fontScale="90000"/>
           </a:bodyPr>
           <a:lstStyle/>
           <a:p>
@@ -10348,7 +10367,7 @@
         </p:nvSpPr>
         <p:spPr>
           <a:xfrm>
-            <a:off x="2771800" y="2137568"/>
+            <a:off x="4295800" y="2137571"/>
             <a:ext cx="3816424" cy="662855"/>
           </a:xfrm>
           <a:prstGeom prst="roundRect">
@@ -10376,7 +10395,7 @@
           <a:lstStyle/>
           <a:p>
             <a:r>
-              <a:rPr lang="pt-BR" sz="2000" b="1" dirty="0" smtClean="0">
+              <a:rPr lang="pt-BR" sz="2000" b="1" dirty="0">
                 <a:solidFill>
                   <a:schemeClr val="bg1"/>
                 </a:solidFill>
@@ -10384,7 +10403,7 @@
               <a:t>S</a:t>
             </a:r>
             <a:r>
-              <a:rPr lang="pt-BR" sz="2000" dirty="0" smtClean="0">
+              <a:rPr lang="pt-BR" sz="2000" dirty="0">
                 <a:solidFill>
                   <a:schemeClr val="bg1"/>
                 </a:solidFill>
@@ -10427,7 +10446,7 @@
         </p:nvSpPr>
         <p:spPr>
           <a:xfrm>
-            <a:off x="2771800" y="2924944"/>
+            <a:off x="4295800" y="2924947"/>
             <a:ext cx="3816424" cy="662855"/>
           </a:xfrm>
           <a:prstGeom prst="roundRect">
@@ -10506,7 +10525,7 @@
         </p:nvSpPr>
         <p:spPr>
           <a:xfrm>
-            <a:off x="2771800" y="3712320"/>
+            <a:off x="4295800" y="3712323"/>
             <a:ext cx="3816424" cy="662855"/>
           </a:xfrm>
           <a:prstGeom prst="roundRect">
@@ -10534,7 +10553,7 @@
           <a:lstStyle/>
           <a:p>
             <a:r>
-              <a:rPr lang="pt-BR" sz="2000" b="1" dirty="0" err="1" smtClean="0">
+              <a:rPr lang="pt-BR" sz="2000" b="1" dirty="0" err="1">
                 <a:solidFill>
                   <a:schemeClr val="bg1"/>
                 </a:solidFill>
@@ -10542,7 +10561,7 @@
               <a:t>L</a:t>
             </a:r>
             <a:r>
-              <a:rPr lang="pt-BR" sz="2000" dirty="0" err="1" smtClean="0">
+              <a:rPr lang="pt-BR" sz="2000" dirty="0" err="1">
                 <a:solidFill>
                   <a:schemeClr val="bg1"/>
                 </a:solidFill>
@@ -10550,7 +10569,7 @@
               <a:t>iskov</a:t>
             </a:r>
             <a:r>
-              <a:rPr lang="pt-BR" sz="2000" dirty="0" smtClean="0">
+              <a:rPr lang="pt-BR" sz="2000" dirty="0">
                 <a:solidFill>
                   <a:schemeClr val="bg1"/>
                 </a:solidFill>
@@ -10593,7 +10612,7 @@
         </p:nvSpPr>
         <p:spPr>
           <a:xfrm>
-            <a:off x="2771800" y="4499696"/>
+            <a:off x="4295800" y="4499699"/>
             <a:ext cx="3816424" cy="662855"/>
           </a:xfrm>
           <a:prstGeom prst="roundRect">
@@ -10687,7 +10706,7 @@
         </p:nvSpPr>
         <p:spPr>
           <a:xfrm>
-            <a:off x="2771800" y="5287074"/>
+            <a:off x="4295800" y="5287077"/>
             <a:ext cx="3816424" cy="662855"/>
           </a:xfrm>
           <a:prstGeom prst="roundRect">
@@ -10986,7 +11005,7 @@
         </p:nvSpPr>
         <p:spPr>
           <a:xfrm>
-            <a:off x="0" y="6237312"/>
+            <a:off x="1524000" y="6237312"/>
             <a:ext cx="9144000" cy="385192"/>
           </a:xfrm>
           <a:prstGeom prst="rect">
@@ -11039,7 +11058,7 @@
           <a:p>
             <a:pPr algn="r"/>
             <a:r>
-              <a:rPr lang="pt-BR" sz="1400" b="1" dirty="0" smtClean="0">
+              <a:rPr lang="pt-BR" sz="1400" b="1" dirty="0">
                 <a:solidFill>
                   <a:schemeClr val="bg1"/>
                 </a:solidFill>
@@ -11182,7 +11201,7 @@
         </p:nvSpPr>
         <p:spPr>
           <a:xfrm>
-            <a:off x="457200" y="5412357"/>
+            <a:off x="1981200" y="5412360"/>
             <a:ext cx="8229600" cy="824955"/>
           </a:xfrm>
         </p:spPr>
@@ -11241,7 +11260,7 @@
         </p:blipFill>
         <p:spPr bwMode="auto">
           <a:xfrm>
-            <a:off x="395536" y="2708920"/>
+            <a:off x="1919536" y="2708923"/>
             <a:ext cx="2362200" cy="1247775"/>
           </a:xfrm>
           <a:prstGeom prst="rect">
@@ -11295,7 +11314,7 @@
         </p:blipFill>
         <p:spPr bwMode="auto">
           <a:xfrm>
-            <a:off x="3491880" y="2708920"/>
+            <a:off x="5015880" y="2708920"/>
             <a:ext cx="5067300" cy="2019300"/>
           </a:xfrm>
           <a:prstGeom prst="rect">
@@ -11334,7 +11353,7 @@
         </p:nvSpPr>
         <p:spPr>
           <a:xfrm>
-            <a:off x="1475656" y="4149080"/>
+            <a:off x="2999656" y="4149080"/>
             <a:ext cx="1584176" cy="579140"/>
           </a:xfrm>
           <a:prstGeom prst="rightArrow">
@@ -11372,7 +11391,7 @@
         </p:nvSpPr>
         <p:spPr>
           <a:xfrm>
-            <a:off x="0" y="6237312"/>
+            <a:off x="1524000" y="6237312"/>
             <a:ext cx="9144000" cy="385192"/>
           </a:xfrm>
           <a:prstGeom prst="rect">
@@ -11425,7 +11444,7 @@
           <a:p>
             <a:pPr algn="r"/>
             <a:r>
-              <a:rPr lang="pt-BR" sz="1400" b="1" dirty="0" smtClean="0">
+              <a:rPr lang="pt-BR" sz="1400" b="1" dirty="0">
                 <a:solidFill>
                   <a:schemeClr val="bg1"/>
                 </a:solidFill>
@@ -11464,7 +11483,7 @@
         </p:nvSpPr>
         <p:spPr>
           <a:xfrm>
-            <a:off x="808602" y="1860848"/>
+            <a:off x="2332602" y="1860851"/>
             <a:ext cx="1536068" cy="608931"/>
           </a:xfrm>
           <a:prstGeom prst="rect">
@@ -11736,11 +11755,10 @@
           </a:lstStyle>
           <a:p>
             <a:pPr marL="57150" indent="0">
-              <a:buFont typeface="Arial" panose="020B0604020202020204" pitchFamily="34" charset="0"/>
               <a:buNone/>
             </a:pPr>
             <a:r>
-              <a:rPr lang="pt-BR" u="sng" dirty="0" smtClean="0">
+              <a:rPr lang="pt-BR" u="sng" dirty="0">
                 <a:solidFill>
                   <a:schemeClr val="bg1"/>
                 </a:solidFill>
@@ -11765,7 +11783,7 @@
         </p:nvSpPr>
         <p:spPr>
           <a:xfrm>
-            <a:off x="5257496" y="1860848"/>
+            <a:off x="6781496" y="1860851"/>
             <a:ext cx="1536068" cy="608931"/>
           </a:xfrm>
           <a:prstGeom prst="rect">
@@ -12037,11 +12055,10 @@
           </a:lstStyle>
           <a:p>
             <a:pPr marL="57150" indent="0">
-              <a:buFont typeface="Arial" panose="020B0604020202020204" pitchFamily="34" charset="0"/>
               <a:buNone/>
             </a:pPr>
             <a:r>
-              <a:rPr lang="pt-BR" u="sng" dirty="0" smtClean="0">
+              <a:rPr lang="pt-BR" u="sng" dirty="0">
                 <a:solidFill>
                   <a:schemeClr val="bg1"/>
                 </a:solidFill>
@@ -12346,7 +12363,7 @@
         </p:nvSpPr>
         <p:spPr>
           <a:xfrm>
-            <a:off x="457200" y="3717032"/>
+            <a:off x="1981200" y="3717035"/>
             <a:ext cx="8229600" cy="2409131"/>
           </a:xfrm>
         </p:spPr>
@@ -12432,7 +12449,7 @@
         </p:blipFill>
         <p:spPr bwMode="auto">
           <a:xfrm>
-            <a:off x="1907704" y="1615604"/>
+            <a:off x="3431704" y="1615604"/>
             <a:ext cx="4876800" cy="1485900"/>
           </a:xfrm>
           <a:prstGeom prst="rect">
@@ -12471,7 +12488,7 @@
         </p:nvSpPr>
         <p:spPr>
           <a:xfrm>
-            <a:off x="0" y="6237312"/>
+            <a:off x="1524000" y="6237312"/>
             <a:ext cx="9144000" cy="385192"/>
           </a:xfrm>
           <a:prstGeom prst="rect">
@@ -12524,7 +12541,7 @@
           <a:p>
             <a:pPr algn="r"/>
             <a:r>
-              <a:rPr lang="pt-BR" sz="1400" b="1" dirty="0" smtClean="0">
+              <a:rPr lang="pt-BR" sz="1400" b="1" dirty="0">
                 <a:solidFill>
                   <a:schemeClr val="bg1"/>
                 </a:solidFill>
@@ -12666,7 +12683,7 @@
         </p:nvSpPr>
         <p:spPr>
           <a:xfrm>
-            <a:off x="0" y="6237312"/>
+            <a:off x="1524000" y="6237312"/>
             <a:ext cx="9144000" cy="385192"/>
           </a:xfrm>
           <a:prstGeom prst="rect">
@@ -12719,7 +12736,7 @@
           <a:p>
             <a:pPr algn="r"/>
             <a:r>
-              <a:rPr lang="pt-BR" sz="1400" b="1" dirty="0" smtClean="0">
+              <a:rPr lang="pt-BR" sz="1400" b="1" dirty="0">
                 <a:solidFill>
                   <a:schemeClr val="bg1"/>
                 </a:solidFill>
@@ -12880,7 +12897,7 @@
         </p:nvSpPr>
         <p:spPr>
           <a:xfrm>
-            <a:off x="0" y="6237312"/>
+            <a:off x="1524000" y="6237312"/>
             <a:ext cx="9144000" cy="385192"/>
           </a:xfrm>
           <a:prstGeom prst="rect">
@@ -12933,7 +12950,7 @@
           <a:p>
             <a:pPr algn="r"/>
             <a:r>
-              <a:rPr lang="pt-BR" sz="1400" b="1" dirty="0" smtClean="0">
+              <a:rPr lang="pt-BR" sz="1400" b="1" dirty="0">
                 <a:solidFill>
                   <a:schemeClr val="bg1"/>
                 </a:solidFill>
@@ -13142,7 +13159,7 @@
         </p:nvSpPr>
         <p:spPr>
           <a:xfrm>
-            <a:off x="0" y="6237312"/>
+            <a:off x="1524000" y="6237312"/>
             <a:ext cx="9144000" cy="385192"/>
           </a:xfrm>
           <a:prstGeom prst="rect">
@@ -13195,7 +13212,7 @@
           <a:p>
             <a:pPr algn="r"/>
             <a:r>
-              <a:rPr lang="pt-BR" sz="1400" b="1" dirty="0" smtClean="0">
+              <a:rPr lang="pt-BR" sz="1400" b="1" dirty="0">
                 <a:solidFill>
                   <a:schemeClr val="bg1"/>
                 </a:solidFill>
@@ -13339,7 +13356,7 @@
         </p:nvGrpSpPr>
         <p:grpSpPr>
           <a:xfrm>
-            <a:off x="1691680" y="1744803"/>
+            <a:off x="3215683" y="1744803"/>
             <a:ext cx="5495925" cy="1010200"/>
             <a:chOff x="1691680" y="1744803"/>
             <a:chExt cx="5495925" cy="1010200"/>
@@ -13440,7 +13457,7 @@
         </p:nvGrpSpPr>
         <p:grpSpPr>
           <a:xfrm>
-            <a:off x="1706757" y="3501008"/>
+            <a:off x="3230760" y="3501011"/>
             <a:ext cx="5495925" cy="2097279"/>
             <a:chOff x="1824037" y="4175107"/>
             <a:chExt cx="5495925" cy="2097279"/>
@@ -13530,7 +13547,7 @@
                 <a:t>Cliente Aberto para </a:t>
               </a:r>
               <a:r>
-                <a:rPr lang="pt-BR" u="sng" dirty="0" smtClean="0">
+                <a:rPr lang="pt-BR" u="sng" dirty="0">
                   <a:solidFill>
                     <a:schemeClr val="bg1"/>
                   </a:solidFill>
@@ -13554,7 +13571,7 @@
         </p:nvSpPr>
         <p:spPr>
           <a:xfrm>
-            <a:off x="0" y="6237312"/>
+            <a:off x="1524000" y="6237312"/>
             <a:ext cx="9144000" cy="385192"/>
           </a:xfrm>
           <a:prstGeom prst="rect">
@@ -13607,7 +13624,7 @@
           <a:p>
             <a:pPr algn="r"/>
             <a:r>
-              <a:rPr lang="pt-BR" sz="1400" b="1" dirty="0" smtClean="0">
+              <a:rPr lang="pt-BR" sz="1400" b="1" dirty="0">
                 <a:solidFill>
                   <a:schemeClr val="bg1"/>
                 </a:solidFill>
@@ -13760,7 +13777,7 @@
         </p:nvSpPr>
         <p:spPr>
           <a:xfrm>
-            <a:off x="1088740" y="2852936"/>
+            <a:off x="2612740" y="2852939"/>
             <a:ext cx="6966520" cy="3139321"/>
           </a:xfrm>
           <a:prstGeom prst="rect">
@@ -13813,7 +13830,7 @@
               <a:t> </a:t>
             </a:r>
             <a:r>
-              <a:rPr lang="en-US" dirty="0" err="1" smtClean="0">
+              <a:rPr lang="en-US" dirty="0" err="1">
                 <a:solidFill>
                   <a:srgbClr val="D4D4D4"/>
                 </a:solidFill>
@@ -13822,7 +13839,7 @@
               <a:t>funcionario</a:t>
             </a:r>
             <a:r>
-              <a:rPr lang="en-US" dirty="0" smtClean="0">
+              <a:rPr lang="en-US" dirty="0">
                 <a:solidFill>
                   <a:srgbClr val="D4D4D4"/>
                 </a:solidFill>
@@ -13849,7 +13866,7 @@
               <a:t> </a:t>
             </a:r>
             <a:r>
-              <a:rPr lang="en-US" dirty="0" err="1" smtClean="0">
+              <a:rPr lang="en-US" dirty="0" err="1">
                 <a:solidFill>
                   <a:srgbClr val="9CDCFE"/>
                 </a:solidFill>
@@ -13858,7 +13875,7 @@
               <a:t>Funcionarios</a:t>
             </a:r>
             <a:r>
-              <a:rPr lang="en-US" dirty="0" smtClean="0">
+              <a:rPr lang="en-US" dirty="0">
                 <a:solidFill>
                   <a:srgbClr val="D4D4D4"/>
                 </a:solidFill>
@@ -13887,7 +13904,7 @@
           <a:p>
             <a:pPr lvl="1"/>
             <a:r>
-              <a:rPr lang="en-US" dirty="0" smtClean="0">
+              <a:rPr lang="en-US" dirty="0">
                 <a:solidFill>
                   <a:srgbClr val="C586C0"/>
                 </a:solidFill>
@@ -13896,7 +13913,7 @@
               <a:t>if</a:t>
             </a:r>
             <a:r>
-              <a:rPr lang="en-US" dirty="0" smtClean="0">
+              <a:rPr lang="en-US" dirty="0">
                 <a:solidFill>
                   <a:srgbClr val="D4D4D4"/>
                 </a:solidFill>
@@ -13905,7 +13922,7 @@
               <a:t>(</a:t>
             </a:r>
             <a:r>
-              <a:rPr lang="en-US" dirty="0" err="1" smtClean="0">
+              <a:rPr lang="en-US" dirty="0" err="1">
                 <a:solidFill>
                   <a:srgbClr val="9CDCFE"/>
                 </a:solidFill>
@@ -13914,7 +13931,7 @@
               <a:t>funcionario</a:t>
             </a:r>
             <a:r>
-              <a:rPr lang="en-US" dirty="0" smtClean="0">
+              <a:rPr lang="en-US" dirty="0">
                 <a:solidFill>
                   <a:srgbClr val="D4D4D4"/>
                 </a:solidFill>
@@ -13983,7 +14000,7 @@
               <a:t>_</a:t>
             </a:r>
             <a:r>
-              <a:rPr lang="en-US" dirty="0" err="1" smtClean="0">
+              <a:rPr lang="en-US" dirty="0" err="1">
                 <a:solidFill>
                   <a:srgbClr val="9CDCFE"/>
                 </a:solidFill>
@@ -13992,7 +14009,7 @@
               <a:t>printer</a:t>
             </a:r>
             <a:r>
-              <a:rPr lang="en-US" dirty="0" err="1" smtClean="0">
+              <a:rPr lang="en-US" dirty="0" err="1">
                 <a:solidFill>
                   <a:srgbClr val="D4D4D4"/>
                 </a:solidFill>
@@ -14001,7 +14018,7 @@
               <a:t>.</a:t>
             </a:r>
             <a:r>
-              <a:rPr lang="en-US" dirty="0" err="1" smtClean="0">
+              <a:rPr lang="en-US" dirty="0" err="1">
                 <a:solidFill>
                   <a:srgbClr val="DCDCAA"/>
                 </a:solidFill>
@@ -14010,7 +14027,7 @@
               <a:t>PrintManager</a:t>
             </a:r>
             <a:r>
-              <a:rPr lang="en-US" dirty="0" smtClean="0">
+              <a:rPr lang="en-US" dirty="0">
                 <a:solidFill>
                   <a:srgbClr val="D4D4D4"/>
                 </a:solidFill>
@@ -14019,7 +14036,7 @@
               <a:t>(</a:t>
             </a:r>
             <a:r>
-              <a:rPr lang="en-US" dirty="0" err="1" smtClean="0">
+              <a:rPr lang="en-US" dirty="0" err="1">
                 <a:solidFill>
                   <a:srgbClr val="9CDCFE"/>
                 </a:solidFill>
@@ -14028,7 +14045,7 @@
               <a:t>funcionario</a:t>
             </a:r>
             <a:r>
-              <a:rPr lang="en-US" dirty="0" smtClean="0">
+              <a:rPr lang="en-US" dirty="0">
                 <a:solidFill>
                   <a:srgbClr val="D4D4D4"/>
                 </a:solidFill>
@@ -14103,7 +14120,7 @@
           <a:p>
             <a:pPr lvl="1"/>
             <a:r>
-              <a:rPr lang="en-US" dirty="0" smtClean="0">
+              <a:rPr lang="en-US" dirty="0">
                 <a:solidFill>
                   <a:srgbClr val="9CDCFE"/>
                 </a:solidFill>
@@ -14112,7 +14129,7 @@
               <a:t>	_</a:t>
             </a:r>
             <a:r>
-              <a:rPr lang="en-US" dirty="0" err="1" smtClean="0">
+              <a:rPr lang="en-US" dirty="0" err="1">
                 <a:solidFill>
                   <a:srgbClr val="9CDCFE"/>
                 </a:solidFill>
@@ -14121,7 +14138,7 @@
               <a:t>printer</a:t>
             </a:r>
             <a:r>
-              <a:rPr lang="en-US" dirty="0" err="1" smtClean="0">
+              <a:rPr lang="en-US" dirty="0" err="1">
                 <a:solidFill>
                   <a:srgbClr val="D4D4D4"/>
                 </a:solidFill>
@@ -14130,7 +14147,7 @@
               <a:t>.</a:t>
             </a:r>
             <a:r>
-              <a:rPr lang="en-US" dirty="0" err="1" smtClean="0">
+              <a:rPr lang="en-US" dirty="0" err="1">
                 <a:solidFill>
                   <a:srgbClr val="DCDCAA"/>
                 </a:solidFill>
@@ -14139,7 +14156,7 @@
               <a:t>PrintEmployee</a:t>
             </a:r>
             <a:r>
-              <a:rPr lang="en-US" dirty="0" smtClean="0">
+              <a:rPr lang="en-US" dirty="0">
                 <a:solidFill>
                   <a:srgbClr val="D4D4D4"/>
                 </a:solidFill>
@@ -14148,7 +14165,7 @@
               <a:t>(</a:t>
             </a:r>
             <a:r>
-              <a:rPr lang="en-US" dirty="0" err="1" smtClean="0">
+              <a:rPr lang="en-US" dirty="0" err="1">
                 <a:solidFill>
                   <a:srgbClr val="9CDCFE"/>
                 </a:solidFill>
@@ -14157,7 +14174,7 @@
               <a:t>funcionario</a:t>
             </a:r>
             <a:r>
-              <a:rPr lang="en-US" dirty="0" smtClean="0">
+              <a:rPr lang="en-US" dirty="0">
                 <a:solidFill>
                   <a:srgbClr val="D4D4D4"/>
                 </a:solidFill>
@@ -14194,13 +14211,6 @@
               </a:rPr>
               <a:t>}</a:t>
             </a:r>
-            <a:endParaRPr lang="en-US" b="0" dirty="0">
-              <a:solidFill>
-                <a:srgbClr val="D4D4D4"/>
-              </a:solidFill>
-              <a:effectLst/>
-              <a:latin typeface="Consolas" panose="020B0609020204030204" pitchFamily="49" charset="0"/>
-            </a:endParaRPr>
           </a:p>
         </p:txBody>
       </p:sp>
@@ -14212,7 +14222,7 @@
         </p:nvSpPr>
         <p:spPr>
           <a:xfrm>
-            <a:off x="0" y="6237312"/>
+            <a:off x="1524000" y="6237312"/>
             <a:ext cx="9144000" cy="385192"/>
           </a:xfrm>
           <a:prstGeom prst="rect">
@@ -14265,7 +14275,7 @@
           <a:p>
             <a:pPr algn="r"/>
             <a:r>
-              <a:rPr lang="pt-BR" sz="1400" b="1" dirty="0" smtClean="0">
+              <a:rPr lang="pt-BR" sz="1400" b="1" dirty="0">
                 <a:solidFill>
                   <a:schemeClr val="bg1"/>
                 </a:solidFill>
@@ -14339,7 +14349,7 @@
         </p:nvSpPr>
         <p:spPr>
           <a:xfrm>
-            <a:off x="3059832" y="2053006"/>
+            <a:off x="4583832" y="2053006"/>
             <a:ext cx="5688632" cy="3127174"/>
           </a:xfrm>
           <a:prstGeom prst="rect">
@@ -14404,7 +14414,7 @@
         </p:blipFill>
         <p:spPr bwMode="auto">
           <a:xfrm>
-            <a:off x="4999983" y="3501010"/>
+            <a:off x="6523986" y="3501013"/>
             <a:ext cx="2112697" cy="702973"/>
           </a:xfrm>
           <a:prstGeom prst="rect">
@@ -14430,7 +14440,7 @@
         </p:nvGrpSpPr>
         <p:grpSpPr>
           <a:xfrm>
-            <a:off x="3352800" y="2194242"/>
+            <a:off x="4876800" y="2194242"/>
             <a:ext cx="2002514" cy="1108028"/>
             <a:chOff x="6818842" y="885163"/>
             <a:chExt cx="3570826" cy="1975801"/>
@@ -14545,7 +14555,7 @@
         </p:blipFill>
         <p:spPr bwMode="auto">
           <a:xfrm>
-            <a:off x="3535940" y="4374562"/>
+            <a:off x="5059940" y="4374562"/>
             <a:ext cx="1676400" cy="501916"/>
           </a:xfrm>
           <a:prstGeom prst="rect">
@@ -14585,7 +14595,7 @@
         </p:blipFill>
         <p:spPr>
           <a:xfrm>
-            <a:off x="549846" y="2053006"/>
+            <a:off x="2073849" y="2053006"/>
             <a:ext cx="2345757" cy="3127174"/>
           </a:xfrm>
           <a:prstGeom prst="rect">
@@ -14623,7 +14633,7 @@
         </p:blipFill>
         <p:spPr bwMode="auto">
           <a:xfrm>
-            <a:off x="7062237" y="4149082"/>
+            <a:off x="8586240" y="4149085"/>
             <a:ext cx="1339551" cy="838425"/>
           </a:xfrm>
           <a:prstGeom prst="rect">
@@ -14653,7 +14663,7 @@
         </p:nvSpPr>
         <p:spPr>
           <a:xfrm>
-            <a:off x="457200" y="274638"/>
+            <a:off x="1981200" y="274638"/>
             <a:ext cx="8229600" cy="1143000"/>
           </a:xfrm>
         </p:spPr>
@@ -14717,7 +14727,7 @@
         </p:blipFill>
         <p:spPr bwMode="auto">
           <a:xfrm>
-            <a:off x="5720406" y="2305219"/>
+            <a:off x="7244406" y="2305222"/>
             <a:ext cx="2740026" cy="595659"/>
           </a:xfrm>
           <a:prstGeom prst="rect">
@@ -14743,7 +14753,7 @@
         </p:nvSpPr>
         <p:spPr>
           <a:xfrm>
-            <a:off x="6075589" y="2927218"/>
+            <a:off x="7599592" y="2927218"/>
             <a:ext cx="1973297" cy="369332"/>
           </a:xfrm>
           <a:prstGeom prst="rect">
@@ -14925,7 +14935,7 @@
         </p:nvSpPr>
         <p:spPr>
           <a:xfrm>
-            <a:off x="2123728" y="3573016"/>
+            <a:off x="3647728" y="3573016"/>
             <a:ext cx="4572000" cy="2308324"/>
           </a:xfrm>
           <a:prstGeom prst="rect">
@@ -15320,13 +15330,6 @@
               </a:rPr>
               <a:t>}</a:t>
             </a:r>
-            <a:endParaRPr lang="en-US" b="0" dirty="0">
-              <a:solidFill>
-                <a:srgbClr val="D4D4D4"/>
-              </a:solidFill>
-              <a:effectLst/>
-              <a:latin typeface="Consolas" panose="020B0609020204030204" pitchFamily="49" charset="0"/>
-            </a:endParaRPr>
           </a:p>
         </p:txBody>
       </p:sp>
@@ -15338,7 +15341,7 @@
         </p:nvSpPr>
         <p:spPr>
           <a:xfrm>
-            <a:off x="0" y="6237312"/>
+            <a:off x="1524000" y="6237312"/>
             <a:ext cx="9144000" cy="385192"/>
           </a:xfrm>
           <a:prstGeom prst="rect">
@@ -15391,7 +15394,7 @@
           <a:p>
             <a:pPr algn="r"/>
             <a:r>
-              <a:rPr lang="pt-BR" sz="1400" b="1" dirty="0" smtClean="0">
+              <a:rPr lang="pt-BR" sz="1400" b="1" dirty="0">
                 <a:solidFill>
                   <a:schemeClr val="bg1"/>
                 </a:solidFill>
@@ -15465,7 +15468,7 @@
         </p:nvSpPr>
         <p:spPr>
           <a:xfrm>
-            <a:off x="0" y="6237312"/>
+            <a:off x="1524000" y="6237312"/>
             <a:ext cx="9144000" cy="385192"/>
           </a:xfrm>
           <a:prstGeom prst="rect">
@@ -15518,7 +15521,7 @@
           <a:p>
             <a:pPr algn="r"/>
             <a:r>
-              <a:rPr lang="pt-BR" sz="1400" b="1" dirty="0" smtClean="0">
+              <a:rPr lang="pt-BR" sz="1400" b="1" dirty="0">
                 <a:solidFill>
                   <a:schemeClr val="bg1"/>
                 </a:solidFill>
@@ -15602,7 +15605,7 @@
         </p:nvSpPr>
         <p:spPr>
           <a:xfrm>
-            <a:off x="786878" y="1556792"/>
+            <a:off x="2310878" y="1556795"/>
             <a:ext cx="7643192" cy="5078313"/>
           </a:xfrm>
           <a:prstGeom prst="rect">
@@ -16202,7 +16205,7 @@
               <a:t>&gt; : </a:t>
             </a:r>
             <a:r>
-              <a:rPr lang="en-US" dirty="0" smtClean="0">
+              <a:rPr lang="en-US" dirty="0">
                 <a:solidFill>
                   <a:srgbClr val="D4D4D4"/>
                 </a:solidFill>
@@ -16211,7 +16214,7 @@
               <a:t/>
             </a:r>
             <a:br>
-              <a:rPr lang="en-US" dirty="0" smtClean="0">
+              <a:rPr lang="en-US" dirty="0">
                 <a:solidFill>
                   <a:srgbClr val="D4D4D4"/>
                 </a:solidFill>
@@ -16219,7 +16222,7 @@
               </a:rPr>
             </a:br>
             <a:r>
-              <a:rPr lang="en-US" dirty="0" smtClean="0">
+              <a:rPr lang="en-US" dirty="0">
                 <a:solidFill>
                   <a:srgbClr val="D4D4D4"/>
                 </a:solidFill>
@@ -16228,7 +16231,7 @@
               <a:t>	</a:t>
             </a:r>
             <a:r>
-              <a:rPr lang="en-US" dirty="0" err="1" smtClean="0">
+              <a:rPr lang="en-US" dirty="0" err="1">
                 <a:solidFill>
                   <a:srgbClr val="4EC9B0"/>
                 </a:solidFill>
@@ -16237,7 +16240,7 @@
               <a:t>IReadRepository</a:t>
             </a:r>
             <a:r>
-              <a:rPr lang="en-US" dirty="0" smtClean="0">
+              <a:rPr lang="en-US" dirty="0">
                 <a:solidFill>
                   <a:srgbClr val="D4D4D4"/>
                 </a:solidFill>
@@ -16246,7 +16249,7 @@
               <a:t>&lt;</a:t>
             </a:r>
             <a:r>
-              <a:rPr lang="en-US" dirty="0" smtClean="0">
+              <a:rPr lang="en-US" dirty="0">
                 <a:solidFill>
                   <a:srgbClr val="4EC9B0"/>
                 </a:solidFill>
@@ -16338,13 +16341,6 @@
               </a:rPr>
               <a:t>}</a:t>
             </a:r>
-            <a:endParaRPr lang="en-US" b="0" dirty="0">
-              <a:solidFill>
-                <a:srgbClr val="D4D4D4"/>
-              </a:solidFill>
-              <a:effectLst/>
-              <a:latin typeface="Consolas" panose="020B0609020204030204" pitchFamily="49" charset="0"/>
-            </a:endParaRPr>
           </a:p>
         </p:txBody>
       </p:sp>
@@ -16480,7 +16476,7 @@
         </p:nvSpPr>
         <p:spPr>
           <a:xfrm>
-            <a:off x="827584" y="2939459"/>
+            <a:off x="2351584" y="2939462"/>
             <a:ext cx="7488832" cy="3139321"/>
           </a:xfrm>
           <a:prstGeom prst="rect">
@@ -16970,13 +16966,6 @@
               </a:rPr>
               <a:t>}</a:t>
             </a:r>
-            <a:endParaRPr lang="en-US" b="0" dirty="0">
-              <a:solidFill>
-                <a:srgbClr val="D4D4D4"/>
-              </a:solidFill>
-              <a:effectLst/>
-              <a:latin typeface="Consolas" panose="020B0609020204030204" pitchFamily="49" charset="0"/>
-            </a:endParaRPr>
           </a:p>
         </p:txBody>
       </p:sp>
@@ -16988,7 +16977,7 @@
         </p:nvSpPr>
         <p:spPr>
           <a:xfrm>
-            <a:off x="0" y="6237312"/>
+            <a:off x="1524000" y="6237312"/>
             <a:ext cx="9144000" cy="385192"/>
           </a:xfrm>
           <a:prstGeom prst="rect">
@@ -17041,7 +17030,7 @@
           <a:p>
             <a:pPr algn="r"/>
             <a:r>
-              <a:rPr lang="pt-BR" sz="1400" b="1" dirty="0" smtClean="0">
+              <a:rPr lang="pt-BR" sz="1400" b="1" dirty="0">
                 <a:solidFill>
                   <a:schemeClr val="bg1"/>
                 </a:solidFill>
@@ -17168,7 +17157,7 @@
         </p:nvSpPr>
         <p:spPr>
           <a:xfrm>
-            <a:off x="287524" y="1554465"/>
+            <a:off x="1811524" y="1554465"/>
             <a:ext cx="8568952" cy="4801314"/>
           </a:xfrm>
           <a:prstGeom prst="rect">
@@ -17268,7 +17257,7 @@
               <a:t> </a:t>
             </a:r>
             <a:r>
-              <a:rPr lang="en-US" dirty="0" err="1" smtClean="0">
+              <a:rPr lang="en-US" dirty="0" err="1">
                 <a:solidFill>
                   <a:srgbClr val="DCDCAA"/>
                 </a:solidFill>
@@ -17277,7 +17266,7 @@
               <a:t>SendMail</a:t>
             </a:r>
             <a:r>
-              <a:rPr lang="en-US" dirty="0" smtClean="0">
+              <a:rPr lang="en-US" dirty="0">
                 <a:solidFill>
                   <a:srgbClr val="D4D4D4"/>
                 </a:solidFill>
@@ -17286,7 +17275,7 @@
               <a:t>(</a:t>
             </a:r>
             <a:r>
-              <a:rPr lang="en-US" dirty="0" smtClean="0">
+              <a:rPr lang="en-US" dirty="0">
                 <a:solidFill>
                   <a:srgbClr val="569CD6"/>
                 </a:solidFill>
@@ -17295,7 +17284,7 @@
               <a:t>string</a:t>
             </a:r>
             <a:r>
-              <a:rPr lang="en-US" dirty="0" smtClean="0">
+              <a:rPr lang="en-US" dirty="0">
                 <a:solidFill>
                   <a:srgbClr val="D4D4D4"/>
                 </a:solidFill>
@@ -17329,162 +17318,6 @@
                 <a:latin typeface="Consolas" panose="020B0609020204030204" pitchFamily="49" charset="0"/>
               </a:rPr>
               <a:t> from, </a:t>
-            </a:r>
-            <a:endParaRPr lang="en-US" dirty="0" smtClean="0">
-              <a:solidFill>
-                <a:srgbClr val="D4D4D4"/>
-              </a:solidFill>
-              <a:latin typeface="Consolas" panose="020B0609020204030204" pitchFamily="49" charset="0"/>
-            </a:endParaRPr>
-          </a:p>
-          <a:p>
-            <a:pPr lvl="1"/>
-            <a:r>
-              <a:rPr lang="en-US" dirty="0">
-                <a:solidFill>
-                  <a:srgbClr val="D4D4D4"/>
-                </a:solidFill>
-                <a:latin typeface="Consolas" panose="020B0609020204030204" pitchFamily="49" charset="0"/>
-              </a:rPr>
-              <a:t>	</a:t>
-            </a:r>
-            <a:r>
-              <a:rPr lang="en-US" dirty="0" smtClean="0">
-                <a:solidFill>
-                  <a:srgbClr val="569CD6"/>
-                </a:solidFill>
-                <a:latin typeface="Consolas" panose="020B0609020204030204" pitchFamily="49" charset="0"/>
-              </a:rPr>
-              <a:t>string</a:t>
-            </a:r>
-            <a:r>
-              <a:rPr lang="en-US" dirty="0" smtClean="0">
-                <a:solidFill>
-                  <a:srgbClr val="D4D4D4"/>
-                </a:solidFill>
-                <a:latin typeface="Consolas" panose="020B0609020204030204" pitchFamily="49" charset="0"/>
-              </a:rPr>
-              <a:t> </a:t>
-            </a:r>
-            <a:r>
-              <a:rPr lang="en-US" dirty="0">
-                <a:solidFill>
-                  <a:srgbClr val="D4D4D4"/>
-                </a:solidFill>
-                <a:latin typeface="Consolas" panose="020B0609020204030204" pitchFamily="49" charset="0"/>
-              </a:rPr>
-              <a:t>subject, </a:t>
-            </a:r>
-            <a:r>
-              <a:rPr lang="en-US" dirty="0">
-                <a:solidFill>
-                  <a:srgbClr val="569CD6"/>
-                </a:solidFill>
-                <a:latin typeface="Consolas" panose="020B0609020204030204" pitchFamily="49" charset="0"/>
-              </a:rPr>
-              <a:t>string</a:t>
-            </a:r>
-            <a:r>
-              <a:rPr lang="en-US" dirty="0">
-                <a:solidFill>
-                  <a:srgbClr val="D4D4D4"/>
-                </a:solidFill>
-                <a:latin typeface="Consolas" panose="020B0609020204030204" pitchFamily="49" charset="0"/>
-              </a:rPr>
-              <a:t> body);</a:t>
-            </a:r>
-          </a:p>
-          <a:p>
-            <a:r>
-              <a:rPr lang="en-US" dirty="0">
-                <a:solidFill>
-                  <a:srgbClr val="D4D4D4"/>
-                </a:solidFill>
-                <a:latin typeface="Consolas" panose="020B0609020204030204" pitchFamily="49" charset="0"/>
-              </a:rPr>
-              <a:t>}</a:t>
-            </a:r>
-          </a:p>
-          <a:p>
-            <a:r>
-              <a:rPr lang="en-US" dirty="0">
-                <a:solidFill>
-                  <a:srgbClr val="D4D4D4"/>
-                </a:solidFill>
-                <a:latin typeface="Consolas" panose="020B0609020204030204" pitchFamily="49" charset="0"/>
-              </a:rPr>
-              <a:t/>
-            </a:r>
-            <a:br>
-              <a:rPr lang="en-US" dirty="0">
-                <a:solidFill>
-                  <a:srgbClr val="D4D4D4"/>
-                </a:solidFill>
-                <a:latin typeface="Consolas" panose="020B0609020204030204" pitchFamily="49" charset="0"/>
-              </a:rPr>
-            </a:br>
-            <a:r>
-              <a:rPr lang="en-US" dirty="0">
-                <a:solidFill>
-                  <a:srgbClr val="569CD6"/>
-                </a:solidFill>
-                <a:latin typeface="Consolas" panose="020B0609020204030204" pitchFamily="49" charset="0"/>
-              </a:rPr>
-              <a:t>public</a:t>
-            </a:r>
-            <a:r>
-              <a:rPr lang="en-US" dirty="0">
-                <a:solidFill>
-                  <a:srgbClr val="D4D4D4"/>
-                </a:solidFill>
-                <a:latin typeface="Consolas" panose="020B0609020204030204" pitchFamily="49" charset="0"/>
-              </a:rPr>
-              <a:t> </a:t>
-            </a:r>
-            <a:r>
-              <a:rPr lang="en-US" dirty="0">
-                <a:solidFill>
-                  <a:srgbClr val="569CD6"/>
-                </a:solidFill>
-                <a:latin typeface="Consolas" panose="020B0609020204030204" pitchFamily="49" charset="0"/>
-              </a:rPr>
-              <a:t>class</a:t>
-            </a:r>
-            <a:r>
-              <a:rPr lang="en-US" dirty="0">
-                <a:solidFill>
-                  <a:srgbClr val="D4D4D4"/>
-                </a:solidFill>
-                <a:latin typeface="Consolas" panose="020B0609020204030204" pitchFamily="49" charset="0"/>
-              </a:rPr>
-              <a:t> </a:t>
-            </a:r>
-            <a:r>
-              <a:rPr lang="en-US" dirty="0" err="1">
-                <a:solidFill>
-                  <a:srgbClr val="4EC9B0"/>
-                </a:solidFill>
-                <a:latin typeface="Consolas" panose="020B0609020204030204" pitchFamily="49" charset="0"/>
-              </a:rPr>
-              <a:t>LiveSmtpMailer</a:t>
-            </a:r>
-            <a:r>
-              <a:rPr lang="en-US" dirty="0">
-                <a:solidFill>
-                  <a:srgbClr val="D4D4D4"/>
-                </a:solidFill>
-                <a:latin typeface="Consolas" panose="020B0609020204030204" pitchFamily="49" charset="0"/>
-              </a:rPr>
-              <a:t> : </a:t>
-            </a:r>
-            <a:r>
-              <a:rPr lang="en-US" dirty="0" err="1">
-                <a:solidFill>
-                  <a:srgbClr val="4EC9B0"/>
-                </a:solidFill>
-                <a:latin typeface="Consolas" panose="020B0609020204030204" pitchFamily="49" charset="0"/>
-              </a:rPr>
-              <a:t>ISendEmail</a:t>
             </a:r>
             <a:endParaRPr lang="en-US" dirty="0">
               <a:solidFill>
@@ -17494,6 +17327,7 @@
             </a:endParaRPr>
           </a:p>
           <a:p>
+            <a:pPr lvl="1"/>
             <a:r>
               <a:rPr lang="en-US" dirty="0">
                 <a:solidFill>
@@ -17501,11 +17335,8 @@
                 </a:solidFill>
                 <a:latin typeface="Consolas" panose="020B0609020204030204" pitchFamily="49" charset="0"/>
               </a:rPr>
-              <a:t>{</a:t>
-            </a:r>
-          </a:p>
-          <a:p>
-            <a:pPr lvl="1"/>
+              <a:t>	</a:t>
+            </a:r>
             <a:r>
               <a:rPr lang="en-US" dirty="0">
                 <a:solidFill>
@@ -17513,7 +17344,7 @@
                 </a:solidFill>
                 <a:latin typeface="Consolas" panose="020B0609020204030204" pitchFamily="49" charset="0"/>
               </a:rPr>
-              <a:t>void</a:t>
+              <a:t>string</a:t>
             </a:r>
             <a:r>
               <a:rPr lang="en-US" dirty="0">
@@ -17525,13 +17356,106 @@
               <a:t> </a:t>
             </a:r>
             <a:r>
+              <a:rPr lang="en-US" dirty="0">
+                <a:solidFill>
+                  <a:srgbClr val="D4D4D4"/>
+                </a:solidFill>
+                <a:latin typeface="Consolas" panose="020B0609020204030204" pitchFamily="49" charset="0"/>
+              </a:rPr>
+              <a:t>subject, </a:t>
+            </a:r>
+            <a:r>
+              <a:rPr lang="en-US" dirty="0">
+                <a:solidFill>
+                  <a:srgbClr val="569CD6"/>
+                </a:solidFill>
+                <a:latin typeface="Consolas" panose="020B0609020204030204" pitchFamily="49" charset="0"/>
+              </a:rPr>
+              <a:t>string</a:t>
+            </a:r>
+            <a:r>
+              <a:rPr lang="en-US" dirty="0">
+                <a:solidFill>
+                  <a:srgbClr val="D4D4D4"/>
+                </a:solidFill>
+                <a:latin typeface="Consolas" panose="020B0609020204030204" pitchFamily="49" charset="0"/>
+              </a:rPr>
+              <a:t> body);</a:t>
+            </a:r>
+          </a:p>
+          <a:p>
+            <a:r>
+              <a:rPr lang="en-US" dirty="0">
+                <a:solidFill>
+                  <a:srgbClr val="D4D4D4"/>
+                </a:solidFill>
+                <a:latin typeface="Consolas" panose="020B0609020204030204" pitchFamily="49" charset="0"/>
+              </a:rPr>
+              <a:t>}</a:t>
+            </a:r>
+          </a:p>
+          <a:p>
+            <a:r>
+              <a:rPr lang="en-US" dirty="0">
+                <a:solidFill>
+                  <a:srgbClr val="D4D4D4"/>
+                </a:solidFill>
+                <a:latin typeface="Consolas" panose="020B0609020204030204" pitchFamily="49" charset="0"/>
+              </a:rPr>
+              <a:t/>
+            </a:r>
+            <a:br>
+              <a:rPr lang="en-US" dirty="0">
+                <a:solidFill>
+                  <a:srgbClr val="D4D4D4"/>
+                </a:solidFill>
+                <a:latin typeface="Consolas" panose="020B0609020204030204" pitchFamily="49" charset="0"/>
+              </a:rPr>
+            </a:br>
+            <a:r>
+              <a:rPr lang="en-US" dirty="0">
+                <a:solidFill>
+                  <a:srgbClr val="569CD6"/>
+                </a:solidFill>
+                <a:latin typeface="Consolas" panose="020B0609020204030204" pitchFamily="49" charset="0"/>
+              </a:rPr>
+              <a:t>public</a:t>
+            </a:r>
+            <a:r>
+              <a:rPr lang="en-US" dirty="0">
+                <a:solidFill>
+                  <a:srgbClr val="D4D4D4"/>
+                </a:solidFill>
+                <a:latin typeface="Consolas" panose="020B0609020204030204" pitchFamily="49" charset="0"/>
+              </a:rPr>
+              <a:t> </a:t>
+            </a:r>
+            <a:r>
+              <a:rPr lang="en-US" dirty="0">
+                <a:solidFill>
+                  <a:srgbClr val="569CD6"/>
+                </a:solidFill>
+                <a:latin typeface="Consolas" panose="020B0609020204030204" pitchFamily="49" charset="0"/>
+              </a:rPr>
+              <a:t>class</a:t>
+            </a:r>
+            <a:r>
+              <a:rPr lang="en-US" dirty="0">
+                <a:solidFill>
+                  <a:srgbClr val="D4D4D4"/>
+                </a:solidFill>
+                <a:latin typeface="Consolas" panose="020B0609020204030204" pitchFamily="49" charset="0"/>
+              </a:rPr>
+              <a:t> </a:t>
+            </a:r>
+            <a:r>
               <a:rPr lang="en-US" dirty="0" err="1">
                 <a:solidFill>
-                  <a:srgbClr val="DCDCAA"/>
-                </a:solidFill>
-                <a:latin typeface="Consolas" panose="020B0609020204030204" pitchFamily="49" charset="0"/>
-              </a:rPr>
-              <a:t>SendMail</a:t>
+                  <a:srgbClr val="4EC9B0"/>
+                </a:solidFill>
+                <a:latin typeface="Consolas" panose="020B0609020204030204" pitchFamily="49" charset="0"/>
+              </a:rPr>
+              <a:t>LiveSmtpMailer</a:t>
             </a:r>
             <a:r>
               <a:rPr lang="en-US" dirty="0">
@@ -17540,45 +17464,18 @@
                 </a:solidFill>
                 <a:latin typeface="Consolas" panose="020B0609020204030204" pitchFamily="49" charset="0"/>
               </a:rPr>
-              <a:t>(</a:t>
-            </a:r>
-            <a:r>
-              <a:rPr lang="en-US" dirty="0">
-                <a:solidFill>
-                  <a:srgbClr val="569CD6"/>
-                </a:solidFill>
-                <a:latin typeface="Consolas" panose="020B0609020204030204" pitchFamily="49" charset="0"/>
-              </a:rPr>
-              <a:t>string</a:t>
-            </a:r>
-            <a:r>
-              <a:rPr lang="en-US" dirty="0">
-                <a:solidFill>
-                  <a:srgbClr val="D4D4D4"/>
-                </a:solidFill>
-                <a:latin typeface="Consolas" panose="020B0609020204030204" pitchFamily="49" charset="0"/>
-              </a:rPr>
-              <a:t> to, </a:t>
-            </a:r>
-            <a:r>
-              <a:rPr lang="en-US" dirty="0">
-                <a:solidFill>
-                  <a:srgbClr val="569CD6"/>
-                </a:solidFill>
-                <a:latin typeface="Consolas" panose="020B0609020204030204" pitchFamily="49" charset="0"/>
-              </a:rPr>
-              <a:t>string</a:t>
-            </a:r>
-            <a:r>
-              <a:rPr lang="en-US" dirty="0">
-                <a:solidFill>
-                  <a:srgbClr val="D4D4D4"/>
-                </a:solidFill>
-                <a:latin typeface="Consolas" panose="020B0609020204030204" pitchFamily="49" charset="0"/>
-              </a:rPr>
-              <a:t> from, </a:t>
-            </a:r>
-            <a:endParaRPr lang="en-US" dirty="0" smtClean="0">
+              <a:t> : </a:t>
+            </a:r>
+            <a:r>
+              <a:rPr lang="en-US" dirty="0" err="1">
+                <a:solidFill>
+                  <a:srgbClr val="4EC9B0"/>
+                </a:solidFill>
+                <a:latin typeface="Consolas" panose="020B0609020204030204" pitchFamily="49" charset="0"/>
+              </a:rPr>
+              <a:t>ISendEmail</a:t>
+            </a:r>
+            <a:endParaRPr lang="en-US" dirty="0">
               <a:solidFill>
                 <a:srgbClr val="D4D4D4"/>
               </a:solidFill>
@@ -17586,18 +17483,56 @@
             </a:endParaRPr>
           </a:p>
           <a:p>
+            <a:r>
+              <a:rPr lang="en-US" dirty="0">
+                <a:solidFill>
+                  <a:srgbClr val="D4D4D4"/>
+                </a:solidFill>
+                <a:latin typeface="Consolas" panose="020B0609020204030204" pitchFamily="49" charset="0"/>
+              </a:rPr>
+              <a:t>{</a:t>
+            </a:r>
+          </a:p>
+          <a:p>
             <a:pPr lvl="1"/>
             <a:r>
               <a:rPr lang="en-US" dirty="0">
                 <a:solidFill>
+                  <a:srgbClr val="569CD6"/>
+                </a:solidFill>
+                <a:latin typeface="Consolas" panose="020B0609020204030204" pitchFamily="49" charset="0"/>
+              </a:rPr>
+              <a:t>void</a:t>
+            </a:r>
+            <a:r>
+              <a:rPr lang="en-US" dirty="0">
+                <a:solidFill>
                   <a:srgbClr val="D4D4D4"/>
                 </a:solidFill>
                 <a:latin typeface="Consolas" panose="020B0609020204030204" pitchFamily="49" charset="0"/>
               </a:rPr>
-              <a:t>	</a:t>
-            </a:r>
-            <a:r>
-              <a:rPr lang="en-US" dirty="0" smtClean="0">
+              <a:t> </a:t>
+            </a:r>
+            <a:r>
+              <a:rPr lang="en-US" dirty="0" err="1">
+                <a:solidFill>
+                  <a:srgbClr val="DCDCAA"/>
+                </a:solidFill>
+                <a:latin typeface="Consolas" panose="020B0609020204030204" pitchFamily="49" charset="0"/>
+              </a:rPr>
+              <a:t>SendMail</a:t>
+            </a:r>
+            <a:r>
+              <a:rPr lang="en-US" dirty="0">
+                <a:solidFill>
+                  <a:srgbClr val="D4D4D4"/>
+                </a:solidFill>
+                <a:latin typeface="Consolas" panose="020B0609020204030204" pitchFamily="49" charset="0"/>
+              </a:rPr>
+              <a:t>(</a:t>
+            </a:r>
+            <a:r>
+              <a:rPr lang="en-US" dirty="0">
                 <a:solidFill>
                   <a:srgbClr val="569CD6"/>
                 </a:solidFill>
@@ -17606,13 +17541,22 @@
               <a:t>string</a:t>
             </a:r>
             <a:r>
-              <a:rPr lang="en-US" dirty="0" smtClean="0">
+              <a:rPr lang="en-US" dirty="0">
                 <a:solidFill>
                   <a:srgbClr val="D4D4D4"/>
                 </a:solidFill>
                 <a:latin typeface="Consolas" panose="020B0609020204030204" pitchFamily="49" charset="0"/>
               </a:rPr>
-              <a:t> </a:t>
+              <a:t> to, </a:t>
+            </a:r>
+            <a:r>
+              <a:rPr lang="en-US" dirty="0">
+                <a:solidFill>
+                  <a:srgbClr val="569CD6"/>
+                </a:solidFill>
+                <a:latin typeface="Consolas" panose="020B0609020204030204" pitchFamily="49" charset="0"/>
+              </a:rPr>
+              <a:t>string</a:t>
             </a:r>
             <a:r>
               <a:rPr lang="en-US" dirty="0">
@@ -17621,150 +17565,9 @@
                 </a:solidFill>
                 <a:latin typeface="Consolas" panose="020B0609020204030204" pitchFamily="49" charset="0"/>
               </a:rPr>
-              <a:t>subject, </a:t>
-            </a:r>
-            <a:r>
-              <a:rPr lang="en-US" dirty="0">
-                <a:solidFill>
-                  <a:srgbClr val="569CD6"/>
-                </a:solidFill>
-                <a:latin typeface="Consolas" panose="020B0609020204030204" pitchFamily="49" charset="0"/>
-              </a:rPr>
-              <a:t>string</a:t>
-            </a:r>
-            <a:r>
-              <a:rPr lang="en-US" dirty="0">
-                <a:solidFill>
-                  <a:srgbClr val="D4D4D4"/>
-                </a:solidFill>
-                <a:latin typeface="Consolas" panose="020B0609020204030204" pitchFamily="49" charset="0"/>
-              </a:rPr>
-              <a:t> body)</a:t>
-            </a:r>
-          </a:p>
-          <a:p>
-            <a:pPr lvl="1"/>
-            <a:r>
-              <a:rPr lang="en-US" dirty="0">
-                <a:solidFill>
-                  <a:srgbClr val="D4D4D4"/>
-                </a:solidFill>
-                <a:latin typeface="Consolas" panose="020B0609020204030204" pitchFamily="49" charset="0"/>
-              </a:rPr>
-              <a:t>{</a:t>
-            </a:r>
-          </a:p>
-          <a:p>
-            <a:pPr lvl="2"/>
-            <a:r>
-              <a:rPr lang="en-US" dirty="0" err="1">
-                <a:solidFill>
-                  <a:srgbClr val="4EC9B0"/>
-                </a:solidFill>
-                <a:latin typeface="Consolas" panose="020B0609020204030204" pitchFamily="49" charset="0"/>
-              </a:rPr>
-              <a:t>MailMessage</a:t>
-            </a:r>
-            <a:r>
-              <a:rPr lang="en-US" dirty="0">
-                <a:solidFill>
-                  <a:srgbClr val="D4D4D4"/>
-                </a:solidFill>
-                <a:latin typeface="Consolas" panose="020B0609020204030204" pitchFamily="49" charset="0"/>
-              </a:rPr>
-              <a:t> </a:t>
-            </a:r>
-            <a:r>
-              <a:rPr lang="en-US" dirty="0" err="1">
-                <a:solidFill>
-                  <a:srgbClr val="D4D4D4"/>
-                </a:solidFill>
-                <a:latin typeface="Consolas" panose="020B0609020204030204" pitchFamily="49" charset="0"/>
-              </a:rPr>
-              <a:t>myMessage</a:t>
-            </a:r>
-            <a:r>
-              <a:rPr lang="en-US" dirty="0">
-                <a:solidFill>
-                  <a:srgbClr val="D4D4D4"/>
-                </a:solidFill>
-                <a:latin typeface="Consolas" panose="020B0609020204030204" pitchFamily="49" charset="0"/>
-              </a:rPr>
-              <a:t> = </a:t>
-            </a:r>
-            <a:r>
-              <a:rPr lang="en-US" dirty="0">
-                <a:solidFill>
-                  <a:srgbClr val="569CD6"/>
-                </a:solidFill>
-                <a:latin typeface="Consolas" panose="020B0609020204030204" pitchFamily="49" charset="0"/>
-              </a:rPr>
-              <a:t>new</a:t>
-            </a:r>
-            <a:r>
-              <a:rPr lang="en-US" dirty="0">
-                <a:solidFill>
-                  <a:srgbClr val="D4D4D4"/>
-                </a:solidFill>
-                <a:latin typeface="Consolas" panose="020B0609020204030204" pitchFamily="49" charset="0"/>
-              </a:rPr>
-              <a:t> </a:t>
-            </a:r>
-            <a:r>
-              <a:rPr lang="en-US" dirty="0" err="1" smtClean="0">
-                <a:solidFill>
-                  <a:srgbClr val="4EC9B0"/>
-                </a:solidFill>
-                <a:latin typeface="Consolas" panose="020B0609020204030204" pitchFamily="49" charset="0"/>
-              </a:rPr>
-              <a:t>MailMessage</a:t>
-            </a:r>
-            <a:r>
-              <a:rPr lang="en-US" dirty="0" smtClean="0">
-                <a:solidFill>
-                  <a:srgbClr val="D4D4D4"/>
-                </a:solidFill>
-                <a:latin typeface="Consolas" panose="020B0609020204030204" pitchFamily="49" charset="0"/>
-              </a:rPr>
-              <a:t>(</a:t>
-            </a:r>
-            <a:r>
-              <a:rPr lang="en-US" dirty="0" smtClean="0">
-                <a:solidFill>
-                  <a:srgbClr val="9CDCFE"/>
-                </a:solidFill>
-                <a:latin typeface="Consolas" panose="020B0609020204030204" pitchFamily="49" charset="0"/>
-              </a:rPr>
-              <a:t>from</a:t>
-            </a:r>
-            <a:r>
-              <a:rPr lang="en-US" dirty="0">
-                <a:solidFill>
-                  <a:srgbClr val="D4D4D4"/>
-                </a:solidFill>
-                <a:latin typeface="Consolas" panose="020B0609020204030204" pitchFamily="49" charset="0"/>
-              </a:rPr>
-              <a:t>, </a:t>
-            </a:r>
-            <a:r>
-              <a:rPr lang="en-US" dirty="0">
-                <a:solidFill>
-                  <a:srgbClr val="9CDCFE"/>
-                </a:solidFill>
-                <a:latin typeface="Consolas" panose="020B0609020204030204" pitchFamily="49" charset="0"/>
-              </a:rPr>
-              <a:t>to</a:t>
-            </a:r>
-            <a:r>
-              <a:rPr lang="en-US" dirty="0">
-                <a:solidFill>
-                  <a:srgbClr val="D4D4D4"/>
-                </a:solidFill>
-                <a:latin typeface="Consolas" panose="020B0609020204030204" pitchFamily="49" charset="0"/>
-              </a:rPr>
-              <a:t>, </a:t>
-            </a:r>
-            <a:endParaRPr lang="en-US" dirty="0" smtClean="0">
+              <a:t> from, </a:t>
+            </a:r>
+            <a:endParaRPr lang="en-US" dirty="0">
               <a:solidFill>
                 <a:srgbClr val="D4D4D4"/>
               </a:solidFill>
@@ -17772,24 +17575,156 @@
             </a:endParaRPr>
           </a:p>
           <a:p>
+            <a:pPr lvl="1"/>
+            <a:r>
+              <a:rPr lang="en-US" dirty="0">
+                <a:solidFill>
+                  <a:srgbClr val="D4D4D4"/>
+                </a:solidFill>
+                <a:latin typeface="Consolas" panose="020B0609020204030204" pitchFamily="49" charset="0"/>
+              </a:rPr>
+              <a:t>	</a:t>
+            </a:r>
+            <a:r>
+              <a:rPr lang="en-US" dirty="0">
+                <a:solidFill>
+                  <a:srgbClr val="569CD6"/>
+                </a:solidFill>
+                <a:latin typeface="Consolas" panose="020B0609020204030204" pitchFamily="49" charset="0"/>
+              </a:rPr>
+              <a:t>string</a:t>
+            </a:r>
+            <a:r>
+              <a:rPr lang="en-US" dirty="0">
+                <a:solidFill>
+                  <a:srgbClr val="D4D4D4"/>
+                </a:solidFill>
+                <a:latin typeface="Consolas" panose="020B0609020204030204" pitchFamily="49" charset="0"/>
+              </a:rPr>
+              <a:t> </a:t>
+            </a:r>
+            <a:r>
+              <a:rPr lang="en-US" dirty="0">
+                <a:solidFill>
+                  <a:srgbClr val="D4D4D4"/>
+                </a:solidFill>
+                <a:latin typeface="Consolas" panose="020B0609020204030204" pitchFamily="49" charset="0"/>
+              </a:rPr>
+              <a:t>subject, </a:t>
+            </a:r>
+            <a:r>
+              <a:rPr lang="en-US" dirty="0">
+                <a:solidFill>
+                  <a:srgbClr val="569CD6"/>
+                </a:solidFill>
+                <a:latin typeface="Consolas" panose="020B0609020204030204" pitchFamily="49" charset="0"/>
+              </a:rPr>
+              <a:t>string</a:t>
+            </a:r>
+            <a:r>
+              <a:rPr lang="en-US" dirty="0">
+                <a:solidFill>
+                  <a:srgbClr val="D4D4D4"/>
+                </a:solidFill>
+                <a:latin typeface="Consolas" panose="020B0609020204030204" pitchFamily="49" charset="0"/>
+              </a:rPr>
+              <a:t> body)</a:t>
+            </a:r>
+          </a:p>
+          <a:p>
+            <a:pPr lvl="1"/>
+            <a:r>
+              <a:rPr lang="en-US" dirty="0">
+                <a:solidFill>
+                  <a:srgbClr val="D4D4D4"/>
+                </a:solidFill>
+                <a:latin typeface="Consolas" panose="020B0609020204030204" pitchFamily="49" charset="0"/>
+              </a:rPr>
+              <a:t>{</a:t>
+            </a:r>
+          </a:p>
+          <a:p>
             <a:pPr lvl="2"/>
             <a:r>
+              <a:rPr lang="en-US" dirty="0" err="1">
+                <a:solidFill>
+                  <a:srgbClr val="4EC9B0"/>
+                </a:solidFill>
+                <a:latin typeface="Consolas" panose="020B0609020204030204" pitchFamily="49" charset="0"/>
+              </a:rPr>
+              <a:t>MailMessage</a:t>
+            </a:r>
+            <a:r>
               <a:rPr lang="en-US" dirty="0">
                 <a:solidFill>
                   <a:srgbClr val="D4D4D4"/>
                 </a:solidFill>
                 <a:latin typeface="Consolas" panose="020B0609020204030204" pitchFamily="49" charset="0"/>
               </a:rPr>
-              <a:t>	</a:t>
-            </a:r>
-            <a:r>
-              <a:rPr lang="en-US" dirty="0" smtClean="0">
+              <a:t> </a:t>
+            </a:r>
+            <a:r>
+              <a:rPr lang="en-US" dirty="0" err="1">
+                <a:solidFill>
+                  <a:srgbClr val="D4D4D4"/>
+                </a:solidFill>
+                <a:latin typeface="Consolas" panose="020B0609020204030204" pitchFamily="49" charset="0"/>
+              </a:rPr>
+              <a:t>myMessage</a:t>
+            </a:r>
+            <a:r>
+              <a:rPr lang="en-US" dirty="0">
+                <a:solidFill>
+                  <a:srgbClr val="D4D4D4"/>
+                </a:solidFill>
+                <a:latin typeface="Consolas" panose="020B0609020204030204" pitchFamily="49" charset="0"/>
+              </a:rPr>
+              <a:t> = </a:t>
+            </a:r>
+            <a:r>
+              <a:rPr lang="en-US" dirty="0">
+                <a:solidFill>
+                  <a:srgbClr val="569CD6"/>
+                </a:solidFill>
+                <a:latin typeface="Consolas" panose="020B0609020204030204" pitchFamily="49" charset="0"/>
+              </a:rPr>
+              <a:t>new</a:t>
+            </a:r>
+            <a:r>
+              <a:rPr lang="en-US" dirty="0">
+                <a:solidFill>
+                  <a:srgbClr val="D4D4D4"/>
+                </a:solidFill>
+                <a:latin typeface="Consolas" panose="020B0609020204030204" pitchFamily="49" charset="0"/>
+              </a:rPr>
+              <a:t> </a:t>
+            </a:r>
+            <a:r>
+              <a:rPr lang="en-US" dirty="0" err="1">
+                <a:solidFill>
+                  <a:srgbClr val="4EC9B0"/>
+                </a:solidFill>
+                <a:latin typeface="Consolas" panose="020B0609020204030204" pitchFamily="49" charset="0"/>
+              </a:rPr>
+              <a:t>MailMessage</a:t>
+            </a:r>
+            <a:r>
+              <a:rPr lang="en-US" dirty="0">
+                <a:solidFill>
+                  <a:srgbClr val="D4D4D4"/>
+                </a:solidFill>
+                <a:latin typeface="Consolas" panose="020B0609020204030204" pitchFamily="49" charset="0"/>
+              </a:rPr>
+              <a:t>(</a:t>
+            </a:r>
+            <a:r>
+              <a:rPr lang="en-US" dirty="0">
                 <a:solidFill>
                   <a:srgbClr val="9CDCFE"/>
                 </a:solidFill>
                 <a:latin typeface="Consolas" panose="020B0609020204030204" pitchFamily="49" charset="0"/>
               </a:rPr>
-              <a:t>subject</a:t>
+              <a:t>from</a:t>
             </a:r>
             <a:r>
               <a:rPr lang="en-US" dirty="0">
@@ -17807,7 +17742,7 @@
                 </a:solidFill>
                 <a:latin typeface="Consolas" panose="020B0609020204030204" pitchFamily="49" charset="0"/>
               </a:rPr>
-              <a:t>body</a:t>
+              <a:t>to</a:t>
             </a:r>
             <a:r>
               <a:rPr lang="en-US" dirty="0">
@@ -17816,188 +17751,235 @@
                 </a:solidFill>
                 <a:latin typeface="Consolas" panose="020B0609020204030204" pitchFamily="49" charset="0"/>
               </a:rPr>
-              <a:t>);</a:t>
-            </a:r>
-          </a:p>
-          <a:p>
-            <a:pPr lvl="2"/>
-            <a:r>
-              <a:rPr lang="en-US" dirty="0" err="1">
-                <a:solidFill>
-                  <a:srgbClr val="4EC9B0"/>
-                </a:solidFill>
-                <a:latin typeface="Consolas" panose="020B0609020204030204" pitchFamily="49" charset="0"/>
-              </a:rPr>
-              <a:t>SmtpClient</a:t>
-            </a:r>
-            <a:r>
-              <a:rPr lang="en-US" dirty="0">
-                <a:solidFill>
-                  <a:srgbClr val="D4D4D4"/>
-                </a:solidFill>
-                <a:latin typeface="Consolas" panose="020B0609020204030204" pitchFamily="49" charset="0"/>
-              </a:rPr>
-              <a:t> </a:t>
-            </a:r>
-            <a:r>
-              <a:rPr lang="en-US" dirty="0" err="1">
-                <a:solidFill>
-                  <a:srgbClr val="D4D4D4"/>
-                </a:solidFill>
-                <a:latin typeface="Consolas" panose="020B0609020204030204" pitchFamily="49" charset="0"/>
-              </a:rPr>
-              <a:t>smptClient</a:t>
-            </a:r>
-            <a:r>
-              <a:rPr lang="en-US" dirty="0">
-                <a:solidFill>
-                  <a:srgbClr val="D4D4D4"/>
-                </a:solidFill>
-                <a:latin typeface="Consolas" panose="020B0609020204030204" pitchFamily="49" charset="0"/>
-              </a:rPr>
-              <a:t> = </a:t>
-            </a:r>
-            <a:r>
-              <a:rPr lang="en-US" dirty="0">
-                <a:solidFill>
-                  <a:srgbClr val="569CD6"/>
-                </a:solidFill>
-                <a:latin typeface="Consolas" panose="020B0609020204030204" pitchFamily="49" charset="0"/>
-              </a:rPr>
-              <a:t>new</a:t>
-            </a:r>
-            <a:r>
-              <a:rPr lang="en-US" dirty="0">
-                <a:solidFill>
-                  <a:srgbClr val="D4D4D4"/>
-                </a:solidFill>
-                <a:latin typeface="Consolas" panose="020B0609020204030204" pitchFamily="49" charset="0"/>
-              </a:rPr>
-              <a:t> </a:t>
-            </a:r>
-            <a:r>
-              <a:rPr lang="en-US" dirty="0" err="1">
-                <a:solidFill>
-                  <a:srgbClr val="4EC9B0"/>
-                </a:solidFill>
-                <a:latin typeface="Consolas" panose="020B0609020204030204" pitchFamily="49" charset="0"/>
-              </a:rPr>
-              <a:t>SmtpClient</a:t>
-            </a:r>
-            <a:r>
-              <a:rPr lang="en-US" dirty="0">
-                <a:solidFill>
-                  <a:srgbClr val="D4D4D4"/>
-                </a:solidFill>
-                <a:latin typeface="Consolas" panose="020B0609020204030204" pitchFamily="49" charset="0"/>
-              </a:rPr>
-              <a:t>(</a:t>
-            </a:r>
-            <a:r>
-              <a:rPr lang="en-US" dirty="0">
-                <a:solidFill>
-                  <a:srgbClr val="CE9178"/>
-                </a:solidFill>
-                <a:latin typeface="Consolas" panose="020B0609020204030204" pitchFamily="49" charset="0"/>
-              </a:rPr>
-              <a:t>"localhost"</a:t>
-            </a:r>
-            <a:r>
-              <a:rPr lang="en-US" dirty="0">
-                <a:solidFill>
-                  <a:srgbClr val="D4D4D4"/>
-                </a:solidFill>
-                <a:latin typeface="Consolas" panose="020B0609020204030204" pitchFamily="49" charset="0"/>
-              </a:rPr>
-              <a:t>);</a:t>
-            </a:r>
-          </a:p>
-          <a:p>
-            <a:pPr lvl="2"/>
-            <a:r>
-              <a:rPr lang="en-US" dirty="0" err="1">
-                <a:solidFill>
-                  <a:srgbClr val="9CDCFE"/>
-                </a:solidFill>
-                <a:latin typeface="Consolas" panose="020B0609020204030204" pitchFamily="49" charset="0"/>
-              </a:rPr>
-              <a:t>smtpClient</a:t>
-            </a:r>
-            <a:r>
-              <a:rPr lang="en-US" dirty="0" err="1">
-                <a:solidFill>
-                  <a:srgbClr val="D4D4D4"/>
-                </a:solidFill>
-                <a:latin typeface="Consolas" panose="020B0609020204030204" pitchFamily="49" charset="0"/>
-              </a:rPr>
-              <a:t>.</a:t>
-            </a:r>
-            <a:r>
-              <a:rPr lang="en-US" dirty="0" err="1">
-                <a:solidFill>
-                  <a:srgbClr val="DCDCAA"/>
-                </a:solidFill>
-                <a:latin typeface="Consolas" panose="020B0609020204030204" pitchFamily="49" charset="0"/>
-              </a:rPr>
-              <a:t>Send</a:t>
-            </a:r>
-            <a:r>
-              <a:rPr lang="en-US" dirty="0">
-                <a:solidFill>
-                  <a:srgbClr val="D4D4D4"/>
-                </a:solidFill>
-                <a:latin typeface="Consolas" panose="020B0609020204030204" pitchFamily="49" charset="0"/>
-              </a:rPr>
-              <a:t>(</a:t>
-            </a:r>
-            <a:r>
-              <a:rPr lang="en-US" dirty="0" err="1">
-                <a:solidFill>
-                  <a:srgbClr val="9CDCFE"/>
-                </a:solidFill>
-                <a:latin typeface="Consolas" panose="020B0609020204030204" pitchFamily="49" charset="0"/>
-              </a:rPr>
-              <a:t>myMessage</a:t>
-            </a:r>
-            <a:r>
-              <a:rPr lang="en-US" dirty="0">
-                <a:solidFill>
-                  <a:srgbClr val="D4D4D4"/>
-                </a:solidFill>
-                <a:latin typeface="Consolas" panose="020B0609020204030204" pitchFamily="49" charset="0"/>
-              </a:rPr>
-              <a:t>); </a:t>
-            </a:r>
-          </a:p>
-          <a:p>
-            <a:pPr lvl="1"/>
-            <a:r>
-              <a:rPr lang="en-US" dirty="0">
-                <a:solidFill>
-                  <a:srgbClr val="D4D4D4"/>
-                </a:solidFill>
-                <a:latin typeface="Consolas" panose="020B0609020204030204" pitchFamily="49" charset="0"/>
-              </a:rPr>
-              <a:t>}</a:t>
-            </a:r>
-          </a:p>
-          <a:p>
-            <a:r>
-              <a:rPr lang="en-US" dirty="0">
-                <a:solidFill>
-                  <a:srgbClr val="D4D4D4"/>
-                </a:solidFill>
-                <a:latin typeface="Consolas" panose="020B0609020204030204" pitchFamily="49" charset="0"/>
-              </a:rPr>
-              <a:t>}</a:t>
-            </a:r>
-            <a:endParaRPr lang="en-US" b="0" dirty="0">
+              <a:t>, </a:t>
+            </a:r>
+            <a:endParaRPr lang="en-US" dirty="0">
               <a:solidFill>
                 <a:srgbClr val="D4D4D4"/>
               </a:solidFill>
-              <a:effectLst/>
               <a:latin typeface="Consolas" panose="020B0609020204030204" pitchFamily="49" charset="0"/>
             </a:endParaRPr>
+          </a:p>
+          <a:p>
+            <a:pPr lvl="2"/>
+            <a:r>
+              <a:rPr lang="en-US" dirty="0">
+                <a:solidFill>
+                  <a:srgbClr val="D4D4D4"/>
+                </a:solidFill>
+                <a:latin typeface="Consolas" panose="020B0609020204030204" pitchFamily="49" charset="0"/>
+              </a:rPr>
+              <a:t>	</a:t>
+            </a:r>
+            <a:r>
+              <a:rPr lang="en-US" dirty="0">
+                <a:solidFill>
+                  <a:srgbClr val="9CDCFE"/>
+                </a:solidFill>
+                <a:latin typeface="Consolas" panose="020B0609020204030204" pitchFamily="49" charset="0"/>
+              </a:rPr>
+              <a:t>subject</a:t>
+            </a:r>
+            <a:r>
+              <a:rPr lang="en-US" dirty="0">
+                <a:solidFill>
+                  <a:srgbClr val="D4D4D4"/>
+                </a:solidFill>
+                <a:latin typeface="Consolas" panose="020B0609020204030204" pitchFamily="49" charset="0"/>
+              </a:rPr>
+              <a:t>, </a:t>
+            </a:r>
+            <a:r>
+              <a:rPr lang="en-US" dirty="0">
+                <a:solidFill>
+                  <a:srgbClr val="9CDCFE"/>
+                </a:solidFill>
+                <a:latin typeface="Consolas" panose="020B0609020204030204" pitchFamily="49" charset="0"/>
+              </a:rPr>
+              <a:t>body</a:t>
+            </a:r>
+            <a:r>
+              <a:rPr lang="en-US" dirty="0">
+                <a:solidFill>
+                  <a:srgbClr val="D4D4D4"/>
+                </a:solidFill>
+                <a:latin typeface="Consolas" panose="020B0609020204030204" pitchFamily="49" charset="0"/>
+              </a:rPr>
+              <a:t>);</a:t>
+            </a:r>
+          </a:p>
+          <a:p>
+            <a:pPr lvl="2"/>
+            <a:r>
+              <a:rPr lang="en-US" dirty="0" err="1">
+                <a:solidFill>
+                  <a:srgbClr val="4EC9B0"/>
+                </a:solidFill>
+                <a:latin typeface="Consolas" panose="020B0609020204030204" pitchFamily="49" charset="0"/>
+              </a:rPr>
+              <a:t>SmtpClient</a:t>
+            </a:r>
+            <a:r>
+              <a:rPr lang="en-US" dirty="0">
+                <a:solidFill>
+                  <a:srgbClr val="D4D4D4"/>
+                </a:solidFill>
+                <a:latin typeface="Consolas" panose="020B0609020204030204" pitchFamily="49" charset="0"/>
+              </a:rPr>
+              <a:t> </a:t>
+            </a:r>
+            <a:r>
+              <a:rPr lang="en-US" dirty="0" err="1">
+                <a:solidFill>
+                  <a:srgbClr val="D4D4D4"/>
+                </a:solidFill>
+                <a:latin typeface="Consolas" panose="020B0609020204030204" pitchFamily="49" charset="0"/>
+              </a:rPr>
+              <a:t>smptClient</a:t>
+            </a:r>
+            <a:r>
+              <a:rPr lang="en-US" dirty="0">
+                <a:solidFill>
+                  <a:srgbClr val="D4D4D4"/>
+                </a:solidFill>
+                <a:latin typeface="Consolas" panose="020B0609020204030204" pitchFamily="49" charset="0"/>
+              </a:rPr>
+              <a:t> = </a:t>
+            </a:r>
+            <a:r>
+              <a:rPr lang="en-US" dirty="0">
+                <a:solidFill>
+                  <a:srgbClr val="569CD6"/>
+                </a:solidFill>
+                <a:latin typeface="Consolas" panose="020B0609020204030204" pitchFamily="49" charset="0"/>
+              </a:rPr>
+              <a:t>new</a:t>
+            </a:r>
+            <a:r>
+              <a:rPr lang="en-US" dirty="0">
+                <a:solidFill>
+                  <a:srgbClr val="D4D4D4"/>
+                </a:solidFill>
+                <a:latin typeface="Consolas" panose="020B0609020204030204" pitchFamily="49" charset="0"/>
+              </a:rPr>
+              <a:t> </a:t>
+            </a:r>
+            <a:r>
+              <a:rPr lang="en-US" dirty="0" err="1">
+                <a:solidFill>
+                  <a:srgbClr val="4EC9B0"/>
+                </a:solidFill>
+                <a:latin typeface="Consolas" panose="020B0609020204030204" pitchFamily="49" charset="0"/>
+              </a:rPr>
+              <a:t>SmtpClient</a:t>
+            </a:r>
+            <a:r>
+              <a:rPr lang="en-US" dirty="0">
+                <a:solidFill>
+                  <a:srgbClr val="D4D4D4"/>
+                </a:solidFill>
+                <a:latin typeface="Consolas" panose="020B0609020204030204" pitchFamily="49" charset="0"/>
+              </a:rPr>
+              <a:t>(</a:t>
+            </a:r>
+            <a:r>
+              <a:rPr lang="en-US" dirty="0">
+                <a:solidFill>
+                  <a:srgbClr val="CE9178"/>
+                </a:solidFill>
+                <a:latin typeface="Consolas" panose="020B0609020204030204" pitchFamily="49" charset="0"/>
+              </a:rPr>
+              <a:t>"localhost"</a:t>
+            </a:r>
+            <a:r>
+              <a:rPr lang="en-US" dirty="0">
+                <a:solidFill>
+                  <a:srgbClr val="D4D4D4"/>
+                </a:solidFill>
+                <a:latin typeface="Consolas" panose="020B0609020204030204" pitchFamily="49" charset="0"/>
+              </a:rPr>
+              <a:t>);</a:t>
+            </a:r>
+          </a:p>
+          <a:p>
+            <a:pPr lvl="2"/>
+            <a:r>
+              <a:rPr lang="en-US" dirty="0" err="1">
+                <a:solidFill>
+                  <a:srgbClr val="9CDCFE"/>
+                </a:solidFill>
+                <a:latin typeface="Consolas" panose="020B0609020204030204" pitchFamily="49" charset="0"/>
+              </a:rPr>
+              <a:t>smtpClient</a:t>
+            </a:r>
+            <a:r>
+              <a:rPr lang="en-US" dirty="0" err="1">
+                <a:solidFill>
+                  <a:srgbClr val="D4D4D4"/>
+                </a:solidFill>
+                <a:latin typeface="Consolas" panose="020B0609020204030204" pitchFamily="49" charset="0"/>
+              </a:rPr>
+              <a:t>.</a:t>
+            </a:r>
+            <a:r>
+              <a:rPr lang="en-US" dirty="0" err="1">
+                <a:solidFill>
+                  <a:srgbClr val="DCDCAA"/>
+                </a:solidFill>
+                <a:latin typeface="Consolas" panose="020B0609020204030204" pitchFamily="49" charset="0"/>
+              </a:rPr>
+              <a:t>Send</a:t>
+            </a:r>
+            <a:r>
+              <a:rPr lang="en-US" dirty="0">
+                <a:solidFill>
+                  <a:srgbClr val="D4D4D4"/>
+                </a:solidFill>
+                <a:latin typeface="Consolas" panose="020B0609020204030204" pitchFamily="49" charset="0"/>
+              </a:rPr>
+              <a:t>(</a:t>
+            </a:r>
+            <a:r>
+              <a:rPr lang="en-US" dirty="0" err="1">
+                <a:solidFill>
+                  <a:srgbClr val="9CDCFE"/>
+                </a:solidFill>
+                <a:latin typeface="Consolas" panose="020B0609020204030204" pitchFamily="49" charset="0"/>
+              </a:rPr>
+              <a:t>myMessage</a:t>
+            </a:r>
+            <a:r>
+              <a:rPr lang="en-US" dirty="0">
+                <a:solidFill>
+                  <a:srgbClr val="D4D4D4"/>
+                </a:solidFill>
+                <a:latin typeface="Consolas" panose="020B0609020204030204" pitchFamily="49" charset="0"/>
+              </a:rPr>
+              <a:t>); </a:t>
+            </a:r>
+          </a:p>
+          <a:p>
+            <a:pPr lvl="1"/>
+            <a:r>
+              <a:rPr lang="en-US" dirty="0">
+                <a:solidFill>
+                  <a:srgbClr val="D4D4D4"/>
+                </a:solidFill>
+                <a:latin typeface="Consolas" panose="020B0609020204030204" pitchFamily="49" charset="0"/>
+              </a:rPr>
+              <a:t>}</a:t>
+            </a:r>
+          </a:p>
+          <a:p>
+            <a:r>
+              <a:rPr lang="en-US" dirty="0">
+                <a:solidFill>
+                  <a:srgbClr val="D4D4D4"/>
+                </a:solidFill>
+                <a:latin typeface="Consolas" panose="020B0609020204030204" pitchFamily="49" charset="0"/>
+              </a:rPr>
+              <a:t>}</a:t>
+            </a:r>
           </a:p>
         </p:txBody>
       </p:sp>
@@ -18009,7 +17991,7 @@
         </p:nvSpPr>
         <p:spPr>
           <a:xfrm>
-            <a:off x="0" y="6237312"/>
+            <a:off x="1524000" y="6237312"/>
             <a:ext cx="9144000" cy="385192"/>
           </a:xfrm>
           <a:prstGeom prst="rect">
@@ -18062,7 +18044,7 @@
           <a:p>
             <a:pPr algn="r"/>
             <a:r>
-              <a:rPr lang="pt-BR" sz="1400" b="1" dirty="0" smtClean="0">
+              <a:rPr lang="pt-BR" sz="1400" b="1" dirty="0">
                 <a:solidFill>
                   <a:schemeClr val="bg1"/>
                 </a:solidFill>
@@ -18189,7 +18171,7 @@
         </p:nvSpPr>
         <p:spPr>
           <a:xfrm>
-            <a:off x="503548" y="1484784"/>
+            <a:off x="2027548" y="1484787"/>
             <a:ext cx="8136904" cy="5078313"/>
           </a:xfrm>
           <a:prstGeom prst="rect">
@@ -18432,7 +18414,7 @@
           <a:p>
             <a:pPr lvl="1"/>
             <a:r>
-              <a:rPr lang="en-US" dirty="0" smtClean="0">
+              <a:rPr lang="en-US" dirty="0">
                 <a:solidFill>
                   <a:srgbClr val="9CDCFE"/>
                 </a:solidFill>
@@ -18810,13 +18792,6 @@
               </a:rPr>
               <a:t>}</a:t>
             </a:r>
-            <a:endParaRPr lang="en-US" b="0" dirty="0">
-              <a:solidFill>
-                <a:srgbClr val="D4D4D4"/>
-              </a:solidFill>
-              <a:effectLst/>
-              <a:latin typeface="Consolas" panose="020B0609020204030204" pitchFamily="49" charset="0"/>
-            </a:endParaRPr>
           </a:p>
         </p:txBody>
       </p:sp>
@@ -18828,7 +18803,7 @@
         </p:nvSpPr>
         <p:spPr>
           <a:xfrm>
-            <a:off x="0" y="6237312"/>
+            <a:off x="1524000" y="6237312"/>
             <a:ext cx="9144000" cy="385192"/>
           </a:xfrm>
           <a:prstGeom prst="rect">
@@ -18881,7 +18856,7 @@
           <a:p>
             <a:pPr algn="r"/>
             <a:r>
-              <a:rPr lang="pt-BR" sz="1400" b="1" dirty="0" smtClean="0">
+              <a:rPr lang="pt-BR" sz="1400" b="1" dirty="0">
                 <a:solidFill>
                   <a:schemeClr val="bg1"/>
                 </a:solidFill>
@@ -18957,7 +18932,7 @@
         </p:nvCxnSpPr>
         <p:spPr>
           <a:xfrm>
-            <a:off x="3887924" y="4221088"/>
+            <a:off x="5411924" y="4221088"/>
             <a:ext cx="0" cy="889248"/>
           </a:xfrm>
           <a:prstGeom prst="straightConnector1">
@@ -18995,7 +18970,7 @@
         </p:nvCxnSpPr>
         <p:spPr>
           <a:xfrm flipH="1">
-            <a:off x="2195736" y="3886200"/>
+            <a:off x="3719736" y="3886200"/>
             <a:ext cx="864096" cy="0"/>
           </a:xfrm>
           <a:prstGeom prst="straightConnector1">
@@ -19031,7 +19006,7 @@
         </p:nvCxnSpPr>
         <p:spPr>
           <a:xfrm>
-            <a:off x="4716016" y="3886200"/>
+            <a:off x="6240016" y="3886200"/>
             <a:ext cx="1008112" cy="0"/>
           </a:xfrm>
           <a:prstGeom prst="straightConnector1">
@@ -19071,7 +19046,9 @@
         </p:nvSpPr>
         <p:spPr/>
         <p:txBody>
-          <a:bodyPr/>
+          <a:bodyPr>
+            <a:normAutofit fontScale="90000"/>
+          </a:bodyPr>
           <a:lstStyle/>
           <a:p>
             <a:r>
@@ -19090,7 +19067,7 @@
         </p:nvSpPr>
         <p:spPr>
           <a:xfrm>
-            <a:off x="2915816" y="3429000"/>
+            <a:off x="4439816" y="3429000"/>
             <a:ext cx="1944216" cy="914400"/>
           </a:xfrm>
           <a:prstGeom prst="rect">
@@ -19119,7 +19096,7 @@
           <a:p>
             <a:pPr algn="ctr"/>
             <a:r>
-              <a:rPr lang="pt-BR" dirty="0" smtClean="0">
+              <a:rPr lang="pt-BR" dirty="0">
                 <a:solidFill>
                   <a:schemeClr val="bg1"/>
                 </a:solidFill>
@@ -19142,7 +19119,7 @@
         </p:nvSpPr>
         <p:spPr>
           <a:xfrm>
-            <a:off x="2915816" y="1747664"/>
+            <a:off x="4439816" y="1747664"/>
             <a:ext cx="1944216" cy="914400"/>
           </a:xfrm>
           <a:prstGeom prst="rect">
@@ -19171,7 +19148,7 @@
           <a:p>
             <a:pPr algn="ctr"/>
             <a:r>
-              <a:rPr lang="pt-BR" dirty="0" err="1" smtClean="0">
+              <a:rPr lang="pt-BR" dirty="0" err="1">
                 <a:solidFill>
                   <a:schemeClr val="bg1"/>
                 </a:solidFill>
@@ -19179,7 +19156,7 @@
               <a:t>User</a:t>
             </a:r>
             <a:r>
-              <a:rPr lang="pt-BR" dirty="0" smtClean="0">
+              <a:rPr lang="pt-BR" dirty="0">
                 <a:solidFill>
                   <a:schemeClr val="bg1"/>
                 </a:solidFill>
@@ -19202,7 +19179,7 @@
         </p:nvSpPr>
         <p:spPr>
           <a:xfrm>
-            <a:off x="2915816" y="5110336"/>
+            <a:off x="4439816" y="5110336"/>
             <a:ext cx="1944216" cy="914400"/>
           </a:xfrm>
           <a:prstGeom prst="rect">
@@ -19231,7 +19208,7 @@
           <a:p>
             <a:pPr algn="ctr"/>
             <a:r>
-              <a:rPr lang="pt-BR" dirty="0" smtClean="0">
+              <a:rPr lang="pt-BR" dirty="0">
                 <a:solidFill>
                   <a:schemeClr val="bg1"/>
                 </a:solidFill>
@@ -19257,7 +19234,7 @@
         </p:nvCxnSpPr>
         <p:spPr>
           <a:xfrm>
-            <a:off x="3887924" y="2662064"/>
+            <a:off x="5411924" y="2662064"/>
             <a:ext cx="0" cy="766936"/>
           </a:xfrm>
           <a:prstGeom prst="straightConnector1">
@@ -19293,7 +19270,7 @@
         </p:nvSpPr>
         <p:spPr>
           <a:xfrm>
-            <a:off x="7491227" y="1747664"/>
+            <a:off x="9015230" y="1747664"/>
             <a:ext cx="797159" cy="4277072"/>
           </a:xfrm>
           <a:prstGeom prst="rect">
@@ -19322,7 +19299,7 @@
           <a:p>
             <a:pPr algn="ctr"/>
             <a:r>
-              <a:rPr lang="pt-BR" dirty="0" smtClean="0">
+              <a:rPr lang="pt-BR" dirty="0">
                 <a:solidFill>
                   <a:schemeClr val="bg1"/>
                 </a:solidFill>
@@ -19345,7 +19322,7 @@
         </p:nvSpPr>
         <p:spPr>
           <a:xfrm>
-            <a:off x="251520" y="3429000"/>
+            <a:off x="1775520" y="3429000"/>
             <a:ext cx="1944216" cy="914400"/>
           </a:xfrm>
           <a:prstGeom prst="rect">
@@ -19374,30 +19351,22 @@
           <a:p>
             <a:pPr algn="ctr"/>
             <a:r>
-              <a:rPr lang="pt-BR" dirty="0" smtClean="0">
+              <a:rPr lang="pt-BR" dirty="0">
                 <a:solidFill>
                   <a:schemeClr val="bg1"/>
                 </a:solidFill>
               </a:rPr>
               <a:t>Outras Portas</a:t>
             </a:r>
-            <a:r>
-              <a:rPr lang="pt-BR" dirty="0" smtClean="0">
+            <a:br>
+              <a:rPr lang="pt-BR" dirty="0">
                 <a:solidFill>
                   <a:schemeClr val="bg1"/>
                 </a:solidFill>
               </a:rPr>
-              <a:t/>
-            </a:r>
-            <a:br>
-              <a:rPr lang="pt-BR" dirty="0" smtClean="0">
-                <a:solidFill>
-                  <a:schemeClr val="bg1"/>
-                </a:solidFill>
-              </a:rPr>
             </a:br>
             <a:r>
-              <a:rPr lang="pt-BR" dirty="0" smtClean="0">
+              <a:rPr lang="pt-BR" dirty="0">
                 <a:solidFill>
                   <a:schemeClr val="bg1"/>
                 </a:solidFill>
@@ -19422,7 +19391,7 @@
         </p:nvCxnSpPr>
         <p:spPr>
           <a:xfrm>
-            <a:off x="4860032" y="5567536"/>
+            <a:off x="6384032" y="5567536"/>
             <a:ext cx="2592288" cy="0"/>
           </a:xfrm>
           <a:prstGeom prst="straightConnector1">
@@ -19460,7 +19429,7 @@
         </p:nvCxnSpPr>
         <p:spPr>
           <a:xfrm>
-            <a:off x="4860032" y="2204864"/>
+            <a:off x="6384032" y="2204864"/>
             <a:ext cx="2592288" cy="0"/>
           </a:xfrm>
           <a:prstGeom prst="straightConnector1">
@@ -19496,7 +19465,7 @@
         </p:nvSpPr>
         <p:spPr>
           <a:xfrm>
-            <a:off x="5724128" y="3475630"/>
+            <a:off x="7248128" y="3475630"/>
             <a:ext cx="936104" cy="914400"/>
           </a:xfrm>
           <a:prstGeom prst="rect">
@@ -19525,7 +19494,7 @@
           <a:p>
             <a:pPr algn="ctr"/>
             <a:r>
-              <a:rPr lang="pt-BR" dirty="0" smtClean="0">
+              <a:rPr lang="pt-BR" dirty="0">
                 <a:solidFill>
                   <a:schemeClr val="bg1"/>
                 </a:solidFill>
@@ -19550,7 +19519,7 @@
         </p:nvCxnSpPr>
         <p:spPr>
           <a:xfrm>
-            <a:off x="6660232" y="3932830"/>
+            <a:off x="8184232" y="3932830"/>
             <a:ext cx="792088" cy="0"/>
           </a:xfrm>
           <a:prstGeom prst="straightConnector1">
@@ -19589,7 +19558,7 @@
         </p:nvCxnSpPr>
         <p:spPr>
           <a:xfrm rot="16200000" flipH="1">
-            <a:off x="3716049" y="1850978"/>
+            <a:off x="5240049" y="1850981"/>
             <a:ext cx="1681336" cy="6666179"/>
           </a:xfrm>
           <a:prstGeom prst="bentConnector3">
@@ -19743,14 +19712,6 @@
 <file path=ppt/slides/slide26.xml><?xml version="1.0" encoding="utf-8"?>
 <p:sld xmlns:a="http://schemas.openxmlformats.org/drawingml/2006/main" xmlns:r="http://schemas.openxmlformats.org/officeDocument/2006/relationships" xmlns:p="http://schemas.openxmlformats.org/presentationml/2006/main">
   <p:cSld>
-    <p:bg>
-      <p:bgPr>
-        <a:solidFill>
-          <a:srgbClr val="00B050"/>
-        </a:solidFill>
-        <a:effectLst/>
-      </p:bgPr>
-    </p:bg>
     <p:spTree>
       <p:nvGrpSpPr>
         <p:cNvPr id="1" name=""/>
@@ -20243,6 +20204,54 @@
           </a:p>
         </p:txBody>
       </p:sp>
+      <p:sp>
+        <p:nvSpPr>
+          <p:cNvPr id="8" name="Espaço Reservado para Conteúdo 2"/>
+          <p:cNvSpPr>
+            <a:spLocks noGrp="1"/>
+          </p:cNvSpPr>
+          <p:nvPr>
+            <p:ph idx="1"/>
+          </p:nvPr>
+        </p:nvSpPr>
+        <p:spPr>
+          <a:xfrm>
+            <a:off x="2783632" y="5733256"/>
+            <a:ext cx="4082132" cy="936104"/>
+          </a:xfrm>
+        </p:spPr>
+        <p:txBody>
+          <a:bodyPr>
+            <a:normAutofit fontScale="92500"/>
+          </a:bodyPr>
+          <a:lstStyle/>
+          <a:p>
+            <a:pPr marL="0" indent="0" algn="ctr">
+              <a:buNone/>
+            </a:pPr>
+            <a:r>
+              <a:rPr lang="pt-BR" dirty="0" smtClean="0"/>
+              <a:t>Robert C. Martin (</a:t>
+            </a:r>
+            <a:r>
+              <a:rPr lang="pt-BR" dirty="0" err="1" smtClean="0"/>
+              <a:t>Uncle</a:t>
+            </a:r>
+            <a:r>
+              <a:rPr lang="pt-BR" dirty="0" smtClean="0"/>
+              <a:t> Bob)</a:t>
+            </a:r>
+            <a:br>
+              <a:rPr lang="pt-BR" dirty="0" smtClean="0"/>
+            </a:br>
+            <a:r>
+              <a:rPr lang="pt-BR" dirty="0" smtClean="0"/>
+              <a:t>Manifesto Ágil</a:t>
+            </a:r>
+            <a:endParaRPr lang="pt-BR" dirty="0"/>
+          </a:p>
+        </p:txBody>
+      </p:sp>
       <p:pic>
         <p:nvPicPr>
           <p:cNvPr id="1026" name="Picture 2"/>
@@ -20266,7 +20275,7 @@
         </p:blipFill>
         <p:spPr bwMode="auto">
           <a:xfrm>
-            <a:off x="179512" y="1946101"/>
+            <a:off x="1703512" y="1946101"/>
             <a:ext cx="2995068" cy="2995068"/>
           </a:xfrm>
           <a:prstGeom prst="rect">
@@ -20299,59 +20308,13 @@
       </p:pic>
       <p:sp>
         <p:nvSpPr>
-          <p:cNvPr id="8" name="Espaço Reservado para Conteúdo 2"/>
-          <p:cNvSpPr>
-            <a:spLocks noGrp="1"/>
-          </p:cNvSpPr>
-          <p:nvPr>
-            <p:ph idx="1"/>
-          </p:nvPr>
-        </p:nvSpPr>
-        <p:spPr>
-          <a:xfrm>
-            <a:off x="1259632" y="5733256"/>
-            <a:ext cx="4082132" cy="936104"/>
-          </a:xfrm>
-        </p:spPr>
-        <p:txBody>
-          <a:bodyPr/>
-          <a:lstStyle/>
-          <a:p>
-            <a:pPr marL="0" indent="0" algn="ctr">
-              <a:buNone/>
-            </a:pPr>
-            <a:r>
-              <a:rPr lang="pt-BR" dirty="0" smtClean="0"/>
-              <a:t>Robert C. Martin (</a:t>
-            </a:r>
-            <a:r>
-              <a:rPr lang="pt-BR" dirty="0" err="1" smtClean="0"/>
-              <a:t>Uncle</a:t>
-            </a:r>
-            <a:r>
-              <a:rPr lang="pt-BR" dirty="0" smtClean="0"/>
-              <a:t> Bob)</a:t>
-            </a:r>
-            <a:br>
-              <a:rPr lang="pt-BR" dirty="0" smtClean="0"/>
-            </a:br>
-            <a:r>
-              <a:rPr lang="pt-BR" dirty="0" smtClean="0"/>
-              <a:t>Manifesto Ágil</a:t>
-            </a:r>
-            <a:endParaRPr lang="pt-BR" dirty="0"/>
-          </a:p>
-        </p:txBody>
-      </p:sp>
-      <p:sp>
-        <p:nvSpPr>
           <p:cNvPr id="4" name="Retângulo 3"/>
           <p:cNvSpPr/>
           <p:nvPr/>
         </p:nvSpPr>
         <p:spPr>
           <a:xfrm>
-            <a:off x="790938" y="4942240"/>
+            <a:off x="2314938" y="4942243"/>
             <a:ext cx="1772216" cy="646331"/>
           </a:xfrm>
           <a:prstGeom prst="rect">
@@ -20366,11 +20329,11 @@
           <a:p>
             <a:pPr algn="ctr"/>
             <a:r>
-              <a:rPr lang="pt-BR" dirty="0" smtClean="0"/>
+              <a:rPr lang="pt-BR" dirty="0"/>
               <a:t>1995</a:t>
             </a:r>
             <a:br>
-              <a:rPr lang="pt-BR" dirty="0" smtClean="0"/>
+              <a:rPr lang="pt-BR" dirty="0"/>
             </a:br>
             <a:r>
               <a:rPr lang="pt-BR" dirty="0"/>
@@ -20389,7 +20352,7 @@
         </p:nvSpPr>
         <p:spPr>
           <a:xfrm>
-            <a:off x="3491880" y="1825625"/>
+            <a:off x="5015880" y="1825628"/>
             <a:ext cx="5023470" cy="3116615"/>
           </a:xfrm>
           <a:prstGeom prst="rect">
@@ -20664,7 +20627,7 @@
               <a:buNone/>
             </a:pPr>
             <a:r>
-              <a:rPr lang="pt-BR" dirty="0" smtClean="0"/>
+              <a:rPr lang="pt-BR" dirty="0"/>
               <a:t>“Existem muitas dependências, dependências em todos os lugares” </a:t>
             </a:r>
             <a:endParaRPr lang="pt-BR" dirty="0"/>
@@ -20809,6 +20772,54 @@
           </a:p>
         </p:txBody>
       </p:sp>
+      <p:sp>
+        <p:nvSpPr>
+          <p:cNvPr id="8" name="Espaço Reservado para Conteúdo 2"/>
+          <p:cNvSpPr>
+            <a:spLocks noGrp="1"/>
+          </p:cNvSpPr>
+          <p:nvPr>
+            <p:ph idx="1"/>
+          </p:nvPr>
+        </p:nvSpPr>
+        <p:spPr>
+          <a:xfrm>
+            <a:off x="2783632" y="5733256"/>
+            <a:ext cx="4082132" cy="936104"/>
+          </a:xfrm>
+        </p:spPr>
+        <p:txBody>
+          <a:bodyPr>
+            <a:normAutofit fontScale="92500"/>
+          </a:bodyPr>
+          <a:lstStyle/>
+          <a:p>
+            <a:pPr marL="0" indent="0" algn="ctr">
+              <a:buNone/>
+            </a:pPr>
+            <a:r>
+              <a:rPr lang="pt-BR" dirty="0" smtClean="0"/>
+              <a:t>Robert C. Martin (</a:t>
+            </a:r>
+            <a:r>
+              <a:rPr lang="pt-BR" dirty="0" err="1" smtClean="0"/>
+              <a:t>Uncle</a:t>
+            </a:r>
+            <a:r>
+              <a:rPr lang="pt-BR" dirty="0" smtClean="0"/>
+              <a:t> Bob)</a:t>
+            </a:r>
+            <a:br>
+              <a:rPr lang="pt-BR" dirty="0" smtClean="0"/>
+            </a:br>
+            <a:r>
+              <a:rPr lang="pt-BR" dirty="0" smtClean="0"/>
+              <a:t>Manifesto Ágil</a:t>
+            </a:r>
+            <a:endParaRPr lang="pt-BR" dirty="0"/>
+          </a:p>
+        </p:txBody>
+      </p:sp>
       <p:pic>
         <p:nvPicPr>
           <p:cNvPr id="1030" name="Picture 6" descr="https://images-na.ssl-images-amazon.com/images/I/51yHf-4GaSL._SX393_BO1,204,203,200_.jpg"/>
@@ -20832,7 +20843,7 @@
         </p:blipFill>
         <p:spPr bwMode="auto">
           <a:xfrm>
-            <a:off x="3491880" y="1916384"/>
+            <a:off x="5015880" y="1916384"/>
             <a:ext cx="2394368" cy="3024784"/>
           </a:xfrm>
           <a:prstGeom prst="rect">
@@ -20873,7 +20884,7 @@
         </p:blipFill>
         <p:spPr bwMode="auto">
           <a:xfrm>
-            <a:off x="6228184" y="1916384"/>
+            <a:off x="7752187" y="1916384"/>
             <a:ext cx="2480323" cy="3024784"/>
           </a:xfrm>
           <a:prstGeom prst="rect">
@@ -20914,7 +20925,7 @@
         </p:blipFill>
         <p:spPr bwMode="auto">
           <a:xfrm>
-            <a:off x="179512" y="1946101"/>
+            <a:off x="1703512" y="1946101"/>
             <a:ext cx="2995068" cy="2995068"/>
           </a:xfrm>
           <a:prstGeom prst="rect">
@@ -20947,59 +20958,13 @@
       </p:pic>
       <p:sp>
         <p:nvSpPr>
-          <p:cNvPr id="8" name="Espaço Reservado para Conteúdo 2"/>
-          <p:cNvSpPr>
-            <a:spLocks noGrp="1"/>
-          </p:cNvSpPr>
-          <p:nvPr>
-            <p:ph idx="1"/>
-          </p:nvPr>
-        </p:nvSpPr>
-        <p:spPr>
-          <a:xfrm>
-            <a:off x="1259632" y="5733256"/>
-            <a:ext cx="4082132" cy="936104"/>
-          </a:xfrm>
-        </p:spPr>
-        <p:txBody>
-          <a:bodyPr/>
-          <a:lstStyle/>
-          <a:p>
-            <a:pPr marL="0" indent="0" algn="ctr">
-              <a:buNone/>
-            </a:pPr>
-            <a:r>
-              <a:rPr lang="pt-BR" dirty="0" smtClean="0"/>
-              <a:t>Robert C. Martin (</a:t>
-            </a:r>
-            <a:r>
-              <a:rPr lang="pt-BR" dirty="0" err="1" smtClean="0"/>
-              <a:t>Uncle</a:t>
-            </a:r>
-            <a:r>
-              <a:rPr lang="pt-BR" dirty="0" smtClean="0"/>
-              <a:t> Bob)</a:t>
-            </a:r>
-            <a:br>
-              <a:rPr lang="pt-BR" dirty="0" smtClean="0"/>
-            </a:br>
-            <a:r>
-              <a:rPr lang="pt-BR" dirty="0" smtClean="0"/>
-              <a:t>Manifesto Ágil</a:t>
-            </a:r>
-            <a:endParaRPr lang="pt-BR" dirty="0"/>
-          </a:p>
-        </p:txBody>
-      </p:sp>
-      <p:sp>
-        <p:nvSpPr>
           <p:cNvPr id="4" name="Retângulo 3"/>
           <p:cNvSpPr/>
           <p:nvPr/>
         </p:nvSpPr>
         <p:spPr>
           <a:xfrm>
-            <a:off x="790938" y="4942240"/>
+            <a:off x="2314938" y="4942243"/>
             <a:ext cx="1772216" cy="646331"/>
           </a:xfrm>
           <a:prstGeom prst="rect">
@@ -21014,11 +20979,11 @@
           <a:p>
             <a:pPr algn="ctr"/>
             <a:r>
-              <a:rPr lang="pt-BR" dirty="0" smtClean="0"/>
+              <a:rPr lang="pt-BR" dirty="0"/>
               <a:t>1995</a:t>
             </a:r>
             <a:br>
-              <a:rPr lang="pt-BR" dirty="0" smtClean="0"/>
+              <a:rPr lang="pt-BR" dirty="0"/>
             </a:br>
             <a:r>
               <a:rPr lang="pt-BR" dirty="0"/>
@@ -21035,7 +21000,7 @@
         </p:nvSpPr>
         <p:spPr>
           <a:xfrm>
-            <a:off x="4268923" y="4942240"/>
+            <a:off x="5792923" y="4942243"/>
             <a:ext cx="650178" cy="646331"/>
           </a:xfrm>
           <a:prstGeom prst="rect">
@@ -21050,14 +21015,14 @@
           <a:p>
             <a:pPr algn="ctr"/>
             <a:r>
-              <a:rPr lang="pt-BR" dirty="0" smtClean="0"/>
+              <a:rPr lang="pt-BR" dirty="0"/>
               <a:t>2002</a:t>
             </a:r>
             <a:br>
-              <a:rPr lang="pt-BR" dirty="0" smtClean="0"/>
+              <a:rPr lang="pt-BR" dirty="0"/>
             </a:br>
             <a:r>
-              <a:rPr lang="pt-BR" dirty="0" smtClean="0"/>
+              <a:rPr lang="pt-BR" dirty="0"/>
               <a:t>PPP</a:t>
             </a:r>
             <a:endParaRPr lang="pt-BR" dirty="0"/>
@@ -21072,7 +21037,7 @@
         </p:nvSpPr>
         <p:spPr>
           <a:xfrm>
-            <a:off x="6347400" y="4942240"/>
+            <a:off x="7871403" y="4942243"/>
             <a:ext cx="2241897" cy="646331"/>
           </a:xfrm>
           <a:prstGeom prst="rect">
@@ -21087,26 +21052,26 @@
           <a:p>
             <a:pPr algn="ctr"/>
             <a:r>
-              <a:rPr lang="pt-BR" dirty="0" smtClean="0"/>
+              <a:rPr lang="pt-BR" dirty="0"/>
               <a:t>2015 e 2017</a:t>
             </a:r>
             <a:br>
-              <a:rPr lang="pt-BR" dirty="0" smtClean="0"/>
+              <a:rPr lang="pt-BR" dirty="0"/>
             </a:br>
             <a:r>
-              <a:rPr lang="pt-BR" dirty="0" err="1" smtClean="0"/>
+              <a:rPr lang="pt-BR" dirty="0" err="1"/>
               <a:t>Adaptive</a:t>
             </a:r>
             <a:r>
-              <a:rPr lang="pt-BR" dirty="0" smtClean="0"/>
+              <a:rPr lang="pt-BR" dirty="0"/>
               <a:t> </a:t>
             </a:r>
             <a:r>
-              <a:rPr lang="pt-BR" dirty="0" err="1" smtClean="0"/>
+              <a:rPr lang="pt-BR" dirty="0" err="1"/>
               <a:t>Code</a:t>
             </a:r>
             <a:r>
-              <a:rPr lang="pt-BR" dirty="0" smtClean="0"/>
+              <a:rPr lang="pt-BR" dirty="0"/>
               <a:t> (.NET)</a:t>
             </a:r>
             <a:endParaRPr lang="pt-BR" dirty="0"/>
@@ -21123,7 +21088,7 @@
         </p:nvSpPr>
         <p:spPr>
           <a:xfrm>
-            <a:off x="6136200" y="5765799"/>
+            <a:off x="7660200" y="5765799"/>
             <a:ext cx="2664296" cy="936104"/>
           </a:xfrm>
           <a:prstGeom prst="rect">
@@ -21395,19 +21360,18 @@
           </a:lstStyle>
           <a:p>
             <a:pPr marL="0" indent="0">
-              <a:buFont typeface="Arial" panose="020B0604020202020204" pitchFamily="34" charset="0"/>
               <a:buNone/>
             </a:pPr>
             <a:r>
-              <a:rPr lang="pt-BR" dirty="0" smtClean="0"/>
+              <a:rPr lang="pt-BR" dirty="0"/>
               <a:t>Gary </a:t>
             </a:r>
             <a:r>
-              <a:rPr lang="pt-BR" dirty="0" err="1" smtClean="0"/>
+              <a:rPr lang="pt-BR" dirty="0" err="1"/>
               <a:t>McLean</a:t>
             </a:r>
             <a:r>
-              <a:rPr lang="pt-BR" dirty="0" smtClean="0"/>
+              <a:rPr lang="pt-BR" dirty="0"/>
               <a:t> Hall</a:t>
             </a:r>
             <a:endParaRPr lang="pt-BR" dirty="0"/>
@@ -22031,7 +21995,7 @@
         </p:nvSpPr>
         <p:spPr bwMode="auto">
           <a:xfrm>
-            <a:off x="155575" y="-144463"/>
+            <a:off x="1679575" y="-144463"/>
             <a:ext cx="304800" cy="304801"/>
           </a:xfrm>
           <a:prstGeom prst="rect">
@@ -22143,7 +22107,7 @@
         </p:nvSpPr>
         <p:spPr bwMode="auto">
           <a:xfrm>
-            <a:off x="155575" y="-144463"/>
+            <a:off x="1679575" y="-144463"/>
             <a:ext cx="304800" cy="304801"/>
           </a:xfrm>
           <a:prstGeom prst="rect">
@@ -22195,7 +22159,7 @@
         </p:blipFill>
         <p:spPr bwMode="auto">
           <a:xfrm>
-            <a:off x="1619671" y="2207675"/>
+            <a:off x="3143674" y="2207675"/>
             <a:ext cx="6086475" cy="3314700"/>
           </a:xfrm>
           <a:prstGeom prst="rect">
@@ -22234,7 +22198,7 @@
         </p:nvSpPr>
         <p:spPr>
           <a:xfrm>
-            <a:off x="147593" y="6381328"/>
+            <a:off x="1671593" y="6381328"/>
             <a:ext cx="6344316" cy="369332"/>
           </a:xfrm>
           <a:prstGeom prst="rect">
@@ -22308,7 +22272,7 @@
         <p:spPr/>
         <p:txBody>
           <a:bodyPr>
-            <a:normAutofit/>
+            <a:normAutofit fontScale="90000"/>
           </a:bodyPr>
           <a:lstStyle/>
           <a:p>
@@ -22332,13 +22296,13 @@
         </p:nvSpPr>
         <p:spPr>
           <a:xfrm>
-            <a:off x="840000" y="1825625"/>
+            <a:off x="2364000" y="1825625"/>
             <a:ext cx="7675350" cy="4351338"/>
           </a:xfrm>
         </p:spPr>
         <p:txBody>
           <a:bodyPr numCol="2">
-            <a:normAutofit/>
+            <a:normAutofit lnSpcReduction="10000"/>
           </a:bodyPr>
           <a:lstStyle/>
           <a:p>
@@ -23193,7 +23157,7 @@
 <file path=ppt/theme/theme2.xml><?xml version="1.0" encoding="utf-8"?>
 <a:theme xmlns:a="http://schemas.openxmlformats.org/drawingml/2006/main" name="Profundidade">
   <a:themeElements>
-    <a:clrScheme name="Escala de Cinza">
+    <a:clrScheme name="Profundidade">
       <a:dk1>
         <a:sysClr val="windowText" lastClr="000000"/>
       </a:dk1>
@@ -23201,34 +23165,34 @@
         <a:sysClr val="window" lastClr="FFFFFF"/>
       </a:lt1>
       <a:dk2>
-        <a:srgbClr val="000000"/>
+        <a:srgbClr val="4B4B4B"/>
       </a:dk2>
       <a:lt2>
-        <a:srgbClr val="F8F8F8"/>
+        <a:srgbClr val="8ED5C1"/>
       </a:lt2>
       <a:accent1>
-        <a:srgbClr val="DDDDDD"/>
+        <a:srgbClr val="73CBB2"/>
       </a:accent1>
       <a:accent2>
-        <a:srgbClr val="B2B2B2"/>
+        <a:srgbClr val="AACD5B"/>
       </a:accent2>
       <a:accent3>
-        <a:srgbClr val="969696"/>
+        <a:srgbClr val="65A9E1"/>
       </a:accent3>
       <a:accent4>
-        <a:srgbClr val="808080"/>
+        <a:srgbClr val="6274D8"/>
       </a:accent4>
       <a:accent5>
-        <a:srgbClr val="5F5F5F"/>
+        <a:srgbClr val="AB54D7"/>
       </a:accent5>
       <a:accent6>
-        <a:srgbClr val="4D4D4D"/>
+        <a:srgbClr val="D15B37"/>
       </a:accent6>
       <a:hlink>
-        <a:srgbClr val="5F5F5F"/>
+        <a:srgbClr val="BFE962"/>
       </a:hlink>
       <a:folHlink>
-        <a:srgbClr val="919191"/>
+        <a:srgbClr val="C0D591"/>
       </a:folHlink>
     </a:clrScheme>
     <a:fontScheme name="Profundidade">
@@ -23445,7 +23409,7 @@
   <a:extraClrSchemeLst/>
   <a:extLst>
     <a:ext uri="{05A4C25C-085E-4340-85A3-A5531E510DB2}">
-      <thm15:themeFamily xmlns:thm15="http://schemas.microsoft.com/office/thememl/2012/main" xmlns="" name="Depth" id="{7BEAFC2A-325C-49C4-AC08-2B765DA903F9}" vid="{47428100-C732-4B2E-A30A-5273F581A0FA}"/>
+      <thm15:themeFamily xmlns:thm15="http://schemas.microsoft.com/office/thememl/2012/main" name="Depth" id="{7BEAFC2A-325C-49C4-AC08-2B765DA903F9}" vid="{47428100-C732-4B2E-A30A-5273F581A0FA}"/>
     </a:ext>
   </a:extLst>
 </a:theme>
